--- a/asset/Learn/ITA-version-up.pptx
+++ b/asset/Learn/ITA-version-up.pptx
@@ -314,7 +314,7 @@
               <a:rPr kumimoji="1" lang="ja-JP" altLang="en-US" smtClean="0">
                 <a:ea typeface="メイリオ" panose="020B0604030504040204" pitchFamily="50" charset="-128"/>
               </a:rPr>
-              <a:t>2020/9/3</a:t>
+              <a:t>2020/10/2</a:t>
             </a:fld>
             <a:endParaRPr kumimoji="1" lang="ja-JP" altLang="en-US" dirty="0">
               <a:ea typeface="メイリオ" panose="020B0604030504040204" pitchFamily="50" charset="-128"/>
@@ -460,7 +460,7 @@
             <a:fld id="{4B26993D-C081-44EB-B0F5-A9F467792B62}" type="datetimeFigureOut">
               <a:rPr lang="ja-JP" altLang="en-US" smtClean="0"/>
               <a:pPr/>
-              <a:t>2020/9/3</a:t>
+              <a:t>2020/10/2</a:t>
             </a:fld>
             <a:endParaRPr lang="ja-JP" altLang="en-US" dirty="0"/>
           </a:p>
@@ -1083,7 +1083,7 @@
           <a:p>
             <a:fld id="{56F9016B-CCA6-43BE-8BEE-59565A35F4F7}" type="datetimeFigureOut">
               <a:rPr kumimoji="1" lang="ja-JP" altLang="en-US" smtClean="0"/>
-              <a:t>2020/9/3</a:t>
+              <a:t>2020/10/2</a:t>
             </a:fld>
             <a:endParaRPr kumimoji="1" lang="ja-JP" altLang="en-US"/>
           </a:p>
@@ -1285,7 +1285,7 @@
           <a:p>
             <a:fld id="{56F9016B-CCA6-43BE-8BEE-59565A35F4F7}" type="datetimeFigureOut">
               <a:rPr kumimoji="1" lang="ja-JP" altLang="en-US" smtClean="0"/>
-              <a:t>2020/9/3</a:t>
+              <a:t>2020/10/2</a:t>
             </a:fld>
             <a:endParaRPr kumimoji="1" lang="ja-JP" altLang="en-US"/>
           </a:p>
@@ -1531,7 +1531,7 @@
           <a:p>
             <a:fld id="{56F9016B-CCA6-43BE-8BEE-59565A35F4F7}" type="datetimeFigureOut">
               <a:rPr kumimoji="1" lang="ja-JP" altLang="en-US" smtClean="0"/>
-              <a:t>2020/9/3</a:t>
+              <a:t>2020/10/2</a:t>
             </a:fld>
             <a:endParaRPr kumimoji="1" lang="ja-JP" altLang="en-US"/>
           </a:p>
@@ -1827,7 +1827,7 @@
           <a:p>
             <a:fld id="{56F9016B-CCA6-43BE-8BEE-59565A35F4F7}" type="datetimeFigureOut">
               <a:rPr kumimoji="1" lang="ja-JP" altLang="en-US" smtClean="0"/>
-              <a:t>2020/9/3</a:t>
+              <a:t>2020/10/2</a:t>
             </a:fld>
             <a:endParaRPr kumimoji="1" lang="ja-JP" altLang="en-US"/>
           </a:p>
@@ -2258,7 +2258,7 @@
           <a:p>
             <a:fld id="{56F9016B-CCA6-43BE-8BEE-59565A35F4F7}" type="datetimeFigureOut">
               <a:rPr kumimoji="1" lang="ja-JP" altLang="en-US" smtClean="0"/>
-              <a:t>2020/9/3</a:t>
+              <a:t>2020/10/2</a:t>
             </a:fld>
             <a:endParaRPr kumimoji="1" lang="ja-JP" altLang="en-US"/>
           </a:p>
@@ -2376,7 +2376,7 @@
           <a:p>
             <a:fld id="{56F9016B-CCA6-43BE-8BEE-59565A35F4F7}" type="datetimeFigureOut">
               <a:rPr kumimoji="1" lang="ja-JP" altLang="en-US" smtClean="0"/>
-              <a:t>2020/9/3</a:t>
+              <a:t>2020/10/2</a:t>
             </a:fld>
             <a:endParaRPr kumimoji="1" lang="ja-JP" altLang="en-US"/>
           </a:p>
@@ -2471,7 +2471,7 @@
           <a:p>
             <a:fld id="{56F9016B-CCA6-43BE-8BEE-59565A35F4F7}" type="datetimeFigureOut">
               <a:rPr kumimoji="1" lang="ja-JP" altLang="en-US" smtClean="0"/>
-              <a:t>2020/9/3</a:t>
+              <a:t>2020/10/2</a:t>
             </a:fld>
             <a:endParaRPr kumimoji="1" lang="ja-JP" altLang="en-US"/>
           </a:p>
@@ -2780,7 +2780,7 @@
           <a:p>
             <a:fld id="{56F9016B-CCA6-43BE-8BEE-59565A35F4F7}" type="datetimeFigureOut">
               <a:rPr kumimoji="1" lang="ja-JP" altLang="en-US" smtClean="0"/>
-              <a:t>2020/9/3</a:t>
+              <a:t>2020/10/2</a:t>
             </a:fld>
             <a:endParaRPr kumimoji="1" lang="ja-JP" altLang="en-US"/>
           </a:p>
@@ -3033,7 +3033,7 @@
           <a:p>
             <a:fld id="{56F9016B-CCA6-43BE-8BEE-59565A35F4F7}" type="datetimeFigureOut">
               <a:rPr kumimoji="1" lang="ja-JP" altLang="en-US" smtClean="0"/>
-              <a:t>2020/9/3</a:t>
+              <a:t>2020/10/2</a:t>
             </a:fld>
             <a:endParaRPr kumimoji="1" lang="ja-JP" altLang="en-US"/>
           </a:p>
@@ -3310,7 +3310,7 @@
           <a:p>
             <a:fld id="{56F9016B-CCA6-43BE-8BEE-59565A35F4F7}" type="datetimeFigureOut">
               <a:rPr kumimoji="1" lang="ja-JP" altLang="en-US" smtClean="0"/>
-              <a:t>2020/9/3</a:t>
+              <a:t>2020/10/2</a:t>
             </a:fld>
             <a:endParaRPr kumimoji="1" lang="ja-JP" altLang="en-US"/>
           </a:p>
@@ -3522,7 +3522,7 @@
           <a:p>
             <a:fld id="{56F9016B-CCA6-43BE-8BEE-59565A35F4F7}" type="datetimeFigureOut">
               <a:rPr kumimoji="1" lang="ja-JP" altLang="en-US" smtClean="0"/>
-              <a:t>2020/9/3</a:t>
+              <a:t>2020/10/2</a:t>
             </a:fld>
             <a:endParaRPr kumimoji="1" lang="ja-JP" altLang="en-US"/>
           </a:p>
@@ -6581,7 +6581,7 @@
           <a:p>
             <a:fld id="{56F9016B-CCA6-43BE-8BEE-59565A35F4F7}" type="datetimeFigureOut">
               <a:rPr kumimoji="1" lang="ja-JP" altLang="en-US" smtClean="0"/>
-              <a:t>2020/9/3</a:t>
+              <a:t>2020/10/2</a:t>
             </a:fld>
             <a:endParaRPr kumimoji="1" lang="ja-JP" altLang="en-US"/>
           </a:p>
@@ -7583,7 +7583,7 @@
         </p:spPr>
         <p:txBody>
           <a:bodyPr>
-            <a:normAutofit/>
+            <a:normAutofit fontScale="92500" lnSpcReduction="20000"/>
           </a:bodyPr>
           <a:lstStyle/>
           <a:p>
@@ -7666,7 +7666,19 @@
             </a:r>
             <a:r>
               <a:rPr lang="en-US" altLang="ja-JP" sz="1400" dirty="0"/>
-              <a:t> https://github.com/exastro-suite/it-automation/archive/v</a:t>
+              <a:t> https://github.com/exastro-suite/it-automation/releases/download/v</a:t>
+            </a:r>
+            <a:r>
+              <a:rPr lang="en-US" altLang="ja-JP" sz="1400" dirty="0">
+                <a:solidFill>
+                  <a:srgbClr val="FF0000"/>
+                </a:solidFill>
+              </a:rPr>
+              <a:t>x.x.x</a:t>
+            </a:r>
+            <a:r>
+              <a:rPr lang="en-US" altLang="ja-JP" sz="1400" dirty="0"/>
+              <a:t>/exastro-it-automation-</a:t>
             </a:r>
             <a:r>
               <a:rPr lang="en-US" altLang="ja-JP" sz="1400" dirty="0">
@@ -7751,12 +7763,88 @@
             <a:br>
               <a:rPr lang="en-US" altLang="ja-JP" dirty="0" smtClean="0"/>
             </a:br>
-            <a:r>
-              <a:rPr lang="en-US" altLang="ja-JP" dirty="0" smtClean="0"/>
+            <a:endParaRPr lang="en-US" altLang="ja-JP" dirty="0" smtClean="0"/>
+          </a:p>
+          <a:p>
+            <a:r>
+              <a:rPr lang="en-US" altLang="ja-JP" dirty="0">
+                <a:latin typeface="Segoe UI" panose="020B0502040204020203" pitchFamily="34" charset="0"/>
+                <a:ea typeface="Segoe UI" panose="020B0502040204020203" pitchFamily="34" charset="0"/>
+                <a:cs typeface="Segoe UI" panose="020B0502040204020203" pitchFamily="34" charset="0"/>
+              </a:rPr>
+              <a:t>Deploying the materials.</a:t>
+            </a:r>
+          </a:p>
+          <a:p>
+            <a:pPr lvl="1"/>
+            <a:r>
+              <a:rPr lang="en-US" altLang="ja-JP" dirty="0">
+                <a:latin typeface="Segoe UI" panose="020B0502040204020203" pitchFamily="34" charset="0"/>
+                <a:ea typeface="Segoe UI" panose="020B0502040204020203" pitchFamily="34" charset="0"/>
+                <a:cs typeface="Segoe UI" panose="020B0502040204020203" pitchFamily="34" charset="0"/>
+              </a:rPr>
+              <a:t>Unzip the .tar.gz file.</a:t>
+            </a:r>
+            <a:br>
+              <a:rPr lang="en-US" altLang="ja-JP" dirty="0">
+                <a:latin typeface="Segoe UI" panose="020B0502040204020203" pitchFamily="34" charset="0"/>
+                <a:ea typeface="Segoe UI" panose="020B0502040204020203" pitchFamily="34" charset="0"/>
+                <a:cs typeface="Segoe UI" panose="020B0502040204020203" pitchFamily="34" charset="0"/>
+              </a:rPr>
+            </a:br>
+            <a:r>
+              <a:rPr lang="en-US" altLang="ja-JP" dirty="0">
+                <a:latin typeface="Segoe UI" panose="020B0502040204020203" pitchFamily="34" charset="0"/>
+                <a:ea typeface="Segoe UI" panose="020B0502040204020203" pitchFamily="34" charset="0"/>
+                <a:cs typeface="Segoe UI" panose="020B0502040204020203" pitchFamily="34" charset="0"/>
+              </a:rPr>
               <a:t/>
             </a:r>
             <a:br>
-              <a:rPr lang="en-US" altLang="ja-JP" dirty="0" smtClean="0"/>
+              <a:rPr lang="en-US" altLang="ja-JP" dirty="0">
+                <a:latin typeface="Segoe UI" panose="020B0502040204020203" pitchFamily="34" charset="0"/>
+                <a:ea typeface="Segoe UI" panose="020B0502040204020203" pitchFamily="34" charset="0"/>
+                <a:cs typeface="Segoe UI" panose="020B0502040204020203" pitchFamily="34" charset="0"/>
+              </a:rPr>
+            </a:br>
+            <a:r>
+              <a:rPr lang="en-US" altLang="ja-JP" sz="1400" dirty="0">
+                <a:latin typeface="Segoe UI" panose="020B0502040204020203" pitchFamily="34" charset="0"/>
+                <a:ea typeface="Segoe UI" panose="020B0502040204020203" pitchFamily="34" charset="0"/>
+                <a:cs typeface="Segoe UI" panose="020B0502040204020203" pitchFamily="34" charset="0"/>
+              </a:rPr>
+              <a:t># </a:t>
+            </a:r>
+            <a:r>
+              <a:rPr lang="en-US" altLang="ja-JP" sz="1400" dirty="0"/>
+              <a:t>tar </a:t>
+            </a:r>
+            <a:r>
+              <a:rPr lang="en-US" altLang="ja-JP" sz="1400" dirty="0" err="1"/>
+              <a:t>zxf</a:t>
+            </a:r>
+            <a:r>
+              <a:rPr lang="ja-JP" altLang="en-US" sz="1400" dirty="0"/>
+              <a:t> </a:t>
+            </a:r>
+            <a:r>
+              <a:rPr lang="en-US" altLang="ja-JP" sz="1400" dirty="0" smtClean="0"/>
+              <a:t>exastro-it-automation-</a:t>
+            </a:r>
+            <a:r>
+              <a:rPr lang="en-US" altLang="ja-JP" sz="1400" dirty="0" smtClean="0">
+                <a:solidFill>
+                  <a:srgbClr val="FF0000"/>
+                </a:solidFill>
+              </a:rPr>
+              <a:t>x.x.x</a:t>
+            </a:r>
+            <a:r>
+              <a:rPr lang="en-US" altLang="ja-JP" sz="1400" dirty="0" smtClean="0"/>
+              <a:t>.tar.gz</a:t>
+            </a:r>
+            <a:br>
+              <a:rPr lang="en-US" altLang="ja-JP" sz="1400" dirty="0" smtClean="0"/>
             </a:br>
             <a:endParaRPr lang="en-US" altLang="ja-JP" dirty="0" smtClean="0"/>
           </a:p>

--- a/asset/Learn/ITA-version-up.pptx
+++ b/asset/Learn/ITA-version-up.pptx
@@ -314,7 +314,7 @@
               <a:rPr kumimoji="1" lang="ja-JP" altLang="en-US" smtClean="0">
                 <a:ea typeface="メイリオ" panose="020B0604030504040204" pitchFamily="50" charset="-128"/>
               </a:rPr>
-              <a:t>2020/10/2</a:t>
+              <a:t>2021/3/16</a:t>
             </a:fld>
             <a:endParaRPr kumimoji="1" lang="ja-JP" altLang="en-US" dirty="0">
               <a:ea typeface="メイリオ" panose="020B0604030504040204" pitchFamily="50" charset="-128"/>
@@ -460,7 +460,7 @@
             <a:fld id="{4B26993D-C081-44EB-B0F5-A9F467792B62}" type="datetimeFigureOut">
               <a:rPr lang="ja-JP" altLang="en-US" smtClean="0"/>
               <a:pPr/>
-              <a:t>2020/10/2</a:t>
+              <a:t>2021/3/16</a:t>
             </a:fld>
             <a:endParaRPr lang="ja-JP" altLang="en-US" dirty="0"/>
           </a:p>
@@ -1083,7 +1083,7 @@
           <a:p>
             <a:fld id="{56F9016B-CCA6-43BE-8BEE-59565A35F4F7}" type="datetimeFigureOut">
               <a:rPr kumimoji="1" lang="ja-JP" altLang="en-US" smtClean="0"/>
-              <a:t>2020/10/2</a:t>
+              <a:t>2021/3/16</a:t>
             </a:fld>
             <a:endParaRPr kumimoji="1" lang="ja-JP" altLang="en-US"/>
           </a:p>
@@ -1285,7 +1285,7 @@
           <a:p>
             <a:fld id="{56F9016B-CCA6-43BE-8BEE-59565A35F4F7}" type="datetimeFigureOut">
               <a:rPr kumimoji="1" lang="ja-JP" altLang="en-US" smtClean="0"/>
-              <a:t>2020/10/2</a:t>
+              <a:t>2021/3/16</a:t>
             </a:fld>
             <a:endParaRPr kumimoji="1" lang="ja-JP" altLang="en-US"/>
           </a:p>
@@ -1531,7 +1531,7 @@
           <a:p>
             <a:fld id="{56F9016B-CCA6-43BE-8BEE-59565A35F4F7}" type="datetimeFigureOut">
               <a:rPr kumimoji="1" lang="ja-JP" altLang="en-US" smtClean="0"/>
-              <a:t>2020/10/2</a:t>
+              <a:t>2021/3/16</a:t>
             </a:fld>
             <a:endParaRPr kumimoji="1" lang="ja-JP" altLang="en-US"/>
           </a:p>
@@ -1827,7 +1827,7 @@
           <a:p>
             <a:fld id="{56F9016B-CCA6-43BE-8BEE-59565A35F4F7}" type="datetimeFigureOut">
               <a:rPr kumimoji="1" lang="ja-JP" altLang="en-US" smtClean="0"/>
-              <a:t>2020/10/2</a:t>
+              <a:t>2021/3/16</a:t>
             </a:fld>
             <a:endParaRPr kumimoji="1" lang="ja-JP" altLang="en-US"/>
           </a:p>
@@ -2258,7 +2258,7 @@
           <a:p>
             <a:fld id="{56F9016B-CCA6-43BE-8BEE-59565A35F4F7}" type="datetimeFigureOut">
               <a:rPr kumimoji="1" lang="ja-JP" altLang="en-US" smtClean="0"/>
-              <a:t>2020/10/2</a:t>
+              <a:t>2021/3/16</a:t>
             </a:fld>
             <a:endParaRPr kumimoji="1" lang="ja-JP" altLang="en-US"/>
           </a:p>
@@ -2376,7 +2376,7 @@
           <a:p>
             <a:fld id="{56F9016B-CCA6-43BE-8BEE-59565A35F4F7}" type="datetimeFigureOut">
               <a:rPr kumimoji="1" lang="ja-JP" altLang="en-US" smtClean="0"/>
-              <a:t>2020/10/2</a:t>
+              <a:t>2021/3/16</a:t>
             </a:fld>
             <a:endParaRPr kumimoji="1" lang="ja-JP" altLang="en-US"/>
           </a:p>
@@ -2471,7 +2471,7 @@
           <a:p>
             <a:fld id="{56F9016B-CCA6-43BE-8BEE-59565A35F4F7}" type="datetimeFigureOut">
               <a:rPr kumimoji="1" lang="ja-JP" altLang="en-US" smtClean="0"/>
-              <a:t>2020/10/2</a:t>
+              <a:t>2021/3/16</a:t>
             </a:fld>
             <a:endParaRPr kumimoji="1" lang="ja-JP" altLang="en-US"/>
           </a:p>
@@ -2780,7 +2780,7 @@
           <a:p>
             <a:fld id="{56F9016B-CCA6-43BE-8BEE-59565A35F4F7}" type="datetimeFigureOut">
               <a:rPr kumimoji="1" lang="ja-JP" altLang="en-US" smtClean="0"/>
-              <a:t>2020/10/2</a:t>
+              <a:t>2021/3/16</a:t>
             </a:fld>
             <a:endParaRPr kumimoji="1" lang="ja-JP" altLang="en-US"/>
           </a:p>
@@ -3033,7 +3033,7 @@
           <a:p>
             <a:fld id="{56F9016B-CCA6-43BE-8BEE-59565A35F4F7}" type="datetimeFigureOut">
               <a:rPr kumimoji="1" lang="ja-JP" altLang="en-US" smtClean="0"/>
-              <a:t>2020/10/2</a:t>
+              <a:t>2021/3/16</a:t>
             </a:fld>
             <a:endParaRPr kumimoji="1" lang="ja-JP" altLang="en-US"/>
           </a:p>
@@ -3310,7 +3310,7 @@
           <a:p>
             <a:fld id="{56F9016B-CCA6-43BE-8BEE-59565A35F4F7}" type="datetimeFigureOut">
               <a:rPr kumimoji="1" lang="ja-JP" altLang="en-US" smtClean="0"/>
-              <a:t>2020/10/2</a:t>
+              <a:t>2021/3/16</a:t>
             </a:fld>
             <a:endParaRPr kumimoji="1" lang="ja-JP" altLang="en-US"/>
           </a:p>
@@ -3522,7 +3522,7 @@
           <a:p>
             <a:fld id="{56F9016B-CCA6-43BE-8BEE-59565A35F4F7}" type="datetimeFigureOut">
               <a:rPr kumimoji="1" lang="ja-JP" altLang="en-US" smtClean="0"/>
-              <a:t>2020/10/2</a:t>
+              <a:t>2021/3/16</a:t>
             </a:fld>
             <a:endParaRPr kumimoji="1" lang="ja-JP" altLang="en-US"/>
           </a:p>
@@ -6581,7 +6581,7 @@
           <a:p>
             <a:fld id="{56F9016B-CCA6-43BE-8BEE-59565A35F4F7}" type="datetimeFigureOut">
               <a:rPr kumimoji="1" lang="ja-JP" altLang="en-US" smtClean="0"/>
-              <a:t>2020/10/2</a:t>
+              <a:t>2021/3/16</a:t>
             </a:fld>
             <a:endParaRPr kumimoji="1" lang="ja-JP" altLang="en-US"/>
           </a:p>
@@ -7014,9 +7014,14 @@
           <a:lstStyle/>
           <a:p>
             <a:r>
-              <a:rPr lang="en-US" altLang="ja-JP" dirty="0" smtClean="0"/>
-              <a:t>Version 1.5</a:t>
-            </a:r>
+              <a:rPr lang="en-US" altLang="ja-JP" smtClean="0"/>
+              <a:t>Version </a:t>
+            </a:r>
+            <a:r>
+              <a:rPr lang="en-US" altLang="ja-JP" smtClean="0"/>
+              <a:t>1.6</a:t>
+            </a:r>
+            <a:endParaRPr lang="en-US" altLang="ja-JP" dirty="0" smtClean="0"/>
           </a:p>
           <a:p>
             <a:r>
@@ -13555,14 +13560,14 @@
           <p:nvPr>
             <p:extLst>
               <p:ext uri="{D42A27DB-BD31-4B8C-83A1-F6EECF244321}">
-                <p14:modId xmlns:p14="http://schemas.microsoft.com/office/powerpoint/2010/main" val="3899596908"/>
+                <p14:modId xmlns:p14="http://schemas.microsoft.com/office/powerpoint/2010/main" val="2314020133"/>
               </p:ext>
             </p:extLst>
           </p:nvPr>
         </p:nvGraphicFramePr>
         <p:xfrm>
-          <a:off x="107380" y="2256358"/>
-          <a:ext cx="8819131" cy="2196782"/>
+          <a:off x="107380" y="2160338"/>
+          <a:ext cx="8819131" cy="3284942"/>
         </p:xfrm>
         <a:graphic>
           <a:graphicData uri="http://schemas.openxmlformats.org/drawingml/2006/table">
@@ -15490,6 +15495,586 @@
                 <a:extLst>
                   <a:ext uri="{0D108BD9-81ED-4DB2-BD59-A6C34878D82A}">
                     <a16:rowId xmlns:a16="http://schemas.microsoft.com/office/drawing/2014/main" val="3662636447"/>
+                  </a:ext>
+                </a:extLst>
+              </a:tr>
+              <a:tr h="272040">
+                <a:tc>
+                  <a:txBody>
+                    <a:bodyPr/>
+                    <a:lstStyle/>
+                    <a:p>
+                      <a:pPr marL="0" marR="0" lvl="0" indent="0" algn="just" defTabSz="914400" rtl="0" eaLnBrk="1" fontAlgn="auto" latinLnBrk="0" hangingPunct="1">
+                        <a:lnSpc>
+                          <a:spcPct val="100000"/>
+                        </a:lnSpc>
+                        <a:spcBef>
+                          <a:spcPts val="0"/>
+                        </a:spcBef>
+                        <a:spcAft>
+                          <a:spcPts val="0"/>
+                        </a:spcAft>
+                        <a:buClrTx/>
+                        <a:buSzTx/>
+                        <a:buFontTx/>
+                        <a:buNone/>
+                        <a:tabLst/>
+                        <a:defRPr/>
+                      </a:pPr>
+                      <a:r>
+                        <a:rPr lang="en-US" altLang="ja-JP" sz="1000" kern="0" dirty="0" smtClean="0">
+                          <a:effectLst/>
+                        </a:rPr>
+                        <a:t>1.6.0</a:t>
+                      </a:r>
+                      <a:endParaRPr lang="ja-JP" altLang="ja-JP" sz="1000" kern="100" dirty="0" smtClean="0">
+                        <a:effectLst/>
+                        <a:latin typeface="Century" panose="02040604050505020304" pitchFamily="18" charset="0"/>
+                        <a:ea typeface="ＭＳ 明朝" panose="02020609040205080304" pitchFamily="17" charset="-128"/>
+                        <a:cs typeface="Times New Roman" panose="02020603050405020304" pitchFamily="18" charset="0"/>
+                      </a:endParaRPr>
+                    </a:p>
+                  </a:txBody>
+                  <a:tcPr marL="68580" marR="68580" marT="0" marB="0" anchor="ctr">
+                    <a:solidFill>
+                      <a:srgbClr val="002B62"/>
+                    </a:solidFill>
+                  </a:tcPr>
+                </a:tc>
+                <a:tc gridSpan="5">
+                  <a:txBody>
+                    <a:bodyPr/>
+                    <a:lstStyle/>
+                    <a:p>
+                      <a:pPr algn="ctr">
+                        <a:spcAft>
+                          <a:spcPts val="0"/>
+                        </a:spcAft>
+                      </a:pPr>
+                      <a:r>
+                        <a:rPr lang="en-US" altLang="ja-JP" sz="1050" kern="100" dirty="0" smtClean="0">
+                          <a:effectLst/>
+                          <a:latin typeface="Segoe UI" panose="020B0502040204020203" pitchFamily="34" charset="0"/>
+                          <a:ea typeface="ＭＳ 明朝" panose="02020609040205080304" pitchFamily="17" charset="-128"/>
+                          <a:cs typeface="Segoe UI" panose="020B0502040204020203" pitchFamily="34" charset="0"/>
+                        </a:rPr>
+                        <a:t>There are no libraries added in Version 1.6.0.</a:t>
+                      </a:r>
+                      <a:endParaRPr lang="ja-JP" sz="1050" kern="100" dirty="0">
+                        <a:effectLst/>
+                        <a:latin typeface="Segoe UI" panose="020B0502040204020203" pitchFamily="34" charset="0"/>
+                        <a:ea typeface="ＭＳ 明朝" panose="02020609040205080304" pitchFamily="17" charset="-128"/>
+                        <a:cs typeface="Segoe UI" panose="020B0502040204020203" pitchFamily="34" charset="0"/>
+                      </a:endParaRPr>
+                    </a:p>
+                  </a:txBody>
+                  <a:tcPr marL="68580" marR="68580" marT="0" marB="0" anchor="ctr">
+                    <a:solidFill>
+                      <a:srgbClr val="CBCDD3"/>
+                    </a:solidFill>
+                  </a:tcPr>
+                </a:tc>
+                <a:tc hMerge="1">
+                  <a:txBody>
+                    <a:bodyPr/>
+                    <a:lstStyle/>
+                    <a:p>
+                      <a:pPr algn="just">
+                        <a:spcAft>
+                          <a:spcPts val="0"/>
+                        </a:spcAft>
+                      </a:pPr>
+                      <a:endParaRPr lang="ja-JP" sz="1050" kern="100" dirty="0">
+                        <a:effectLst/>
+                        <a:latin typeface="Century" panose="02040604050505020304" pitchFamily="18" charset="0"/>
+                        <a:ea typeface="ＭＳ 明朝" panose="02020609040205080304" pitchFamily="17" charset="-128"/>
+                        <a:cs typeface="Times New Roman" panose="02020603050405020304" pitchFamily="18" charset="0"/>
+                      </a:endParaRPr>
+                    </a:p>
+                  </a:txBody>
+                  <a:tcPr marL="68580" marR="68580" marT="0" marB="0" anchor="ctr">
+                    <a:solidFill>
+                      <a:srgbClr val="CBCDD3"/>
+                    </a:solidFill>
+                  </a:tcPr>
+                </a:tc>
+                <a:tc hMerge="1">
+                  <a:txBody>
+                    <a:bodyPr/>
+                    <a:lstStyle/>
+                    <a:p>
+                      <a:pPr algn="just">
+                        <a:spcAft>
+                          <a:spcPts val="0"/>
+                        </a:spcAft>
+                      </a:pPr>
+                      <a:endParaRPr lang="ja-JP" sz="1050" kern="100" dirty="0">
+                        <a:effectLst/>
+                        <a:latin typeface="Segoe UI" panose="020B0502040204020203" pitchFamily="34" charset="0"/>
+                        <a:ea typeface="ＭＳ 明朝" panose="02020609040205080304" pitchFamily="17" charset="-128"/>
+                        <a:cs typeface="Segoe UI" panose="020B0502040204020203" pitchFamily="34" charset="0"/>
+                      </a:endParaRPr>
+                    </a:p>
+                  </a:txBody>
+                  <a:tcPr marL="68580" marR="68580" marT="0" marB="0" anchor="ctr">
+                    <a:solidFill>
+                      <a:srgbClr val="CBCDD3"/>
+                    </a:solidFill>
+                  </a:tcPr>
+                </a:tc>
+                <a:tc hMerge="1">
+                  <a:txBody>
+                    <a:bodyPr/>
+                    <a:lstStyle/>
+                    <a:p>
+                      <a:pPr algn="just">
+                        <a:spcAft>
+                          <a:spcPts val="0"/>
+                        </a:spcAft>
+                      </a:pPr>
+                      <a:endParaRPr lang="ja-JP" sz="1050" kern="100" dirty="0">
+                        <a:effectLst/>
+                        <a:latin typeface="+mn-lt"/>
+                        <a:ea typeface="ＭＳ 明朝" panose="02020609040205080304" pitchFamily="17" charset="-128"/>
+                        <a:cs typeface="Segoe UI" panose="020B0502040204020203" pitchFamily="34" charset="0"/>
+                      </a:endParaRPr>
+                    </a:p>
+                  </a:txBody>
+                  <a:tcPr marL="68580" marR="68580" marT="0" marB="0" anchor="ctr">
+                    <a:solidFill>
+                      <a:srgbClr val="CBCDD3"/>
+                    </a:solidFill>
+                  </a:tcPr>
+                </a:tc>
+                <a:tc hMerge="1">
+                  <a:txBody>
+                    <a:bodyPr/>
+                    <a:lstStyle/>
+                    <a:p>
+                      <a:pPr algn="l">
+                        <a:spcAft>
+                          <a:spcPts val="0"/>
+                        </a:spcAft>
+                      </a:pPr>
+                      <a:endParaRPr lang="ja-JP" sz="1050" kern="100" dirty="0">
+                        <a:effectLst/>
+                        <a:latin typeface="+mn-lt"/>
+                        <a:ea typeface="ＭＳ 明朝" panose="02020609040205080304" pitchFamily="17" charset="-128"/>
+                        <a:cs typeface="Segoe UI" panose="020B0502040204020203" pitchFamily="34" charset="0"/>
+                      </a:endParaRPr>
+                    </a:p>
+                  </a:txBody>
+                  <a:tcPr marL="68580" marR="68580" marT="0" marB="0" anchor="ctr">
+                    <a:solidFill>
+                      <a:srgbClr val="CBCDD3"/>
+                    </a:solidFill>
+                  </a:tcPr>
+                </a:tc>
+                <a:extLst>
+                  <a:ext uri="{0D108BD9-81ED-4DB2-BD59-A6C34878D82A}">
+                    <a16:rowId xmlns:a16="http://schemas.microsoft.com/office/drawing/2014/main" val="93656658"/>
+                  </a:ext>
+                </a:extLst>
+              </a:tr>
+              <a:tr h="272040">
+                <a:tc>
+                  <a:txBody>
+                    <a:bodyPr/>
+                    <a:lstStyle/>
+                    <a:p>
+                      <a:pPr marL="0" marR="0" lvl="0" indent="0" algn="just" defTabSz="914400" rtl="0" eaLnBrk="1" fontAlgn="auto" latinLnBrk="0" hangingPunct="1">
+                        <a:lnSpc>
+                          <a:spcPct val="100000"/>
+                        </a:lnSpc>
+                        <a:spcBef>
+                          <a:spcPts val="0"/>
+                        </a:spcBef>
+                        <a:spcAft>
+                          <a:spcPts val="0"/>
+                        </a:spcAft>
+                        <a:buClrTx/>
+                        <a:buSzTx/>
+                        <a:buFontTx/>
+                        <a:buNone/>
+                        <a:tabLst/>
+                        <a:defRPr/>
+                      </a:pPr>
+                      <a:r>
+                        <a:rPr lang="en-US" altLang="ja-JP" sz="1000" kern="0" dirty="0" smtClean="0">
+                          <a:effectLst/>
+                        </a:rPr>
+                        <a:t>1.6.1</a:t>
+                      </a:r>
+                      <a:endParaRPr lang="ja-JP" altLang="ja-JP" sz="1000" kern="100" dirty="0" smtClean="0">
+                        <a:effectLst/>
+                        <a:latin typeface="Century" panose="02040604050505020304" pitchFamily="18" charset="0"/>
+                        <a:ea typeface="ＭＳ 明朝" panose="02020609040205080304" pitchFamily="17" charset="-128"/>
+                        <a:cs typeface="Times New Roman" panose="02020603050405020304" pitchFamily="18" charset="0"/>
+                      </a:endParaRPr>
+                    </a:p>
+                  </a:txBody>
+                  <a:tcPr marL="68580" marR="68580" marT="0" marB="0" anchor="ctr">
+                    <a:solidFill>
+                      <a:srgbClr val="002B62"/>
+                    </a:solidFill>
+                  </a:tcPr>
+                </a:tc>
+                <a:tc gridSpan="5">
+                  <a:txBody>
+                    <a:bodyPr/>
+                    <a:lstStyle/>
+                    <a:p>
+                      <a:pPr marL="0" marR="0" lvl="0" indent="0" algn="ctr" defTabSz="914400" rtl="0" eaLnBrk="1" fontAlgn="auto" latinLnBrk="0" hangingPunct="1">
+                        <a:lnSpc>
+                          <a:spcPct val="100000"/>
+                        </a:lnSpc>
+                        <a:spcBef>
+                          <a:spcPts val="0"/>
+                        </a:spcBef>
+                        <a:spcAft>
+                          <a:spcPts val="0"/>
+                        </a:spcAft>
+                        <a:buClrTx/>
+                        <a:buSzTx/>
+                        <a:buFontTx/>
+                        <a:buNone/>
+                        <a:tabLst/>
+                        <a:defRPr/>
+                      </a:pPr>
+                      <a:r>
+                        <a:rPr lang="en-US" altLang="ja-JP" sz="1050" kern="100" dirty="0" smtClean="0">
+                          <a:effectLst/>
+                          <a:latin typeface="Segoe UI" panose="020B0502040204020203" pitchFamily="34" charset="0"/>
+                          <a:ea typeface="ＭＳ 明朝" panose="02020609040205080304" pitchFamily="17" charset="-128"/>
+                          <a:cs typeface="Segoe UI" panose="020B0502040204020203" pitchFamily="34" charset="0"/>
+                        </a:rPr>
+                        <a:t>There are no libraries added in Version 1.6.1.</a:t>
+                      </a:r>
+                      <a:endParaRPr lang="ja-JP" altLang="ja-JP" sz="1050" kern="100" dirty="0" smtClean="0">
+                        <a:effectLst/>
+                        <a:latin typeface="Segoe UI" panose="020B0502040204020203" pitchFamily="34" charset="0"/>
+                        <a:ea typeface="ＭＳ 明朝" panose="02020609040205080304" pitchFamily="17" charset="-128"/>
+                        <a:cs typeface="Segoe UI" panose="020B0502040204020203" pitchFamily="34" charset="0"/>
+                      </a:endParaRPr>
+                    </a:p>
+                  </a:txBody>
+                  <a:tcPr marL="68580" marR="68580" marT="0" marB="0" anchor="ctr">
+                    <a:solidFill>
+                      <a:srgbClr val="CBCDD3"/>
+                    </a:solidFill>
+                  </a:tcPr>
+                </a:tc>
+                <a:tc hMerge="1">
+                  <a:txBody>
+                    <a:bodyPr/>
+                    <a:lstStyle/>
+                    <a:p>
+                      <a:endParaRPr kumimoji="1" lang="ja-JP" altLang="en-US"/>
+                    </a:p>
+                  </a:txBody>
+                  <a:tcPr/>
+                </a:tc>
+                <a:tc hMerge="1">
+                  <a:txBody>
+                    <a:bodyPr/>
+                    <a:lstStyle/>
+                    <a:p>
+                      <a:endParaRPr kumimoji="1" lang="ja-JP" altLang="en-US"/>
+                    </a:p>
+                  </a:txBody>
+                  <a:tcPr/>
+                </a:tc>
+                <a:tc hMerge="1">
+                  <a:txBody>
+                    <a:bodyPr/>
+                    <a:lstStyle/>
+                    <a:p>
+                      <a:endParaRPr kumimoji="1" lang="ja-JP" altLang="en-US"/>
+                    </a:p>
+                  </a:txBody>
+                  <a:tcPr/>
+                </a:tc>
+                <a:tc hMerge="1">
+                  <a:txBody>
+                    <a:bodyPr/>
+                    <a:lstStyle/>
+                    <a:p>
+                      <a:endParaRPr kumimoji="1" lang="ja-JP" altLang="en-US"/>
+                    </a:p>
+                  </a:txBody>
+                  <a:tcPr/>
+                </a:tc>
+                <a:extLst>
+                  <a:ext uri="{0D108BD9-81ED-4DB2-BD59-A6C34878D82A}">
+                    <a16:rowId xmlns:a16="http://schemas.microsoft.com/office/drawing/2014/main" val="2783374621"/>
+                  </a:ext>
+                </a:extLst>
+              </a:tr>
+              <a:tr h="272040">
+                <a:tc>
+                  <a:txBody>
+                    <a:bodyPr/>
+                    <a:lstStyle/>
+                    <a:p>
+                      <a:pPr marL="0" marR="0" lvl="0" indent="0" algn="just" defTabSz="914400" rtl="0" eaLnBrk="1" fontAlgn="auto" latinLnBrk="0" hangingPunct="1">
+                        <a:lnSpc>
+                          <a:spcPct val="100000"/>
+                        </a:lnSpc>
+                        <a:spcBef>
+                          <a:spcPts val="0"/>
+                        </a:spcBef>
+                        <a:spcAft>
+                          <a:spcPts val="0"/>
+                        </a:spcAft>
+                        <a:buClrTx/>
+                        <a:buSzTx/>
+                        <a:buFontTx/>
+                        <a:buNone/>
+                        <a:tabLst/>
+                        <a:defRPr/>
+                      </a:pPr>
+                      <a:r>
+                        <a:rPr lang="en-US" altLang="ja-JP" sz="1000" kern="0" dirty="0" smtClean="0">
+                          <a:effectLst/>
+                        </a:rPr>
+                        <a:t>1.6.2</a:t>
+                      </a:r>
+                      <a:endParaRPr lang="ja-JP" altLang="ja-JP" sz="1000" kern="100" dirty="0" smtClean="0">
+                        <a:effectLst/>
+                        <a:latin typeface="Century" panose="02040604050505020304" pitchFamily="18" charset="0"/>
+                        <a:ea typeface="ＭＳ 明朝" panose="02020609040205080304" pitchFamily="17" charset="-128"/>
+                        <a:cs typeface="Times New Roman" panose="02020603050405020304" pitchFamily="18" charset="0"/>
+                      </a:endParaRPr>
+                    </a:p>
+                  </a:txBody>
+                  <a:tcPr marL="68580" marR="68580" marT="0" marB="0" anchor="ctr">
+                    <a:solidFill>
+                      <a:srgbClr val="002B62"/>
+                    </a:solidFill>
+                  </a:tcPr>
+                </a:tc>
+                <a:tc gridSpan="5">
+                  <a:txBody>
+                    <a:bodyPr/>
+                    <a:lstStyle/>
+                    <a:p>
+                      <a:pPr marL="0" marR="0" lvl="0" indent="0" algn="ctr" defTabSz="914400" rtl="0" eaLnBrk="1" fontAlgn="auto" latinLnBrk="0" hangingPunct="1">
+                        <a:lnSpc>
+                          <a:spcPct val="100000"/>
+                        </a:lnSpc>
+                        <a:spcBef>
+                          <a:spcPts val="0"/>
+                        </a:spcBef>
+                        <a:spcAft>
+                          <a:spcPts val="0"/>
+                        </a:spcAft>
+                        <a:buClrTx/>
+                        <a:buSzTx/>
+                        <a:buFontTx/>
+                        <a:buNone/>
+                        <a:tabLst/>
+                        <a:defRPr/>
+                      </a:pPr>
+                      <a:r>
+                        <a:rPr lang="en-US" altLang="ja-JP" sz="1050" kern="100" dirty="0" smtClean="0">
+                          <a:effectLst/>
+                          <a:latin typeface="Segoe UI" panose="020B0502040204020203" pitchFamily="34" charset="0"/>
+                          <a:ea typeface="ＭＳ 明朝" panose="02020609040205080304" pitchFamily="17" charset="-128"/>
+                          <a:cs typeface="Segoe UI" panose="020B0502040204020203" pitchFamily="34" charset="0"/>
+                        </a:rPr>
+                        <a:t>There are no libraries added in Version 1.6.2.</a:t>
+                      </a:r>
+                      <a:endParaRPr lang="ja-JP" altLang="ja-JP" sz="1050" kern="100" dirty="0" smtClean="0">
+                        <a:effectLst/>
+                        <a:latin typeface="Segoe UI" panose="020B0502040204020203" pitchFamily="34" charset="0"/>
+                        <a:ea typeface="ＭＳ 明朝" panose="02020609040205080304" pitchFamily="17" charset="-128"/>
+                        <a:cs typeface="Segoe UI" panose="020B0502040204020203" pitchFamily="34" charset="0"/>
+                      </a:endParaRPr>
+                    </a:p>
+                  </a:txBody>
+                  <a:tcPr marL="68580" marR="68580" marT="0" marB="0" anchor="ctr">
+                    <a:solidFill>
+                      <a:srgbClr val="CBCDD3"/>
+                    </a:solidFill>
+                  </a:tcPr>
+                </a:tc>
+                <a:tc hMerge="1">
+                  <a:txBody>
+                    <a:bodyPr/>
+                    <a:lstStyle/>
+                    <a:p>
+                      <a:endParaRPr kumimoji="1" lang="ja-JP" altLang="en-US"/>
+                    </a:p>
+                  </a:txBody>
+                  <a:tcPr/>
+                </a:tc>
+                <a:tc hMerge="1">
+                  <a:txBody>
+                    <a:bodyPr/>
+                    <a:lstStyle/>
+                    <a:p>
+                      <a:endParaRPr kumimoji="1" lang="ja-JP" altLang="en-US"/>
+                    </a:p>
+                  </a:txBody>
+                  <a:tcPr/>
+                </a:tc>
+                <a:tc hMerge="1">
+                  <a:txBody>
+                    <a:bodyPr/>
+                    <a:lstStyle/>
+                    <a:p>
+                      <a:endParaRPr kumimoji="1" lang="ja-JP" altLang="en-US"/>
+                    </a:p>
+                  </a:txBody>
+                  <a:tcPr/>
+                </a:tc>
+                <a:tc hMerge="1">
+                  <a:txBody>
+                    <a:bodyPr/>
+                    <a:lstStyle/>
+                    <a:p>
+                      <a:endParaRPr kumimoji="1" lang="ja-JP" altLang="en-US"/>
+                    </a:p>
+                  </a:txBody>
+                  <a:tcPr/>
+                </a:tc>
+                <a:extLst>
+                  <a:ext uri="{0D108BD9-81ED-4DB2-BD59-A6C34878D82A}">
+                    <a16:rowId xmlns:a16="http://schemas.microsoft.com/office/drawing/2014/main" val="1023535320"/>
+                  </a:ext>
+                </a:extLst>
+              </a:tr>
+              <a:tr h="272040">
+                <a:tc>
+                  <a:txBody>
+                    <a:bodyPr/>
+                    <a:lstStyle/>
+                    <a:p>
+                      <a:pPr marL="0" marR="0" lvl="0" indent="0" algn="just" defTabSz="914400" rtl="0" eaLnBrk="1" fontAlgn="auto" latinLnBrk="0" hangingPunct="1">
+                        <a:lnSpc>
+                          <a:spcPct val="100000"/>
+                        </a:lnSpc>
+                        <a:spcBef>
+                          <a:spcPts val="0"/>
+                        </a:spcBef>
+                        <a:spcAft>
+                          <a:spcPts val="0"/>
+                        </a:spcAft>
+                        <a:buClrTx/>
+                        <a:buSzTx/>
+                        <a:buFontTx/>
+                        <a:buNone/>
+                        <a:tabLst/>
+                        <a:defRPr/>
+                      </a:pPr>
+                      <a:r>
+                        <a:rPr lang="en-US" altLang="ja-JP" sz="1000" kern="0" dirty="0" smtClean="0">
+                          <a:effectLst/>
+                        </a:rPr>
+                        <a:t>1.6.3</a:t>
+                      </a:r>
+                      <a:endParaRPr lang="ja-JP" altLang="ja-JP" sz="1000" kern="100" dirty="0" smtClean="0">
+                        <a:effectLst/>
+                        <a:latin typeface="Century" panose="02040604050505020304" pitchFamily="18" charset="0"/>
+                        <a:ea typeface="ＭＳ 明朝" panose="02020609040205080304" pitchFamily="17" charset="-128"/>
+                        <a:cs typeface="Times New Roman" panose="02020603050405020304" pitchFamily="18" charset="0"/>
+                      </a:endParaRPr>
+                    </a:p>
+                  </a:txBody>
+                  <a:tcPr marL="68580" marR="68580" marT="0" marB="0" anchor="ctr">
+                    <a:solidFill>
+                      <a:srgbClr val="002B62"/>
+                    </a:solidFill>
+                  </a:tcPr>
+                </a:tc>
+                <a:tc gridSpan="5">
+                  <a:txBody>
+                    <a:bodyPr/>
+                    <a:lstStyle/>
+                    <a:p>
+                      <a:pPr marL="0" marR="0" lvl="0" indent="0" algn="ctr" defTabSz="914400" rtl="0" eaLnBrk="1" fontAlgn="auto" latinLnBrk="0" hangingPunct="1">
+                        <a:lnSpc>
+                          <a:spcPct val="100000"/>
+                        </a:lnSpc>
+                        <a:spcBef>
+                          <a:spcPts val="0"/>
+                        </a:spcBef>
+                        <a:spcAft>
+                          <a:spcPts val="0"/>
+                        </a:spcAft>
+                        <a:buClrTx/>
+                        <a:buSzTx/>
+                        <a:buFontTx/>
+                        <a:buNone/>
+                        <a:tabLst/>
+                        <a:defRPr/>
+                      </a:pPr>
+                      <a:r>
+                        <a:rPr lang="en-US" altLang="ja-JP" sz="1050" kern="100" dirty="0" smtClean="0">
+                          <a:effectLst/>
+                          <a:latin typeface="Segoe UI" panose="020B0502040204020203" pitchFamily="34" charset="0"/>
+                          <a:ea typeface="ＭＳ 明朝" panose="02020609040205080304" pitchFamily="17" charset="-128"/>
+                          <a:cs typeface="Segoe UI" panose="020B0502040204020203" pitchFamily="34" charset="0"/>
+                        </a:rPr>
+                        <a:t>There are no libraries added in Version 1.6.3.</a:t>
+                      </a:r>
+                      <a:endParaRPr lang="ja-JP" altLang="ja-JP" sz="1050" kern="100" dirty="0" smtClean="0">
+                        <a:effectLst/>
+                        <a:latin typeface="Segoe UI" panose="020B0502040204020203" pitchFamily="34" charset="0"/>
+                        <a:ea typeface="ＭＳ 明朝" panose="02020609040205080304" pitchFamily="17" charset="-128"/>
+                        <a:cs typeface="Segoe UI" panose="020B0502040204020203" pitchFamily="34" charset="0"/>
+                      </a:endParaRPr>
+                    </a:p>
+                  </a:txBody>
+                  <a:tcPr marL="68580" marR="68580" marT="0" marB="0" anchor="ctr">
+                    <a:solidFill>
+                      <a:srgbClr val="CBCDD3"/>
+                    </a:solidFill>
+                  </a:tcPr>
+                </a:tc>
+                <a:tc hMerge="1">
+                  <a:txBody>
+                    <a:bodyPr/>
+                    <a:lstStyle/>
+                    <a:p>
+                      <a:endParaRPr kumimoji="1" lang="ja-JP" altLang="en-US"/>
+                    </a:p>
+                  </a:txBody>
+                  <a:tcPr/>
+                </a:tc>
+                <a:tc hMerge="1">
+                  <a:txBody>
+                    <a:bodyPr/>
+                    <a:lstStyle/>
+                    <a:p>
+                      <a:endParaRPr kumimoji="1" lang="ja-JP" altLang="en-US"/>
+                    </a:p>
+                  </a:txBody>
+                  <a:tcPr/>
+                </a:tc>
+                <a:tc hMerge="1">
+                  <a:txBody>
+                    <a:bodyPr/>
+                    <a:lstStyle/>
+                    <a:p>
+                      <a:endParaRPr kumimoji="1" lang="ja-JP" altLang="en-US"/>
+                    </a:p>
+                  </a:txBody>
+                  <a:tcPr/>
+                </a:tc>
+                <a:tc hMerge="1">
+                  <a:txBody>
+                    <a:bodyPr/>
+                    <a:lstStyle/>
+                    <a:p>
+                      <a:endParaRPr kumimoji="1" lang="ja-JP" altLang="en-US"/>
+                    </a:p>
+                  </a:txBody>
+                  <a:tcPr/>
+                </a:tc>
+                <a:extLst>
+                  <a:ext uri="{0D108BD9-81ED-4DB2-BD59-A6C34878D82A}">
+                    <a16:rowId xmlns:a16="http://schemas.microsoft.com/office/drawing/2014/main" val="2328835367"/>
                   </a:ext>
                 </a:extLst>
               </a:tr>

--- a/asset/Learn/ITA-version-up.pptx
+++ b/asset/Learn/ITA-version-up.pptx
@@ -6,10 +6,10 @@
     <p:sldMasterId id="2147483703" r:id="rId2"/>
   </p:sldMasterIdLst>
   <p:notesMasterIdLst>
-    <p:notesMasterId r:id="rId20"/>
+    <p:notesMasterId r:id="rId21"/>
   </p:notesMasterIdLst>
   <p:handoutMasterIdLst>
-    <p:handoutMasterId r:id="rId21"/>
+    <p:handoutMasterId r:id="rId22"/>
   </p:handoutMasterIdLst>
   <p:sldIdLst>
     <p:sldId id="262" r:id="rId3"/>
@@ -26,9 +26,10 @@
     <p:sldId id="521" r:id="rId14"/>
     <p:sldId id="522" r:id="rId15"/>
     <p:sldId id="523" r:id="rId16"/>
-    <p:sldId id="524" r:id="rId17"/>
-    <p:sldId id="527" r:id="rId18"/>
-    <p:sldId id="318" r:id="rId19"/>
+    <p:sldId id="536" r:id="rId17"/>
+    <p:sldId id="524" r:id="rId18"/>
+    <p:sldId id="527" r:id="rId19"/>
+    <p:sldId id="318" r:id="rId20"/>
   </p:sldIdLst>
   <p:sldSz cx="9144000" cy="6858000" type="screen4x3"/>
   <p:notesSz cx="6807200" cy="9939338"/>
@@ -159,6 +160,7 @@
             <p14:sldId id="521"/>
             <p14:sldId id="522"/>
             <p14:sldId id="523"/>
+            <p14:sldId id="536"/>
           </p14:sldIdLst>
         </p14:section>
         <p14:section name="4.　ITA operation check" id="{997E25C5-536A-441F-84BA-3CB1FBC6F6F3}">
@@ -314,7 +316,7 @@
               <a:rPr kumimoji="1" lang="ja-JP" altLang="en-US" smtClean="0">
                 <a:ea typeface="メイリオ" panose="020B0604030504040204" pitchFamily="50" charset="-128"/>
               </a:rPr>
-              <a:t>2021/3/16</a:t>
+              <a:t>2021/10/29</a:t>
             </a:fld>
             <a:endParaRPr kumimoji="1" lang="ja-JP" altLang="en-US" dirty="0">
               <a:ea typeface="メイリオ" panose="020B0604030504040204" pitchFamily="50" charset="-128"/>
@@ -460,7 +462,7 @@
             <a:fld id="{4B26993D-C081-44EB-B0F5-A9F467792B62}" type="datetimeFigureOut">
               <a:rPr lang="ja-JP" altLang="en-US" smtClean="0"/>
               <a:pPr/>
-              <a:t>2021/3/16</a:t>
+              <a:t>2021/10/29</a:t>
             </a:fld>
             <a:endParaRPr lang="ja-JP" altLang="en-US" dirty="0"/>
           </a:p>
@@ -1083,7 +1085,7 @@
           <a:p>
             <a:fld id="{56F9016B-CCA6-43BE-8BEE-59565A35F4F7}" type="datetimeFigureOut">
               <a:rPr kumimoji="1" lang="ja-JP" altLang="en-US" smtClean="0"/>
-              <a:t>2021/3/16</a:t>
+              <a:t>2021/10/29</a:t>
             </a:fld>
             <a:endParaRPr kumimoji="1" lang="ja-JP" altLang="en-US"/>
           </a:p>
@@ -1285,7 +1287,7 @@
           <a:p>
             <a:fld id="{56F9016B-CCA6-43BE-8BEE-59565A35F4F7}" type="datetimeFigureOut">
               <a:rPr kumimoji="1" lang="ja-JP" altLang="en-US" smtClean="0"/>
-              <a:t>2021/3/16</a:t>
+              <a:t>2021/10/29</a:t>
             </a:fld>
             <a:endParaRPr kumimoji="1" lang="ja-JP" altLang="en-US"/>
           </a:p>
@@ -1531,7 +1533,7 @@
           <a:p>
             <a:fld id="{56F9016B-CCA6-43BE-8BEE-59565A35F4F7}" type="datetimeFigureOut">
               <a:rPr kumimoji="1" lang="ja-JP" altLang="en-US" smtClean="0"/>
-              <a:t>2021/3/16</a:t>
+              <a:t>2021/10/29</a:t>
             </a:fld>
             <a:endParaRPr kumimoji="1" lang="ja-JP" altLang="en-US"/>
           </a:p>
@@ -1827,7 +1829,7 @@
           <a:p>
             <a:fld id="{56F9016B-CCA6-43BE-8BEE-59565A35F4F7}" type="datetimeFigureOut">
               <a:rPr kumimoji="1" lang="ja-JP" altLang="en-US" smtClean="0"/>
-              <a:t>2021/3/16</a:t>
+              <a:t>2021/10/29</a:t>
             </a:fld>
             <a:endParaRPr kumimoji="1" lang="ja-JP" altLang="en-US"/>
           </a:p>
@@ -2258,7 +2260,7 @@
           <a:p>
             <a:fld id="{56F9016B-CCA6-43BE-8BEE-59565A35F4F7}" type="datetimeFigureOut">
               <a:rPr kumimoji="1" lang="ja-JP" altLang="en-US" smtClean="0"/>
-              <a:t>2021/3/16</a:t>
+              <a:t>2021/10/29</a:t>
             </a:fld>
             <a:endParaRPr kumimoji="1" lang="ja-JP" altLang="en-US"/>
           </a:p>
@@ -2376,7 +2378,7 @@
           <a:p>
             <a:fld id="{56F9016B-CCA6-43BE-8BEE-59565A35F4F7}" type="datetimeFigureOut">
               <a:rPr kumimoji="1" lang="ja-JP" altLang="en-US" smtClean="0"/>
-              <a:t>2021/3/16</a:t>
+              <a:t>2021/10/29</a:t>
             </a:fld>
             <a:endParaRPr kumimoji="1" lang="ja-JP" altLang="en-US"/>
           </a:p>
@@ -2471,7 +2473,7 @@
           <a:p>
             <a:fld id="{56F9016B-CCA6-43BE-8BEE-59565A35F4F7}" type="datetimeFigureOut">
               <a:rPr kumimoji="1" lang="ja-JP" altLang="en-US" smtClean="0"/>
-              <a:t>2021/3/16</a:t>
+              <a:t>2021/10/29</a:t>
             </a:fld>
             <a:endParaRPr kumimoji="1" lang="ja-JP" altLang="en-US"/>
           </a:p>
@@ -2780,7 +2782,7 @@
           <a:p>
             <a:fld id="{56F9016B-CCA6-43BE-8BEE-59565A35F4F7}" type="datetimeFigureOut">
               <a:rPr kumimoji="1" lang="ja-JP" altLang="en-US" smtClean="0"/>
-              <a:t>2021/3/16</a:t>
+              <a:t>2021/10/29</a:t>
             </a:fld>
             <a:endParaRPr kumimoji="1" lang="ja-JP" altLang="en-US"/>
           </a:p>
@@ -3033,7 +3035,7 @@
           <a:p>
             <a:fld id="{56F9016B-CCA6-43BE-8BEE-59565A35F4F7}" type="datetimeFigureOut">
               <a:rPr kumimoji="1" lang="ja-JP" altLang="en-US" smtClean="0"/>
-              <a:t>2021/3/16</a:t>
+              <a:t>2021/10/29</a:t>
             </a:fld>
             <a:endParaRPr kumimoji="1" lang="ja-JP" altLang="en-US"/>
           </a:p>
@@ -3310,7 +3312,7 @@
           <a:p>
             <a:fld id="{56F9016B-CCA6-43BE-8BEE-59565A35F4F7}" type="datetimeFigureOut">
               <a:rPr kumimoji="1" lang="ja-JP" altLang="en-US" smtClean="0"/>
-              <a:t>2021/3/16</a:t>
+              <a:t>2021/10/29</a:t>
             </a:fld>
             <a:endParaRPr kumimoji="1" lang="ja-JP" altLang="en-US"/>
           </a:p>
@@ -3522,7 +3524,7 @@
           <a:p>
             <a:fld id="{56F9016B-CCA6-43BE-8BEE-59565A35F4F7}" type="datetimeFigureOut">
               <a:rPr kumimoji="1" lang="ja-JP" altLang="en-US" smtClean="0"/>
-              <a:t>2021/3/16</a:t>
+              <a:t>2021/10/29</a:t>
             </a:fld>
             <a:endParaRPr kumimoji="1" lang="ja-JP" altLang="en-US"/>
           </a:p>
@@ -6581,7 +6583,7 @@
           <a:p>
             <a:fld id="{56F9016B-CCA6-43BE-8BEE-59565A35F4F7}" type="datetimeFigureOut">
               <a:rPr kumimoji="1" lang="ja-JP" altLang="en-US" smtClean="0"/>
-              <a:t>2021/3/16</a:t>
+              <a:t>2021/10/29</a:t>
             </a:fld>
             <a:endParaRPr kumimoji="1" lang="ja-JP" altLang="en-US"/>
           </a:p>
@@ -7014,29 +7016,28 @@
           <a:lstStyle/>
           <a:p>
             <a:r>
-              <a:rPr lang="en-US" altLang="ja-JP" smtClean="0"/>
-              <a:t>Version </a:t>
-            </a:r>
-            <a:r>
-              <a:rPr lang="en-US" altLang="ja-JP" smtClean="0"/>
-              <a:t>1.6</a:t>
-            </a:r>
-            <a:endParaRPr lang="en-US" altLang="ja-JP" dirty="0" smtClean="0"/>
-          </a:p>
-          <a:p>
-            <a:r>
-              <a:rPr lang="en-US" altLang="ja-JP" dirty="0" err="1" smtClean="0"/>
+              <a:rPr lang="en-US" altLang="ja-JP" dirty="0" err="1"/>
               <a:t>Exastro</a:t>
             </a:r>
             <a:r>
-              <a:rPr lang="ja-JP" altLang="en-US" dirty="0" smtClean="0"/>
+              <a:rPr lang="en-US" altLang="ja-JP" dirty="0"/>
+              <a:t> IT Automation Version 1.8 </a:t>
+            </a:r>
+          </a:p>
+          <a:p>
+            <a:r>
+              <a:rPr lang="en-US" altLang="ja-JP" dirty="0" err="1"/>
+              <a:t>Exastro</a:t>
+            </a:r>
+            <a:r>
+              <a:rPr lang="ja-JP" altLang="en-US" dirty="0"/>
               <a:t> </a:t>
             </a:r>
             <a:r>
-              <a:rPr lang="en-US" altLang="ja-JP" dirty="0" smtClean="0"/>
+              <a:rPr lang="en-US" altLang="ja-JP"/>
               <a:t>developer</a:t>
             </a:r>
-            <a:endParaRPr kumimoji="1" lang="ja-JP" altLang="en-US" dirty="0"/>
+            <a:endParaRPr lang="ja-JP" altLang="en-US" dirty="0"/>
           </a:p>
         </p:txBody>
       </p:sp>
@@ -7560,7 +7561,7 @@
             </a:r>
             <a:r>
               <a:rPr lang="en-US" altLang="ja-JP" dirty="0" smtClean="0"/>
-              <a:t>1/5</a:t>
+              <a:t>1/6</a:t>
             </a:r>
             <a:r>
               <a:rPr lang="ja-JP" altLang="en-US" dirty="0" smtClean="0"/>
@@ -7998,7 +7999,7 @@
             </a:r>
             <a:r>
               <a:rPr lang="en-US" altLang="ja-JP" dirty="0" smtClean="0"/>
-              <a:t>2/5</a:t>
+              <a:t>2/6</a:t>
             </a:r>
             <a:r>
               <a:rPr lang="ja-JP" altLang="en-US" dirty="0" smtClean="0"/>
@@ -10806,7 +10807,7 @@
             </a:r>
             <a:r>
               <a:rPr lang="en-US" altLang="ja-JP" dirty="0" smtClean="0"/>
-              <a:t>3/5</a:t>
+              <a:t>3/6</a:t>
             </a:r>
             <a:r>
               <a:rPr lang="ja-JP" altLang="en-US" dirty="0" smtClean="0"/>
@@ -13079,7 +13080,7 @@
             </a:r>
             <a:r>
               <a:rPr lang="en-US" altLang="ja-JP" dirty="0" smtClean="0"/>
-              <a:t>4/5</a:t>
+              <a:t>4/6</a:t>
             </a:r>
             <a:r>
               <a:rPr lang="ja-JP" altLang="en-US" dirty="0" smtClean="0"/>
@@ -13436,7 +13437,7 @@
             </a:r>
             <a:r>
               <a:rPr lang="en-US" altLang="ja-JP" dirty="0" smtClean="0"/>
-              <a:t>5/5</a:t>
+              <a:t>5/6</a:t>
             </a:r>
             <a:r>
               <a:rPr lang="ja-JP" altLang="en-US" dirty="0" smtClean="0"/>
@@ -13560,20 +13561,20 @@
           <p:nvPr>
             <p:extLst>
               <p:ext uri="{D42A27DB-BD31-4B8C-83A1-F6EECF244321}">
-                <p14:modId xmlns:p14="http://schemas.microsoft.com/office/powerpoint/2010/main" val="2314020133"/>
+                <p14:modId xmlns:p14="http://schemas.microsoft.com/office/powerpoint/2010/main" val="1050744146"/>
               </p:ext>
             </p:extLst>
           </p:nvPr>
         </p:nvGraphicFramePr>
         <p:xfrm>
-          <a:off x="107380" y="2160338"/>
-          <a:ext cx="8819131" cy="3284942"/>
+          <a:off x="107380" y="2166584"/>
+          <a:ext cx="8819131" cy="4214826"/>
         </p:xfrm>
         <a:graphic>
           <a:graphicData uri="http://schemas.openxmlformats.org/drawingml/2006/table">
             <a:tbl>
               <a:tblPr firstRow="1" firstCol="1" bandRow="1">
-                <a:tableStyleId>{5C22544A-7EE6-4342-B048-85BDC9FD1C3A}</a:tableStyleId>
+                <a:tableStyleId>{93296810-A885-4BE3-A3E7-6D5BEEA58F35}</a:tableStyleId>
               </a:tblPr>
               <a:tblGrid>
                 <a:gridCol w="936130">
@@ -13583,17 +13584,17 @@
                     </a:ext>
                   </a:extLst>
                 </a:gridCol>
-                <a:gridCol w="1008140">
+                <a:gridCol w="1224170">
                   <a:extLst>
                     <a:ext uri="{9D8B030D-6E8A-4147-A177-3AD203B41FA5}">
                       <a16:colId xmlns:a16="http://schemas.microsoft.com/office/drawing/2014/main" val="152993547"/>
                     </a:ext>
                   </a:extLst>
                 </a:gridCol>
-                <a:gridCol w="1008140">
+                <a:gridCol w="792110">
                   <a:extLst>
                     <a:ext uri="{9D8B030D-6E8A-4147-A177-3AD203B41FA5}">
-                      <a16:colId xmlns:a16="http://schemas.microsoft.com/office/drawing/2014/main" val="20001"/>
+                      <a16:colId xmlns:a16="http://schemas.microsoft.com/office/drawing/2014/main" val="1976535841"/>
                     </a:ext>
                   </a:extLst>
                 </a:gridCol>
@@ -13633,9 +13634,6 @@
                       <a:r>
                         <a:rPr lang="en-US" altLang="ja-JP" sz="1050" kern="100" dirty="0" smtClean="0">
                           <a:effectLst/>
-                          <a:latin typeface="+mn-lt"/>
-                          <a:ea typeface="+mn-ea"/>
-                          <a:cs typeface="+mn-cs"/>
                         </a:rPr>
                         <a:t>Version</a:t>
                       </a:r>
@@ -13647,11 +13645,7 @@
                       </a:endParaRPr>
                     </a:p>
                   </a:txBody>
-                  <a:tcPr marL="68580" marR="68580" marT="0" marB="0" anchor="ctr">
-                    <a:solidFill>
-                      <a:srgbClr val="002B62"/>
-                    </a:solidFill>
-                  </a:tcPr>
+                  <a:tcPr marL="68580" marR="68580" marT="0" marB="0" anchor="ctr"/>
                 </a:tc>
                 <a:tc>
                   <a:txBody>
@@ -13683,11 +13677,7 @@
                       </a:endParaRPr>
                     </a:p>
                   </a:txBody>
-                  <a:tcPr marL="68580" marR="68580" marT="0" marB="0" anchor="ctr">
-                    <a:solidFill>
-                      <a:srgbClr val="002B62"/>
-                    </a:solidFill>
-                  </a:tcPr>
+                  <a:tcPr marL="68580" marR="68580" marT="0" marB="0" anchor="ctr"/>
                 </a:tc>
                 <a:tc>
                   <a:txBody>
@@ -13713,11 +13703,7 @@
                       </a:endParaRPr>
                     </a:p>
                   </a:txBody>
-                  <a:tcPr marL="68580" marR="68580" marT="0" marB="0" anchor="ctr">
-                    <a:solidFill>
-                      <a:srgbClr val="002B62"/>
-                    </a:solidFill>
-                  </a:tcPr>
+                  <a:tcPr marL="68580" marR="68580" marT="0" marB="0" anchor="ctr"/>
                 </a:tc>
                 <a:tc>
                   <a:txBody>
@@ -13749,11 +13735,7 @@
                       </a:endParaRPr>
                     </a:p>
                   </a:txBody>
-                  <a:tcPr marL="68580" marR="68580" marT="0" marB="0" anchor="ctr">
-                    <a:solidFill>
-                      <a:srgbClr val="002B62"/>
-                    </a:solidFill>
-                  </a:tcPr>
+                  <a:tcPr marL="68580" marR="68580" marT="0" marB="0" anchor="ctr"/>
                 </a:tc>
                 <a:tc>
                   <a:txBody>
@@ -13766,24 +13748,23 @@
                         </a:spcAft>
                       </a:pPr>
                       <a:r>
-                        <a:rPr kumimoji="1" lang="en-US" altLang="ja-JP" sz="800" b="1" kern="100" dirty="0" smtClean="0">
-                          <a:solidFill>
-                            <a:schemeClr val="lt1"/>
-                          </a:solidFill>
-                          <a:effectLst/>
-                          <a:latin typeface="+mn-lt"/>
-                          <a:ea typeface="+mn-ea"/>
-                          <a:cs typeface="+mn-cs"/>
+                        <a:rPr kumimoji="1" lang="en-US" altLang="ja-JP" sz="800" kern="100" dirty="0" smtClean="0">
+                          <a:effectLst/>
                         </a:rPr>
                         <a:t>Required</a:t>
                       </a:r>
+                      <a:endParaRPr kumimoji="1" lang="en-US" altLang="ja-JP" sz="800" b="1" kern="100" dirty="0" smtClean="0">
+                        <a:solidFill>
+                          <a:schemeClr val="lt1"/>
+                        </a:solidFill>
+                        <a:effectLst/>
+                        <a:latin typeface="+mn-lt"/>
+                        <a:ea typeface="+mn-ea"/>
+                        <a:cs typeface="+mn-cs"/>
+                      </a:endParaRPr>
                     </a:p>
                   </a:txBody>
-                  <a:tcPr marL="68580" marR="68580" marT="0" marB="0" anchor="ctr">
-                    <a:solidFill>
-                      <a:srgbClr val="002B62"/>
-                    </a:solidFill>
-                  </a:tcPr>
+                  <a:tcPr marL="68580" marR="68580" marT="0" marB="0" anchor="ctr"/>
                 </a:tc>
                 <a:tc>
                   <a:txBody>
@@ -13798,9 +13779,6 @@
                       <a:r>
                         <a:rPr lang="en-US" altLang="ja-JP" sz="1050" kern="100" dirty="0" smtClean="0">
                           <a:effectLst/>
-                          <a:latin typeface="+mn-lt"/>
-                          <a:ea typeface="+mn-ea"/>
-                          <a:cs typeface="+mn-cs"/>
                         </a:rPr>
                         <a:t>Usage</a:t>
                       </a:r>
@@ -13812,11 +13790,7 @@
                       </a:endParaRPr>
                     </a:p>
                   </a:txBody>
-                  <a:tcPr marL="68580" marR="68580" marT="0" marB="0" anchor="ctr">
-                    <a:solidFill>
-                      <a:srgbClr val="002B62"/>
-                    </a:solidFill>
-                  </a:tcPr>
+                  <a:tcPr marL="68580" marR="68580" marT="0" marB="0" anchor="ctr"/>
                 </a:tc>
                 <a:extLst>
                   <a:ext uri="{0D108BD9-81ED-4DB2-BD59-A6C34878D82A}">
@@ -13849,11 +13823,7 @@
                       </a:endParaRPr>
                     </a:p>
                   </a:txBody>
-                  <a:tcPr marL="68580" marR="68580" marT="0" marB="0" anchor="ctr">
-                    <a:solidFill>
-                      <a:srgbClr val="002B62"/>
-                    </a:solidFill>
-                  </a:tcPr>
+                  <a:tcPr marL="68580" marR="68580" marT="0" marB="0" anchor="ctr"/>
                 </a:tc>
                 <a:tc rowSpan="5">
                   <a:txBody>
@@ -13879,11 +13849,7 @@
                       </a:endParaRPr>
                     </a:p>
                   </a:txBody>
-                  <a:tcPr marL="68580" marR="68580" marT="0" marB="0" anchor="ctr">
-                    <a:solidFill>
-                      <a:srgbClr val="CBCDD3"/>
-                    </a:solidFill>
-                  </a:tcPr>
+                  <a:tcPr marL="68580" marR="68580" marT="0" marB="0" anchor="ctr"/>
                 </a:tc>
                 <a:tc>
                   <a:txBody>
@@ -13909,11 +13875,7 @@
                       </a:endParaRPr>
                     </a:p>
                   </a:txBody>
-                  <a:tcPr marL="68580" marR="68580" marT="0" marB="0" anchor="ctr">
-                    <a:solidFill>
-                      <a:srgbClr val="CBCDD3"/>
-                    </a:solidFill>
-                  </a:tcPr>
+                  <a:tcPr marL="68580" marR="68580" marT="0" marB="0" anchor="ctr"/>
                 </a:tc>
                 <a:tc>
                   <a:txBody>
@@ -13928,18 +13890,12 @@
                       <a:r>
                         <a:rPr lang="en-US" sz="1050" kern="100" dirty="0" smtClean="0">
                           <a:effectLst/>
-                          <a:latin typeface="Segoe UI" panose="020B0502040204020203" pitchFamily="34" charset="0"/>
-                          <a:ea typeface="Segoe UI" panose="020B0502040204020203" pitchFamily="34" charset="0"/>
-                          <a:cs typeface="Segoe UI" panose="020B0502040204020203" pitchFamily="34" charset="0"/>
                         </a:rPr>
                         <a:t>yum install –y </a:t>
                       </a:r>
                       <a:r>
                         <a:rPr lang="en-US" sz="1050" kern="100" dirty="0" err="1" smtClean="0">
                           <a:effectLst/>
-                          <a:latin typeface="Segoe UI" panose="020B0502040204020203" pitchFamily="34" charset="0"/>
-                          <a:ea typeface="Segoe UI" panose="020B0502040204020203" pitchFamily="34" charset="0"/>
-                          <a:cs typeface="Segoe UI" panose="020B0502040204020203" pitchFamily="34" charset="0"/>
                         </a:rPr>
                         <a:t>php-devel</a:t>
                       </a:r>
@@ -13951,11 +13907,7 @@
                       </a:endParaRPr>
                     </a:p>
                   </a:txBody>
-                  <a:tcPr marL="68580" marR="68580" marT="0" marB="0" anchor="ctr">
-                    <a:solidFill>
-                      <a:srgbClr val="CBCDD3"/>
-                    </a:solidFill>
-                  </a:tcPr>
+                  <a:tcPr marL="68580" marR="68580" marT="0" marB="0" anchor="ctr"/>
                 </a:tc>
                 <a:tc>
                   <a:txBody>
@@ -13970,9 +13922,6 @@
                       <a:r>
                         <a:rPr lang="ja-JP" altLang="en-US" sz="1050" kern="100" dirty="0" smtClean="0">
                           <a:effectLst/>
-                          <a:latin typeface="+mn-lt"/>
-                          <a:ea typeface="ＭＳ 明朝" panose="02020609040205080304" pitchFamily="17" charset="-128"/>
-                          <a:cs typeface="Segoe UI" panose="020B0502040204020203" pitchFamily="34" charset="0"/>
                         </a:rPr>
                         <a:t>〇</a:t>
                       </a:r>
@@ -13984,11 +13933,7 @@
                       </a:endParaRPr>
                     </a:p>
                   </a:txBody>
-                  <a:tcPr marL="68580" marR="68580" marT="0" marB="0" anchor="ctr">
-                    <a:solidFill>
-                      <a:srgbClr val="CBCDD3"/>
-                    </a:solidFill>
-                  </a:tcPr>
+                  <a:tcPr marL="68580" marR="68580" marT="0" marB="0" anchor="ctr"/>
                 </a:tc>
                 <a:tc>
                   <a:txBody>
@@ -14003,9 +13948,6 @@
                       <a:r>
                         <a:rPr lang="en-US" altLang="ja-JP" sz="1050" kern="100" smtClean="0">
                           <a:effectLst/>
-                          <a:latin typeface="+mn-lt"/>
-                          <a:ea typeface="ＭＳ 明朝" panose="02020609040205080304" pitchFamily="17" charset="-128"/>
-                          <a:cs typeface="Segoe UI" panose="020B0502040204020203" pitchFamily="34" charset="0"/>
                         </a:rPr>
                         <a:t>Used for YAML analysis library (yaml)</a:t>
                       </a:r>
@@ -14017,11 +13959,7 @@
                       </a:endParaRPr>
                     </a:p>
                   </a:txBody>
-                  <a:tcPr marL="68580" marR="68580" marT="0" marB="0" anchor="ctr">
-                    <a:solidFill>
-                      <a:srgbClr val="CBCDD3"/>
-                    </a:solidFill>
-                  </a:tcPr>
+                  <a:tcPr marL="68580" marR="68580" marT="0" marB="0" anchor="ctr"/>
                 </a:tc>
                 <a:extLst>
                   <a:ext uri="{0D108BD9-81ED-4DB2-BD59-A6C34878D82A}">
@@ -14091,9 +14029,6 @@
                       <a:r>
                         <a:rPr lang="en-US" altLang="ja-JP" sz="1050" kern="100" dirty="0" err="1" smtClean="0">
                           <a:effectLst/>
-                          <a:latin typeface="+mn-lt"/>
-                          <a:ea typeface="+mn-ea"/>
-                          <a:cs typeface="+mn-cs"/>
                         </a:rPr>
                         <a:t>libyaml</a:t>
                       </a:r>
@@ -14105,11 +14040,7 @@
                       </a:endParaRPr>
                     </a:p>
                   </a:txBody>
-                  <a:tcPr marL="68580" marR="68580" marT="0" marB="0" anchor="ctr">
-                    <a:solidFill>
-                      <a:srgbClr val="E7E8EA"/>
-                    </a:solidFill>
-                  </a:tcPr>
+                  <a:tcPr marL="68580" marR="68580" marT="0" marB="0" anchor="ctr"/>
                 </a:tc>
                 <a:tc>
                   <a:txBody>
@@ -14124,18 +14055,12 @@
                       <a:r>
                         <a:rPr lang="en-US" altLang="ja-JP" sz="1050" kern="100" dirty="0" smtClean="0">
                           <a:effectLst/>
-                          <a:latin typeface="Segoe UI" panose="020B0502040204020203" pitchFamily="34" charset="0"/>
-                          <a:ea typeface="Segoe UI" panose="020B0502040204020203" pitchFamily="34" charset="0"/>
-                          <a:cs typeface="Segoe UI" panose="020B0502040204020203" pitchFamily="34" charset="0"/>
                         </a:rPr>
                         <a:t>yum install –y </a:t>
                       </a:r>
                       <a:r>
                         <a:rPr lang="en-US" altLang="ja-JP" sz="1050" kern="100" dirty="0" err="1" smtClean="0">
                           <a:effectLst/>
-                          <a:latin typeface="Segoe UI" panose="020B0502040204020203" pitchFamily="34" charset="0"/>
-                          <a:ea typeface="Segoe UI" panose="020B0502040204020203" pitchFamily="34" charset="0"/>
-                          <a:cs typeface="Segoe UI" panose="020B0502040204020203" pitchFamily="34" charset="0"/>
                         </a:rPr>
                         <a:t>libyaml</a:t>
                       </a:r>
@@ -14147,11 +14072,7 @@
                       </a:endParaRPr>
                     </a:p>
                   </a:txBody>
-                  <a:tcPr marL="68580" marR="68580" marT="0" marB="0" anchor="ctr">
-                    <a:solidFill>
-                      <a:srgbClr val="E7E8EA"/>
-                    </a:solidFill>
-                  </a:tcPr>
+                  <a:tcPr marL="68580" marR="68580" marT="0" marB="0" anchor="ctr"/>
                 </a:tc>
                 <a:tc>
                   <a:txBody>
@@ -14176,19 +14097,13 @@
                         <a:defRPr/>
                       </a:pPr>
                       <a:r>
-                        <a:rPr kumimoji="1" lang="ja-JP" altLang="en-US" sz="1050" b="0" i="0" u="none" strike="noStrike" kern="100" cap="none" spc="0" normalizeH="0" baseline="0" noProof="0" smtClean="0">
+                        <a:rPr kumimoji="1" lang="ja-JP" altLang="en-US" sz="1050" u="none" strike="noStrike" kern="100" cap="none" spc="0" normalizeH="0" baseline="0" noProof="0" smtClean="0">
                           <a:ln>
                             <a:noFill/>
                           </a:ln>
-                          <a:solidFill>
-                            <a:srgbClr val="000000"/>
-                          </a:solidFill>
                           <a:effectLst/>
                           <a:uLnTx/>
                           <a:uFillTx/>
-                          <a:latin typeface="メイリオ"/>
-                          <a:ea typeface="ＭＳ 明朝" panose="02020609040205080304" pitchFamily="17" charset="-128"/>
-                          <a:cs typeface="Segoe UI" panose="020B0502040204020203" pitchFamily="34" charset="0"/>
                         </a:rPr>
                         <a:t>〇</a:t>
                       </a:r>
@@ -14208,11 +14123,7 @@
                       </a:endParaRPr>
                     </a:p>
                   </a:txBody>
-                  <a:tcPr marL="68580" marR="68580" marT="0" marB="0" anchor="ctr">
-                    <a:solidFill>
-                      <a:srgbClr val="E7E8EA"/>
-                    </a:solidFill>
-                  </a:tcPr>
+                  <a:tcPr marL="68580" marR="68580" marT="0" marB="0" anchor="ctr"/>
                 </a:tc>
                 <a:tc>
                   <a:txBody>
@@ -14237,19 +14148,13 @@
                         <a:defRPr/>
                       </a:pPr>
                       <a:r>
-                        <a:rPr kumimoji="1" lang="en-US" altLang="ja-JP" sz="1050" b="0" i="0" u="none" strike="noStrike" kern="100" cap="none" spc="0" normalizeH="0" baseline="0" noProof="0" smtClean="0">
+                        <a:rPr kumimoji="1" lang="en-US" altLang="ja-JP" sz="1050" u="none" strike="noStrike" kern="100" cap="none" spc="0" normalizeH="0" baseline="0" noProof="0" smtClean="0">
                           <a:ln>
                             <a:noFill/>
                           </a:ln>
-                          <a:solidFill>
-                            <a:srgbClr val="000000"/>
-                          </a:solidFill>
                           <a:effectLst/>
                           <a:uLnTx/>
                           <a:uFillTx/>
-                          <a:latin typeface="メイリオ"/>
-                          <a:ea typeface="ＭＳ 明朝" panose="02020609040205080304" pitchFamily="17" charset="-128"/>
-                          <a:cs typeface="Segoe UI" panose="020B0502040204020203" pitchFamily="34" charset="0"/>
                         </a:rPr>
                         <a:t>Used for YAML analysis library (yaml)</a:t>
                       </a:r>
@@ -14269,11 +14174,7 @@
                       </a:endParaRPr>
                     </a:p>
                   </a:txBody>
-                  <a:tcPr marL="68580" marR="68580" marT="0" marB="0" anchor="ctr">
-                    <a:solidFill>
-                      <a:srgbClr val="E7E8EA"/>
-                    </a:solidFill>
-                  </a:tcPr>
+                  <a:tcPr marL="68580" marR="68580" marT="0" marB="0" anchor="ctr"/>
                 </a:tc>
                 <a:extLst>
                   <a:ext uri="{0D108BD9-81ED-4DB2-BD59-A6C34878D82A}">
@@ -14345,9 +14246,6 @@
                       </a:pPr>
                       <a:r>
                         <a:rPr lang="en-US" sz="1050" kern="100" dirty="0" err="1" smtClean="0">
-                          <a:solidFill>
-                            <a:schemeClr val="tx1"/>
-                          </a:solidFill>
                           <a:effectLst/>
                         </a:rPr>
                         <a:t>libyaml-devel</a:t>
@@ -14363,11 +14261,7 @@
                       </a:endParaRPr>
                     </a:p>
                   </a:txBody>
-                  <a:tcPr marL="68580" marR="68580" marT="0" marB="0" anchor="ctr">
-                    <a:solidFill>
-                      <a:srgbClr val="CBCDD3"/>
-                    </a:solidFill>
-                  </a:tcPr>
+                  <a:tcPr marL="68580" marR="68580" marT="0" marB="0" anchor="ctr"/>
                 </a:tc>
                 <a:tc>
                   <a:txBody>
@@ -14382,18 +14276,12 @@
                       <a:r>
                         <a:rPr lang="en-US" altLang="ja-JP" sz="1050" kern="100" dirty="0" smtClean="0">
                           <a:effectLst/>
-                          <a:latin typeface="Segoe UI" panose="020B0502040204020203" pitchFamily="34" charset="0"/>
-                          <a:ea typeface="Segoe UI" panose="020B0502040204020203" pitchFamily="34" charset="0"/>
-                          <a:cs typeface="Segoe UI" panose="020B0502040204020203" pitchFamily="34" charset="0"/>
                         </a:rPr>
                         <a:t>yum install –y </a:t>
                       </a:r>
                       <a:r>
                         <a:rPr lang="en-US" altLang="ja-JP" sz="1050" kern="100" dirty="0" err="1" smtClean="0">
                           <a:effectLst/>
-                          <a:latin typeface="Segoe UI" panose="020B0502040204020203" pitchFamily="34" charset="0"/>
-                          <a:ea typeface="Segoe UI" panose="020B0502040204020203" pitchFamily="34" charset="0"/>
-                          <a:cs typeface="Segoe UI" panose="020B0502040204020203" pitchFamily="34" charset="0"/>
                         </a:rPr>
                         <a:t>libyaml-devel</a:t>
                       </a:r>
@@ -14405,11 +14293,7 @@
                       </a:endParaRPr>
                     </a:p>
                   </a:txBody>
-                  <a:tcPr marL="68580" marR="68580" marT="0" marB="0" anchor="ctr">
-                    <a:solidFill>
-                      <a:srgbClr val="CBCDD3"/>
-                    </a:solidFill>
-                  </a:tcPr>
+                  <a:tcPr marL="68580" marR="68580" marT="0" marB="0" anchor="ctr"/>
                 </a:tc>
                 <a:tc>
                   <a:txBody>
@@ -14434,19 +14318,13 @@
                         <a:defRPr/>
                       </a:pPr>
                       <a:r>
-                        <a:rPr kumimoji="1" lang="ja-JP" altLang="en-US" sz="1050" b="0" i="0" u="none" strike="noStrike" kern="100" cap="none" spc="0" normalizeH="0" baseline="0" noProof="0" smtClean="0">
+                        <a:rPr kumimoji="1" lang="ja-JP" altLang="en-US" sz="1050" u="none" strike="noStrike" kern="100" cap="none" spc="0" normalizeH="0" baseline="0" noProof="0" smtClean="0">
                           <a:ln>
                             <a:noFill/>
                           </a:ln>
-                          <a:solidFill>
-                            <a:srgbClr val="000000"/>
-                          </a:solidFill>
                           <a:effectLst/>
                           <a:uLnTx/>
                           <a:uFillTx/>
-                          <a:latin typeface="メイリオ"/>
-                          <a:ea typeface="ＭＳ 明朝" panose="02020609040205080304" pitchFamily="17" charset="-128"/>
-                          <a:cs typeface="Segoe UI" panose="020B0502040204020203" pitchFamily="34" charset="0"/>
                         </a:rPr>
                         <a:t>〇</a:t>
                       </a:r>
@@ -14466,11 +14344,7 @@
                       </a:endParaRPr>
                     </a:p>
                   </a:txBody>
-                  <a:tcPr marL="68580" marR="68580" marT="0" marB="0" anchor="ctr">
-                    <a:solidFill>
-                      <a:srgbClr val="CBCDD3"/>
-                    </a:solidFill>
-                  </a:tcPr>
+                  <a:tcPr marL="68580" marR="68580" marT="0" marB="0" anchor="ctr"/>
                 </a:tc>
                 <a:tc>
                   <a:txBody>
@@ -14495,19 +14369,13 @@
                         <a:defRPr/>
                       </a:pPr>
                       <a:r>
-                        <a:rPr kumimoji="1" lang="en-US" altLang="ja-JP" sz="1050" b="0" i="0" u="none" strike="noStrike" kern="100" cap="none" spc="0" normalizeH="0" baseline="0" noProof="0" smtClean="0">
+                        <a:rPr kumimoji="1" lang="en-US" altLang="ja-JP" sz="1050" u="none" strike="noStrike" kern="100" cap="none" spc="0" normalizeH="0" baseline="0" noProof="0" smtClean="0">
                           <a:ln>
                             <a:noFill/>
                           </a:ln>
-                          <a:solidFill>
-                            <a:srgbClr val="000000"/>
-                          </a:solidFill>
                           <a:effectLst/>
                           <a:uLnTx/>
                           <a:uFillTx/>
-                          <a:latin typeface="メイリオ"/>
-                          <a:ea typeface="ＭＳ 明朝" panose="02020609040205080304" pitchFamily="17" charset="-128"/>
-                          <a:cs typeface="Segoe UI" panose="020B0502040204020203" pitchFamily="34" charset="0"/>
                         </a:rPr>
                         <a:t>Used for YAML analysis library (yaml)</a:t>
                       </a:r>
@@ -14527,11 +14395,7 @@
                       </a:endParaRPr>
                     </a:p>
                   </a:txBody>
-                  <a:tcPr marL="68580" marR="68580" marT="0" marB="0" anchor="ctr">
-                    <a:solidFill>
-                      <a:srgbClr val="CBCDD3"/>
-                    </a:solidFill>
-                  </a:tcPr>
+                  <a:tcPr marL="68580" marR="68580" marT="0" marB="0" anchor="ctr"/>
                 </a:tc>
                 <a:extLst>
                   <a:ext uri="{0D108BD9-81ED-4DB2-BD59-A6C34878D82A}">
@@ -14612,11 +14476,7 @@
                       </a:endParaRPr>
                     </a:p>
                   </a:txBody>
-                  <a:tcPr marL="68580" marR="68580" marT="0" marB="0" anchor="ctr">
-                    <a:solidFill>
-                      <a:srgbClr val="E7E8EA"/>
-                    </a:solidFill>
-                  </a:tcPr>
+                  <a:tcPr marL="68580" marR="68580" marT="0" marB="0" anchor="ctr"/>
                 </a:tc>
                 <a:tc>
                   <a:txBody>
@@ -14631,9 +14491,6 @@
                       <a:r>
                         <a:rPr lang="en-US" altLang="ja-JP" sz="1050" kern="100" dirty="0" smtClean="0">
                           <a:effectLst/>
-                          <a:latin typeface="Segoe UI" panose="020B0502040204020203" pitchFamily="34" charset="0"/>
-                          <a:ea typeface="Segoe UI" panose="020B0502040204020203" pitchFamily="34" charset="0"/>
-                          <a:cs typeface="Segoe UI" panose="020B0502040204020203" pitchFamily="34" charset="0"/>
                         </a:rPr>
                         <a:t>yum install –y make</a:t>
                       </a:r>
@@ -14645,11 +14502,7 @@
                       </a:endParaRPr>
                     </a:p>
                   </a:txBody>
-                  <a:tcPr marL="68580" marR="68580" marT="0" marB="0" anchor="ctr">
-                    <a:solidFill>
-                      <a:srgbClr val="E7E8EA"/>
-                    </a:solidFill>
-                  </a:tcPr>
+                  <a:tcPr marL="68580" marR="68580" marT="0" marB="0" anchor="ctr"/>
                 </a:tc>
                 <a:tc>
                   <a:txBody>
@@ -14674,19 +14527,13 @@
                         <a:defRPr/>
                       </a:pPr>
                       <a:r>
-                        <a:rPr kumimoji="1" lang="ja-JP" altLang="en-US" sz="1050" b="0" i="0" u="none" strike="noStrike" kern="100" cap="none" spc="0" normalizeH="0" baseline="0" noProof="0" smtClean="0">
+                        <a:rPr kumimoji="1" lang="ja-JP" altLang="en-US" sz="1050" u="none" strike="noStrike" kern="100" cap="none" spc="0" normalizeH="0" baseline="0" noProof="0" smtClean="0">
                           <a:ln>
                             <a:noFill/>
                           </a:ln>
-                          <a:solidFill>
-                            <a:srgbClr val="000000"/>
-                          </a:solidFill>
                           <a:effectLst/>
                           <a:uLnTx/>
                           <a:uFillTx/>
-                          <a:latin typeface="メイリオ"/>
-                          <a:ea typeface="ＭＳ 明朝" panose="02020609040205080304" pitchFamily="17" charset="-128"/>
-                          <a:cs typeface="Segoe UI" panose="020B0502040204020203" pitchFamily="34" charset="0"/>
                         </a:rPr>
                         <a:t>〇</a:t>
                       </a:r>
@@ -14706,11 +14553,7 @@
                       </a:endParaRPr>
                     </a:p>
                   </a:txBody>
-                  <a:tcPr marL="68580" marR="68580" marT="0" marB="0" anchor="ctr">
-                    <a:solidFill>
-                      <a:srgbClr val="E7E8EA"/>
-                    </a:solidFill>
-                  </a:tcPr>
+                  <a:tcPr marL="68580" marR="68580" marT="0" marB="0" anchor="ctr"/>
                 </a:tc>
                 <a:tc>
                   <a:txBody>
@@ -14735,19 +14578,13 @@
                         <a:defRPr/>
                       </a:pPr>
                       <a:r>
-                        <a:rPr kumimoji="1" lang="en-US" altLang="ja-JP" sz="1050" b="0" i="0" u="none" strike="noStrike" kern="100" cap="none" spc="0" normalizeH="0" baseline="0" noProof="0" smtClean="0">
+                        <a:rPr kumimoji="1" lang="en-US" altLang="ja-JP" sz="1050" u="none" strike="noStrike" kern="100" cap="none" spc="0" normalizeH="0" baseline="0" noProof="0" smtClean="0">
                           <a:ln>
                             <a:noFill/>
                           </a:ln>
-                          <a:solidFill>
-                            <a:srgbClr val="000000"/>
-                          </a:solidFill>
                           <a:effectLst/>
                           <a:uLnTx/>
                           <a:uFillTx/>
-                          <a:latin typeface="メイリオ"/>
-                          <a:ea typeface="ＭＳ 明朝" panose="02020609040205080304" pitchFamily="17" charset="-128"/>
-                          <a:cs typeface="Segoe UI" panose="020B0502040204020203" pitchFamily="34" charset="0"/>
                         </a:rPr>
                         <a:t>Used for YAML analysis library (yaml)</a:t>
                       </a:r>
@@ -14767,11 +14604,7 @@
                       </a:endParaRPr>
                     </a:p>
                   </a:txBody>
-                  <a:tcPr marL="68580" marR="68580" marT="0" marB="0" anchor="ctr">
-                    <a:solidFill>
-                      <a:srgbClr val="E7E8EA"/>
-                    </a:solidFill>
-                  </a:tcPr>
+                  <a:tcPr marL="68580" marR="68580" marT="0" marB="0" anchor="ctr"/>
                 </a:tc>
                 <a:extLst>
                   <a:ext uri="{0D108BD9-81ED-4DB2-BD59-A6C34878D82A}">
@@ -14852,11 +14685,7 @@
                       </a:endParaRPr>
                     </a:p>
                   </a:txBody>
-                  <a:tcPr marL="68580" marR="68580" marT="0" marB="0" anchor="ctr">
-                    <a:solidFill>
-                      <a:srgbClr val="E7E8EA"/>
-                    </a:solidFill>
-                  </a:tcPr>
+                  <a:tcPr marL="68580" marR="68580" marT="0" marB="0" anchor="ctr"/>
                 </a:tc>
                 <a:tc>
                   <a:txBody>
@@ -14874,27 +14703,18 @@
                       <a:r>
                         <a:rPr lang="en-US" altLang="ja-JP" sz="1050" kern="100" dirty="0" err="1" smtClean="0">
                           <a:effectLst/>
-                          <a:latin typeface="Segoe UI" panose="020B0502040204020203" pitchFamily="34" charset="0"/>
-                          <a:ea typeface="Segoe UI" panose="020B0502040204020203" pitchFamily="34" charset="0"/>
-                          <a:cs typeface="Segoe UI" panose="020B0502040204020203" pitchFamily="34" charset="0"/>
                         </a:rPr>
                         <a:t>pecl</a:t>
                       </a:r>
                       <a:r>
                         <a:rPr lang="en-US" altLang="ja-JP" sz="1050" kern="100" dirty="0" smtClean="0">
                           <a:effectLst/>
-                          <a:latin typeface="Segoe UI" panose="020B0502040204020203" pitchFamily="34" charset="0"/>
-                          <a:ea typeface="Segoe UI" panose="020B0502040204020203" pitchFamily="34" charset="0"/>
-                          <a:cs typeface="Segoe UI" panose="020B0502040204020203" pitchFamily="34" charset="0"/>
                         </a:rPr>
                         <a:t> install </a:t>
                       </a:r>
                       <a:r>
                         <a:rPr lang="en-US" altLang="ja-JP" sz="1050" kern="100" dirty="0" err="1" smtClean="0">
                           <a:effectLst/>
-                          <a:latin typeface="Segoe UI" panose="020B0502040204020203" pitchFamily="34" charset="0"/>
-                          <a:ea typeface="Segoe UI" panose="020B0502040204020203" pitchFamily="34" charset="0"/>
-                          <a:cs typeface="Segoe UI" panose="020B0502040204020203" pitchFamily="34" charset="0"/>
                         </a:rPr>
                         <a:t>yaml</a:t>
                       </a:r>
@@ -14906,11 +14726,7 @@
                       </a:endParaRPr>
                     </a:p>
                   </a:txBody>
-                  <a:tcPr marL="68580" marR="68580" marT="0" marB="0" anchor="ctr">
-                    <a:solidFill>
-                      <a:srgbClr val="E7E8EA"/>
-                    </a:solidFill>
-                  </a:tcPr>
+                  <a:tcPr marL="68580" marR="68580" marT="0" marB="0" anchor="ctr"/>
                 </a:tc>
                 <a:tc>
                   <a:txBody>
@@ -14935,19 +14751,13 @@
                         <a:defRPr/>
                       </a:pPr>
                       <a:r>
-                        <a:rPr kumimoji="1" lang="ja-JP" altLang="en-US" sz="1050" b="0" i="0" u="none" strike="noStrike" kern="100" cap="none" spc="0" normalizeH="0" baseline="0" noProof="0" dirty="0" smtClean="0">
+                        <a:rPr kumimoji="1" lang="ja-JP" altLang="en-US" sz="1050" u="none" strike="noStrike" kern="100" cap="none" spc="0" normalizeH="0" baseline="0" noProof="0" dirty="0" smtClean="0">
                           <a:ln>
                             <a:noFill/>
                           </a:ln>
-                          <a:solidFill>
-                            <a:srgbClr val="000000"/>
-                          </a:solidFill>
                           <a:effectLst/>
                           <a:uLnTx/>
                           <a:uFillTx/>
-                          <a:latin typeface="メイリオ"/>
-                          <a:ea typeface="ＭＳ 明朝" panose="02020609040205080304" pitchFamily="17" charset="-128"/>
-                          <a:cs typeface="Segoe UI" panose="020B0502040204020203" pitchFamily="34" charset="0"/>
                         </a:rPr>
                         <a:t>〇</a:t>
                       </a:r>
@@ -14967,11 +14777,7 @@
                       </a:endParaRPr>
                     </a:p>
                   </a:txBody>
-                  <a:tcPr marL="68580" marR="68580" marT="0" marB="0" anchor="ctr">
-                    <a:solidFill>
-                      <a:srgbClr val="E7E8EA"/>
-                    </a:solidFill>
-                  </a:tcPr>
+                  <a:tcPr marL="68580" marR="68580" marT="0" marB="0" anchor="ctr"/>
                 </a:tc>
                 <a:tc>
                   <a:txBody>
@@ -14996,53 +14802,35 @@
                         <a:defRPr/>
                       </a:pPr>
                       <a:r>
-                        <a:rPr kumimoji="1" lang="en-US" altLang="ja-JP" sz="1050" b="0" i="0" u="none" strike="noStrike" kern="100" cap="none" spc="0" normalizeH="0" baseline="0" noProof="0" dirty="0" smtClean="0">
+                        <a:rPr kumimoji="1" lang="en-US" altLang="ja-JP" sz="1050" u="none" strike="noStrike" kern="100" cap="none" spc="0" normalizeH="0" baseline="0" noProof="0" dirty="0" smtClean="0">
                           <a:ln>
                             <a:noFill/>
                           </a:ln>
-                          <a:solidFill>
-                            <a:srgbClr val="000000"/>
-                          </a:solidFill>
                           <a:effectLst/>
                           <a:uLnTx/>
                           <a:uFillTx/>
-                          <a:latin typeface="メイリオ"/>
-                          <a:ea typeface="ＭＳ 明朝" panose="02020609040205080304" pitchFamily="17" charset="-128"/>
-                          <a:cs typeface="Segoe UI" panose="020B0502040204020203" pitchFamily="34" charset="0"/>
                         </a:rPr>
                         <a:t>Used for YAML analysis library (</a:t>
                       </a:r>
                       <a:r>
-                        <a:rPr kumimoji="1" lang="en-US" altLang="ja-JP" sz="1050" b="0" i="0" u="none" strike="noStrike" kern="100" cap="none" spc="0" normalizeH="0" baseline="0" noProof="0" dirty="0" err="1" smtClean="0">
+                        <a:rPr kumimoji="1" lang="en-US" altLang="ja-JP" sz="1050" u="none" strike="noStrike" kern="100" cap="none" spc="0" normalizeH="0" baseline="0" noProof="0" dirty="0" err="1" smtClean="0">
                           <a:ln>
                             <a:noFill/>
                           </a:ln>
-                          <a:solidFill>
-                            <a:srgbClr val="000000"/>
-                          </a:solidFill>
                           <a:effectLst/>
                           <a:uLnTx/>
                           <a:uFillTx/>
-                          <a:latin typeface="メイリオ"/>
-                          <a:ea typeface="ＭＳ 明朝" panose="02020609040205080304" pitchFamily="17" charset="-128"/>
-                          <a:cs typeface="Segoe UI" panose="020B0502040204020203" pitchFamily="34" charset="0"/>
                         </a:rPr>
                         <a:t>yaml</a:t>
                       </a:r>
                       <a:r>
-                        <a:rPr kumimoji="1" lang="en-US" altLang="ja-JP" sz="1050" b="0" i="0" u="none" strike="noStrike" kern="100" cap="none" spc="0" normalizeH="0" baseline="0" noProof="0" dirty="0" smtClean="0">
+                        <a:rPr kumimoji="1" lang="en-US" altLang="ja-JP" sz="1050" u="none" strike="noStrike" kern="100" cap="none" spc="0" normalizeH="0" baseline="0" noProof="0" dirty="0" smtClean="0">
                           <a:ln>
                             <a:noFill/>
                           </a:ln>
-                          <a:solidFill>
-                            <a:srgbClr val="000000"/>
-                          </a:solidFill>
                           <a:effectLst/>
                           <a:uLnTx/>
                           <a:uFillTx/>
-                          <a:latin typeface="メイリオ"/>
-                          <a:ea typeface="ＭＳ 明朝" panose="02020609040205080304" pitchFamily="17" charset="-128"/>
-                          <a:cs typeface="Segoe UI" panose="020B0502040204020203" pitchFamily="34" charset="0"/>
                         </a:rPr>
                         <a:t>)</a:t>
                       </a:r>
@@ -15062,11 +14850,7 @@
                       </a:endParaRPr>
                     </a:p>
                   </a:txBody>
-                  <a:tcPr marL="68580" marR="68580" marT="0" marB="0" anchor="ctr">
-                    <a:solidFill>
-                      <a:srgbClr val="E7E8EA"/>
-                    </a:solidFill>
-                  </a:tcPr>
+                  <a:tcPr marL="68580" marR="68580" marT="0" marB="0" anchor="ctr"/>
                 </a:tc>
                 <a:extLst>
                   <a:ext uri="{0D108BD9-81ED-4DB2-BD59-A6C34878D82A}">
@@ -15129,11 +14913,7 @@
                       </a:endParaRPr>
                     </a:p>
                   </a:txBody>
-                  <a:tcPr marL="68580" marR="68580" marT="0" marB="0" anchor="ctr">
-                    <a:solidFill>
-                      <a:srgbClr val="CBCDD3"/>
-                    </a:solidFill>
-                  </a:tcPr>
+                  <a:tcPr marL="68580" marR="68580" marT="0" marB="0" anchor="ctr"/>
                 </a:tc>
                 <a:tc>
                   <a:txBody>
@@ -15159,11 +14939,7 @@
                       </a:endParaRPr>
                     </a:p>
                   </a:txBody>
-                  <a:tcPr marL="68580" marR="68580" marT="0" marB="0" anchor="ctr">
-                    <a:solidFill>
-                      <a:srgbClr val="CBCDD3"/>
-                    </a:solidFill>
-                  </a:tcPr>
+                  <a:tcPr marL="68580" marR="68580" marT="0" marB="0" anchor="ctr"/>
                 </a:tc>
                 <a:tc>
                   <a:txBody>
@@ -15178,18 +14954,12 @@
                       <a:r>
                         <a:rPr lang="en-US" altLang="ja-JP" sz="1050" kern="100" dirty="0" smtClean="0">
                           <a:effectLst/>
-                          <a:latin typeface="Segoe UI" panose="020B0502040204020203" pitchFamily="34" charset="0"/>
-                          <a:ea typeface="Segoe UI" panose="020B0502040204020203" pitchFamily="34" charset="0"/>
-                          <a:cs typeface="Segoe UI" panose="020B0502040204020203" pitchFamily="34" charset="0"/>
                         </a:rPr>
                         <a:t>yum install –y </a:t>
                       </a:r>
                       <a:r>
                         <a:rPr lang="en-US" altLang="ja-JP" sz="1050" kern="100" dirty="0" err="1" smtClean="0">
                           <a:effectLst/>
-                          <a:latin typeface="Segoe UI" panose="020B0502040204020203" pitchFamily="34" charset="0"/>
-                          <a:ea typeface="Segoe UI" panose="020B0502040204020203" pitchFamily="34" charset="0"/>
-                          <a:cs typeface="Segoe UI" panose="020B0502040204020203" pitchFamily="34" charset="0"/>
                         </a:rPr>
                         <a:t>nc</a:t>
                       </a:r>
@@ -15201,11 +14971,7 @@
                       </a:endParaRPr>
                     </a:p>
                   </a:txBody>
-                  <a:tcPr marL="68580" marR="68580" marT="0" marB="0" anchor="ctr">
-                    <a:solidFill>
-                      <a:srgbClr val="CBCDD3"/>
-                    </a:solidFill>
-                  </a:tcPr>
+                  <a:tcPr marL="68580" marR="68580" marT="0" marB="0" anchor="ctr"/>
                 </a:tc>
                 <a:tc>
                   <a:txBody>
@@ -15220,9 +14986,6 @@
                       <a:r>
                         <a:rPr lang="en-US" altLang="ja-JP" sz="1050" kern="100" dirty="0" smtClean="0">
                           <a:effectLst/>
-                          <a:latin typeface="+mn-lt"/>
-                          <a:ea typeface="ＭＳ 明朝" panose="02020609040205080304" pitchFamily="17" charset="-128"/>
-                          <a:cs typeface="Segoe UI" panose="020B0502040204020203" pitchFamily="34" charset="0"/>
                         </a:rPr>
                         <a:t>-</a:t>
                       </a:r>
@@ -15234,11 +14997,7 @@
                       </a:endParaRPr>
                     </a:p>
                   </a:txBody>
-                  <a:tcPr marL="68580" marR="68580" marT="0" marB="0" anchor="ctr">
-                    <a:solidFill>
-                      <a:srgbClr val="CBCDD3"/>
-                    </a:solidFill>
-                  </a:tcPr>
+                  <a:tcPr marL="68580" marR="68580" marT="0" marB="0" anchor="ctr"/>
                 </a:tc>
                 <a:tc>
                   <a:txBody>
@@ -15253,27 +15012,18 @@
                       <a:r>
                         <a:rPr lang="en-US" altLang="ja-JP" sz="1050" kern="100" dirty="0" smtClean="0">
                           <a:effectLst/>
-                          <a:latin typeface="+mn-lt"/>
-                          <a:ea typeface="ＭＳ 明朝" panose="02020609040205080304" pitchFamily="17" charset="-128"/>
-                          <a:cs typeface="Segoe UI" panose="020B0502040204020203" pitchFamily="34" charset="0"/>
                         </a:rPr>
                         <a:t>Used for SSH command option when executing </a:t>
                       </a:r>
                       <a:r>
                         <a:rPr lang="en-US" altLang="ja-JP" sz="1050" kern="100" dirty="0" err="1" smtClean="0">
                           <a:effectLst/>
-                          <a:latin typeface="+mn-lt"/>
-                          <a:ea typeface="ＭＳ 明朝" panose="02020609040205080304" pitchFamily="17" charset="-128"/>
-                          <a:cs typeface="Segoe UI" panose="020B0502040204020203" pitchFamily="34" charset="0"/>
                         </a:rPr>
                         <a:t>Ansible</a:t>
                       </a:r>
                       <a:r>
                         <a:rPr lang="en-US" altLang="ja-JP" sz="1050" kern="100" dirty="0" smtClean="0">
                           <a:effectLst/>
-                          <a:latin typeface="+mn-lt"/>
-                          <a:ea typeface="ＭＳ 明朝" panose="02020609040205080304" pitchFamily="17" charset="-128"/>
-                          <a:cs typeface="Segoe UI" panose="020B0502040204020203" pitchFamily="34" charset="0"/>
                         </a:rPr>
                         <a:t> Playbook by connecting SSH from ITA under proxy environment to external server such as AWS via proxy server.</a:t>
                       </a:r>
@@ -15285,11 +15035,7 @@
                       </a:endParaRPr>
                     </a:p>
                   </a:txBody>
-                  <a:tcPr marL="68580" marR="68580" marT="0" marB="0" anchor="ctr">
-                    <a:solidFill>
-                      <a:srgbClr val="CBCDD3"/>
-                    </a:solidFill>
-                  </a:tcPr>
+                  <a:tcPr marL="68580" marR="68580" marT="0" marB="0" anchor="ctr"/>
                 </a:tc>
                 <a:extLst>
                   <a:ext uri="{0D108BD9-81ED-4DB2-BD59-A6C34878D82A}">
@@ -15342,11 +15088,7 @@
                       </a:endParaRPr>
                     </a:p>
                   </a:txBody>
-                  <a:tcPr marL="68580" marR="68580" marT="0" marB="0" anchor="ctr">
-                    <a:solidFill>
-                      <a:srgbClr val="CBCDD3"/>
-                    </a:solidFill>
-                  </a:tcPr>
+                  <a:tcPr marL="68580" marR="68580" marT="0" marB="0" anchor="ctr"/>
                 </a:tc>
                 <a:tc>
                   <a:txBody>
@@ -15361,18 +15103,12 @@
                       <a:r>
                         <a:rPr lang="en-US" sz="1050" kern="100" dirty="0" smtClean="0">
                           <a:effectLst/>
-                          <a:latin typeface="Segoe UI" panose="020B0502040204020203" pitchFamily="34" charset="0"/>
-                          <a:ea typeface="Segoe UI" panose="020B0502040204020203" pitchFamily="34" charset="0"/>
-                          <a:cs typeface="Segoe UI" panose="020B0502040204020203" pitchFamily="34" charset="0"/>
                         </a:rPr>
                         <a:t>pip3 install </a:t>
                       </a:r>
                       <a:r>
                         <a:rPr lang="en-US" sz="1050" kern="100" dirty="0" err="1" smtClean="0">
                           <a:effectLst/>
-                          <a:latin typeface="Segoe UI" panose="020B0502040204020203" pitchFamily="34" charset="0"/>
-                          <a:ea typeface="Segoe UI" panose="020B0502040204020203" pitchFamily="34" charset="0"/>
-                          <a:cs typeface="Segoe UI" panose="020B0502040204020203" pitchFamily="34" charset="0"/>
                         </a:rPr>
                         <a:t>paramiko</a:t>
                       </a:r>
@@ -15384,11 +15120,7 @@
                       </a:endParaRPr>
                     </a:p>
                   </a:txBody>
-                  <a:tcPr marL="68580" marR="68580" marT="0" marB="0" anchor="ctr">
-                    <a:solidFill>
-                      <a:srgbClr val="CBCDD3"/>
-                    </a:solidFill>
-                  </a:tcPr>
+                  <a:tcPr marL="68580" marR="68580" marT="0" marB="0" anchor="ctr"/>
                 </a:tc>
                 <a:tc>
                   <a:txBody>
@@ -15403,9 +15135,6 @@
                       <a:r>
                         <a:rPr lang="en-US" altLang="ja-JP" sz="1050" kern="100" dirty="0" smtClean="0">
                           <a:effectLst/>
-                          <a:latin typeface="+mn-lt"/>
-                          <a:ea typeface="ＭＳ 明朝" panose="02020609040205080304" pitchFamily="17" charset="-128"/>
-                          <a:cs typeface="Segoe UI" panose="020B0502040204020203" pitchFamily="34" charset="0"/>
                         </a:rPr>
                         <a:t>-</a:t>
                       </a:r>
@@ -15417,11 +15146,7 @@
                       </a:endParaRPr>
                     </a:p>
                   </a:txBody>
-                  <a:tcPr marL="68580" marR="68580" marT="0" marB="0" anchor="ctr">
-                    <a:solidFill>
-                      <a:srgbClr val="CBCDD3"/>
-                    </a:solidFill>
-                  </a:tcPr>
+                  <a:tcPr marL="68580" marR="68580" marT="0" marB="0" anchor="ctr"/>
                 </a:tc>
                 <a:tc>
                   <a:txBody>
@@ -15436,45 +15161,30 @@
                       <a:r>
                         <a:rPr lang="en-US" altLang="ja-JP" sz="1050" kern="100" dirty="0" smtClean="0">
                           <a:effectLst/>
-                          <a:latin typeface="+mn-lt"/>
-                          <a:ea typeface="ＭＳ 明朝" panose="02020609040205080304" pitchFamily="17" charset="-128"/>
-                          <a:cs typeface="Segoe UI" panose="020B0502040204020203" pitchFamily="34" charset="0"/>
                         </a:rPr>
                         <a:t>Required to connect to a network device by specifying </a:t>
                       </a:r>
                       <a:r>
                         <a:rPr lang="en-US" altLang="ja-JP" sz="1050" kern="100" dirty="0" err="1" smtClean="0">
                           <a:effectLst/>
-                          <a:latin typeface="+mn-lt"/>
-                          <a:ea typeface="ＭＳ 明朝" panose="02020609040205080304" pitchFamily="17" charset="-128"/>
-                          <a:cs typeface="Segoe UI" panose="020B0502040204020203" pitchFamily="34" charset="0"/>
                         </a:rPr>
                         <a:t>network_cli</a:t>
                       </a:r>
                       <a:r>
                         <a:rPr lang="en-US" altLang="ja-JP" sz="1050" kern="100" dirty="0" smtClean="0">
                           <a:effectLst/>
-                          <a:latin typeface="+mn-lt"/>
-                          <a:ea typeface="ＭＳ 明朝" panose="02020609040205080304" pitchFamily="17" charset="-128"/>
-                          <a:cs typeface="Segoe UI" panose="020B0502040204020203" pitchFamily="34" charset="0"/>
                         </a:rPr>
                         <a:t> for </a:t>
                       </a:r>
                       <a:r>
                         <a:rPr lang="en-US" altLang="ja-JP" sz="1050" kern="100" dirty="0" err="1" smtClean="0">
                           <a:effectLst/>
-                          <a:latin typeface="+mn-lt"/>
-                          <a:ea typeface="ＭＳ 明朝" panose="02020609040205080304" pitchFamily="17" charset="-128"/>
-                          <a:cs typeface="Segoe UI" panose="020B0502040204020203" pitchFamily="34" charset="0"/>
                         </a:rPr>
                         <a:t>ansible_connection</a:t>
                       </a:r>
                       <a:r>
                         <a:rPr lang="en-US" altLang="ja-JP" sz="1050" kern="100" dirty="0" smtClean="0">
                           <a:effectLst/>
-                          <a:latin typeface="+mn-lt"/>
-                          <a:ea typeface="ＭＳ 明朝" panose="02020609040205080304" pitchFamily="17" charset="-128"/>
-                          <a:cs typeface="Segoe UI" panose="020B0502040204020203" pitchFamily="34" charset="0"/>
                         </a:rPr>
                         <a:t>.</a:t>
                       </a:r>
@@ -15486,11 +15196,7 @@
                       </a:endParaRPr>
                     </a:p>
                   </a:txBody>
-                  <a:tcPr marL="68580" marR="68580" marT="0" marB="0" anchor="ctr">
-                    <a:solidFill>
-                      <a:srgbClr val="CBCDD3"/>
-                    </a:solidFill>
-                  </a:tcPr>
+                  <a:tcPr marL="68580" marR="68580" marT="0" marB="0" anchor="ctr"/>
                 </a:tc>
                 <a:extLst>
                   <a:ext uri="{0D108BD9-81ED-4DB2-BD59-A6C34878D82A}">
@@ -15535,11 +15241,7 @@
                       </a:endParaRPr>
                     </a:p>
                   </a:txBody>
-                  <a:tcPr marL="68580" marR="68580" marT="0" marB="0" anchor="ctr">
-                    <a:solidFill>
-                      <a:srgbClr val="002B62"/>
-                    </a:solidFill>
-                  </a:tcPr>
+                  <a:tcPr marL="68580" marR="68580" marT="0" marB="0" anchor="ctr"/>
                 </a:tc>
                 <a:tc gridSpan="5">
                   <a:txBody>
@@ -15554,9 +15256,6 @@
                       <a:r>
                         <a:rPr lang="en-US" altLang="ja-JP" sz="1050" kern="100" dirty="0" smtClean="0">
                           <a:effectLst/>
-                          <a:latin typeface="Segoe UI" panose="020B0502040204020203" pitchFamily="34" charset="0"/>
-                          <a:ea typeface="ＭＳ 明朝" panose="02020609040205080304" pitchFamily="17" charset="-128"/>
-                          <a:cs typeface="Segoe UI" panose="020B0502040204020203" pitchFamily="34" charset="0"/>
                         </a:rPr>
                         <a:t>There are no libraries added in Version 1.6.0.</a:t>
                       </a:r>
@@ -15568,35 +15267,17 @@
                       </a:endParaRPr>
                     </a:p>
                   </a:txBody>
-                  <a:tcPr marL="68580" marR="68580" marT="0" marB="0" anchor="ctr">
-                    <a:solidFill>
-                      <a:srgbClr val="CBCDD3"/>
-                    </a:solidFill>
-                  </a:tcPr>
+                  <a:tcPr marL="68580" marR="68580" marT="0" marB="0" anchor="ctr"/>
                 </a:tc>
                 <a:tc hMerge="1">
                   <a:txBody>
                     <a:bodyPr/>
                     <a:lstStyle/>
                     <a:p>
-                      <a:pPr algn="just">
-                        <a:spcAft>
-                          <a:spcPts val="0"/>
-                        </a:spcAft>
-                      </a:pPr>
-                      <a:endParaRPr lang="ja-JP" sz="1050" kern="100" dirty="0">
-                        <a:effectLst/>
-                        <a:latin typeface="Century" panose="02040604050505020304" pitchFamily="18" charset="0"/>
-                        <a:ea typeface="ＭＳ 明朝" panose="02020609040205080304" pitchFamily="17" charset="-128"/>
-                        <a:cs typeface="Times New Roman" panose="02020603050405020304" pitchFamily="18" charset="0"/>
-                      </a:endParaRPr>
+                      <a:endParaRPr kumimoji="1" lang="ja-JP" altLang="en-US"/>
                     </a:p>
                   </a:txBody>
-                  <a:tcPr marL="68580" marR="68580" marT="0" marB="0" anchor="ctr">
-                    <a:solidFill>
-                      <a:srgbClr val="CBCDD3"/>
-                    </a:solidFill>
-                  </a:tcPr>
+                  <a:tcPr/>
                 </a:tc>
                 <a:tc hMerge="1">
                   <a:txBody>
@@ -15713,11 +15394,7 @@
                       </a:endParaRPr>
                     </a:p>
                   </a:txBody>
-                  <a:tcPr marL="68580" marR="68580" marT="0" marB="0" anchor="ctr">
-                    <a:solidFill>
-                      <a:srgbClr val="002B62"/>
-                    </a:solidFill>
-                  </a:tcPr>
+                  <a:tcPr marL="68580" marR="68580" marT="0" marB="0" anchor="ctr"/>
                 </a:tc>
                 <a:tc gridSpan="5">
                   <a:txBody>
@@ -15744,9 +15421,6 @@
                       <a:r>
                         <a:rPr lang="en-US" altLang="ja-JP" sz="1050" kern="100" dirty="0" smtClean="0">
                           <a:effectLst/>
-                          <a:latin typeface="Segoe UI" panose="020B0502040204020203" pitchFamily="34" charset="0"/>
-                          <a:ea typeface="ＭＳ 明朝" panose="02020609040205080304" pitchFamily="17" charset="-128"/>
-                          <a:cs typeface="Segoe UI" panose="020B0502040204020203" pitchFamily="34" charset="0"/>
                         </a:rPr>
                         <a:t>There are no libraries added in Version 1.6.1.</a:t>
                       </a:r>
@@ -15758,11 +15432,7 @@
                       </a:endParaRPr>
                     </a:p>
                   </a:txBody>
-                  <a:tcPr marL="68580" marR="68580" marT="0" marB="0" anchor="ctr">
-                    <a:solidFill>
-                      <a:srgbClr val="CBCDD3"/>
-                    </a:solidFill>
-                  </a:tcPr>
+                  <a:tcPr marL="68580" marR="68580" marT="0" marB="0" anchor="ctr"/>
                 </a:tc>
                 <a:tc hMerge="1">
                   <a:txBody>
@@ -15847,11 +15517,7 @@
                       </a:endParaRPr>
                     </a:p>
                   </a:txBody>
-                  <a:tcPr marL="68580" marR="68580" marT="0" marB="0" anchor="ctr">
-                    <a:solidFill>
-                      <a:srgbClr val="002B62"/>
-                    </a:solidFill>
-                  </a:tcPr>
+                  <a:tcPr marL="68580" marR="68580" marT="0" marB="0" anchor="ctr"/>
                 </a:tc>
                 <a:tc gridSpan="5">
                   <a:txBody>
@@ -15878,9 +15544,6 @@
                       <a:r>
                         <a:rPr lang="en-US" altLang="ja-JP" sz="1050" kern="100" dirty="0" smtClean="0">
                           <a:effectLst/>
-                          <a:latin typeface="Segoe UI" panose="020B0502040204020203" pitchFamily="34" charset="0"/>
-                          <a:ea typeface="ＭＳ 明朝" panose="02020609040205080304" pitchFamily="17" charset="-128"/>
-                          <a:cs typeface="Segoe UI" panose="020B0502040204020203" pitchFamily="34" charset="0"/>
                         </a:rPr>
                         <a:t>There are no libraries added in Version 1.6.2.</a:t>
                       </a:r>
@@ -15892,11 +15555,7 @@
                       </a:endParaRPr>
                     </a:p>
                   </a:txBody>
-                  <a:tcPr marL="68580" marR="68580" marT="0" marB="0" anchor="ctr">
-                    <a:solidFill>
-                      <a:srgbClr val="CBCDD3"/>
-                    </a:solidFill>
-                  </a:tcPr>
+                  <a:tcPr marL="68580" marR="68580" marT="0" marB="0" anchor="ctr"/>
                 </a:tc>
                 <a:tc hMerge="1">
                   <a:txBody>
@@ -15981,11 +15640,7 @@
                       </a:endParaRPr>
                     </a:p>
                   </a:txBody>
-                  <a:tcPr marL="68580" marR="68580" marT="0" marB="0" anchor="ctr">
-                    <a:solidFill>
-                      <a:srgbClr val="002B62"/>
-                    </a:solidFill>
-                  </a:tcPr>
+                  <a:tcPr marL="68580" marR="68580" marT="0" marB="0" anchor="ctr"/>
                 </a:tc>
                 <a:tc gridSpan="5">
                   <a:txBody>
@@ -16012,9 +15667,6 @@
                       <a:r>
                         <a:rPr lang="en-US" altLang="ja-JP" sz="1050" kern="100" dirty="0" smtClean="0">
                           <a:effectLst/>
-                          <a:latin typeface="Segoe UI" panose="020B0502040204020203" pitchFamily="34" charset="0"/>
-                          <a:ea typeface="ＭＳ 明朝" panose="02020609040205080304" pitchFamily="17" charset="-128"/>
-                          <a:cs typeface="Segoe UI" panose="020B0502040204020203" pitchFamily="34" charset="0"/>
                         </a:rPr>
                         <a:t>There are no libraries added in Version 1.6.3.</a:t>
                       </a:r>
@@ -16026,11 +15678,7 @@
                       </a:endParaRPr>
                     </a:p>
                   </a:txBody>
-                  <a:tcPr marL="68580" marR="68580" marT="0" marB="0" anchor="ctr">
-                    <a:solidFill>
-                      <a:srgbClr val="CBCDD3"/>
-                    </a:solidFill>
-                  </a:tcPr>
+                  <a:tcPr marL="68580" marR="68580" marT="0" marB="0" anchor="ctr"/>
                 </a:tc>
                 <a:tc hMerge="1">
                   <a:txBody>
@@ -16075,6 +15723,526 @@
                 <a:extLst>
                   <a:ext uri="{0D108BD9-81ED-4DB2-BD59-A6C34878D82A}">
                     <a16:rowId xmlns:a16="http://schemas.microsoft.com/office/drawing/2014/main" val="2328835367"/>
+                  </a:ext>
+                </a:extLst>
+              </a:tr>
+              <a:tr h="272040">
+                <a:tc>
+                  <a:txBody>
+                    <a:bodyPr/>
+                    <a:lstStyle/>
+                    <a:p>
+                      <a:pPr algn="just">
+                        <a:spcAft>
+                          <a:spcPts val="0"/>
+                        </a:spcAft>
+                      </a:pPr>
+                      <a:r>
+                        <a:rPr lang="en-US" sz="1000" kern="0" dirty="0" smtClean="0">
+                          <a:effectLst/>
+                        </a:rPr>
+                        <a:t>1.7.0</a:t>
+                      </a:r>
+                      <a:endParaRPr lang="ja-JP" sz="1000" kern="100" dirty="0">
+                        <a:effectLst/>
+                        <a:latin typeface="Century" panose="02040604050505020304" pitchFamily="18" charset="0"/>
+                        <a:ea typeface="ＭＳ 明朝" panose="02020609040205080304" pitchFamily="17" charset="-128"/>
+                        <a:cs typeface="Times New Roman" panose="02020603050405020304" pitchFamily="18" charset="0"/>
+                      </a:endParaRPr>
+                    </a:p>
+                  </a:txBody>
+                  <a:tcPr marL="68580" marR="68580" marT="0" marB="0" anchor="ctr"/>
+                </a:tc>
+                <a:tc>
+                  <a:txBody>
+                    <a:bodyPr/>
+                    <a:lstStyle/>
+                    <a:p>
+                      <a:pPr algn="just">
+                        <a:spcAft>
+                          <a:spcPts val="0"/>
+                        </a:spcAft>
+                      </a:pPr>
+                      <a:r>
+                        <a:rPr lang="en-US" altLang="ja-JP" sz="1050" kern="100" dirty="0" err="1" smtClean="0">
+                          <a:effectLst/>
+                        </a:rPr>
+                        <a:t>ansible</a:t>
+                      </a:r>
+                      <a:r>
+                        <a:rPr lang="en-US" altLang="ja-JP" sz="1050" kern="100" dirty="0" smtClean="0">
+                          <a:effectLst/>
+                        </a:rPr>
+                        <a:t>-driver</a:t>
+                      </a:r>
+                      <a:endParaRPr lang="ja-JP" sz="1050" kern="100" dirty="0">
+                        <a:effectLst/>
+                        <a:latin typeface="Century" panose="02040604050505020304" pitchFamily="18" charset="0"/>
+                        <a:ea typeface="ＭＳ 明朝" panose="02020609040205080304" pitchFamily="17" charset="-128"/>
+                        <a:cs typeface="Times New Roman" panose="02020603050405020304" pitchFamily="18" charset="0"/>
+                      </a:endParaRPr>
+                    </a:p>
+                  </a:txBody>
+                  <a:tcPr marL="68580" marR="68580" marT="0" marB="0" anchor="ctr"/>
+                </a:tc>
+                <a:tc>
+                  <a:txBody>
+                    <a:bodyPr/>
+                    <a:lstStyle/>
+                    <a:p>
+                      <a:pPr algn="just">
+                        <a:spcAft>
+                          <a:spcPts val="0"/>
+                        </a:spcAft>
+                      </a:pPr>
+                      <a:r>
+                        <a:rPr lang="en-US" altLang="ja-JP" sz="1050" kern="100" dirty="0" err="1" smtClean="0">
+                          <a:effectLst/>
+                          <a:latin typeface="+mn-lt"/>
+                          <a:ea typeface="+mn-ea"/>
+                          <a:cs typeface="+mn-cs"/>
+                        </a:rPr>
+                        <a:t>boto</a:t>
+                      </a:r>
+                      <a:endParaRPr lang="ja-JP" sz="1050" kern="100" dirty="0">
+                        <a:effectLst/>
+                        <a:latin typeface="Century" panose="02040604050505020304" pitchFamily="18" charset="0"/>
+                        <a:ea typeface="ＭＳ 明朝" panose="02020609040205080304" pitchFamily="17" charset="-128"/>
+                        <a:cs typeface="Times New Roman" panose="02020603050405020304" pitchFamily="18" charset="0"/>
+                      </a:endParaRPr>
+                    </a:p>
+                  </a:txBody>
+                  <a:tcPr marL="68580" marR="68580" marT="0" marB="0" anchor="ctr"/>
+                </a:tc>
+                <a:tc>
+                  <a:txBody>
+                    <a:bodyPr/>
+                    <a:lstStyle/>
+                    <a:p>
+                      <a:pPr algn="just">
+                        <a:spcAft>
+                          <a:spcPts val="0"/>
+                        </a:spcAft>
+                      </a:pPr>
+                      <a:r>
+                        <a:rPr lang="en-US" sz="1050" kern="100" dirty="0" smtClean="0">
+                          <a:effectLst/>
+                        </a:rPr>
+                        <a:t>Pip3 install </a:t>
+                      </a:r>
+                      <a:r>
+                        <a:rPr lang="en-US" sz="1050" kern="100" dirty="0" err="1" smtClean="0">
+                          <a:effectLst/>
+                        </a:rPr>
+                        <a:t>boto</a:t>
+                      </a:r>
+                      <a:endParaRPr lang="ja-JP" sz="1050" kern="100" dirty="0">
+                        <a:effectLst/>
+                        <a:latin typeface="Segoe UI" panose="020B0502040204020203" pitchFamily="34" charset="0"/>
+                        <a:ea typeface="ＭＳ 明朝" panose="02020609040205080304" pitchFamily="17" charset="-128"/>
+                        <a:cs typeface="Segoe UI" panose="020B0502040204020203" pitchFamily="34" charset="0"/>
+                      </a:endParaRPr>
+                    </a:p>
+                  </a:txBody>
+                  <a:tcPr marL="68580" marR="68580" marT="0" marB="0" anchor="ctr"/>
+                </a:tc>
+                <a:tc>
+                  <a:txBody>
+                    <a:bodyPr/>
+                    <a:lstStyle/>
+                    <a:p>
+                      <a:pPr algn="ctr">
+                        <a:spcAft>
+                          <a:spcPts val="0"/>
+                        </a:spcAft>
+                      </a:pPr>
+                      <a:r>
+                        <a:rPr lang="en-US" altLang="ja-JP" sz="1050" kern="100" dirty="0" smtClean="0">
+                          <a:effectLst/>
+                        </a:rPr>
+                        <a:t>-</a:t>
+                      </a:r>
+                      <a:endParaRPr lang="ja-JP" sz="1050" kern="100" dirty="0">
+                        <a:effectLst/>
+                        <a:latin typeface="+mn-lt"/>
+                        <a:ea typeface="ＭＳ 明朝" panose="02020609040205080304" pitchFamily="17" charset="-128"/>
+                        <a:cs typeface="Segoe UI" panose="020B0502040204020203" pitchFamily="34" charset="0"/>
+                      </a:endParaRPr>
+                    </a:p>
+                  </a:txBody>
+                  <a:tcPr marL="68580" marR="68580" marT="0" marB="0" anchor="ctr"/>
+                </a:tc>
+                <a:tc>
+                  <a:txBody>
+                    <a:bodyPr/>
+                    <a:lstStyle/>
+                    <a:p>
+                      <a:pPr algn="just">
+                        <a:spcAft>
+                          <a:spcPts val="0"/>
+                        </a:spcAft>
+                      </a:pPr>
+                      <a:r>
+                        <a:rPr lang="en-US" altLang="ja-JP" sz="1050" kern="100" dirty="0" smtClean="0">
+                          <a:effectLst/>
+                        </a:rPr>
+                        <a:t>Used</a:t>
+                      </a:r>
+                      <a:r>
+                        <a:rPr lang="en-US" altLang="ja-JP" sz="1050" kern="100" baseline="0" dirty="0" smtClean="0">
+                          <a:effectLst/>
+                        </a:rPr>
+                        <a:t> for </a:t>
+                      </a:r>
+                      <a:r>
+                        <a:rPr lang="en-US" altLang="ja-JP" sz="1050" kern="100" dirty="0" err="1" smtClean="0">
+                          <a:effectLst/>
+                        </a:rPr>
+                        <a:t>community.aws.iam</a:t>
+                      </a:r>
+                      <a:r>
+                        <a:rPr lang="en-US" altLang="ja-JP" sz="1050" kern="100" dirty="0" smtClean="0">
+                          <a:effectLst/>
+                        </a:rPr>
+                        <a:t> of </a:t>
+                      </a:r>
+                      <a:r>
+                        <a:rPr lang="en-US" altLang="ja-JP" sz="1050" kern="100" dirty="0" err="1" smtClean="0">
+                          <a:effectLst/>
+                        </a:rPr>
+                        <a:t>Ansible</a:t>
+                      </a:r>
+                      <a:r>
+                        <a:rPr lang="ja-JP" altLang="en-US" sz="1050" kern="100" dirty="0" smtClean="0">
+                          <a:effectLst/>
+                        </a:rPr>
+                        <a:t> </a:t>
+                      </a:r>
+                      <a:r>
+                        <a:rPr lang="en-US" altLang="ja-JP" sz="1050" kern="100" dirty="0" smtClean="0">
+                          <a:effectLst/>
+                        </a:rPr>
+                        <a:t>module.</a:t>
+                      </a:r>
+                      <a:endParaRPr lang="ja-JP" sz="1050" kern="100" dirty="0">
+                        <a:effectLst/>
+                        <a:latin typeface="+mn-ea"/>
+                        <a:ea typeface="+mn-ea"/>
+                        <a:cs typeface="Segoe UI" panose="020B0502040204020203" pitchFamily="34" charset="0"/>
+                      </a:endParaRPr>
+                    </a:p>
+                  </a:txBody>
+                  <a:tcPr marL="68580" marR="68580" marT="0" marB="0" anchor="ctr"/>
+                </a:tc>
+                <a:extLst>
+                  <a:ext uri="{0D108BD9-81ED-4DB2-BD59-A6C34878D82A}">
+                    <a16:rowId xmlns:a16="http://schemas.microsoft.com/office/drawing/2014/main" val="1224913136"/>
+                  </a:ext>
+                </a:extLst>
+              </a:tr>
+              <a:tr h="272040">
+                <a:tc>
+                  <a:txBody>
+                    <a:bodyPr/>
+                    <a:lstStyle/>
+                    <a:p>
+                      <a:pPr marL="0" marR="0" lvl="0" indent="0" algn="just" defTabSz="914400" rtl="0" eaLnBrk="1" fontAlgn="auto" latinLnBrk="0" hangingPunct="1">
+                        <a:lnSpc>
+                          <a:spcPct val="100000"/>
+                        </a:lnSpc>
+                        <a:spcBef>
+                          <a:spcPts val="0"/>
+                        </a:spcBef>
+                        <a:spcAft>
+                          <a:spcPts val="0"/>
+                        </a:spcAft>
+                        <a:buClrTx/>
+                        <a:buSzTx/>
+                        <a:buFontTx/>
+                        <a:buNone/>
+                        <a:tabLst/>
+                        <a:defRPr/>
+                      </a:pPr>
+                      <a:r>
+                        <a:rPr lang="en-US" altLang="ja-JP" sz="1000" kern="0" dirty="0" smtClean="0">
+                          <a:effectLst/>
+                        </a:rPr>
+                        <a:t>1.7.1</a:t>
+                      </a:r>
+                      <a:endParaRPr lang="ja-JP" altLang="ja-JP" sz="1000" kern="100" dirty="0" smtClean="0">
+                        <a:effectLst/>
+                        <a:latin typeface="Century" panose="02040604050505020304" pitchFamily="18" charset="0"/>
+                        <a:ea typeface="ＭＳ 明朝" panose="02020609040205080304" pitchFamily="17" charset="-128"/>
+                        <a:cs typeface="Times New Roman" panose="02020603050405020304" pitchFamily="18" charset="0"/>
+                      </a:endParaRPr>
+                    </a:p>
+                  </a:txBody>
+                  <a:tcPr marL="68580" marR="68580" marT="0" marB="0" anchor="ctr"/>
+                </a:tc>
+                <a:tc gridSpan="5">
+                  <a:txBody>
+                    <a:bodyPr/>
+                    <a:lstStyle/>
+                    <a:p>
+                      <a:pPr marL="0" marR="0" lvl="0" indent="0" algn="ctr" defTabSz="914400" rtl="0" eaLnBrk="1" fontAlgn="auto" latinLnBrk="0" hangingPunct="1">
+                        <a:lnSpc>
+                          <a:spcPct val="100000"/>
+                        </a:lnSpc>
+                        <a:spcBef>
+                          <a:spcPts val="0"/>
+                        </a:spcBef>
+                        <a:spcAft>
+                          <a:spcPts val="0"/>
+                        </a:spcAft>
+                        <a:buClrTx/>
+                        <a:buSzTx/>
+                        <a:buFontTx/>
+                        <a:buNone/>
+                        <a:tabLst/>
+                        <a:defRPr/>
+                      </a:pPr>
+                      <a:r>
+                        <a:rPr lang="en-US" altLang="ja-JP" sz="1050" kern="100" dirty="0" smtClean="0">
+                          <a:effectLst/>
+                        </a:rPr>
+                        <a:t>There are no libraries added in Version 1.7.1.</a:t>
+                      </a:r>
+                      <a:endParaRPr lang="ja-JP" altLang="ja-JP" sz="1050" kern="100" dirty="0" smtClean="0">
+                        <a:effectLst/>
+                        <a:latin typeface="+mn-ea"/>
+                        <a:ea typeface="+mn-ea"/>
+                        <a:cs typeface="Times New Roman" panose="02020603050405020304" pitchFamily="18" charset="0"/>
+                      </a:endParaRPr>
+                    </a:p>
+                  </a:txBody>
+                  <a:tcPr marL="68580" marR="68580" marT="0" marB="0" anchor="ctr"/>
+                </a:tc>
+                <a:tc hMerge="1">
+                  <a:txBody>
+                    <a:bodyPr/>
+                    <a:lstStyle/>
+                    <a:p>
+                      <a:endParaRPr kumimoji="1" lang="ja-JP" altLang="en-US"/>
+                    </a:p>
+                  </a:txBody>
+                  <a:tcPr/>
+                </a:tc>
+                <a:tc hMerge="1">
+                  <a:txBody>
+                    <a:bodyPr/>
+                    <a:lstStyle/>
+                    <a:p>
+                      <a:pPr algn="just">
+                        <a:spcAft>
+                          <a:spcPts val="0"/>
+                        </a:spcAft>
+                      </a:pPr>
+                      <a:endParaRPr lang="ja-JP" sz="1050" kern="100" dirty="0">
+                        <a:effectLst/>
+                        <a:latin typeface="Segoe UI" panose="020B0502040204020203" pitchFamily="34" charset="0"/>
+                        <a:ea typeface="ＭＳ 明朝" panose="02020609040205080304" pitchFamily="17" charset="-128"/>
+                        <a:cs typeface="Segoe UI" panose="020B0502040204020203" pitchFamily="34" charset="0"/>
+                      </a:endParaRPr>
+                    </a:p>
+                  </a:txBody>
+                  <a:tcPr marL="68580" marR="68580" marT="0" marB="0" anchor="ctr"/>
+                </a:tc>
+                <a:tc hMerge="1">
+                  <a:txBody>
+                    <a:bodyPr/>
+                    <a:lstStyle/>
+                    <a:p>
+                      <a:pPr algn="ctr">
+                        <a:spcAft>
+                          <a:spcPts val="0"/>
+                        </a:spcAft>
+                      </a:pPr>
+                      <a:endParaRPr lang="ja-JP" sz="1050" kern="100" dirty="0">
+                        <a:effectLst/>
+                        <a:latin typeface="+mn-lt"/>
+                        <a:ea typeface="ＭＳ 明朝" panose="02020609040205080304" pitchFamily="17" charset="-128"/>
+                        <a:cs typeface="Segoe UI" panose="020B0502040204020203" pitchFamily="34" charset="0"/>
+                      </a:endParaRPr>
+                    </a:p>
+                  </a:txBody>
+                  <a:tcPr marL="68580" marR="68580" marT="0" marB="0" anchor="ctr"/>
+                </a:tc>
+                <a:tc hMerge="1">
+                  <a:txBody>
+                    <a:bodyPr/>
+                    <a:lstStyle/>
+                    <a:p>
+                      <a:pPr algn="just">
+                        <a:spcAft>
+                          <a:spcPts val="0"/>
+                        </a:spcAft>
+                      </a:pPr>
+                      <a:endParaRPr lang="ja-JP" sz="1050" kern="100" dirty="0">
+                        <a:effectLst/>
+                        <a:latin typeface="+mn-ea"/>
+                        <a:ea typeface="+mn-ea"/>
+                        <a:cs typeface="Segoe UI" panose="020B0502040204020203" pitchFamily="34" charset="0"/>
+                      </a:endParaRPr>
+                    </a:p>
+                  </a:txBody>
+                  <a:tcPr marL="68580" marR="68580" marT="0" marB="0" anchor="ctr"/>
+                </a:tc>
+                <a:extLst>
+                  <a:ext uri="{0D108BD9-81ED-4DB2-BD59-A6C34878D82A}">
+                    <a16:rowId xmlns:a16="http://schemas.microsoft.com/office/drawing/2014/main" val="79924609"/>
+                  </a:ext>
+                </a:extLst>
+              </a:tr>
+              <a:tr h="272040">
+                <a:tc>
+                  <a:txBody>
+                    <a:bodyPr/>
+                    <a:lstStyle/>
+                    <a:p>
+                      <a:pPr marL="0" marR="0" lvl="0" indent="0" algn="just" defTabSz="914400" rtl="0" eaLnBrk="1" fontAlgn="auto" latinLnBrk="0" hangingPunct="1">
+                        <a:lnSpc>
+                          <a:spcPct val="100000"/>
+                        </a:lnSpc>
+                        <a:spcBef>
+                          <a:spcPts val="0"/>
+                        </a:spcBef>
+                        <a:spcAft>
+                          <a:spcPts val="0"/>
+                        </a:spcAft>
+                        <a:buClrTx/>
+                        <a:buSzTx/>
+                        <a:buFontTx/>
+                        <a:buNone/>
+                        <a:tabLst/>
+                        <a:defRPr/>
+                      </a:pPr>
+                      <a:r>
+                        <a:rPr lang="en-US" altLang="ja-JP" sz="1000" kern="0" dirty="0" smtClean="0">
+                          <a:effectLst/>
+                        </a:rPr>
+                        <a:t>1.7.2</a:t>
+                      </a:r>
+                      <a:endParaRPr lang="ja-JP" altLang="ja-JP" sz="1000" kern="100" dirty="0" smtClean="0">
+                        <a:effectLst/>
+                        <a:latin typeface="Century" panose="02040604050505020304" pitchFamily="18" charset="0"/>
+                        <a:ea typeface="ＭＳ 明朝" panose="02020609040205080304" pitchFamily="17" charset="-128"/>
+                        <a:cs typeface="Times New Roman" panose="02020603050405020304" pitchFamily="18" charset="0"/>
+                      </a:endParaRPr>
+                    </a:p>
+                  </a:txBody>
+                  <a:tcPr marL="68580" marR="68580" marT="0" marB="0" anchor="ctr"/>
+                </a:tc>
+                <a:tc gridSpan="5">
+                  <a:txBody>
+                    <a:bodyPr/>
+                    <a:lstStyle/>
+                    <a:p>
+                      <a:pPr marL="0" marR="0" lvl="0" indent="0" algn="ctr" defTabSz="914400" rtl="0" eaLnBrk="1" fontAlgn="auto" latinLnBrk="0" hangingPunct="1">
+                        <a:lnSpc>
+                          <a:spcPct val="100000"/>
+                        </a:lnSpc>
+                        <a:spcBef>
+                          <a:spcPts val="0"/>
+                        </a:spcBef>
+                        <a:spcAft>
+                          <a:spcPts val="0"/>
+                        </a:spcAft>
+                        <a:buClrTx/>
+                        <a:buSzTx/>
+                        <a:buFontTx/>
+                        <a:buNone/>
+                        <a:tabLst/>
+                        <a:defRPr/>
+                      </a:pPr>
+                      <a:r>
+                        <a:rPr lang="en-US" altLang="ja-JP" sz="1050" kern="100" dirty="0" smtClean="0">
+                          <a:effectLst/>
+                        </a:rPr>
+                        <a:t>There are no libraries added in Version 1.7.2.</a:t>
+                      </a:r>
+                      <a:endParaRPr lang="ja-JP" altLang="ja-JP" sz="1050" kern="100" dirty="0" smtClean="0">
+                        <a:effectLst/>
+                        <a:latin typeface="+mn-ea"/>
+                        <a:ea typeface="+mn-ea"/>
+                        <a:cs typeface="Times New Roman" panose="02020603050405020304" pitchFamily="18" charset="0"/>
+                      </a:endParaRPr>
+                    </a:p>
+                  </a:txBody>
+                  <a:tcPr marL="68580" marR="68580" marT="0" marB="0" anchor="ctr"/>
+                </a:tc>
+                <a:tc hMerge="1">
+                  <a:txBody>
+                    <a:bodyPr/>
+                    <a:lstStyle/>
+                    <a:p>
+                      <a:endParaRPr kumimoji="1" lang="ja-JP" altLang="en-US"/>
+                    </a:p>
+                  </a:txBody>
+                  <a:tcPr/>
+                </a:tc>
+                <a:tc hMerge="1">
+                  <a:txBody>
+                    <a:bodyPr/>
+                    <a:lstStyle/>
+                    <a:p>
+                      <a:pPr algn="just">
+                        <a:spcAft>
+                          <a:spcPts val="0"/>
+                        </a:spcAft>
+                      </a:pPr>
+                      <a:endParaRPr lang="ja-JP" sz="1050" kern="100" dirty="0">
+                        <a:effectLst/>
+                        <a:latin typeface="Segoe UI" panose="020B0502040204020203" pitchFamily="34" charset="0"/>
+                        <a:ea typeface="ＭＳ 明朝" panose="02020609040205080304" pitchFamily="17" charset="-128"/>
+                        <a:cs typeface="Segoe UI" panose="020B0502040204020203" pitchFamily="34" charset="0"/>
+                      </a:endParaRPr>
+                    </a:p>
+                  </a:txBody>
+                  <a:tcPr marL="68580" marR="68580" marT="0" marB="0" anchor="ctr"/>
+                </a:tc>
+                <a:tc hMerge="1">
+                  <a:txBody>
+                    <a:bodyPr/>
+                    <a:lstStyle/>
+                    <a:p>
+                      <a:pPr algn="ctr">
+                        <a:spcAft>
+                          <a:spcPts val="0"/>
+                        </a:spcAft>
+                      </a:pPr>
+                      <a:endParaRPr lang="ja-JP" sz="1050" kern="100" dirty="0">
+                        <a:effectLst/>
+                        <a:latin typeface="+mn-lt"/>
+                        <a:ea typeface="ＭＳ 明朝" panose="02020609040205080304" pitchFamily="17" charset="-128"/>
+                        <a:cs typeface="Segoe UI" panose="020B0502040204020203" pitchFamily="34" charset="0"/>
+                      </a:endParaRPr>
+                    </a:p>
+                  </a:txBody>
+                  <a:tcPr marL="68580" marR="68580" marT="0" marB="0" anchor="ctr"/>
+                </a:tc>
+                <a:tc hMerge="1">
+                  <a:txBody>
+                    <a:bodyPr/>
+                    <a:lstStyle/>
+                    <a:p>
+                      <a:pPr algn="just">
+                        <a:spcAft>
+                          <a:spcPts val="0"/>
+                        </a:spcAft>
+                      </a:pPr>
+                      <a:endParaRPr lang="ja-JP" sz="1050" kern="100" dirty="0">
+                        <a:effectLst/>
+                        <a:latin typeface="+mn-ea"/>
+                        <a:ea typeface="+mn-ea"/>
+                        <a:cs typeface="Segoe UI" panose="020B0502040204020203" pitchFamily="34" charset="0"/>
+                      </a:endParaRPr>
+                    </a:p>
+                  </a:txBody>
+                  <a:tcPr marL="68580" marR="68580" marT="0" marB="0" anchor="ctr"/>
+                </a:tc>
+                <a:extLst>
+                  <a:ext uri="{0D108BD9-81ED-4DB2-BD59-A6C34878D82A}">
+                    <a16:rowId xmlns:a16="http://schemas.microsoft.com/office/drawing/2014/main" val="4014187035"/>
                   </a:ext>
                 </a:extLst>
               </a:tr>
@@ -16129,6 +16297,765 @@
             <p:ph type="title"/>
           </p:nvPr>
         </p:nvSpPr>
+        <p:spPr/>
+        <p:txBody>
+          <a:bodyPr/>
+          <a:lstStyle/>
+          <a:p>
+            <a:r>
+              <a:rPr lang="en-US" altLang="ja-JP" dirty="0" smtClean="0"/>
+              <a:t>3.8</a:t>
+            </a:r>
+            <a:r>
+              <a:rPr lang="ja-JP" altLang="en-US" dirty="0"/>
+              <a:t>　</a:t>
+            </a:r>
+            <a:r>
+              <a:rPr lang="en-US" altLang="ja-JP" dirty="0" smtClean="0"/>
+              <a:t>Update</a:t>
+            </a:r>
+            <a:r>
+              <a:rPr lang="ja-JP" altLang="en-US" dirty="0" smtClean="0"/>
+              <a:t>（</a:t>
+            </a:r>
+            <a:r>
+              <a:rPr lang="en-US" altLang="ja-JP" dirty="0" smtClean="0"/>
+              <a:t>6/6</a:t>
+            </a:r>
+            <a:r>
+              <a:rPr lang="ja-JP" altLang="en-US" dirty="0" smtClean="0"/>
+              <a:t>）</a:t>
+            </a:r>
+            <a:endParaRPr kumimoji="1" lang="ja-JP" altLang="en-US" dirty="0"/>
+          </a:p>
+        </p:txBody>
+      </p:sp>
+      <p:graphicFrame>
+        <p:nvGraphicFramePr>
+          <p:cNvPr id="6" name="表 5"/>
+          <p:cNvGraphicFramePr>
+            <a:graphicFrameLocks noGrp="1"/>
+          </p:cNvGraphicFramePr>
+          <p:nvPr>
+            <p:extLst>
+              <p:ext uri="{D42A27DB-BD31-4B8C-83A1-F6EECF244321}">
+                <p14:modId xmlns:p14="http://schemas.microsoft.com/office/powerpoint/2010/main" val="1525998903"/>
+              </p:ext>
+            </p:extLst>
+          </p:nvPr>
+        </p:nvGraphicFramePr>
+        <p:xfrm>
+          <a:off x="107380" y="908650"/>
+          <a:ext cx="8819131" cy="1206426"/>
+        </p:xfrm>
+        <a:graphic>
+          <a:graphicData uri="http://schemas.openxmlformats.org/drawingml/2006/table">
+            <a:tbl>
+              <a:tblPr firstRow="1" firstCol="1" bandRow="1">
+                <a:tableStyleId>{93296810-A885-4BE3-A3E7-6D5BEEA58F35}</a:tableStyleId>
+              </a:tblPr>
+              <a:tblGrid>
+                <a:gridCol w="936130">
+                  <a:extLst>
+                    <a:ext uri="{9D8B030D-6E8A-4147-A177-3AD203B41FA5}">
+                      <a16:colId xmlns:a16="http://schemas.microsoft.com/office/drawing/2014/main" val="20000"/>
+                    </a:ext>
+                  </a:extLst>
+                </a:gridCol>
+                <a:gridCol w="1224170">
+                  <a:extLst>
+                    <a:ext uri="{9D8B030D-6E8A-4147-A177-3AD203B41FA5}">
+                      <a16:colId xmlns:a16="http://schemas.microsoft.com/office/drawing/2014/main" val="152993547"/>
+                    </a:ext>
+                  </a:extLst>
+                </a:gridCol>
+                <a:gridCol w="792110">
+                  <a:extLst>
+                    <a:ext uri="{9D8B030D-6E8A-4147-A177-3AD203B41FA5}">
+                      <a16:colId xmlns:a16="http://schemas.microsoft.com/office/drawing/2014/main" val="1976535841"/>
+                    </a:ext>
+                  </a:extLst>
+                </a:gridCol>
+                <a:gridCol w="1800250">
+                  <a:extLst>
+                    <a:ext uri="{9D8B030D-6E8A-4147-A177-3AD203B41FA5}">
+                      <a16:colId xmlns:a16="http://schemas.microsoft.com/office/drawing/2014/main" val="20002"/>
+                    </a:ext>
+                  </a:extLst>
+                </a:gridCol>
+                <a:gridCol w="682001">
+                  <a:extLst>
+                    <a:ext uri="{9D8B030D-6E8A-4147-A177-3AD203B41FA5}">
+                      <a16:colId xmlns:a16="http://schemas.microsoft.com/office/drawing/2014/main" val="2782429275"/>
+                    </a:ext>
+                  </a:extLst>
+                </a:gridCol>
+                <a:gridCol w="3384470">
+                  <a:extLst>
+                    <a:ext uri="{9D8B030D-6E8A-4147-A177-3AD203B41FA5}">
+                      <a16:colId xmlns:a16="http://schemas.microsoft.com/office/drawing/2014/main" val="1389011001"/>
+                    </a:ext>
+                  </a:extLst>
+                </a:gridCol>
+              </a:tblGrid>
+              <a:tr h="390306">
+                <a:tc>
+                  <a:txBody>
+                    <a:bodyPr/>
+                    <a:lstStyle/>
+                    <a:p>
+                      <a:pPr algn="just">
+                        <a:spcAft>
+                          <a:spcPts val="0"/>
+                        </a:spcAft>
+                      </a:pPr>
+                      <a:r>
+                        <a:rPr lang="en-US" altLang="ja-JP" sz="1050" kern="100" dirty="0" smtClean="0">
+                          <a:effectLst/>
+                        </a:rPr>
+                        <a:t>Version</a:t>
+                      </a:r>
+                      <a:endParaRPr lang="ja-JP" sz="1050" kern="100" dirty="0">
+                        <a:effectLst/>
+                        <a:latin typeface="Century" panose="02040604050505020304" pitchFamily="18" charset="0"/>
+                        <a:ea typeface="ＭＳ 明朝" panose="02020609040205080304" pitchFamily="17" charset="-128"/>
+                        <a:cs typeface="Times New Roman" panose="02020603050405020304" pitchFamily="18" charset="0"/>
+                      </a:endParaRPr>
+                    </a:p>
+                  </a:txBody>
+                  <a:tcPr marL="68580" marR="68580" marT="0" marB="0" anchor="ctr"/>
+                </a:tc>
+                <a:tc>
+                  <a:txBody>
+                    <a:bodyPr/>
+                    <a:lstStyle/>
+                    <a:p>
+                      <a:pPr algn="just">
+                        <a:spcAft>
+                          <a:spcPts val="0"/>
+                        </a:spcAft>
+                      </a:pPr>
+                      <a:r>
+                        <a:rPr lang="en-US" altLang="ja-JP" sz="1050" kern="0" dirty="0" smtClean="0">
+                          <a:effectLst/>
+                        </a:rPr>
+                        <a:t>Installed</a:t>
+                      </a:r>
+                      <a:r>
+                        <a:rPr lang="en-US" altLang="ja-JP" sz="1050" kern="0" baseline="0" dirty="0" smtClean="0">
+                          <a:effectLst/>
+                        </a:rPr>
+                        <a:t> driver</a:t>
+                      </a:r>
+                      <a:endParaRPr lang="ja-JP" sz="1050" kern="100" dirty="0">
+                        <a:effectLst/>
+                        <a:latin typeface="Century" panose="02040604050505020304" pitchFamily="18" charset="0"/>
+                        <a:ea typeface="ＭＳ 明朝" panose="02020609040205080304" pitchFamily="17" charset="-128"/>
+                        <a:cs typeface="Times New Roman" panose="02020603050405020304" pitchFamily="18" charset="0"/>
+                      </a:endParaRPr>
+                    </a:p>
+                  </a:txBody>
+                  <a:tcPr marL="68580" marR="68580" marT="0" marB="0" anchor="ctr"/>
+                </a:tc>
+                <a:tc>
+                  <a:txBody>
+                    <a:bodyPr/>
+                    <a:lstStyle/>
+                    <a:p>
+                      <a:pPr algn="just">
+                        <a:spcAft>
+                          <a:spcPts val="0"/>
+                        </a:spcAft>
+                      </a:pPr>
+                      <a:r>
+                        <a:rPr lang="en-US" altLang="ja-JP" sz="1050" kern="0" dirty="0" smtClean="0">
+                          <a:effectLst/>
+                        </a:rPr>
+                        <a:t>Library name</a:t>
+                      </a:r>
+                      <a:endParaRPr lang="ja-JP" sz="1050" kern="100" dirty="0">
+                        <a:effectLst/>
+                        <a:latin typeface="Century" panose="02040604050505020304" pitchFamily="18" charset="0"/>
+                        <a:ea typeface="ＭＳ 明朝" panose="02020609040205080304" pitchFamily="17" charset="-128"/>
+                        <a:cs typeface="Times New Roman" panose="02020603050405020304" pitchFamily="18" charset="0"/>
+                      </a:endParaRPr>
+                    </a:p>
+                  </a:txBody>
+                  <a:tcPr marL="68580" marR="68580" marT="0" marB="0" anchor="ctr"/>
+                </a:tc>
+                <a:tc>
+                  <a:txBody>
+                    <a:bodyPr/>
+                    <a:lstStyle/>
+                    <a:p>
+                      <a:pPr algn="just">
+                        <a:spcAft>
+                          <a:spcPts val="0"/>
+                        </a:spcAft>
+                      </a:pPr>
+                      <a:r>
+                        <a:rPr lang="en-US" altLang="ja-JP" sz="1050" kern="100" dirty="0" smtClean="0">
+                          <a:effectLst/>
+                        </a:rPr>
+                        <a:t>Install</a:t>
+                      </a:r>
+                      <a:r>
+                        <a:rPr lang="en-US" altLang="ja-JP" sz="1050" kern="100" baseline="0" dirty="0" smtClean="0">
+                          <a:effectLst/>
+                        </a:rPr>
+                        <a:t> command</a:t>
+                      </a:r>
+                      <a:endParaRPr lang="ja-JP" sz="1050" kern="100" dirty="0">
+                        <a:effectLst/>
+                        <a:latin typeface="Century" panose="02040604050505020304" pitchFamily="18" charset="0"/>
+                        <a:ea typeface="ＭＳ 明朝" panose="02020609040205080304" pitchFamily="17" charset="-128"/>
+                        <a:cs typeface="Times New Roman" panose="02020603050405020304" pitchFamily="18" charset="0"/>
+                      </a:endParaRPr>
+                    </a:p>
+                  </a:txBody>
+                  <a:tcPr marL="68580" marR="68580" marT="0" marB="0" anchor="ctr"/>
+                </a:tc>
+                <a:tc>
+                  <a:txBody>
+                    <a:bodyPr/>
+                    <a:lstStyle/>
+                    <a:p>
+                      <a:pPr marL="0" algn="just" defTabSz="914400" rtl="0" eaLnBrk="1" latinLnBrk="0" hangingPunct="1">
+                        <a:spcAft>
+                          <a:spcPts val="0"/>
+                        </a:spcAft>
+                      </a:pPr>
+                      <a:r>
+                        <a:rPr kumimoji="1" lang="en-US" altLang="ja-JP" sz="800" kern="100" dirty="0" smtClean="0">
+                          <a:effectLst/>
+                        </a:rPr>
+                        <a:t>Required</a:t>
+                      </a:r>
+                      <a:endParaRPr kumimoji="1" lang="en-US" altLang="ja-JP" sz="800" b="1" kern="100" dirty="0" smtClean="0">
+                        <a:solidFill>
+                          <a:schemeClr val="lt1"/>
+                        </a:solidFill>
+                        <a:effectLst/>
+                        <a:latin typeface="+mn-lt"/>
+                        <a:ea typeface="+mn-ea"/>
+                        <a:cs typeface="+mn-cs"/>
+                      </a:endParaRPr>
+                    </a:p>
+                  </a:txBody>
+                  <a:tcPr marL="68580" marR="68580" marT="0" marB="0" anchor="ctr"/>
+                </a:tc>
+                <a:tc>
+                  <a:txBody>
+                    <a:bodyPr/>
+                    <a:lstStyle/>
+                    <a:p>
+                      <a:pPr algn="just">
+                        <a:spcAft>
+                          <a:spcPts val="0"/>
+                        </a:spcAft>
+                      </a:pPr>
+                      <a:r>
+                        <a:rPr lang="en-US" altLang="ja-JP" sz="1050" kern="100" dirty="0" smtClean="0">
+                          <a:effectLst/>
+                        </a:rPr>
+                        <a:t>Usage</a:t>
+                      </a:r>
+                      <a:endParaRPr lang="ja-JP" altLang="ja-JP" sz="1050" kern="100" dirty="0">
+                        <a:effectLst/>
+                        <a:latin typeface="Century" panose="02040604050505020304" pitchFamily="18" charset="0"/>
+                        <a:ea typeface="ＭＳ 明朝" panose="02020609040205080304" pitchFamily="17" charset="-128"/>
+                        <a:cs typeface="Times New Roman" panose="02020603050405020304" pitchFamily="18" charset="0"/>
+                      </a:endParaRPr>
+                    </a:p>
+                  </a:txBody>
+                  <a:tcPr marL="68580" marR="68580" marT="0" marB="0" anchor="ctr"/>
+                </a:tc>
+                <a:extLst>
+                  <a:ext uri="{0D108BD9-81ED-4DB2-BD59-A6C34878D82A}">
+                    <a16:rowId xmlns:a16="http://schemas.microsoft.com/office/drawing/2014/main" val="10000"/>
+                  </a:ext>
+                </a:extLst>
+              </a:tr>
+              <a:tr h="272040">
+                <a:tc>
+                  <a:txBody>
+                    <a:bodyPr/>
+                    <a:lstStyle/>
+                    <a:p>
+                      <a:pPr marL="0" marR="0" lvl="0" indent="0" algn="just" defTabSz="914400" rtl="0" eaLnBrk="1" fontAlgn="auto" latinLnBrk="0" hangingPunct="1">
+                        <a:lnSpc>
+                          <a:spcPct val="100000"/>
+                        </a:lnSpc>
+                        <a:spcBef>
+                          <a:spcPts val="0"/>
+                        </a:spcBef>
+                        <a:spcAft>
+                          <a:spcPts val="0"/>
+                        </a:spcAft>
+                        <a:buClrTx/>
+                        <a:buSzTx/>
+                        <a:buFontTx/>
+                        <a:buNone/>
+                        <a:tabLst/>
+                        <a:defRPr/>
+                      </a:pPr>
+                      <a:r>
+                        <a:rPr lang="en-US" altLang="ja-JP" sz="1000" kern="0" dirty="0" smtClean="0">
+                          <a:effectLst/>
+                        </a:rPr>
+                        <a:t>1.8.0</a:t>
+                      </a:r>
+                      <a:endParaRPr lang="ja-JP" altLang="ja-JP" sz="1000" kern="100" dirty="0" smtClean="0">
+                        <a:effectLst/>
+                        <a:latin typeface="Century" panose="02040604050505020304" pitchFamily="18" charset="0"/>
+                        <a:ea typeface="ＭＳ 明朝" panose="02020609040205080304" pitchFamily="17" charset="-128"/>
+                        <a:cs typeface="Times New Roman" panose="02020603050405020304" pitchFamily="18" charset="0"/>
+                      </a:endParaRPr>
+                    </a:p>
+                  </a:txBody>
+                  <a:tcPr marL="68580" marR="68580" marT="0" marB="0" anchor="ctr"/>
+                </a:tc>
+                <a:tc gridSpan="5">
+                  <a:txBody>
+                    <a:bodyPr/>
+                    <a:lstStyle/>
+                    <a:p>
+                      <a:pPr marL="0" marR="0" lvl="0" indent="0" algn="ctr" defTabSz="914400" rtl="0" eaLnBrk="1" fontAlgn="auto" latinLnBrk="0" hangingPunct="1">
+                        <a:lnSpc>
+                          <a:spcPct val="100000"/>
+                        </a:lnSpc>
+                        <a:spcBef>
+                          <a:spcPts val="0"/>
+                        </a:spcBef>
+                        <a:spcAft>
+                          <a:spcPts val="0"/>
+                        </a:spcAft>
+                        <a:buClrTx/>
+                        <a:buSzTx/>
+                        <a:buFontTx/>
+                        <a:buNone/>
+                        <a:tabLst/>
+                        <a:defRPr/>
+                      </a:pPr>
+                      <a:r>
+                        <a:rPr lang="en-US" altLang="ja-JP" sz="1050" kern="100" dirty="0" smtClean="0">
+                          <a:effectLst/>
+                        </a:rPr>
+                        <a:t>There are no libraries added in Version 1.8.0.</a:t>
+                      </a:r>
+                      <a:endParaRPr lang="ja-JP" altLang="ja-JP" sz="1050" kern="100" dirty="0" smtClean="0">
+                        <a:effectLst/>
+                        <a:latin typeface="+mn-ea"/>
+                        <a:ea typeface="+mn-ea"/>
+                        <a:cs typeface="Times New Roman" panose="02020603050405020304" pitchFamily="18" charset="0"/>
+                      </a:endParaRPr>
+                    </a:p>
+                  </a:txBody>
+                  <a:tcPr marL="68580" marR="68580" marT="0" marB="0" anchor="ctr"/>
+                </a:tc>
+                <a:tc hMerge="1">
+                  <a:txBody>
+                    <a:bodyPr/>
+                    <a:lstStyle/>
+                    <a:p>
+                      <a:endParaRPr kumimoji="1" lang="ja-JP" altLang="en-US"/>
+                    </a:p>
+                  </a:txBody>
+                  <a:tcPr/>
+                </a:tc>
+                <a:tc hMerge="1">
+                  <a:txBody>
+                    <a:bodyPr/>
+                    <a:lstStyle/>
+                    <a:p>
+                      <a:pPr algn="just">
+                        <a:spcAft>
+                          <a:spcPts val="0"/>
+                        </a:spcAft>
+                      </a:pPr>
+                      <a:endParaRPr lang="ja-JP" sz="1050" kern="100" dirty="0">
+                        <a:effectLst/>
+                        <a:latin typeface="Segoe UI" panose="020B0502040204020203" pitchFamily="34" charset="0"/>
+                        <a:ea typeface="ＭＳ 明朝" panose="02020609040205080304" pitchFamily="17" charset="-128"/>
+                        <a:cs typeface="Segoe UI" panose="020B0502040204020203" pitchFamily="34" charset="0"/>
+                      </a:endParaRPr>
+                    </a:p>
+                  </a:txBody>
+                  <a:tcPr marL="68580" marR="68580" marT="0" marB="0" anchor="ctr"/>
+                </a:tc>
+                <a:tc hMerge="1">
+                  <a:txBody>
+                    <a:bodyPr/>
+                    <a:lstStyle/>
+                    <a:p>
+                      <a:pPr algn="ctr">
+                        <a:spcAft>
+                          <a:spcPts val="0"/>
+                        </a:spcAft>
+                      </a:pPr>
+                      <a:endParaRPr lang="ja-JP" sz="1050" kern="100" dirty="0">
+                        <a:effectLst/>
+                        <a:latin typeface="+mn-lt"/>
+                        <a:ea typeface="ＭＳ 明朝" panose="02020609040205080304" pitchFamily="17" charset="-128"/>
+                        <a:cs typeface="Segoe UI" panose="020B0502040204020203" pitchFamily="34" charset="0"/>
+                      </a:endParaRPr>
+                    </a:p>
+                  </a:txBody>
+                  <a:tcPr marL="68580" marR="68580" marT="0" marB="0" anchor="ctr"/>
+                </a:tc>
+                <a:tc hMerge="1">
+                  <a:txBody>
+                    <a:bodyPr/>
+                    <a:lstStyle/>
+                    <a:p>
+                      <a:pPr algn="just">
+                        <a:spcAft>
+                          <a:spcPts val="0"/>
+                        </a:spcAft>
+                      </a:pPr>
+                      <a:endParaRPr lang="ja-JP" sz="1050" kern="100" dirty="0">
+                        <a:effectLst/>
+                        <a:latin typeface="+mn-ea"/>
+                        <a:ea typeface="+mn-ea"/>
+                        <a:cs typeface="Segoe UI" panose="020B0502040204020203" pitchFamily="34" charset="0"/>
+                      </a:endParaRPr>
+                    </a:p>
+                  </a:txBody>
+                  <a:tcPr marL="68580" marR="68580" marT="0" marB="0" anchor="ctr"/>
+                </a:tc>
+                <a:extLst>
+                  <a:ext uri="{0D108BD9-81ED-4DB2-BD59-A6C34878D82A}">
+                    <a16:rowId xmlns:a16="http://schemas.microsoft.com/office/drawing/2014/main" val="653390907"/>
+                  </a:ext>
+                </a:extLst>
+              </a:tr>
+              <a:tr h="272040">
+                <a:tc>
+                  <a:txBody>
+                    <a:bodyPr/>
+                    <a:lstStyle/>
+                    <a:p>
+                      <a:pPr marL="0" marR="0" lvl="0" indent="0" algn="just" defTabSz="914400" rtl="0" eaLnBrk="1" fontAlgn="auto" latinLnBrk="0" hangingPunct="1">
+                        <a:lnSpc>
+                          <a:spcPct val="100000"/>
+                        </a:lnSpc>
+                        <a:spcBef>
+                          <a:spcPts val="0"/>
+                        </a:spcBef>
+                        <a:spcAft>
+                          <a:spcPts val="0"/>
+                        </a:spcAft>
+                        <a:buClrTx/>
+                        <a:buSzTx/>
+                        <a:buFontTx/>
+                        <a:buNone/>
+                        <a:tabLst/>
+                        <a:defRPr/>
+                      </a:pPr>
+                      <a:r>
+                        <a:rPr lang="en-US" altLang="ja-JP" sz="1000" kern="0" dirty="0" smtClean="0">
+                          <a:effectLst/>
+                        </a:rPr>
+                        <a:t>1.8.1</a:t>
+                      </a:r>
+                      <a:endParaRPr lang="ja-JP" altLang="ja-JP" sz="1000" kern="100" dirty="0" smtClean="0">
+                        <a:effectLst/>
+                        <a:latin typeface="Century" panose="02040604050505020304" pitchFamily="18" charset="0"/>
+                        <a:ea typeface="ＭＳ 明朝" panose="02020609040205080304" pitchFamily="17" charset="-128"/>
+                        <a:cs typeface="Times New Roman" panose="02020603050405020304" pitchFamily="18" charset="0"/>
+                      </a:endParaRPr>
+                    </a:p>
+                  </a:txBody>
+                  <a:tcPr marL="68580" marR="68580" marT="0" marB="0" anchor="ctr"/>
+                </a:tc>
+                <a:tc gridSpan="5">
+                  <a:txBody>
+                    <a:bodyPr/>
+                    <a:lstStyle/>
+                    <a:p>
+                      <a:pPr marL="0" marR="0" lvl="0" indent="0" algn="ctr" defTabSz="914400" rtl="0" eaLnBrk="1" fontAlgn="auto" latinLnBrk="0" hangingPunct="1">
+                        <a:lnSpc>
+                          <a:spcPct val="100000"/>
+                        </a:lnSpc>
+                        <a:spcBef>
+                          <a:spcPts val="0"/>
+                        </a:spcBef>
+                        <a:spcAft>
+                          <a:spcPts val="0"/>
+                        </a:spcAft>
+                        <a:buClrTx/>
+                        <a:buSzTx/>
+                        <a:buFontTx/>
+                        <a:buNone/>
+                        <a:tabLst/>
+                        <a:defRPr/>
+                      </a:pPr>
+                      <a:r>
+                        <a:rPr lang="en-US" altLang="ja-JP" sz="1050" kern="100" dirty="0" smtClean="0">
+                          <a:effectLst/>
+                        </a:rPr>
+                        <a:t>There are no libraries added in Version 1.8.1.</a:t>
+                      </a:r>
+                      <a:endParaRPr lang="ja-JP" altLang="ja-JP" sz="1050" kern="100" dirty="0" smtClean="0">
+                        <a:effectLst/>
+                        <a:latin typeface="+mn-ea"/>
+                        <a:ea typeface="+mn-ea"/>
+                        <a:cs typeface="Times New Roman" panose="02020603050405020304" pitchFamily="18" charset="0"/>
+                      </a:endParaRPr>
+                    </a:p>
+                  </a:txBody>
+                  <a:tcPr marL="68580" marR="68580" marT="0" marB="0" anchor="ctr"/>
+                </a:tc>
+                <a:tc hMerge="1">
+                  <a:txBody>
+                    <a:bodyPr/>
+                    <a:lstStyle/>
+                    <a:p>
+                      <a:endParaRPr kumimoji="1" lang="ja-JP" altLang="en-US"/>
+                    </a:p>
+                  </a:txBody>
+                  <a:tcPr/>
+                </a:tc>
+                <a:tc hMerge="1">
+                  <a:txBody>
+                    <a:bodyPr/>
+                    <a:lstStyle/>
+                    <a:p>
+                      <a:pPr algn="just">
+                        <a:spcAft>
+                          <a:spcPts val="0"/>
+                        </a:spcAft>
+                      </a:pPr>
+                      <a:endParaRPr lang="ja-JP" sz="1050" kern="100" dirty="0">
+                        <a:effectLst/>
+                        <a:latin typeface="Segoe UI" panose="020B0502040204020203" pitchFamily="34" charset="0"/>
+                        <a:ea typeface="ＭＳ 明朝" panose="02020609040205080304" pitchFamily="17" charset="-128"/>
+                        <a:cs typeface="Segoe UI" panose="020B0502040204020203" pitchFamily="34" charset="0"/>
+                      </a:endParaRPr>
+                    </a:p>
+                  </a:txBody>
+                  <a:tcPr marL="68580" marR="68580" marT="0" marB="0" anchor="ctr"/>
+                </a:tc>
+                <a:tc hMerge="1">
+                  <a:txBody>
+                    <a:bodyPr/>
+                    <a:lstStyle/>
+                    <a:p>
+                      <a:pPr algn="ctr">
+                        <a:spcAft>
+                          <a:spcPts val="0"/>
+                        </a:spcAft>
+                      </a:pPr>
+                      <a:endParaRPr lang="ja-JP" sz="1050" kern="100" dirty="0">
+                        <a:effectLst/>
+                        <a:latin typeface="+mn-lt"/>
+                        <a:ea typeface="ＭＳ 明朝" panose="02020609040205080304" pitchFamily="17" charset="-128"/>
+                        <a:cs typeface="Segoe UI" panose="020B0502040204020203" pitchFamily="34" charset="0"/>
+                      </a:endParaRPr>
+                    </a:p>
+                  </a:txBody>
+                  <a:tcPr marL="68580" marR="68580" marT="0" marB="0" anchor="ctr"/>
+                </a:tc>
+                <a:tc hMerge="1">
+                  <a:txBody>
+                    <a:bodyPr/>
+                    <a:lstStyle/>
+                    <a:p>
+                      <a:pPr algn="just">
+                        <a:spcAft>
+                          <a:spcPts val="0"/>
+                        </a:spcAft>
+                      </a:pPr>
+                      <a:endParaRPr lang="ja-JP" sz="1050" kern="100" dirty="0">
+                        <a:effectLst/>
+                        <a:latin typeface="+mn-ea"/>
+                        <a:ea typeface="+mn-ea"/>
+                        <a:cs typeface="Segoe UI" panose="020B0502040204020203" pitchFamily="34" charset="0"/>
+                      </a:endParaRPr>
+                    </a:p>
+                  </a:txBody>
+                  <a:tcPr marL="68580" marR="68580" marT="0" marB="0" anchor="ctr"/>
+                </a:tc>
+                <a:extLst>
+                  <a:ext uri="{0D108BD9-81ED-4DB2-BD59-A6C34878D82A}">
+                    <a16:rowId xmlns:a16="http://schemas.microsoft.com/office/drawing/2014/main" val="1915833872"/>
+                  </a:ext>
+                </a:extLst>
+              </a:tr>
+              <a:tr h="272040">
+                <a:tc>
+                  <a:txBody>
+                    <a:bodyPr/>
+                    <a:lstStyle/>
+                    <a:p>
+                      <a:pPr marL="0" marR="0" lvl="0" indent="0" algn="just" defTabSz="914400" rtl="0" eaLnBrk="1" fontAlgn="auto" latinLnBrk="0" hangingPunct="1">
+                        <a:lnSpc>
+                          <a:spcPct val="100000"/>
+                        </a:lnSpc>
+                        <a:spcBef>
+                          <a:spcPts val="0"/>
+                        </a:spcBef>
+                        <a:spcAft>
+                          <a:spcPts val="0"/>
+                        </a:spcAft>
+                        <a:buClrTx/>
+                        <a:buSzTx/>
+                        <a:buFontTx/>
+                        <a:buNone/>
+                        <a:tabLst/>
+                        <a:defRPr/>
+                      </a:pPr>
+                      <a:r>
+                        <a:rPr lang="en-US" altLang="ja-JP" sz="1000" kern="0" dirty="0" smtClean="0">
+                          <a:effectLst/>
+                        </a:rPr>
+                        <a:t>1.8.2</a:t>
+                      </a:r>
+                      <a:endParaRPr lang="ja-JP" altLang="ja-JP" sz="1000" kern="100" dirty="0" smtClean="0">
+                        <a:effectLst/>
+                        <a:latin typeface="Century" panose="02040604050505020304" pitchFamily="18" charset="0"/>
+                        <a:ea typeface="ＭＳ 明朝" panose="02020609040205080304" pitchFamily="17" charset="-128"/>
+                        <a:cs typeface="Times New Roman" panose="02020603050405020304" pitchFamily="18" charset="0"/>
+                      </a:endParaRPr>
+                    </a:p>
+                  </a:txBody>
+                  <a:tcPr marL="68580" marR="68580" marT="0" marB="0" anchor="ctr"/>
+                </a:tc>
+                <a:tc gridSpan="5">
+                  <a:txBody>
+                    <a:bodyPr/>
+                    <a:lstStyle/>
+                    <a:p>
+                      <a:pPr marL="0" marR="0" lvl="0" indent="0" algn="ctr" defTabSz="914400" rtl="0" eaLnBrk="1" fontAlgn="auto" latinLnBrk="0" hangingPunct="1">
+                        <a:lnSpc>
+                          <a:spcPct val="100000"/>
+                        </a:lnSpc>
+                        <a:spcBef>
+                          <a:spcPts val="0"/>
+                        </a:spcBef>
+                        <a:spcAft>
+                          <a:spcPts val="0"/>
+                        </a:spcAft>
+                        <a:buClrTx/>
+                        <a:buSzTx/>
+                        <a:buFontTx/>
+                        <a:buNone/>
+                        <a:tabLst/>
+                        <a:defRPr/>
+                      </a:pPr>
+                      <a:r>
+                        <a:rPr lang="en-US" altLang="ja-JP" sz="1050" kern="100" dirty="0" smtClean="0">
+                          <a:effectLst/>
+                        </a:rPr>
+                        <a:t>There are no libraries added in Version 1.8.2.</a:t>
+                      </a:r>
+                      <a:endParaRPr lang="ja-JP" altLang="ja-JP" sz="1050" kern="100" dirty="0" smtClean="0">
+                        <a:effectLst/>
+                        <a:latin typeface="+mn-ea"/>
+                        <a:ea typeface="+mn-ea"/>
+                        <a:cs typeface="Times New Roman" panose="02020603050405020304" pitchFamily="18" charset="0"/>
+                      </a:endParaRPr>
+                    </a:p>
+                  </a:txBody>
+                  <a:tcPr marL="68580" marR="68580" marT="0" marB="0" anchor="ctr"/>
+                </a:tc>
+                <a:tc hMerge="1">
+                  <a:txBody>
+                    <a:bodyPr/>
+                    <a:lstStyle/>
+                    <a:p>
+                      <a:endParaRPr kumimoji="1" lang="ja-JP" altLang="en-US"/>
+                    </a:p>
+                  </a:txBody>
+                  <a:tcPr/>
+                </a:tc>
+                <a:tc hMerge="1">
+                  <a:txBody>
+                    <a:bodyPr/>
+                    <a:lstStyle/>
+                    <a:p>
+                      <a:endParaRPr kumimoji="1" lang="ja-JP" altLang="en-US"/>
+                    </a:p>
+                  </a:txBody>
+                  <a:tcPr/>
+                </a:tc>
+                <a:tc hMerge="1">
+                  <a:txBody>
+                    <a:bodyPr/>
+                    <a:lstStyle/>
+                    <a:p>
+                      <a:endParaRPr kumimoji="1" lang="ja-JP" altLang="en-US"/>
+                    </a:p>
+                  </a:txBody>
+                  <a:tcPr/>
+                </a:tc>
+                <a:tc hMerge="1">
+                  <a:txBody>
+                    <a:bodyPr/>
+                    <a:lstStyle/>
+                    <a:p>
+                      <a:endParaRPr kumimoji="1" lang="ja-JP" altLang="en-US"/>
+                    </a:p>
+                  </a:txBody>
+                  <a:tcPr/>
+                </a:tc>
+                <a:extLst>
+                  <a:ext uri="{0D108BD9-81ED-4DB2-BD59-A6C34878D82A}">
+                    <a16:rowId xmlns:a16="http://schemas.microsoft.com/office/drawing/2014/main" val="201590054"/>
+                  </a:ext>
+                </a:extLst>
+              </a:tr>
+            </a:tbl>
+          </a:graphicData>
+        </a:graphic>
+      </p:graphicFrame>
+    </p:spTree>
+    <p:extLst>
+      <p:ext uri="{BB962C8B-B14F-4D97-AF65-F5344CB8AC3E}">
+        <p14:creationId xmlns:p14="http://schemas.microsoft.com/office/powerpoint/2010/main" val="622893425"/>
+      </p:ext>
+    </p:extLst>
+  </p:cSld>
+  <p:clrMapOvr>
+    <a:masterClrMapping/>
+  </p:clrMapOvr>
+  <p:timing>
+    <p:tnLst>
+      <p:par>
+        <p:cTn id="1" dur="indefinite" restart="never" nodeType="tmRoot"/>
+      </p:par>
+    </p:tnLst>
+  </p:timing>
+</p:sld>
+</file>
+
+<file path=ppt/slides/slide16.xml><?xml version="1.0" encoding="utf-8"?>
+<p:sld xmlns:a="http://schemas.openxmlformats.org/drawingml/2006/main" xmlns:r="http://schemas.openxmlformats.org/officeDocument/2006/relationships" xmlns:p="http://schemas.openxmlformats.org/presentationml/2006/main">
+  <p:cSld>
+    <p:spTree>
+      <p:nvGrpSpPr>
+        <p:cNvPr id="1" name=""/>
+        <p:cNvGrpSpPr/>
+        <p:nvPr/>
+      </p:nvGrpSpPr>
+      <p:grpSpPr>
+        <a:xfrm>
+          <a:off x="0" y="0"/>
+          <a:ext cx="0" cy="0"/>
+          <a:chOff x="0" y="0"/>
+          <a:chExt cx="0" cy="0"/>
+        </a:xfrm>
+      </p:grpSpPr>
+      <p:sp>
+        <p:nvSpPr>
+          <p:cNvPr id="2" name="タイトル 1"/>
+          <p:cNvSpPr>
+            <a:spLocks noGrp="1"/>
+          </p:cNvSpPr>
+          <p:nvPr>
+            <p:ph type="title"/>
+          </p:nvPr>
+        </p:nvSpPr>
         <p:spPr>
           <a:xfrm>
             <a:off x="179388" y="3045072"/>
@@ -16179,7 +17106,7 @@
 </p:sld>
 </file>
 
-<file path=ppt/slides/slide16.xml><?xml version="1.0" encoding="utf-8"?>
+<file path=ppt/slides/slide17.xml><?xml version="1.0" encoding="utf-8"?>
 <p:sld xmlns:a="http://schemas.openxmlformats.org/drawingml/2006/main" xmlns:r="http://schemas.openxmlformats.org/officeDocument/2006/relationships" xmlns:p="http://schemas.openxmlformats.org/presentationml/2006/main">
   <p:cSld>
     <p:spTree>
@@ -16429,7 +17356,7 @@
 </p:sld>
 </file>
 
-<file path=ppt/slides/slide17.xml><?xml version="1.0" encoding="utf-8"?>
+<file path=ppt/slides/slide18.xml><?xml version="1.0" encoding="utf-8"?>
 <p:sld xmlns:a="http://schemas.openxmlformats.org/drawingml/2006/main" xmlns:r="http://schemas.openxmlformats.org/officeDocument/2006/relationships" xmlns:p="http://schemas.openxmlformats.org/presentationml/2006/main">
   <p:cSld>
     <p:spTree>
@@ -16755,7 +17682,7 @@
               <a:rPr lang="en-US" altLang="ja-JP" sz="1400" dirty="0" smtClean="0">
                 <a:latin typeface="+mn-ea"/>
               </a:rPr>
-              <a:t>1/5</a:t>
+              <a:t>1/6</a:t>
             </a:r>
             <a:r>
               <a:rPr lang="ja-JP" altLang="en-US" sz="1400" dirty="0" smtClean="0">
@@ -16802,7 +17729,7 @@
               <a:rPr lang="en-US" altLang="ja-JP" sz="1400" dirty="0" smtClean="0">
                 <a:latin typeface="+mn-ea"/>
               </a:rPr>
-              <a:t>2/5</a:t>
+              <a:t>2/6</a:t>
             </a:r>
             <a:r>
               <a:rPr lang="ja-JP" altLang="en-US" sz="1400" dirty="0" smtClean="0">
@@ -16849,7 +17776,7 @@
               <a:rPr lang="en-US" altLang="ja-JP" sz="1400" dirty="0" smtClean="0">
                 <a:latin typeface="+mn-ea"/>
               </a:rPr>
-              <a:t>3/5</a:t>
+              <a:t>3/6</a:t>
             </a:r>
             <a:r>
               <a:rPr lang="ja-JP" altLang="en-US" sz="1400" dirty="0" smtClean="0">
@@ -16896,7 +17823,7 @@
               <a:rPr lang="en-US" altLang="ja-JP" sz="1400" dirty="0" smtClean="0">
                 <a:latin typeface="+mn-ea"/>
               </a:rPr>
-              <a:t>4/5</a:t>
+              <a:t>4/6</a:t>
             </a:r>
             <a:r>
               <a:rPr lang="ja-JP" altLang="en-US" sz="1400" dirty="0" smtClean="0">
@@ -16940,10 +17867,57 @@
               <a:t>（</a:t>
             </a:r>
             <a:r>
+              <a:rPr lang="en-US" altLang="ja-JP" sz="1400" dirty="0">
+                <a:latin typeface="+mn-ea"/>
+              </a:rPr>
+              <a:t>5/6</a:t>
+            </a:r>
+            <a:r>
+              <a:rPr lang="ja-JP" altLang="en-US" sz="1400" dirty="0" smtClean="0">
+                <a:latin typeface="+mn-ea"/>
+              </a:rPr>
+              <a:t>）</a:t>
+            </a:r>
+            <a:endParaRPr lang="en-US" altLang="ja-JP" sz="1400" dirty="0" smtClean="0">
+              <a:latin typeface="+mn-ea"/>
+            </a:endParaRPr>
+          </a:p>
+          <a:p>
+            <a:r>
+              <a:rPr lang="en-US" altLang="ja-JP" sz="1400" dirty="0">
+                <a:latin typeface="+mn-ea"/>
+              </a:rPr>
+              <a:t>  </a:t>
+            </a:r>
+            <a:r>
               <a:rPr lang="en-US" altLang="ja-JP" sz="1400" dirty="0" smtClean="0">
                 <a:latin typeface="+mn-ea"/>
               </a:rPr>
-              <a:t>5/5</a:t>
+              <a:t>  3.8</a:t>
+            </a:r>
+            <a:r>
+              <a:rPr lang="ja-JP" altLang="en-US" sz="1400" dirty="0">
+                <a:latin typeface="+mn-ea"/>
+              </a:rPr>
+              <a:t>　 </a:t>
+            </a:r>
+            <a:r>
+              <a:rPr lang="en-US" altLang="ja-JP" sz="1400" dirty="0">
+                <a:latin typeface="+mn-ea"/>
+              </a:rPr>
+              <a:t>Update</a:t>
+            </a:r>
+            <a:r>
+              <a:rPr lang="ja-JP" altLang="en-US" sz="1400" dirty="0" smtClean="0">
+                <a:latin typeface="+mn-ea"/>
+              </a:rPr>
+              <a:t>（</a:t>
+            </a:r>
+            <a:r>
+              <a:rPr lang="en-US" altLang="ja-JP" sz="1400" dirty="0" smtClean="0">
+                <a:latin typeface="+mn-ea"/>
+              </a:rPr>
+              <a:t>6/6</a:t>
             </a:r>
             <a:r>
               <a:rPr lang="ja-JP" altLang="en-US" sz="1400" dirty="0" smtClean="0">
@@ -16960,7 +17934,7 @@
               <a:buFont typeface="+mj-lt"/>
               <a:buAutoNum type="arabicPeriod" startAt="3"/>
             </a:pPr>
-            <a:endParaRPr lang="en-US" altLang="ja-JP" sz="1400" dirty="0">
+            <a:endParaRPr lang="en-US" altLang="ja-JP" sz="1400" dirty="0" smtClean="0">
               <a:latin typeface="+mn-ea"/>
             </a:endParaRPr>
           </a:p>

--- a/asset/Learn/ITA-version-up.pptx
+++ b/asset/Learn/ITA-version-up.pptx
@@ -316,7 +316,7 @@
               <a:rPr kumimoji="1" lang="ja-JP" altLang="en-US" smtClean="0">
                 <a:ea typeface="メイリオ" panose="020B0604030504040204" pitchFamily="50" charset="-128"/>
               </a:rPr>
-              <a:t>2021/10/29</a:t>
+              <a:t>2022/2/9</a:t>
             </a:fld>
             <a:endParaRPr kumimoji="1" lang="ja-JP" altLang="en-US" dirty="0">
               <a:ea typeface="メイリオ" panose="020B0604030504040204" pitchFamily="50" charset="-128"/>
@@ -462,7 +462,7 @@
             <a:fld id="{4B26993D-C081-44EB-B0F5-A9F467792B62}" type="datetimeFigureOut">
               <a:rPr lang="ja-JP" altLang="en-US" smtClean="0"/>
               <a:pPr/>
-              <a:t>2021/10/29</a:t>
+              <a:t>2022/2/9</a:t>
             </a:fld>
             <a:endParaRPr lang="ja-JP" altLang="en-US" dirty="0"/>
           </a:p>
@@ -1085,7 +1085,7 @@
           <a:p>
             <a:fld id="{56F9016B-CCA6-43BE-8BEE-59565A35F4F7}" type="datetimeFigureOut">
               <a:rPr kumimoji="1" lang="ja-JP" altLang="en-US" smtClean="0"/>
-              <a:t>2021/10/29</a:t>
+              <a:t>2022/2/9</a:t>
             </a:fld>
             <a:endParaRPr kumimoji="1" lang="ja-JP" altLang="en-US"/>
           </a:p>
@@ -1287,7 +1287,7 @@
           <a:p>
             <a:fld id="{56F9016B-CCA6-43BE-8BEE-59565A35F4F7}" type="datetimeFigureOut">
               <a:rPr kumimoji="1" lang="ja-JP" altLang="en-US" smtClean="0"/>
-              <a:t>2021/10/29</a:t>
+              <a:t>2022/2/9</a:t>
             </a:fld>
             <a:endParaRPr kumimoji="1" lang="ja-JP" altLang="en-US"/>
           </a:p>
@@ -1533,7 +1533,7 @@
           <a:p>
             <a:fld id="{56F9016B-CCA6-43BE-8BEE-59565A35F4F7}" type="datetimeFigureOut">
               <a:rPr kumimoji="1" lang="ja-JP" altLang="en-US" smtClean="0"/>
-              <a:t>2021/10/29</a:t>
+              <a:t>2022/2/9</a:t>
             </a:fld>
             <a:endParaRPr kumimoji="1" lang="ja-JP" altLang="en-US"/>
           </a:p>
@@ -1829,7 +1829,7 @@
           <a:p>
             <a:fld id="{56F9016B-CCA6-43BE-8BEE-59565A35F4F7}" type="datetimeFigureOut">
               <a:rPr kumimoji="1" lang="ja-JP" altLang="en-US" smtClean="0"/>
-              <a:t>2021/10/29</a:t>
+              <a:t>2022/2/9</a:t>
             </a:fld>
             <a:endParaRPr kumimoji="1" lang="ja-JP" altLang="en-US"/>
           </a:p>
@@ -2260,7 +2260,7 @@
           <a:p>
             <a:fld id="{56F9016B-CCA6-43BE-8BEE-59565A35F4F7}" type="datetimeFigureOut">
               <a:rPr kumimoji="1" lang="ja-JP" altLang="en-US" smtClean="0"/>
-              <a:t>2021/10/29</a:t>
+              <a:t>2022/2/9</a:t>
             </a:fld>
             <a:endParaRPr kumimoji="1" lang="ja-JP" altLang="en-US"/>
           </a:p>
@@ -2378,7 +2378,7 @@
           <a:p>
             <a:fld id="{56F9016B-CCA6-43BE-8BEE-59565A35F4F7}" type="datetimeFigureOut">
               <a:rPr kumimoji="1" lang="ja-JP" altLang="en-US" smtClean="0"/>
-              <a:t>2021/10/29</a:t>
+              <a:t>2022/2/9</a:t>
             </a:fld>
             <a:endParaRPr kumimoji="1" lang="ja-JP" altLang="en-US"/>
           </a:p>
@@ -2473,7 +2473,7 @@
           <a:p>
             <a:fld id="{56F9016B-CCA6-43BE-8BEE-59565A35F4F7}" type="datetimeFigureOut">
               <a:rPr kumimoji="1" lang="ja-JP" altLang="en-US" smtClean="0"/>
-              <a:t>2021/10/29</a:t>
+              <a:t>2022/2/9</a:t>
             </a:fld>
             <a:endParaRPr kumimoji="1" lang="ja-JP" altLang="en-US"/>
           </a:p>
@@ -2782,7 +2782,7 @@
           <a:p>
             <a:fld id="{56F9016B-CCA6-43BE-8BEE-59565A35F4F7}" type="datetimeFigureOut">
               <a:rPr kumimoji="1" lang="ja-JP" altLang="en-US" smtClean="0"/>
-              <a:t>2021/10/29</a:t>
+              <a:t>2022/2/9</a:t>
             </a:fld>
             <a:endParaRPr kumimoji="1" lang="ja-JP" altLang="en-US"/>
           </a:p>
@@ -3035,7 +3035,7 @@
           <a:p>
             <a:fld id="{56F9016B-CCA6-43BE-8BEE-59565A35F4F7}" type="datetimeFigureOut">
               <a:rPr kumimoji="1" lang="ja-JP" altLang="en-US" smtClean="0"/>
-              <a:t>2021/10/29</a:t>
+              <a:t>2022/2/9</a:t>
             </a:fld>
             <a:endParaRPr kumimoji="1" lang="ja-JP" altLang="en-US"/>
           </a:p>
@@ -3312,7 +3312,7 @@
           <a:p>
             <a:fld id="{56F9016B-CCA6-43BE-8BEE-59565A35F4F7}" type="datetimeFigureOut">
               <a:rPr kumimoji="1" lang="ja-JP" altLang="en-US" smtClean="0"/>
-              <a:t>2021/10/29</a:t>
+              <a:t>2022/2/9</a:t>
             </a:fld>
             <a:endParaRPr kumimoji="1" lang="ja-JP" altLang="en-US"/>
           </a:p>
@@ -3524,7 +3524,7 @@
           <a:p>
             <a:fld id="{56F9016B-CCA6-43BE-8BEE-59565A35F4F7}" type="datetimeFigureOut">
               <a:rPr kumimoji="1" lang="ja-JP" altLang="en-US" smtClean="0"/>
-              <a:t>2021/10/29</a:t>
+              <a:t>2022/2/9</a:t>
             </a:fld>
             <a:endParaRPr kumimoji="1" lang="ja-JP" altLang="en-US"/>
           </a:p>
@@ -6583,7 +6583,7 @@
           <a:p>
             <a:fld id="{56F9016B-CCA6-43BE-8BEE-59565A35F4F7}" type="datetimeFigureOut">
               <a:rPr kumimoji="1" lang="ja-JP" altLang="en-US" smtClean="0"/>
-              <a:t>2021/10/29</a:t>
+              <a:t>2022/2/9</a:t>
             </a:fld>
             <a:endParaRPr kumimoji="1" lang="ja-JP" altLang="en-US"/>
           </a:p>
@@ -7021,8 +7021,13 @@
             </a:r>
             <a:r>
               <a:rPr lang="en-US" altLang="ja-JP" dirty="0"/>
-              <a:t> IT Automation Version 1.8 </a:t>
-            </a:r>
+              <a:t> IT Automation Version </a:t>
+            </a:r>
+            <a:r>
+              <a:rPr lang="en-US" altLang="ja-JP" dirty="0" smtClean="0"/>
+              <a:t>1.9 </a:t>
+            </a:r>
+            <a:endParaRPr lang="en-US" altLang="ja-JP" dirty="0"/>
           </a:p>
           <a:p>
             <a:r>
@@ -7034,7 +7039,7 @@
               <a:t> </a:t>
             </a:r>
             <a:r>
-              <a:rPr lang="en-US" altLang="ja-JP"/>
+              <a:rPr lang="en-US" altLang="ja-JP" dirty="0"/>
               <a:t>developer</a:t>
             </a:r>
             <a:endParaRPr lang="ja-JP" altLang="en-US" dirty="0"/>
@@ -7663,19 +7668,11 @@
               <a:rPr lang="en-US" altLang="ja-JP" dirty="0"/>
             </a:br>
             <a:r>
-              <a:rPr lang="en-US" altLang="ja-JP" sz="1400" dirty="0"/>
-              <a:t># </a:t>
-            </a:r>
-            <a:r>
-              <a:rPr lang="en-US" altLang="ja-JP" sz="1400" dirty="0" err="1"/>
-              <a:t>wget</a:t>
-            </a:r>
-            <a:r>
-              <a:rPr lang="en-US" altLang="ja-JP" sz="1400" dirty="0"/>
-              <a:t> https://github.com/exastro-suite/it-automation/releases/download/v</a:t>
-            </a:r>
-            <a:r>
-              <a:rPr lang="en-US" altLang="ja-JP" sz="1400" dirty="0">
+              <a:rPr lang="en-US" altLang="ja-JP" sz="1200" dirty="0"/>
+              <a:t># curl -OL https://github.com/exastro-suite/it-automation/releases/download/v</a:t>
+            </a:r>
+            <a:r>
+              <a:rPr lang="en-US" altLang="ja-JP" sz="1200" dirty="0">
                 <a:solidFill>
                   <a:srgbClr val="FF0000"/>
                 </a:solidFill>
@@ -7683,11 +7680,11 @@
               <a:t>x.x.x</a:t>
             </a:r>
             <a:r>
-              <a:rPr lang="en-US" altLang="ja-JP" sz="1400" dirty="0"/>
+              <a:rPr lang="en-US" altLang="ja-JP" sz="1200" dirty="0"/>
               <a:t>/exastro-it-automation-</a:t>
             </a:r>
             <a:r>
-              <a:rPr lang="en-US" altLang="ja-JP" sz="1400" dirty="0">
+              <a:rPr lang="en-US" altLang="ja-JP" sz="1200" dirty="0">
                 <a:solidFill>
                   <a:srgbClr val="FF0000"/>
                 </a:solidFill>
@@ -7695,7 +7692,7 @@
               <a:t>x.x.x</a:t>
             </a:r>
             <a:r>
-              <a:rPr lang="en-US" altLang="ja-JP" sz="1400" dirty="0"/>
+              <a:rPr lang="en-US" altLang="ja-JP" sz="1200" dirty="0"/>
               <a:t>.tar.gz</a:t>
             </a:r>
             <a:r>
@@ -7717,12 +7714,12 @@
               <a:t>※Please install </a:t>
             </a:r>
             <a:r>
-              <a:rPr lang="en-US" altLang="ja-JP" dirty="0" err="1" smtClean="0"/>
-              <a:t>wget</a:t>
-            </a:r>
-            <a:r>
               <a:rPr lang="en-US" altLang="ja-JP" dirty="0" smtClean="0"/>
-              <a:t> command beforehand.</a:t>
+              <a:t>curl </a:t>
+            </a:r>
+            <a:r>
+              <a:rPr lang="en-US" altLang="ja-JP" dirty="0" smtClean="0"/>
+              <a:t>command beforehand.</a:t>
             </a:r>
             <a:endParaRPr lang="en-US" altLang="ja-JP" dirty="0"/>
           </a:p>
@@ -16339,14 +16336,14 @@
           <p:nvPr>
             <p:extLst>
               <p:ext uri="{D42A27DB-BD31-4B8C-83A1-F6EECF244321}">
-                <p14:modId xmlns:p14="http://schemas.microsoft.com/office/powerpoint/2010/main" val="1525998903"/>
+                <p14:modId xmlns:p14="http://schemas.microsoft.com/office/powerpoint/2010/main" val="1391927005"/>
               </p:ext>
             </p:extLst>
           </p:nvPr>
         </p:nvGraphicFramePr>
         <p:xfrm>
           <a:off x="107380" y="908650"/>
-          <a:ext cx="8819131" cy="1206426"/>
+          <a:ext cx="8819131" cy="1750506"/>
         </p:xfrm>
         <a:graphic>
           <a:graphicData uri="http://schemas.openxmlformats.org/drawingml/2006/table">
@@ -17002,6 +16999,264 @@
                 <a:extLst>
                   <a:ext uri="{0D108BD9-81ED-4DB2-BD59-A6C34878D82A}">
                     <a16:rowId xmlns:a16="http://schemas.microsoft.com/office/drawing/2014/main" val="201590054"/>
+                  </a:ext>
+                </a:extLst>
+              </a:tr>
+              <a:tr h="272040">
+                <a:tc>
+                  <a:txBody>
+                    <a:bodyPr/>
+                    <a:lstStyle/>
+                    <a:p>
+                      <a:pPr marL="0" marR="0" lvl="0" indent="0" algn="just" defTabSz="914400" rtl="0" eaLnBrk="1" fontAlgn="auto" latinLnBrk="0" hangingPunct="1">
+                        <a:lnSpc>
+                          <a:spcPct val="100000"/>
+                        </a:lnSpc>
+                        <a:spcBef>
+                          <a:spcPts val="0"/>
+                        </a:spcBef>
+                        <a:spcAft>
+                          <a:spcPts val="0"/>
+                        </a:spcAft>
+                        <a:buClrTx/>
+                        <a:buSzTx/>
+                        <a:buFontTx/>
+                        <a:buNone/>
+                        <a:tabLst/>
+                        <a:defRPr/>
+                      </a:pPr>
+                      <a:r>
+                        <a:rPr lang="en-US" altLang="ja-JP" sz="1000" kern="0" dirty="0" smtClean="0">
+                          <a:effectLst/>
+                        </a:rPr>
+                        <a:t>1.9.0</a:t>
+                      </a:r>
+                      <a:endParaRPr lang="ja-JP" altLang="ja-JP" sz="1000" kern="100" dirty="0" smtClean="0">
+                        <a:effectLst/>
+                        <a:latin typeface="Century" panose="02040604050505020304" pitchFamily="18" charset="0"/>
+                        <a:ea typeface="ＭＳ 明朝" panose="02020609040205080304" pitchFamily="17" charset="-128"/>
+                        <a:cs typeface="Times New Roman" panose="02020603050405020304" pitchFamily="18" charset="0"/>
+                      </a:endParaRPr>
+                    </a:p>
+                  </a:txBody>
+                  <a:tcPr marL="68580" marR="68580" marT="0" marB="0" anchor="ctr"/>
+                </a:tc>
+                <a:tc gridSpan="5">
+                  <a:txBody>
+                    <a:bodyPr/>
+                    <a:lstStyle/>
+                    <a:p>
+                      <a:pPr marL="0" marR="0" lvl="0" indent="0" algn="ctr" defTabSz="914400" rtl="0" eaLnBrk="1" fontAlgn="auto" latinLnBrk="0" hangingPunct="1">
+                        <a:lnSpc>
+                          <a:spcPct val="100000"/>
+                        </a:lnSpc>
+                        <a:spcBef>
+                          <a:spcPts val="0"/>
+                        </a:spcBef>
+                        <a:spcAft>
+                          <a:spcPts val="0"/>
+                        </a:spcAft>
+                        <a:buClrTx/>
+                        <a:buSzTx/>
+                        <a:buFontTx/>
+                        <a:buNone/>
+                        <a:tabLst/>
+                        <a:defRPr/>
+                      </a:pPr>
+                      <a:r>
+                        <a:rPr lang="en-US" altLang="ja-JP" sz="1050" kern="100" dirty="0" smtClean="0">
+                          <a:effectLst/>
+                        </a:rPr>
+                        <a:t>There are no libraries added in Version </a:t>
+                      </a:r>
+                      <a:r>
+                        <a:rPr lang="en-US" altLang="ja-JP" sz="1050" kern="100" dirty="0" smtClean="0">
+                          <a:effectLst/>
+                        </a:rPr>
+                        <a:t>1.9.0.</a:t>
+                      </a:r>
+                      <a:endParaRPr lang="ja-JP" altLang="ja-JP" sz="1050" kern="100" dirty="0" smtClean="0">
+                        <a:effectLst/>
+                        <a:latin typeface="+mn-ea"/>
+                        <a:ea typeface="+mn-ea"/>
+                        <a:cs typeface="Times New Roman" panose="02020603050405020304" pitchFamily="18" charset="0"/>
+                      </a:endParaRPr>
+                    </a:p>
+                  </a:txBody>
+                  <a:tcPr marL="68580" marR="68580" marT="0" marB="0" anchor="ctr"/>
+                </a:tc>
+                <a:tc hMerge="1">
+                  <a:txBody>
+                    <a:bodyPr/>
+                    <a:lstStyle/>
+                    <a:p>
+                      <a:endParaRPr kumimoji="1" lang="ja-JP" altLang="en-US"/>
+                    </a:p>
+                  </a:txBody>
+                  <a:tcPr/>
+                </a:tc>
+                <a:tc hMerge="1">
+                  <a:txBody>
+                    <a:bodyPr/>
+                    <a:lstStyle/>
+                    <a:p>
+                      <a:endParaRPr kumimoji="1" lang="ja-JP" altLang="en-US"/>
+                    </a:p>
+                  </a:txBody>
+                  <a:tcPr/>
+                </a:tc>
+                <a:tc hMerge="1">
+                  <a:txBody>
+                    <a:bodyPr/>
+                    <a:lstStyle/>
+                    <a:p>
+                      <a:endParaRPr kumimoji="1" lang="ja-JP" altLang="en-US"/>
+                    </a:p>
+                  </a:txBody>
+                  <a:tcPr/>
+                </a:tc>
+                <a:tc hMerge="1">
+                  <a:txBody>
+                    <a:bodyPr/>
+                    <a:lstStyle/>
+                    <a:p>
+                      <a:endParaRPr kumimoji="1" lang="ja-JP" altLang="en-US"/>
+                    </a:p>
+                  </a:txBody>
+                  <a:tcPr/>
+                </a:tc>
+                <a:extLst>
+                  <a:ext uri="{0D108BD9-81ED-4DB2-BD59-A6C34878D82A}">
+                    <a16:rowId xmlns:a16="http://schemas.microsoft.com/office/drawing/2014/main" val="3030885984"/>
+                  </a:ext>
+                </a:extLst>
+              </a:tr>
+              <a:tr h="272040">
+                <a:tc>
+                  <a:txBody>
+                    <a:bodyPr/>
+                    <a:lstStyle/>
+                    <a:p>
+                      <a:pPr marL="0" marR="0" lvl="0" indent="0" algn="just" defTabSz="914400" rtl="0" eaLnBrk="1" fontAlgn="auto" latinLnBrk="0" hangingPunct="1">
+                        <a:lnSpc>
+                          <a:spcPct val="100000"/>
+                        </a:lnSpc>
+                        <a:spcBef>
+                          <a:spcPts val="0"/>
+                        </a:spcBef>
+                        <a:spcAft>
+                          <a:spcPts val="0"/>
+                        </a:spcAft>
+                        <a:buClrTx/>
+                        <a:buSzTx/>
+                        <a:buFontTx/>
+                        <a:buNone/>
+                        <a:tabLst/>
+                        <a:defRPr/>
+                      </a:pPr>
+                      <a:r>
+                        <a:rPr lang="en-US" altLang="ja-JP" sz="1000" kern="0" dirty="0" smtClean="0">
+                          <a:effectLst/>
+                        </a:rPr>
+                        <a:t>1.9.1</a:t>
+                      </a:r>
+                      <a:endParaRPr lang="ja-JP" altLang="ja-JP" sz="1000" kern="100" dirty="0" smtClean="0">
+                        <a:effectLst/>
+                        <a:latin typeface="Century" panose="02040604050505020304" pitchFamily="18" charset="0"/>
+                        <a:ea typeface="ＭＳ 明朝" panose="02020609040205080304" pitchFamily="17" charset="-128"/>
+                        <a:cs typeface="Times New Roman" panose="02020603050405020304" pitchFamily="18" charset="0"/>
+                      </a:endParaRPr>
+                    </a:p>
+                  </a:txBody>
+                  <a:tcPr marL="68580" marR="68580" marT="0" marB="0" anchor="ctr"/>
+                </a:tc>
+                <a:tc gridSpan="5">
+                  <a:txBody>
+                    <a:bodyPr/>
+                    <a:lstStyle/>
+                    <a:p>
+                      <a:pPr marL="0" marR="0" lvl="0" indent="0" algn="ctr" defTabSz="914400" rtl="0" eaLnBrk="1" fontAlgn="auto" latinLnBrk="0" hangingPunct="1">
+                        <a:lnSpc>
+                          <a:spcPct val="100000"/>
+                        </a:lnSpc>
+                        <a:spcBef>
+                          <a:spcPts val="0"/>
+                        </a:spcBef>
+                        <a:spcAft>
+                          <a:spcPts val="0"/>
+                        </a:spcAft>
+                        <a:buClrTx/>
+                        <a:buSzTx/>
+                        <a:buFontTx/>
+                        <a:buNone/>
+                        <a:tabLst/>
+                        <a:defRPr/>
+                      </a:pPr>
+                      <a:r>
+                        <a:rPr lang="en-US" altLang="ja-JP" sz="1050" kern="100" dirty="0" smtClean="0">
+                          <a:effectLst/>
+                        </a:rPr>
+                        <a:t>There are no libraries added in Version </a:t>
+                      </a:r>
+                      <a:r>
+                        <a:rPr lang="en-US" altLang="ja-JP" sz="1050" kern="100" dirty="0" smtClean="0">
+                          <a:effectLst/>
+                        </a:rPr>
+                        <a:t>1.9.1.</a:t>
+                      </a:r>
+                      <a:endParaRPr lang="ja-JP" altLang="ja-JP" sz="1050" kern="100" dirty="0" smtClean="0">
+                        <a:effectLst/>
+                        <a:latin typeface="+mn-ea"/>
+                        <a:ea typeface="+mn-ea"/>
+                        <a:cs typeface="Times New Roman" panose="02020603050405020304" pitchFamily="18" charset="0"/>
+                      </a:endParaRPr>
+                    </a:p>
+                  </a:txBody>
+                  <a:tcPr marL="68580" marR="68580" marT="0" marB="0" anchor="ctr"/>
+                </a:tc>
+                <a:tc hMerge="1">
+                  <a:txBody>
+                    <a:bodyPr/>
+                    <a:lstStyle/>
+                    <a:p>
+                      <a:endParaRPr kumimoji="1" lang="ja-JP" altLang="en-US"/>
+                    </a:p>
+                  </a:txBody>
+                  <a:tcPr/>
+                </a:tc>
+                <a:tc hMerge="1">
+                  <a:txBody>
+                    <a:bodyPr/>
+                    <a:lstStyle/>
+                    <a:p>
+                      <a:endParaRPr kumimoji="1" lang="ja-JP" altLang="en-US"/>
+                    </a:p>
+                  </a:txBody>
+                  <a:tcPr/>
+                </a:tc>
+                <a:tc hMerge="1">
+                  <a:txBody>
+                    <a:bodyPr/>
+                    <a:lstStyle/>
+                    <a:p>
+                      <a:endParaRPr kumimoji="1" lang="ja-JP" altLang="en-US"/>
+                    </a:p>
+                  </a:txBody>
+                  <a:tcPr/>
+                </a:tc>
+                <a:tc hMerge="1">
+                  <a:txBody>
+                    <a:bodyPr/>
+                    <a:lstStyle/>
+                    <a:p>
+                      <a:endParaRPr kumimoji="1" lang="ja-JP" altLang="en-US"/>
+                    </a:p>
+                  </a:txBody>
+                  <a:tcPr/>
+                </a:tc>
+                <a:extLst>
+                  <a:ext uri="{0D108BD9-81ED-4DB2-BD59-A6C34878D82A}">
+                    <a16:rowId xmlns:a16="http://schemas.microsoft.com/office/drawing/2014/main" val="1135511986"/>
                   </a:ext>
                 </a:extLst>
               </a:tr>

--- a/asset/Learn/ITA-version-up.pptx
+++ b/asset/Learn/ITA-version-up.pptx
@@ -324,7 +324,7 @@
               <a:rPr kumimoji="1" lang="ja-JP" altLang="en-US" smtClean="0">
                 <a:ea typeface="メイリオ" panose="020B0604030504040204" pitchFamily="50" charset="-128"/>
               </a:rPr>
-              <a:t>2022/6/8</a:t>
+              <a:t>2022/7/26</a:t>
             </a:fld>
             <a:endParaRPr kumimoji="1" lang="ja-JP" altLang="en-US" dirty="0">
               <a:ea typeface="メイリオ" panose="020B0604030504040204" pitchFamily="50" charset="-128"/>
@@ -470,7 +470,7 @@
             <a:fld id="{4B26993D-C081-44EB-B0F5-A9F467792B62}" type="datetimeFigureOut">
               <a:rPr lang="ja-JP" altLang="en-US" smtClean="0"/>
               <a:pPr/>
-              <a:t>2022/6/8</a:t>
+              <a:t>2022/7/26</a:t>
             </a:fld>
             <a:endParaRPr lang="ja-JP" altLang="en-US" dirty="0"/>
           </a:p>
@@ -572,7 +572,7 @@
           <a:p>
             <a:pPr lvl="0"/>
             <a:r>
-              <a:rPr kumimoji="1" lang="ja-JP" altLang="en-US" dirty="0" smtClean="0"/>
+              <a:rPr kumimoji="1" lang="ja-JP" altLang="en-US" dirty="0"/>
               <a:t>マスター テキストの書式設定</a:t>
             </a:r>
           </a:p>
@@ -761,10 +761,9 @@
           </a:lstStyle>
           <a:p>
             <a:r>
-              <a:rPr kumimoji="1" lang="ja-JP" altLang="en-US" dirty="0" smtClean="0"/>
+              <a:rPr kumimoji="1" lang="ja-JP" altLang="en-US" dirty="0"/>
               <a:t>タイトルを入力</a:t>
             </a:r>
-            <a:endParaRPr kumimoji="1" lang="ja-JP" altLang="en-US" dirty="0"/>
           </a:p>
         </p:txBody>
       </p:sp>
@@ -796,10 +795,9 @@
           </a:lstStyle>
           <a:p>
             <a:r>
-              <a:rPr lang="ja-JP" altLang="en-US" dirty="0" smtClean="0"/>
+              <a:rPr lang="ja-JP" altLang="en-US" dirty="0"/>
               <a:t>宛先がある場合は入力</a:t>
             </a:r>
-            <a:endParaRPr lang="ja-JP" altLang="en-US" dirty="0"/>
           </a:p>
         </p:txBody>
       </p:sp>
@@ -868,10 +866,9 @@
           <a:p>
             <a:pPr lvl="0"/>
             <a:r>
-              <a:rPr kumimoji="1" lang="ja-JP" altLang="en-US" dirty="0" smtClean="0"/>
+              <a:rPr kumimoji="1" lang="ja-JP" altLang="en-US" dirty="0"/>
               <a:t>年月　部署名　氏名など　適宜改行</a:t>
             </a:r>
-            <a:endParaRPr kumimoji="1" lang="ja-JP" altLang="en-US" dirty="0"/>
           </a:p>
         </p:txBody>
       </p:sp>
@@ -885,13 +882,6 @@
   <p:clrMapOvr>
     <a:masterClrMapping/>
   </p:clrMapOvr>
-  <p:timing>
-    <p:tnLst>
-      <p:par>
-        <p:cTn id="1" dur="indefinite" restart="never" nodeType="tmRoot"/>
-      </p:par>
-    </p:tnLst>
-  </p:timing>
 </p:sldLayout>
 </file>
 
@@ -952,13 +942,6 @@
   <p:clrMapOvr>
     <a:masterClrMapping/>
   </p:clrMapOvr>
-  <p:timing>
-    <p:tnLst>
-      <p:par>
-        <p:cTn id="1" dur="indefinite" restart="never" nodeType="tmRoot"/>
-      </p:par>
-    </p:tnLst>
-  </p:timing>
 </p:sldLayout>
 </file>
 
@@ -1004,10 +987,9 @@
           </a:lstStyle>
           <a:p>
             <a:r>
-              <a:rPr kumimoji="1" lang="ja-JP" altLang="en-US" smtClean="0"/>
+              <a:rPr kumimoji="1" lang="ja-JP" altLang="en-US"/>
               <a:t>マスター タイトルの書式設定</a:t>
             </a:r>
-            <a:endParaRPr kumimoji="1" lang="ja-JP" altLang="en-US"/>
           </a:p>
         </p:txBody>
       </p:sp>
@@ -1069,10 +1051,9 @@
           </a:lstStyle>
           <a:p>
             <a:r>
-              <a:rPr kumimoji="1" lang="ja-JP" altLang="en-US" smtClean="0"/>
+              <a:rPr kumimoji="1" lang="ja-JP" altLang="en-US"/>
               <a:t>マスター サブタイトルの書式設定</a:t>
             </a:r>
-            <a:endParaRPr kumimoji="1" lang="ja-JP" altLang="en-US"/>
           </a:p>
         </p:txBody>
       </p:sp>
@@ -1093,7 +1074,7 @@
           <a:p>
             <a:fld id="{56F9016B-CCA6-43BE-8BEE-59565A35F4F7}" type="datetimeFigureOut">
               <a:rPr kumimoji="1" lang="ja-JP" altLang="en-US" smtClean="0"/>
-              <a:t>2022/6/8</a:t>
+              <a:t>2022/7/26</a:t>
             </a:fld>
             <a:endParaRPr kumimoji="1" lang="ja-JP" altLang="en-US"/>
           </a:p>
@@ -1187,10 +1168,9 @@
           <a:lstStyle/>
           <a:p>
             <a:r>
-              <a:rPr kumimoji="1" lang="ja-JP" altLang="en-US" smtClean="0"/>
+              <a:rPr kumimoji="1" lang="ja-JP" altLang="en-US"/>
               <a:t>マスター タイトルの書式設定</a:t>
             </a:r>
-            <a:endParaRPr kumimoji="1" lang="ja-JP" altLang="en-US"/>
           </a:p>
         </p:txBody>
       </p:sp>
@@ -1211,70 +1191,69 @@
           <a:p>
             <a:pPr lvl="0"/>
             <a:r>
-              <a:rPr kumimoji="1" lang="ja-JP" altLang="en-US" smtClean="0"/>
+              <a:rPr kumimoji="1" lang="ja-JP" altLang="en-US"/>
               <a:t>マスター テキストの書式設定</a:t>
             </a:r>
           </a:p>
           <a:p>
             <a:pPr lvl="1"/>
             <a:r>
-              <a:rPr kumimoji="1" lang="ja-JP" altLang="en-US" smtClean="0"/>
+              <a:rPr kumimoji="1" lang="ja-JP" altLang="en-US"/>
               <a:t>第 </a:t>
             </a:r>
             <a:r>
-              <a:rPr kumimoji="1" lang="en-US" altLang="ja-JP" smtClean="0"/>
+              <a:rPr kumimoji="1" lang="en-US" altLang="ja-JP"/>
               <a:t>2 </a:t>
             </a:r>
             <a:r>
-              <a:rPr kumimoji="1" lang="ja-JP" altLang="en-US" smtClean="0"/>
+              <a:rPr kumimoji="1" lang="ja-JP" altLang="en-US"/>
               <a:t>レベル</a:t>
             </a:r>
           </a:p>
           <a:p>
             <a:pPr lvl="2"/>
             <a:r>
-              <a:rPr kumimoji="1" lang="ja-JP" altLang="en-US" smtClean="0"/>
+              <a:rPr kumimoji="1" lang="ja-JP" altLang="en-US"/>
               <a:t>第 </a:t>
             </a:r>
             <a:r>
-              <a:rPr kumimoji="1" lang="en-US" altLang="ja-JP" smtClean="0"/>
+              <a:rPr kumimoji="1" lang="en-US" altLang="ja-JP"/>
               <a:t>3 </a:t>
             </a:r>
             <a:r>
-              <a:rPr kumimoji="1" lang="ja-JP" altLang="en-US" smtClean="0"/>
+              <a:rPr kumimoji="1" lang="ja-JP" altLang="en-US"/>
               <a:t>レベル</a:t>
             </a:r>
           </a:p>
           <a:p>
             <a:pPr lvl="3"/>
             <a:r>
-              <a:rPr kumimoji="1" lang="ja-JP" altLang="en-US" smtClean="0"/>
+              <a:rPr kumimoji="1" lang="ja-JP" altLang="en-US"/>
               <a:t>第 </a:t>
             </a:r>
             <a:r>
-              <a:rPr kumimoji="1" lang="en-US" altLang="ja-JP" smtClean="0"/>
+              <a:rPr kumimoji="1" lang="en-US" altLang="ja-JP"/>
               <a:t>4 </a:t>
             </a:r>
             <a:r>
-              <a:rPr kumimoji="1" lang="ja-JP" altLang="en-US" smtClean="0"/>
+              <a:rPr kumimoji="1" lang="ja-JP" altLang="en-US"/>
               <a:t>レベル</a:t>
             </a:r>
           </a:p>
           <a:p>
             <a:pPr lvl="4"/>
             <a:r>
-              <a:rPr kumimoji="1" lang="ja-JP" altLang="en-US" smtClean="0"/>
+              <a:rPr kumimoji="1" lang="ja-JP" altLang="en-US"/>
               <a:t>第 </a:t>
             </a:r>
             <a:r>
-              <a:rPr kumimoji="1" lang="en-US" altLang="ja-JP" smtClean="0"/>
+              <a:rPr kumimoji="1" lang="en-US" altLang="ja-JP"/>
               <a:t>5 </a:t>
             </a:r>
             <a:r>
-              <a:rPr kumimoji="1" lang="ja-JP" altLang="en-US" smtClean="0"/>
+              <a:rPr kumimoji="1" lang="ja-JP" altLang="en-US"/>
               <a:t>レベル</a:t>
             </a:r>
-            <a:endParaRPr kumimoji="1" lang="ja-JP" altLang="en-US"/>
           </a:p>
         </p:txBody>
       </p:sp>
@@ -1295,7 +1274,7 @@
           <a:p>
             <a:fld id="{56F9016B-CCA6-43BE-8BEE-59565A35F4F7}" type="datetimeFigureOut">
               <a:rPr kumimoji="1" lang="ja-JP" altLang="en-US" smtClean="0"/>
-              <a:t>2022/6/8</a:t>
+              <a:t>2022/7/26</a:t>
             </a:fld>
             <a:endParaRPr kumimoji="1" lang="ja-JP" altLang="en-US"/>
           </a:p>
@@ -1398,10 +1377,9 @@
           </a:lstStyle>
           <a:p>
             <a:r>
-              <a:rPr kumimoji="1" lang="ja-JP" altLang="en-US" smtClean="0"/>
+              <a:rPr kumimoji="1" lang="ja-JP" altLang="en-US"/>
               <a:t>マスター タイトルの書式設定</a:t>
             </a:r>
-            <a:endParaRPr kumimoji="1" lang="ja-JP" altLang="en-US"/>
           </a:p>
         </p:txBody>
       </p:sp>
@@ -1518,7 +1496,7 @@
           <a:p>
             <a:pPr lvl="0"/>
             <a:r>
-              <a:rPr kumimoji="1" lang="ja-JP" altLang="en-US" smtClean="0"/>
+              <a:rPr kumimoji="1" lang="ja-JP" altLang="en-US"/>
               <a:t>マスター テキストの書式設定</a:t>
             </a:r>
           </a:p>
@@ -1541,7 +1519,7 @@
           <a:p>
             <a:fld id="{56F9016B-CCA6-43BE-8BEE-59565A35F4F7}" type="datetimeFigureOut">
               <a:rPr kumimoji="1" lang="ja-JP" altLang="en-US" smtClean="0"/>
-              <a:t>2022/6/8</a:t>
+              <a:t>2022/7/26</a:t>
             </a:fld>
             <a:endParaRPr kumimoji="1" lang="ja-JP" altLang="en-US"/>
           </a:p>
@@ -1635,10 +1613,9 @@
           <a:lstStyle/>
           <a:p>
             <a:r>
-              <a:rPr kumimoji="1" lang="ja-JP" altLang="en-US" smtClean="0"/>
+              <a:rPr kumimoji="1" lang="ja-JP" altLang="en-US"/>
               <a:t>マスター タイトルの書式設定</a:t>
             </a:r>
-            <a:endParaRPr kumimoji="1" lang="ja-JP" altLang="en-US"/>
           </a:p>
         </p:txBody>
       </p:sp>
@@ -1664,70 +1641,69 @@
           <a:p>
             <a:pPr lvl="0"/>
             <a:r>
-              <a:rPr kumimoji="1" lang="ja-JP" altLang="en-US" smtClean="0"/>
+              <a:rPr kumimoji="1" lang="ja-JP" altLang="en-US"/>
               <a:t>マスター テキストの書式設定</a:t>
             </a:r>
           </a:p>
           <a:p>
             <a:pPr lvl="1"/>
             <a:r>
-              <a:rPr kumimoji="1" lang="ja-JP" altLang="en-US" smtClean="0"/>
+              <a:rPr kumimoji="1" lang="ja-JP" altLang="en-US"/>
               <a:t>第 </a:t>
             </a:r>
             <a:r>
-              <a:rPr kumimoji="1" lang="en-US" altLang="ja-JP" smtClean="0"/>
+              <a:rPr kumimoji="1" lang="en-US" altLang="ja-JP"/>
               <a:t>2 </a:t>
             </a:r>
             <a:r>
-              <a:rPr kumimoji="1" lang="ja-JP" altLang="en-US" smtClean="0"/>
+              <a:rPr kumimoji="1" lang="ja-JP" altLang="en-US"/>
               <a:t>レベル</a:t>
             </a:r>
           </a:p>
           <a:p>
             <a:pPr lvl="2"/>
             <a:r>
-              <a:rPr kumimoji="1" lang="ja-JP" altLang="en-US" smtClean="0"/>
+              <a:rPr kumimoji="1" lang="ja-JP" altLang="en-US"/>
               <a:t>第 </a:t>
             </a:r>
             <a:r>
-              <a:rPr kumimoji="1" lang="en-US" altLang="ja-JP" smtClean="0"/>
+              <a:rPr kumimoji="1" lang="en-US" altLang="ja-JP"/>
               <a:t>3 </a:t>
             </a:r>
             <a:r>
-              <a:rPr kumimoji="1" lang="ja-JP" altLang="en-US" smtClean="0"/>
+              <a:rPr kumimoji="1" lang="ja-JP" altLang="en-US"/>
               <a:t>レベル</a:t>
             </a:r>
           </a:p>
           <a:p>
             <a:pPr lvl="3"/>
             <a:r>
-              <a:rPr kumimoji="1" lang="ja-JP" altLang="en-US" smtClean="0"/>
+              <a:rPr kumimoji="1" lang="ja-JP" altLang="en-US"/>
               <a:t>第 </a:t>
             </a:r>
             <a:r>
-              <a:rPr kumimoji="1" lang="en-US" altLang="ja-JP" smtClean="0"/>
+              <a:rPr kumimoji="1" lang="en-US" altLang="ja-JP"/>
               <a:t>4 </a:t>
             </a:r>
             <a:r>
-              <a:rPr kumimoji="1" lang="ja-JP" altLang="en-US" smtClean="0"/>
+              <a:rPr kumimoji="1" lang="ja-JP" altLang="en-US"/>
               <a:t>レベル</a:t>
             </a:r>
           </a:p>
           <a:p>
             <a:pPr lvl="4"/>
             <a:r>
-              <a:rPr kumimoji="1" lang="ja-JP" altLang="en-US" smtClean="0"/>
+              <a:rPr kumimoji="1" lang="ja-JP" altLang="en-US"/>
               <a:t>第 </a:t>
             </a:r>
             <a:r>
-              <a:rPr kumimoji="1" lang="en-US" altLang="ja-JP" smtClean="0"/>
+              <a:rPr kumimoji="1" lang="en-US" altLang="ja-JP"/>
               <a:t>5 </a:t>
             </a:r>
             <a:r>
-              <a:rPr kumimoji="1" lang="ja-JP" altLang="en-US" smtClean="0"/>
+              <a:rPr kumimoji="1" lang="ja-JP" altLang="en-US"/>
               <a:t>レベル</a:t>
             </a:r>
-            <a:endParaRPr kumimoji="1" lang="ja-JP" altLang="en-US"/>
           </a:p>
         </p:txBody>
       </p:sp>
@@ -1753,70 +1729,69 @@
           <a:p>
             <a:pPr lvl="0"/>
             <a:r>
-              <a:rPr kumimoji="1" lang="ja-JP" altLang="en-US" smtClean="0"/>
+              <a:rPr kumimoji="1" lang="ja-JP" altLang="en-US"/>
               <a:t>マスター テキストの書式設定</a:t>
             </a:r>
           </a:p>
           <a:p>
             <a:pPr lvl="1"/>
             <a:r>
-              <a:rPr kumimoji="1" lang="ja-JP" altLang="en-US" smtClean="0"/>
+              <a:rPr kumimoji="1" lang="ja-JP" altLang="en-US"/>
               <a:t>第 </a:t>
             </a:r>
             <a:r>
-              <a:rPr kumimoji="1" lang="en-US" altLang="ja-JP" smtClean="0"/>
+              <a:rPr kumimoji="1" lang="en-US" altLang="ja-JP"/>
               <a:t>2 </a:t>
             </a:r>
             <a:r>
-              <a:rPr kumimoji="1" lang="ja-JP" altLang="en-US" smtClean="0"/>
+              <a:rPr kumimoji="1" lang="ja-JP" altLang="en-US"/>
               <a:t>レベル</a:t>
             </a:r>
           </a:p>
           <a:p>
             <a:pPr lvl="2"/>
             <a:r>
-              <a:rPr kumimoji="1" lang="ja-JP" altLang="en-US" smtClean="0"/>
+              <a:rPr kumimoji="1" lang="ja-JP" altLang="en-US"/>
               <a:t>第 </a:t>
             </a:r>
             <a:r>
-              <a:rPr kumimoji="1" lang="en-US" altLang="ja-JP" smtClean="0"/>
+              <a:rPr kumimoji="1" lang="en-US" altLang="ja-JP"/>
               <a:t>3 </a:t>
             </a:r>
             <a:r>
-              <a:rPr kumimoji="1" lang="ja-JP" altLang="en-US" smtClean="0"/>
+              <a:rPr kumimoji="1" lang="ja-JP" altLang="en-US"/>
               <a:t>レベル</a:t>
             </a:r>
           </a:p>
           <a:p>
             <a:pPr lvl="3"/>
             <a:r>
-              <a:rPr kumimoji="1" lang="ja-JP" altLang="en-US" smtClean="0"/>
+              <a:rPr kumimoji="1" lang="ja-JP" altLang="en-US"/>
               <a:t>第 </a:t>
             </a:r>
             <a:r>
-              <a:rPr kumimoji="1" lang="en-US" altLang="ja-JP" smtClean="0"/>
+              <a:rPr kumimoji="1" lang="en-US" altLang="ja-JP"/>
               <a:t>4 </a:t>
             </a:r>
             <a:r>
-              <a:rPr kumimoji="1" lang="ja-JP" altLang="en-US" smtClean="0"/>
+              <a:rPr kumimoji="1" lang="ja-JP" altLang="en-US"/>
               <a:t>レベル</a:t>
             </a:r>
           </a:p>
           <a:p>
             <a:pPr lvl="4"/>
             <a:r>
-              <a:rPr kumimoji="1" lang="ja-JP" altLang="en-US" smtClean="0"/>
+              <a:rPr kumimoji="1" lang="ja-JP" altLang="en-US"/>
               <a:t>第 </a:t>
             </a:r>
             <a:r>
-              <a:rPr kumimoji="1" lang="en-US" altLang="ja-JP" smtClean="0"/>
+              <a:rPr kumimoji="1" lang="en-US" altLang="ja-JP"/>
               <a:t>5 </a:t>
             </a:r>
             <a:r>
-              <a:rPr kumimoji="1" lang="ja-JP" altLang="en-US" smtClean="0"/>
+              <a:rPr kumimoji="1" lang="ja-JP" altLang="en-US"/>
               <a:t>レベル</a:t>
             </a:r>
-            <a:endParaRPr kumimoji="1" lang="ja-JP" altLang="en-US"/>
           </a:p>
         </p:txBody>
       </p:sp>
@@ -1837,7 +1812,7 @@
           <a:p>
             <a:fld id="{56F9016B-CCA6-43BE-8BEE-59565A35F4F7}" type="datetimeFigureOut">
               <a:rPr kumimoji="1" lang="ja-JP" altLang="en-US" smtClean="0"/>
-              <a:t>2022/6/8</a:t>
+              <a:t>2022/7/26</a:t>
             </a:fld>
             <a:endParaRPr kumimoji="1" lang="ja-JP" altLang="en-US"/>
           </a:p>
@@ -1936,10 +1911,9 @@
           <a:lstStyle/>
           <a:p>
             <a:r>
-              <a:rPr kumimoji="1" lang="ja-JP" altLang="en-US" smtClean="0"/>
+              <a:rPr kumimoji="1" lang="ja-JP" altLang="en-US"/>
               <a:t>マスター タイトルの書式設定</a:t>
             </a:r>
-            <a:endParaRPr kumimoji="1" lang="ja-JP" altLang="en-US"/>
           </a:p>
         </p:txBody>
       </p:sp>
@@ -2002,7 +1976,7 @@
           <a:p>
             <a:pPr lvl="0"/>
             <a:r>
-              <a:rPr kumimoji="1" lang="ja-JP" altLang="en-US" smtClean="0"/>
+              <a:rPr kumimoji="1" lang="ja-JP" altLang="en-US"/>
               <a:t>マスター テキストの書式設定</a:t>
             </a:r>
           </a:p>
@@ -2030,70 +2004,69 @@
           <a:p>
             <a:pPr lvl="0"/>
             <a:r>
-              <a:rPr kumimoji="1" lang="ja-JP" altLang="en-US" smtClean="0"/>
+              <a:rPr kumimoji="1" lang="ja-JP" altLang="en-US"/>
               <a:t>マスター テキストの書式設定</a:t>
             </a:r>
           </a:p>
           <a:p>
             <a:pPr lvl="1"/>
             <a:r>
-              <a:rPr kumimoji="1" lang="ja-JP" altLang="en-US" smtClean="0"/>
+              <a:rPr kumimoji="1" lang="ja-JP" altLang="en-US"/>
               <a:t>第 </a:t>
             </a:r>
             <a:r>
-              <a:rPr kumimoji="1" lang="en-US" altLang="ja-JP" smtClean="0"/>
+              <a:rPr kumimoji="1" lang="en-US" altLang="ja-JP"/>
               <a:t>2 </a:t>
             </a:r>
             <a:r>
-              <a:rPr kumimoji="1" lang="ja-JP" altLang="en-US" smtClean="0"/>
+              <a:rPr kumimoji="1" lang="ja-JP" altLang="en-US"/>
               <a:t>レベル</a:t>
             </a:r>
           </a:p>
           <a:p>
             <a:pPr lvl="2"/>
             <a:r>
-              <a:rPr kumimoji="1" lang="ja-JP" altLang="en-US" smtClean="0"/>
+              <a:rPr kumimoji="1" lang="ja-JP" altLang="en-US"/>
               <a:t>第 </a:t>
             </a:r>
             <a:r>
-              <a:rPr kumimoji="1" lang="en-US" altLang="ja-JP" smtClean="0"/>
+              <a:rPr kumimoji="1" lang="en-US" altLang="ja-JP"/>
               <a:t>3 </a:t>
             </a:r>
             <a:r>
-              <a:rPr kumimoji="1" lang="ja-JP" altLang="en-US" smtClean="0"/>
+              <a:rPr kumimoji="1" lang="ja-JP" altLang="en-US"/>
               <a:t>レベル</a:t>
             </a:r>
           </a:p>
           <a:p>
             <a:pPr lvl="3"/>
             <a:r>
-              <a:rPr kumimoji="1" lang="ja-JP" altLang="en-US" smtClean="0"/>
+              <a:rPr kumimoji="1" lang="ja-JP" altLang="en-US"/>
               <a:t>第 </a:t>
             </a:r>
             <a:r>
-              <a:rPr kumimoji="1" lang="en-US" altLang="ja-JP" smtClean="0"/>
+              <a:rPr kumimoji="1" lang="en-US" altLang="ja-JP"/>
               <a:t>4 </a:t>
             </a:r>
             <a:r>
-              <a:rPr kumimoji="1" lang="ja-JP" altLang="en-US" smtClean="0"/>
+              <a:rPr kumimoji="1" lang="ja-JP" altLang="en-US"/>
               <a:t>レベル</a:t>
             </a:r>
           </a:p>
           <a:p>
             <a:pPr lvl="4"/>
             <a:r>
-              <a:rPr kumimoji="1" lang="ja-JP" altLang="en-US" smtClean="0"/>
+              <a:rPr kumimoji="1" lang="ja-JP" altLang="en-US"/>
               <a:t>第 </a:t>
             </a:r>
             <a:r>
-              <a:rPr kumimoji="1" lang="en-US" altLang="ja-JP" smtClean="0"/>
+              <a:rPr kumimoji="1" lang="en-US" altLang="ja-JP"/>
               <a:t>5 </a:t>
             </a:r>
             <a:r>
-              <a:rPr kumimoji="1" lang="ja-JP" altLang="en-US" smtClean="0"/>
+              <a:rPr kumimoji="1" lang="ja-JP" altLang="en-US"/>
               <a:t>レベル</a:t>
             </a:r>
-            <a:endParaRPr kumimoji="1" lang="ja-JP" altLang="en-US"/>
           </a:p>
         </p:txBody>
       </p:sp>
@@ -2156,7 +2129,7 @@
           <a:p>
             <a:pPr lvl="0"/>
             <a:r>
-              <a:rPr kumimoji="1" lang="ja-JP" altLang="en-US" smtClean="0"/>
+              <a:rPr kumimoji="1" lang="ja-JP" altLang="en-US"/>
               <a:t>マスター テキストの書式設定</a:t>
             </a:r>
           </a:p>
@@ -2184,70 +2157,69 @@
           <a:p>
             <a:pPr lvl="0"/>
             <a:r>
-              <a:rPr kumimoji="1" lang="ja-JP" altLang="en-US" smtClean="0"/>
+              <a:rPr kumimoji="1" lang="ja-JP" altLang="en-US"/>
               <a:t>マスター テキストの書式設定</a:t>
             </a:r>
           </a:p>
           <a:p>
             <a:pPr lvl="1"/>
             <a:r>
-              <a:rPr kumimoji="1" lang="ja-JP" altLang="en-US" smtClean="0"/>
+              <a:rPr kumimoji="1" lang="ja-JP" altLang="en-US"/>
               <a:t>第 </a:t>
             </a:r>
             <a:r>
-              <a:rPr kumimoji="1" lang="en-US" altLang="ja-JP" smtClean="0"/>
+              <a:rPr kumimoji="1" lang="en-US" altLang="ja-JP"/>
               <a:t>2 </a:t>
             </a:r>
             <a:r>
-              <a:rPr kumimoji="1" lang="ja-JP" altLang="en-US" smtClean="0"/>
+              <a:rPr kumimoji="1" lang="ja-JP" altLang="en-US"/>
               <a:t>レベル</a:t>
             </a:r>
           </a:p>
           <a:p>
             <a:pPr lvl="2"/>
             <a:r>
-              <a:rPr kumimoji="1" lang="ja-JP" altLang="en-US" smtClean="0"/>
+              <a:rPr kumimoji="1" lang="ja-JP" altLang="en-US"/>
               <a:t>第 </a:t>
             </a:r>
             <a:r>
-              <a:rPr kumimoji="1" lang="en-US" altLang="ja-JP" smtClean="0"/>
+              <a:rPr kumimoji="1" lang="en-US" altLang="ja-JP"/>
               <a:t>3 </a:t>
             </a:r>
             <a:r>
-              <a:rPr kumimoji="1" lang="ja-JP" altLang="en-US" smtClean="0"/>
+              <a:rPr kumimoji="1" lang="ja-JP" altLang="en-US"/>
               <a:t>レベル</a:t>
             </a:r>
           </a:p>
           <a:p>
             <a:pPr lvl="3"/>
             <a:r>
-              <a:rPr kumimoji="1" lang="ja-JP" altLang="en-US" smtClean="0"/>
+              <a:rPr kumimoji="1" lang="ja-JP" altLang="en-US"/>
               <a:t>第 </a:t>
             </a:r>
             <a:r>
-              <a:rPr kumimoji="1" lang="en-US" altLang="ja-JP" smtClean="0"/>
+              <a:rPr kumimoji="1" lang="en-US" altLang="ja-JP"/>
               <a:t>4 </a:t>
             </a:r>
             <a:r>
-              <a:rPr kumimoji="1" lang="ja-JP" altLang="en-US" smtClean="0"/>
+              <a:rPr kumimoji="1" lang="ja-JP" altLang="en-US"/>
               <a:t>レベル</a:t>
             </a:r>
           </a:p>
           <a:p>
             <a:pPr lvl="4"/>
             <a:r>
-              <a:rPr kumimoji="1" lang="ja-JP" altLang="en-US" smtClean="0"/>
+              <a:rPr kumimoji="1" lang="ja-JP" altLang="en-US"/>
               <a:t>第 </a:t>
             </a:r>
             <a:r>
-              <a:rPr kumimoji="1" lang="en-US" altLang="ja-JP" smtClean="0"/>
+              <a:rPr kumimoji="1" lang="en-US" altLang="ja-JP"/>
               <a:t>5 </a:t>
             </a:r>
             <a:r>
-              <a:rPr kumimoji="1" lang="ja-JP" altLang="en-US" smtClean="0"/>
+              <a:rPr kumimoji="1" lang="ja-JP" altLang="en-US"/>
               <a:t>レベル</a:t>
             </a:r>
-            <a:endParaRPr kumimoji="1" lang="ja-JP" altLang="en-US"/>
           </a:p>
         </p:txBody>
       </p:sp>
@@ -2268,7 +2240,7 @@
           <a:p>
             <a:fld id="{56F9016B-CCA6-43BE-8BEE-59565A35F4F7}" type="datetimeFigureOut">
               <a:rPr kumimoji="1" lang="ja-JP" altLang="en-US" smtClean="0"/>
-              <a:t>2022/6/8</a:t>
+              <a:t>2022/7/26</a:t>
             </a:fld>
             <a:endParaRPr kumimoji="1" lang="ja-JP" altLang="en-US"/>
           </a:p>
@@ -2362,10 +2334,9 @@
           <a:lstStyle/>
           <a:p>
             <a:r>
-              <a:rPr kumimoji="1" lang="ja-JP" altLang="en-US" smtClean="0"/>
+              <a:rPr kumimoji="1" lang="ja-JP" altLang="en-US"/>
               <a:t>マスター タイトルの書式設定</a:t>
             </a:r>
-            <a:endParaRPr kumimoji="1" lang="ja-JP" altLang="en-US"/>
           </a:p>
         </p:txBody>
       </p:sp>
@@ -2386,7 +2357,7 @@
           <a:p>
             <a:fld id="{56F9016B-CCA6-43BE-8BEE-59565A35F4F7}" type="datetimeFigureOut">
               <a:rPr kumimoji="1" lang="ja-JP" altLang="en-US" smtClean="0"/>
-              <a:t>2022/6/8</a:t>
+              <a:t>2022/7/26</a:t>
             </a:fld>
             <a:endParaRPr kumimoji="1" lang="ja-JP" altLang="en-US"/>
           </a:p>
@@ -2481,7 +2452,7 @@
           <a:p>
             <a:fld id="{56F9016B-CCA6-43BE-8BEE-59565A35F4F7}" type="datetimeFigureOut">
               <a:rPr kumimoji="1" lang="ja-JP" altLang="en-US" smtClean="0"/>
-              <a:t>2022/6/8</a:t>
+              <a:t>2022/7/26</a:t>
             </a:fld>
             <a:endParaRPr kumimoji="1" lang="ja-JP" altLang="en-US"/>
           </a:p>
@@ -2584,10 +2555,9 @@
           </a:lstStyle>
           <a:p>
             <a:r>
-              <a:rPr kumimoji="1" lang="ja-JP" altLang="en-US" smtClean="0"/>
+              <a:rPr kumimoji="1" lang="ja-JP" altLang="en-US"/>
               <a:t>マスター タイトルの書式設定</a:t>
             </a:r>
-            <a:endParaRPr kumimoji="1" lang="ja-JP" altLang="en-US"/>
           </a:p>
         </p:txBody>
       </p:sp>
@@ -2641,70 +2611,69 @@
           <a:p>
             <a:pPr lvl="0"/>
             <a:r>
-              <a:rPr kumimoji="1" lang="ja-JP" altLang="en-US" smtClean="0"/>
+              <a:rPr kumimoji="1" lang="ja-JP" altLang="en-US"/>
               <a:t>マスター テキストの書式設定</a:t>
             </a:r>
           </a:p>
           <a:p>
             <a:pPr lvl="1"/>
             <a:r>
-              <a:rPr kumimoji="1" lang="ja-JP" altLang="en-US" smtClean="0"/>
+              <a:rPr kumimoji="1" lang="ja-JP" altLang="en-US"/>
               <a:t>第 </a:t>
             </a:r>
             <a:r>
-              <a:rPr kumimoji="1" lang="en-US" altLang="ja-JP" smtClean="0"/>
+              <a:rPr kumimoji="1" lang="en-US" altLang="ja-JP"/>
               <a:t>2 </a:t>
             </a:r>
             <a:r>
-              <a:rPr kumimoji="1" lang="ja-JP" altLang="en-US" smtClean="0"/>
+              <a:rPr kumimoji="1" lang="ja-JP" altLang="en-US"/>
               <a:t>レベル</a:t>
             </a:r>
           </a:p>
           <a:p>
             <a:pPr lvl="2"/>
             <a:r>
-              <a:rPr kumimoji="1" lang="ja-JP" altLang="en-US" smtClean="0"/>
+              <a:rPr kumimoji="1" lang="ja-JP" altLang="en-US"/>
               <a:t>第 </a:t>
             </a:r>
             <a:r>
-              <a:rPr kumimoji="1" lang="en-US" altLang="ja-JP" smtClean="0"/>
+              <a:rPr kumimoji="1" lang="en-US" altLang="ja-JP"/>
               <a:t>3 </a:t>
             </a:r>
             <a:r>
-              <a:rPr kumimoji="1" lang="ja-JP" altLang="en-US" smtClean="0"/>
+              <a:rPr kumimoji="1" lang="ja-JP" altLang="en-US"/>
               <a:t>レベル</a:t>
             </a:r>
           </a:p>
           <a:p>
             <a:pPr lvl="3"/>
             <a:r>
-              <a:rPr kumimoji="1" lang="ja-JP" altLang="en-US" smtClean="0"/>
+              <a:rPr kumimoji="1" lang="ja-JP" altLang="en-US"/>
               <a:t>第 </a:t>
             </a:r>
             <a:r>
-              <a:rPr kumimoji="1" lang="en-US" altLang="ja-JP" smtClean="0"/>
+              <a:rPr kumimoji="1" lang="en-US" altLang="ja-JP"/>
               <a:t>4 </a:t>
             </a:r>
             <a:r>
-              <a:rPr kumimoji="1" lang="ja-JP" altLang="en-US" smtClean="0"/>
+              <a:rPr kumimoji="1" lang="ja-JP" altLang="en-US"/>
               <a:t>レベル</a:t>
             </a:r>
           </a:p>
           <a:p>
             <a:pPr lvl="4"/>
             <a:r>
-              <a:rPr kumimoji="1" lang="ja-JP" altLang="en-US" smtClean="0"/>
+              <a:rPr kumimoji="1" lang="ja-JP" altLang="en-US"/>
               <a:t>第 </a:t>
             </a:r>
             <a:r>
-              <a:rPr kumimoji="1" lang="en-US" altLang="ja-JP" smtClean="0"/>
+              <a:rPr kumimoji="1" lang="en-US" altLang="ja-JP"/>
               <a:t>5 </a:t>
             </a:r>
             <a:r>
-              <a:rPr kumimoji="1" lang="ja-JP" altLang="en-US" smtClean="0"/>
+              <a:rPr kumimoji="1" lang="ja-JP" altLang="en-US"/>
               <a:t>レベル</a:t>
             </a:r>
-            <a:endParaRPr kumimoji="1" lang="ja-JP" altLang="en-US"/>
           </a:p>
         </p:txBody>
       </p:sp>
@@ -2767,7 +2736,7 @@
           <a:p>
             <a:pPr lvl="0"/>
             <a:r>
-              <a:rPr kumimoji="1" lang="ja-JP" altLang="en-US" smtClean="0"/>
+              <a:rPr kumimoji="1" lang="ja-JP" altLang="en-US"/>
               <a:t>マスター テキストの書式設定</a:t>
             </a:r>
           </a:p>
@@ -2790,7 +2759,7 @@
           <a:p>
             <a:fld id="{56F9016B-CCA6-43BE-8BEE-59565A35F4F7}" type="datetimeFigureOut">
               <a:rPr kumimoji="1" lang="ja-JP" altLang="en-US" smtClean="0"/>
-              <a:t>2022/6/8</a:t>
+              <a:t>2022/7/26</a:t>
             </a:fld>
             <a:endParaRPr kumimoji="1" lang="ja-JP" altLang="en-US"/>
           </a:p>
@@ -2893,10 +2862,9 @@
           </a:lstStyle>
           <a:p>
             <a:r>
-              <a:rPr kumimoji="1" lang="ja-JP" altLang="en-US" smtClean="0"/>
+              <a:rPr kumimoji="1" lang="ja-JP" altLang="en-US"/>
               <a:t>マスター タイトルの書式設定</a:t>
             </a:r>
-            <a:endParaRPr kumimoji="1" lang="ja-JP" altLang="en-US"/>
           </a:p>
         </p:txBody>
       </p:sp>
@@ -3020,7 +2988,7 @@
           <a:p>
             <a:pPr lvl="0"/>
             <a:r>
-              <a:rPr kumimoji="1" lang="ja-JP" altLang="en-US" smtClean="0"/>
+              <a:rPr kumimoji="1" lang="ja-JP" altLang="en-US"/>
               <a:t>マスター テキストの書式設定</a:t>
             </a:r>
           </a:p>
@@ -3043,7 +3011,7 @@
           <a:p>
             <a:fld id="{56F9016B-CCA6-43BE-8BEE-59565A35F4F7}" type="datetimeFigureOut">
               <a:rPr kumimoji="1" lang="ja-JP" altLang="en-US" smtClean="0"/>
-              <a:t>2022/6/8</a:t>
+              <a:t>2022/7/26</a:t>
             </a:fld>
             <a:endParaRPr kumimoji="1" lang="ja-JP" altLang="en-US"/>
           </a:p>
@@ -3152,10 +3120,9 @@
           </a:lstStyle>
           <a:p>
             <a:r>
-              <a:rPr kumimoji="1" lang="ja-JP" altLang="en-US" dirty="0" smtClean="0"/>
+              <a:rPr kumimoji="1" lang="ja-JP" altLang="en-US" dirty="0"/>
               <a:t>タイトルを入力</a:t>
             </a:r>
-            <a:endParaRPr kumimoji="1" lang="ja-JP" altLang="en-US" dirty="0"/>
           </a:p>
         </p:txBody>
       </p:sp>
@@ -3169,13 +3136,6 @@
   <p:clrMapOvr>
     <a:masterClrMapping/>
   </p:clrMapOvr>
-  <p:timing>
-    <p:tnLst>
-      <p:par>
-        <p:cTn id="1" dur="indefinite" restart="never" nodeType="tmRoot"/>
-      </p:par>
-    </p:tnLst>
-  </p:timing>
 </p:sldLayout>
 </file>
 
@@ -3212,10 +3172,9 @@
           <a:lstStyle/>
           <a:p>
             <a:r>
-              <a:rPr kumimoji="1" lang="ja-JP" altLang="en-US" smtClean="0"/>
+              <a:rPr kumimoji="1" lang="ja-JP" altLang="en-US"/>
               <a:t>マスター タイトルの書式設定</a:t>
             </a:r>
-            <a:endParaRPr kumimoji="1" lang="ja-JP" altLang="en-US"/>
           </a:p>
         </p:txBody>
       </p:sp>
@@ -3236,70 +3195,69 @@
           <a:p>
             <a:pPr lvl="0"/>
             <a:r>
-              <a:rPr kumimoji="1" lang="ja-JP" altLang="en-US" smtClean="0"/>
+              <a:rPr kumimoji="1" lang="ja-JP" altLang="en-US"/>
               <a:t>マスター テキストの書式設定</a:t>
             </a:r>
           </a:p>
           <a:p>
             <a:pPr lvl="1"/>
             <a:r>
-              <a:rPr kumimoji="1" lang="ja-JP" altLang="en-US" smtClean="0"/>
+              <a:rPr kumimoji="1" lang="ja-JP" altLang="en-US"/>
               <a:t>第 </a:t>
             </a:r>
             <a:r>
-              <a:rPr kumimoji="1" lang="en-US" altLang="ja-JP" smtClean="0"/>
+              <a:rPr kumimoji="1" lang="en-US" altLang="ja-JP"/>
               <a:t>2 </a:t>
             </a:r>
             <a:r>
-              <a:rPr kumimoji="1" lang="ja-JP" altLang="en-US" smtClean="0"/>
+              <a:rPr kumimoji="1" lang="ja-JP" altLang="en-US"/>
               <a:t>レベル</a:t>
             </a:r>
           </a:p>
           <a:p>
             <a:pPr lvl="2"/>
             <a:r>
-              <a:rPr kumimoji="1" lang="ja-JP" altLang="en-US" smtClean="0"/>
+              <a:rPr kumimoji="1" lang="ja-JP" altLang="en-US"/>
               <a:t>第 </a:t>
             </a:r>
             <a:r>
-              <a:rPr kumimoji="1" lang="en-US" altLang="ja-JP" smtClean="0"/>
+              <a:rPr kumimoji="1" lang="en-US" altLang="ja-JP"/>
               <a:t>3 </a:t>
             </a:r>
             <a:r>
-              <a:rPr kumimoji="1" lang="ja-JP" altLang="en-US" smtClean="0"/>
+              <a:rPr kumimoji="1" lang="ja-JP" altLang="en-US"/>
               <a:t>レベル</a:t>
             </a:r>
           </a:p>
           <a:p>
             <a:pPr lvl="3"/>
             <a:r>
-              <a:rPr kumimoji="1" lang="ja-JP" altLang="en-US" smtClean="0"/>
+              <a:rPr kumimoji="1" lang="ja-JP" altLang="en-US"/>
               <a:t>第 </a:t>
             </a:r>
             <a:r>
-              <a:rPr kumimoji="1" lang="en-US" altLang="ja-JP" smtClean="0"/>
+              <a:rPr kumimoji="1" lang="en-US" altLang="ja-JP"/>
               <a:t>4 </a:t>
             </a:r>
             <a:r>
-              <a:rPr kumimoji="1" lang="ja-JP" altLang="en-US" smtClean="0"/>
+              <a:rPr kumimoji="1" lang="ja-JP" altLang="en-US"/>
               <a:t>レベル</a:t>
             </a:r>
           </a:p>
           <a:p>
             <a:pPr lvl="4"/>
             <a:r>
-              <a:rPr kumimoji="1" lang="ja-JP" altLang="en-US" smtClean="0"/>
+              <a:rPr kumimoji="1" lang="ja-JP" altLang="en-US"/>
               <a:t>第 </a:t>
             </a:r>
             <a:r>
-              <a:rPr kumimoji="1" lang="en-US" altLang="ja-JP" smtClean="0"/>
+              <a:rPr kumimoji="1" lang="en-US" altLang="ja-JP"/>
               <a:t>5 </a:t>
             </a:r>
             <a:r>
-              <a:rPr kumimoji="1" lang="ja-JP" altLang="en-US" smtClean="0"/>
+              <a:rPr kumimoji="1" lang="ja-JP" altLang="en-US"/>
               <a:t>レベル</a:t>
             </a:r>
-            <a:endParaRPr kumimoji="1" lang="ja-JP" altLang="en-US"/>
           </a:p>
         </p:txBody>
       </p:sp>
@@ -3320,7 +3278,7 @@
           <a:p>
             <a:fld id="{56F9016B-CCA6-43BE-8BEE-59565A35F4F7}" type="datetimeFigureOut">
               <a:rPr kumimoji="1" lang="ja-JP" altLang="en-US" smtClean="0"/>
-              <a:t>2022/6/8</a:t>
+              <a:t>2022/7/26</a:t>
             </a:fld>
             <a:endParaRPr kumimoji="1" lang="ja-JP" altLang="en-US"/>
           </a:p>
@@ -3419,10 +3377,9 @@
           <a:lstStyle/>
           <a:p>
             <a:r>
-              <a:rPr kumimoji="1" lang="ja-JP" altLang="en-US" smtClean="0"/>
+              <a:rPr kumimoji="1" lang="ja-JP" altLang="en-US"/>
               <a:t>マスター タイトルの書式設定</a:t>
             </a:r>
-            <a:endParaRPr kumimoji="1" lang="ja-JP" altLang="en-US"/>
           </a:p>
         </p:txBody>
       </p:sp>
@@ -3448,70 +3405,69 @@
           <a:p>
             <a:pPr lvl="0"/>
             <a:r>
-              <a:rPr kumimoji="1" lang="ja-JP" altLang="en-US" smtClean="0"/>
+              <a:rPr kumimoji="1" lang="ja-JP" altLang="en-US"/>
               <a:t>マスター テキストの書式設定</a:t>
             </a:r>
           </a:p>
           <a:p>
             <a:pPr lvl="1"/>
             <a:r>
-              <a:rPr kumimoji="1" lang="ja-JP" altLang="en-US" smtClean="0"/>
+              <a:rPr kumimoji="1" lang="ja-JP" altLang="en-US"/>
               <a:t>第 </a:t>
             </a:r>
             <a:r>
-              <a:rPr kumimoji="1" lang="en-US" altLang="ja-JP" smtClean="0"/>
+              <a:rPr kumimoji="1" lang="en-US" altLang="ja-JP"/>
               <a:t>2 </a:t>
             </a:r>
             <a:r>
-              <a:rPr kumimoji="1" lang="ja-JP" altLang="en-US" smtClean="0"/>
+              <a:rPr kumimoji="1" lang="ja-JP" altLang="en-US"/>
               <a:t>レベル</a:t>
             </a:r>
           </a:p>
           <a:p>
             <a:pPr lvl="2"/>
             <a:r>
-              <a:rPr kumimoji="1" lang="ja-JP" altLang="en-US" smtClean="0"/>
+              <a:rPr kumimoji="1" lang="ja-JP" altLang="en-US"/>
               <a:t>第 </a:t>
             </a:r>
             <a:r>
-              <a:rPr kumimoji="1" lang="en-US" altLang="ja-JP" smtClean="0"/>
+              <a:rPr kumimoji="1" lang="en-US" altLang="ja-JP"/>
               <a:t>3 </a:t>
             </a:r>
             <a:r>
-              <a:rPr kumimoji="1" lang="ja-JP" altLang="en-US" smtClean="0"/>
+              <a:rPr kumimoji="1" lang="ja-JP" altLang="en-US"/>
               <a:t>レベル</a:t>
             </a:r>
           </a:p>
           <a:p>
             <a:pPr lvl="3"/>
             <a:r>
-              <a:rPr kumimoji="1" lang="ja-JP" altLang="en-US" smtClean="0"/>
+              <a:rPr kumimoji="1" lang="ja-JP" altLang="en-US"/>
               <a:t>第 </a:t>
             </a:r>
             <a:r>
-              <a:rPr kumimoji="1" lang="en-US" altLang="ja-JP" smtClean="0"/>
+              <a:rPr kumimoji="1" lang="en-US" altLang="ja-JP"/>
               <a:t>4 </a:t>
             </a:r>
             <a:r>
-              <a:rPr kumimoji="1" lang="ja-JP" altLang="en-US" smtClean="0"/>
+              <a:rPr kumimoji="1" lang="ja-JP" altLang="en-US"/>
               <a:t>レベル</a:t>
             </a:r>
           </a:p>
           <a:p>
             <a:pPr lvl="4"/>
             <a:r>
-              <a:rPr kumimoji="1" lang="ja-JP" altLang="en-US" smtClean="0"/>
+              <a:rPr kumimoji="1" lang="ja-JP" altLang="en-US"/>
               <a:t>第 </a:t>
             </a:r>
             <a:r>
-              <a:rPr kumimoji="1" lang="en-US" altLang="ja-JP" smtClean="0"/>
+              <a:rPr kumimoji="1" lang="en-US" altLang="ja-JP"/>
               <a:t>5 </a:t>
             </a:r>
             <a:r>
-              <a:rPr kumimoji="1" lang="ja-JP" altLang="en-US" smtClean="0"/>
+              <a:rPr kumimoji="1" lang="ja-JP" altLang="en-US"/>
               <a:t>レベル</a:t>
             </a:r>
-            <a:endParaRPr kumimoji="1" lang="ja-JP" altLang="en-US"/>
           </a:p>
         </p:txBody>
       </p:sp>
@@ -3532,7 +3488,7 @@
           <a:p>
             <a:fld id="{56F9016B-CCA6-43BE-8BEE-59565A35F4F7}" type="datetimeFigureOut">
               <a:rPr kumimoji="1" lang="ja-JP" altLang="en-US" smtClean="0"/>
-              <a:t>2022/6/8</a:t>
+              <a:t>2022/7/26</a:t>
             </a:fld>
             <a:endParaRPr kumimoji="1" lang="ja-JP" altLang="en-US"/>
           </a:p>
@@ -3642,10 +3598,9 @@
           <a:p>
             <a:pPr lvl="0"/>
             <a:r>
-              <a:rPr kumimoji="1" lang="ja-JP" altLang="en-US" dirty="0" smtClean="0"/>
+              <a:rPr kumimoji="1" lang="ja-JP" altLang="en-US" dirty="0"/>
               <a:t>タイトルを入力</a:t>
             </a:r>
-            <a:endParaRPr kumimoji="1" lang="ja-JP" altLang="en-US" dirty="0"/>
           </a:p>
         </p:txBody>
       </p:sp>
@@ -3686,7 +3641,7 @@
           <a:p>
             <a:pPr lvl="0"/>
             <a:r>
-              <a:rPr kumimoji="1" lang="ja-JP" altLang="en-US" sz="2000" b="0" i="0" u="none" strike="noStrike" kern="0" cap="none" spc="0" normalizeH="0" baseline="0" noProof="0" dirty="0" smtClean="0">
+              <a:rPr kumimoji="1" lang="ja-JP" altLang="en-US" sz="2000" b="0" i="0" u="none" strike="noStrike" kern="0" cap="none" spc="0" normalizeH="0" baseline="0" noProof="0" dirty="0">
                 <a:ln>
                   <a:noFill/>
                 </a:ln>
@@ -3706,7 +3661,7 @@
           <a:p>
             <a:pPr lvl="1"/>
             <a:r>
-              <a:rPr kumimoji="1" lang="ja-JP" altLang="en-US" sz="1600" b="0" i="0" u="none" strike="noStrike" kern="0" cap="none" spc="0" normalizeH="0" baseline="0" noProof="0" dirty="0" smtClean="0">
+              <a:rPr kumimoji="1" lang="ja-JP" altLang="en-US" sz="1600" b="0" i="0" u="none" strike="noStrike" kern="0" cap="none" spc="0" normalizeH="0" baseline="0" noProof="0" dirty="0">
                 <a:ln>
                   <a:noFill/>
                 </a:ln>
@@ -3722,7 +3677,7 @@
               <a:t>第</a:t>
             </a:r>
             <a:r>
-              <a:rPr kumimoji="1" lang="en-US" altLang="ja-JP" sz="1600" b="0" i="0" u="none" strike="noStrike" kern="0" cap="none" spc="0" normalizeH="0" baseline="0" noProof="0" dirty="0" smtClean="0">
+              <a:rPr kumimoji="1" lang="en-US" altLang="ja-JP" sz="1600" b="0" i="0" u="none" strike="noStrike" kern="0" cap="none" spc="0" normalizeH="0" baseline="0" noProof="0" dirty="0">
                 <a:ln>
                   <a:noFill/>
                 </a:ln>
@@ -3738,7 +3693,7 @@
               <a:t>2</a:t>
             </a:r>
             <a:r>
-              <a:rPr kumimoji="1" lang="ja-JP" altLang="en-US" sz="1600" b="0" i="0" u="none" strike="noStrike" kern="0" cap="none" spc="0" normalizeH="0" baseline="0" noProof="0" dirty="0" smtClean="0">
+              <a:rPr kumimoji="1" lang="ja-JP" altLang="en-US" sz="1600" b="0" i="0" u="none" strike="noStrike" kern="0" cap="none" spc="0" normalizeH="0" baseline="0" noProof="0" dirty="0">
                 <a:ln>
                   <a:noFill/>
                 </a:ln>
@@ -3757,7 +3712,7 @@
           <a:p>
             <a:pPr lvl="2"/>
             <a:r>
-              <a:rPr kumimoji="1" lang="ja-JP" altLang="en-US" sz="1400" b="0" i="0" u="none" strike="noStrike" kern="0" cap="none" spc="0" normalizeH="0" baseline="0" noProof="0" dirty="0" smtClean="0">
+              <a:rPr kumimoji="1" lang="ja-JP" altLang="en-US" sz="1400" b="0" i="0" u="none" strike="noStrike" kern="0" cap="none" spc="0" normalizeH="0" baseline="0" noProof="0" dirty="0">
                 <a:ln>
                   <a:noFill/>
                 </a:ln>
@@ -3773,7 +3728,7 @@
               <a:t>第</a:t>
             </a:r>
             <a:r>
-              <a:rPr kumimoji="1" lang="en-US" altLang="ja-JP" sz="1400" b="0" i="0" u="none" strike="noStrike" kern="0" cap="none" spc="0" normalizeH="0" baseline="0" noProof="0" dirty="0" smtClean="0">
+              <a:rPr kumimoji="1" lang="en-US" altLang="ja-JP" sz="1400" b="0" i="0" u="none" strike="noStrike" kern="0" cap="none" spc="0" normalizeH="0" baseline="0" noProof="0" dirty="0">
                 <a:ln>
                   <a:noFill/>
                 </a:ln>
@@ -3789,7 +3744,7 @@
               <a:t>3</a:t>
             </a:r>
             <a:r>
-              <a:rPr kumimoji="1" lang="ja-JP" altLang="en-US" sz="1400" b="0" i="0" u="none" strike="noStrike" kern="0" cap="none" spc="0" normalizeH="0" baseline="0" noProof="0" dirty="0" smtClean="0">
+              <a:rPr kumimoji="1" lang="ja-JP" altLang="en-US" sz="1400" b="0" i="0" u="none" strike="noStrike" kern="0" cap="none" spc="0" normalizeH="0" baseline="0" noProof="0" dirty="0">
                 <a:ln>
                   <a:noFill/>
                 </a:ln>
@@ -3808,7 +3763,7 @@
           <a:p>
             <a:pPr lvl="3"/>
             <a:r>
-              <a:rPr kumimoji="1" lang="ja-JP" altLang="en-US" sz="1200" b="0" i="0" u="none" strike="noStrike" kern="0" cap="none" spc="0" normalizeH="0" baseline="0" noProof="0" dirty="0" smtClean="0">
+              <a:rPr kumimoji="1" lang="ja-JP" altLang="en-US" sz="1200" b="0" i="0" u="none" strike="noStrike" kern="0" cap="none" spc="0" normalizeH="0" baseline="0" noProof="0" dirty="0">
                 <a:ln>
                   <a:noFill/>
                 </a:ln>
@@ -3824,7 +3779,7 @@
               <a:t>第</a:t>
             </a:r>
             <a:r>
-              <a:rPr kumimoji="1" lang="en-US" altLang="ja-JP" sz="1200" b="0" i="0" u="none" strike="noStrike" kern="0" cap="none" spc="0" normalizeH="0" baseline="0" noProof="0" dirty="0" smtClean="0">
+              <a:rPr kumimoji="1" lang="en-US" altLang="ja-JP" sz="1200" b="0" i="0" u="none" strike="noStrike" kern="0" cap="none" spc="0" normalizeH="0" baseline="0" noProof="0" dirty="0">
                 <a:ln>
                   <a:noFill/>
                 </a:ln>
@@ -3840,7 +3795,7 @@
               <a:t>4</a:t>
             </a:r>
             <a:r>
-              <a:rPr kumimoji="1" lang="ja-JP" altLang="en-US" sz="1200" b="0" i="0" u="none" strike="noStrike" kern="0" cap="none" spc="0" normalizeH="0" baseline="0" noProof="0" dirty="0" smtClean="0">
+              <a:rPr kumimoji="1" lang="ja-JP" altLang="en-US" sz="1200" b="0" i="0" u="none" strike="noStrike" kern="0" cap="none" spc="0" normalizeH="0" baseline="0" noProof="0" dirty="0">
                 <a:ln>
                   <a:noFill/>
                 </a:ln>
@@ -3868,13 +3823,6 @@
   <p:clrMapOvr>
     <a:masterClrMapping/>
   </p:clrMapOvr>
-  <p:timing>
-    <p:tnLst>
-      <p:par>
-        <p:cTn id="1" dur="indefinite" restart="never" nodeType="tmRoot"/>
-      </p:par>
-    </p:tnLst>
-  </p:timing>
 </p:sldLayout>
 </file>
 
@@ -3927,10 +3875,9 @@
           <a:p>
             <a:pPr lvl="0"/>
             <a:r>
-              <a:rPr kumimoji="1" lang="ja-JP" altLang="en-US" dirty="0" smtClean="0"/>
+              <a:rPr kumimoji="1" lang="ja-JP" altLang="en-US" dirty="0"/>
               <a:t>タイトルを入力</a:t>
             </a:r>
-            <a:endParaRPr kumimoji="1" lang="ja-JP" altLang="en-US" dirty="0"/>
           </a:p>
         </p:txBody>
       </p:sp>
@@ -4006,18 +3953,17 @@
               <a:buNone/>
             </a:pPr>
             <a:r>
-              <a:rPr kumimoji="1" lang="ja-JP" altLang="en-US" dirty="0" smtClean="0"/>
+              <a:rPr kumimoji="1" lang="ja-JP" altLang="en-US" dirty="0"/>
               <a:t>リード文が</a:t>
             </a:r>
             <a:r>
-              <a:rPr kumimoji="1" lang="en-US" altLang="ja-JP" dirty="0" smtClean="0"/>
+              <a:rPr kumimoji="1" lang="en-US" altLang="ja-JP" dirty="0"/>
               <a:t>1</a:t>
             </a:r>
             <a:r>
-              <a:rPr kumimoji="1" lang="ja-JP" altLang="en-US" dirty="0" smtClean="0"/>
+              <a:rPr kumimoji="1" lang="ja-JP" altLang="en-US" dirty="0"/>
               <a:t>行でおさまる場合はこのレイアウトで入力</a:t>
             </a:r>
-            <a:endParaRPr kumimoji="1" lang="ja-JP" altLang="en-US" dirty="0"/>
           </a:p>
         </p:txBody>
       </p:sp>
@@ -4098,7 +4044,7 @@
           <a:p>
             <a:pPr lvl="0"/>
             <a:r>
-              <a:rPr kumimoji="1" lang="ja-JP" altLang="en-US" sz="2000" b="0" i="0" u="none" strike="noStrike" kern="0" cap="none" spc="0" normalizeH="0" baseline="0" noProof="0" dirty="0" smtClean="0">
+              <a:rPr kumimoji="1" lang="ja-JP" altLang="en-US" sz="2000" b="0" i="0" u="none" strike="noStrike" kern="0" cap="none" spc="0" normalizeH="0" baseline="0" noProof="0" dirty="0">
                 <a:ln>
                   <a:noFill/>
                 </a:ln>
@@ -4118,7 +4064,7 @@
           <a:p>
             <a:pPr lvl="1"/>
             <a:r>
-              <a:rPr kumimoji="1" lang="ja-JP" altLang="en-US" sz="1600" b="0" i="0" u="none" strike="noStrike" kern="0" cap="none" spc="0" normalizeH="0" baseline="0" noProof="0" dirty="0" smtClean="0">
+              <a:rPr kumimoji="1" lang="ja-JP" altLang="en-US" sz="1600" b="0" i="0" u="none" strike="noStrike" kern="0" cap="none" spc="0" normalizeH="0" baseline="0" noProof="0" dirty="0">
                 <a:ln>
                   <a:noFill/>
                 </a:ln>
@@ -4134,7 +4080,7 @@
               <a:t>第</a:t>
             </a:r>
             <a:r>
-              <a:rPr kumimoji="1" lang="en-US" altLang="ja-JP" sz="1600" b="0" i="0" u="none" strike="noStrike" kern="0" cap="none" spc="0" normalizeH="0" baseline="0" noProof="0" dirty="0" smtClean="0">
+              <a:rPr kumimoji="1" lang="en-US" altLang="ja-JP" sz="1600" b="0" i="0" u="none" strike="noStrike" kern="0" cap="none" spc="0" normalizeH="0" baseline="0" noProof="0" dirty="0">
                 <a:ln>
                   <a:noFill/>
                 </a:ln>
@@ -4150,7 +4096,7 @@
               <a:t>2</a:t>
             </a:r>
             <a:r>
-              <a:rPr kumimoji="1" lang="ja-JP" altLang="en-US" sz="1600" b="0" i="0" u="none" strike="noStrike" kern="0" cap="none" spc="0" normalizeH="0" baseline="0" noProof="0" dirty="0" smtClean="0">
+              <a:rPr kumimoji="1" lang="ja-JP" altLang="en-US" sz="1600" b="0" i="0" u="none" strike="noStrike" kern="0" cap="none" spc="0" normalizeH="0" baseline="0" noProof="0" dirty="0">
                 <a:ln>
                   <a:noFill/>
                 </a:ln>
@@ -4169,7 +4115,7 @@
           <a:p>
             <a:pPr lvl="2"/>
             <a:r>
-              <a:rPr kumimoji="1" lang="ja-JP" altLang="en-US" sz="1400" b="0" i="0" u="none" strike="noStrike" kern="0" cap="none" spc="0" normalizeH="0" baseline="0" noProof="0" dirty="0" smtClean="0">
+              <a:rPr kumimoji="1" lang="ja-JP" altLang="en-US" sz="1400" b="0" i="0" u="none" strike="noStrike" kern="0" cap="none" spc="0" normalizeH="0" baseline="0" noProof="0" dirty="0">
                 <a:ln>
                   <a:noFill/>
                 </a:ln>
@@ -4185,7 +4131,7 @@
               <a:t>第</a:t>
             </a:r>
             <a:r>
-              <a:rPr kumimoji="1" lang="en-US" altLang="ja-JP" sz="1400" b="0" i="0" u="none" strike="noStrike" kern="0" cap="none" spc="0" normalizeH="0" baseline="0" noProof="0" dirty="0" smtClean="0">
+              <a:rPr kumimoji="1" lang="en-US" altLang="ja-JP" sz="1400" b="0" i="0" u="none" strike="noStrike" kern="0" cap="none" spc="0" normalizeH="0" baseline="0" noProof="0" dirty="0">
                 <a:ln>
                   <a:noFill/>
                 </a:ln>
@@ -4201,7 +4147,7 @@
               <a:t>3</a:t>
             </a:r>
             <a:r>
-              <a:rPr kumimoji="1" lang="ja-JP" altLang="en-US" sz="1400" b="0" i="0" u="none" strike="noStrike" kern="0" cap="none" spc="0" normalizeH="0" baseline="0" noProof="0" dirty="0" smtClean="0">
+              <a:rPr kumimoji="1" lang="ja-JP" altLang="en-US" sz="1400" b="0" i="0" u="none" strike="noStrike" kern="0" cap="none" spc="0" normalizeH="0" baseline="0" noProof="0" dirty="0">
                 <a:ln>
                   <a:noFill/>
                 </a:ln>
@@ -4220,7 +4166,7 @@
           <a:p>
             <a:pPr lvl="3"/>
             <a:r>
-              <a:rPr kumimoji="1" lang="ja-JP" altLang="en-US" sz="1200" b="0" i="0" u="none" strike="noStrike" kern="0" cap="none" spc="0" normalizeH="0" baseline="0" noProof="0" dirty="0" smtClean="0">
+              <a:rPr kumimoji="1" lang="ja-JP" altLang="en-US" sz="1200" b="0" i="0" u="none" strike="noStrike" kern="0" cap="none" spc="0" normalizeH="0" baseline="0" noProof="0" dirty="0">
                 <a:ln>
                   <a:noFill/>
                 </a:ln>
@@ -4236,7 +4182,7 @@
               <a:t>第</a:t>
             </a:r>
             <a:r>
-              <a:rPr kumimoji="1" lang="en-US" altLang="ja-JP" sz="1200" b="0" i="0" u="none" strike="noStrike" kern="0" cap="none" spc="0" normalizeH="0" baseline="0" noProof="0" dirty="0" smtClean="0">
+              <a:rPr kumimoji="1" lang="en-US" altLang="ja-JP" sz="1200" b="0" i="0" u="none" strike="noStrike" kern="0" cap="none" spc="0" normalizeH="0" baseline="0" noProof="0" dirty="0">
                 <a:ln>
                   <a:noFill/>
                 </a:ln>
@@ -4252,7 +4198,7 @@
               <a:t>4</a:t>
             </a:r>
             <a:r>
-              <a:rPr kumimoji="1" lang="ja-JP" altLang="en-US" sz="1200" b="0" i="0" u="none" strike="noStrike" kern="0" cap="none" spc="0" normalizeH="0" baseline="0" noProof="0" dirty="0" smtClean="0">
+              <a:rPr kumimoji="1" lang="ja-JP" altLang="en-US" sz="1200" b="0" i="0" u="none" strike="noStrike" kern="0" cap="none" spc="0" normalizeH="0" baseline="0" noProof="0" dirty="0">
                 <a:ln>
                   <a:noFill/>
                 </a:ln>
@@ -4280,13 +4226,6 @@
   <p:clrMapOvr>
     <a:masterClrMapping/>
   </p:clrMapOvr>
-  <p:timing>
-    <p:tnLst>
-      <p:par>
-        <p:cTn id="1" dur="indefinite" restart="never" nodeType="tmRoot"/>
-      </p:par>
-    </p:tnLst>
-  </p:timing>
 </p:sldLayout>
 </file>
 
@@ -4339,10 +4278,9 @@
           <a:p>
             <a:pPr lvl="0"/>
             <a:r>
-              <a:rPr kumimoji="1" lang="ja-JP" altLang="en-US" dirty="0" smtClean="0"/>
+              <a:rPr kumimoji="1" lang="ja-JP" altLang="en-US" dirty="0"/>
               <a:t>タイトルを入力</a:t>
             </a:r>
-            <a:endParaRPr kumimoji="1" lang="ja-JP" altLang="en-US" dirty="0"/>
           </a:p>
         </p:txBody>
       </p:sp>
@@ -4418,29 +4356,24 @@
               <a:buNone/>
             </a:pPr>
             <a:r>
-              <a:rPr kumimoji="1" lang="ja-JP" altLang="en-US" dirty="0" smtClean="0"/>
+              <a:rPr kumimoji="1" lang="ja-JP" altLang="en-US" dirty="0"/>
               <a:t>リード文が</a:t>
             </a:r>
             <a:r>
-              <a:rPr kumimoji="1" lang="en-US" altLang="ja-JP" dirty="0" smtClean="0"/>
+              <a:rPr kumimoji="1" lang="en-US" altLang="ja-JP" dirty="0"/>
               <a:t>2</a:t>
             </a:r>
             <a:r>
-              <a:rPr kumimoji="1" lang="ja-JP" altLang="en-US" dirty="0" smtClean="0"/>
+              <a:rPr kumimoji="1" lang="ja-JP" altLang="en-US" dirty="0"/>
               <a:t>行にわたる場合は</a:t>
             </a:r>
-            <a:r>
-              <a:rPr kumimoji="1" lang="en-US" altLang="ja-JP" dirty="0" smtClean="0"/>
-              <a:t/>
-            </a:r>
             <a:br>
-              <a:rPr kumimoji="1" lang="en-US" altLang="ja-JP" dirty="0" smtClean="0"/>
+              <a:rPr kumimoji="1" lang="en-US" altLang="ja-JP" dirty="0"/>
             </a:br>
             <a:r>
-              <a:rPr kumimoji="1" lang="ja-JP" altLang="en-US" dirty="0" smtClean="0"/>
+              <a:rPr kumimoji="1" lang="ja-JP" altLang="en-US" dirty="0"/>
               <a:t>このレイアウトで入力</a:t>
             </a:r>
-            <a:endParaRPr kumimoji="1" lang="ja-JP" altLang="en-US" dirty="0"/>
           </a:p>
         </p:txBody>
       </p:sp>
@@ -4530,7 +4463,7 @@
               <a:tabLst/>
             </a:pPr>
             <a:r>
-              <a:rPr kumimoji="1" lang="ja-JP" altLang="en-US" dirty="0" smtClean="0"/>
+              <a:rPr kumimoji="1" lang="ja-JP" altLang="en-US" dirty="0"/>
               <a:t>本文を入力</a:t>
             </a:r>
           </a:p>
@@ -4546,15 +4479,15 @@
               <a:tabLst/>
             </a:pPr>
             <a:r>
-              <a:rPr kumimoji="1" lang="ja-JP" altLang="en-US" dirty="0" smtClean="0"/>
+              <a:rPr kumimoji="1" lang="ja-JP" altLang="en-US" dirty="0"/>
               <a:t>第</a:t>
             </a:r>
             <a:r>
-              <a:rPr kumimoji="1" lang="en-US" altLang="ja-JP" dirty="0" smtClean="0"/>
+              <a:rPr kumimoji="1" lang="en-US" altLang="ja-JP" dirty="0"/>
               <a:t>2</a:t>
             </a:r>
             <a:r>
-              <a:rPr kumimoji="1" lang="ja-JP" altLang="en-US" dirty="0" smtClean="0"/>
+              <a:rPr kumimoji="1" lang="ja-JP" altLang="en-US" dirty="0"/>
               <a:t>レベル</a:t>
             </a:r>
           </a:p>
@@ -4570,15 +4503,15 @@
               <a:tabLst/>
             </a:pPr>
             <a:r>
-              <a:rPr kumimoji="1" lang="ja-JP" altLang="en-US" dirty="0" smtClean="0"/>
+              <a:rPr kumimoji="1" lang="ja-JP" altLang="en-US" dirty="0"/>
               <a:t>第</a:t>
             </a:r>
             <a:r>
-              <a:rPr kumimoji="1" lang="en-US" altLang="ja-JP" dirty="0" smtClean="0"/>
+              <a:rPr kumimoji="1" lang="en-US" altLang="ja-JP" dirty="0"/>
               <a:t>3</a:t>
             </a:r>
             <a:r>
-              <a:rPr kumimoji="1" lang="ja-JP" altLang="en-US" dirty="0" smtClean="0"/>
+              <a:rPr kumimoji="1" lang="ja-JP" altLang="en-US" dirty="0"/>
               <a:t>レベル</a:t>
             </a:r>
           </a:p>
@@ -4594,15 +4527,15 @@
               <a:tabLst/>
             </a:pPr>
             <a:r>
-              <a:rPr kumimoji="1" lang="ja-JP" altLang="en-US" dirty="0" smtClean="0"/>
+              <a:rPr kumimoji="1" lang="ja-JP" altLang="en-US" dirty="0"/>
               <a:t>第</a:t>
             </a:r>
             <a:r>
-              <a:rPr kumimoji="1" lang="en-US" altLang="ja-JP" dirty="0" smtClean="0"/>
+              <a:rPr kumimoji="1" lang="en-US" altLang="ja-JP" dirty="0"/>
               <a:t>4</a:t>
             </a:r>
             <a:r>
-              <a:rPr kumimoji="1" lang="ja-JP" altLang="en-US" dirty="0" smtClean="0"/>
+              <a:rPr kumimoji="1" lang="ja-JP" altLang="en-US" dirty="0"/>
               <a:t>レベル</a:t>
             </a:r>
           </a:p>
@@ -4618,13 +4551,6 @@
   <p:clrMapOvr>
     <a:masterClrMapping/>
   </p:clrMapOvr>
-  <p:timing>
-    <p:tnLst>
-      <p:par>
-        <p:cTn id="1" dur="indefinite" restart="never" nodeType="tmRoot"/>
-      </p:par>
-    </p:tnLst>
-  </p:timing>
 </p:sldLayout>
 </file>
 
@@ -4677,10 +4603,9 @@
           <a:p>
             <a:pPr lvl="0"/>
             <a:r>
-              <a:rPr kumimoji="1" lang="ja-JP" altLang="en-US" dirty="0" smtClean="0"/>
+              <a:rPr kumimoji="1" lang="ja-JP" altLang="en-US" dirty="0"/>
               <a:t>タイトルを入力</a:t>
             </a:r>
-            <a:endParaRPr kumimoji="1" lang="ja-JP" altLang="en-US" dirty="0"/>
           </a:p>
         </p:txBody>
       </p:sp>
@@ -4761,14 +4686,14 @@
           <a:p>
             <a:pPr lvl="0"/>
             <a:r>
-              <a:rPr kumimoji="1" lang="ja-JP" altLang="en-US" dirty="0" smtClean="0"/>
+              <a:rPr kumimoji="1" lang="ja-JP" altLang="en-US" dirty="0"/>
               <a:t>本文を入力</a:t>
             </a:r>
           </a:p>
           <a:p>
             <a:pPr lvl="1"/>
             <a:r>
-              <a:rPr kumimoji="1" lang="ja-JP" altLang="en-US" sz="1600" b="0" i="0" u="none" strike="noStrike" kern="0" cap="none" spc="0" normalizeH="0" baseline="0" noProof="0" dirty="0" smtClean="0">
+              <a:rPr kumimoji="1" lang="ja-JP" altLang="en-US" sz="1600" b="0" i="0" u="none" strike="noStrike" kern="0" cap="none" spc="0" normalizeH="0" baseline="0" noProof="0" dirty="0">
                 <a:ln>
                   <a:noFill/>
                 </a:ln>
@@ -4784,7 +4709,7 @@
               <a:t>第</a:t>
             </a:r>
             <a:r>
-              <a:rPr kumimoji="1" lang="en-US" altLang="ja-JP" sz="1600" b="0" i="0" u="none" strike="noStrike" kern="0" cap="none" spc="0" normalizeH="0" baseline="0" noProof="0" dirty="0" smtClean="0">
+              <a:rPr kumimoji="1" lang="en-US" altLang="ja-JP" sz="1600" b="0" i="0" u="none" strike="noStrike" kern="0" cap="none" spc="0" normalizeH="0" baseline="0" noProof="0" dirty="0">
                 <a:ln>
                   <a:noFill/>
                 </a:ln>
@@ -4800,7 +4725,7 @@
               <a:t>2</a:t>
             </a:r>
             <a:r>
-              <a:rPr kumimoji="1" lang="ja-JP" altLang="en-US" sz="1600" b="0" i="0" u="none" strike="noStrike" kern="0" cap="none" spc="0" normalizeH="0" baseline="0" noProof="0" dirty="0" smtClean="0">
+              <a:rPr kumimoji="1" lang="ja-JP" altLang="en-US" sz="1600" b="0" i="0" u="none" strike="noStrike" kern="0" cap="none" spc="0" normalizeH="0" baseline="0" noProof="0" dirty="0">
                 <a:ln>
                   <a:noFill/>
                 </a:ln>
@@ -4819,7 +4744,7 @@
           <a:p>
             <a:pPr lvl="2"/>
             <a:r>
-              <a:rPr kumimoji="1" lang="ja-JP" altLang="en-US" sz="1400" b="0" i="0" u="none" strike="noStrike" kern="0" cap="none" spc="0" normalizeH="0" baseline="0" noProof="0" dirty="0" smtClean="0">
+              <a:rPr kumimoji="1" lang="ja-JP" altLang="en-US" sz="1400" b="0" i="0" u="none" strike="noStrike" kern="0" cap="none" spc="0" normalizeH="0" baseline="0" noProof="0" dirty="0">
                 <a:ln>
                   <a:noFill/>
                 </a:ln>
@@ -4835,7 +4760,7 @@
               <a:t>第</a:t>
             </a:r>
             <a:r>
-              <a:rPr kumimoji="1" lang="en-US" altLang="ja-JP" sz="1400" b="0" i="0" u="none" strike="noStrike" kern="0" cap="none" spc="0" normalizeH="0" baseline="0" noProof="0" dirty="0" smtClean="0">
+              <a:rPr kumimoji="1" lang="en-US" altLang="ja-JP" sz="1400" b="0" i="0" u="none" strike="noStrike" kern="0" cap="none" spc="0" normalizeH="0" baseline="0" noProof="0" dirty="0">
                 <a:ln>
                   <a:noFill/>
                 </a:ln>
@@ -4851,7 +4776,7 @@
               <a:t>3</a:t>
             </a:r>
             <a:r>
-              <a:rPr kumimoji="1" lang="ja-JP" altLang="en-US" sz="1400" b="0" i="0" u="none" strike="noStrike" kern="0" cap="none" spc="0" normalizeH="0" baseline="0" noProof="0" dirty="0" smtClean="0">
+              <a:rPr kumimoji="1" lang="ja-JP" altLang="en-US" sz="1400" b="0" i="0" u="none" strike="noStrike" kern="0" cap="none" spc="0" normalizeH="0" baseline="0" noProof="0" dirty="0">
                 <a:ln>
                   <a:noFill/>
                 </a:ln>
@@ -4870,7 +4795,7 @@
           <a:p>
             <a:pPr lvl="3"/>
             <a:r>
-              <a:rPr kumimoji="1" lang="ja-JP" altLang="en-US" sz="1200" b="0" i="0" u="none" strike="noStrike" kern="0" cap="none" spc="0" normalizeH="0" baseline="0" noProof="0" dirty="0" smtClean="0">
+              <a:rPr kumimoji="1" lang="ja-JP" altLang="en-US" sz="1200" b="0" i="0" u="none" strike="noStrike" kern="0" cap="none" spc="0" normalizeH="0" baseline="0" noProof="0" dirty="0">
                 <a:ln>
                   <a:noFill/>
                 </a:ln>
@@ -4886,7 +4811,7 @@
               <a:t>第</a:t>
             </a:r>
             <a:r>
-              <a:rPr kumimoji="1" lang="en-US" altLang="ja-JP" sz="1200" b="0" i="0" u="none" strike="noStrike" kern="0" cap="none" spc="0" normalizeH="0" baseline="0" noProof="0" dirty="0" smtClean="0">
+              <a:rPr kumimoji="1" lang="en-US" altLang="ja-JP" sz="1200" b="0" i="0" u="none" strike="noStrike" kern="0" cap="none" spc="0" normalizeH="0" baseline="0" noProof="0" dirty="0">
                 <a:ln>
                   <a:noFill/>
                 </a:ln>
@@ -4902,7 +4827,7 @@
               <a:t>4</a:t>
             </a:r>
             <a:r>
-              <a:rPr kumimoji="1" lang="ja-JP" altLang="en-US" sz="1200" b="0" i="0" u="none" strike="noStrike" kern="0" cap="none" spc="0" normalizeH="0" baseline="0" noProof="0" dirty="0" smtClean="0">
+              <a:rPr kumimoji="1" lang="ja-JP" altLang="en-US" sz="1200" b="0" i="0" u="none" strike="noStrike" kern="0" cap="none" spc="0" normalizeH="0" baseline="0" noProof="0" dirty="0">
                 <a:ln>
                   <a:noFill/>
                 </a:ln>
@@ -4997,14 +4922,14 @@
           <a:p>
             <a:pPr lvl="0"/>
             <a:r>
-              <a:rPr kumimoji="1" lang="ja-JP" altLang="en-US" dirty="0" smtClean="0"/>
+              <a:rPr kumimoji="1" lang="ja-JP" altLang="en-US" dirty="0"/>
               <a:t>本文を入力</a:t>
             </a:r>
           </a:p>
           <a:p>
             <a:pPr lvl="1"/>
             <a:r>
-              <a:rPr kumimoji="1" lang="ja-JP" altLang="en-US" sz="1600" b="0" i="0" u="none" strike="noStrike" kern="0" cap="none" spc="0" normalizeH="0" baseline="0" noProof="0" dirty="0" smtClean="0">
+              <a:rPr kumimoji="1" lang="ja-JP" altLang="en-US" sz="1600" b="0" i="0" u="none" strike="noStrike" kern="0" cap="none" spc="0" normalizeH="0" baseline="0" noProof="0" dirty="0">
                 <a:ln>
                   <a:noFill/>
                 </a:ln>
@@ -5020,7 +4945,7 @@
               <a:t>第</a:t>
             </a:r>
             <a:r>
-              <a:rPr kumimoji="1" lang="en-US" altLang="ja-JP" sz="1600" b="0" i="0" u="none" strike="noStrike" kern="0" cap="none" spc="0" normalizeH="0" baseline="0" noProof="0" dirty="0" smtClean="0">
+              <a:rPr kumimoji="1" lang="en-US" altLang="ja-JP" sz="1600" b="0" i="0" u="none" strike="noStrike" kern="0" cap="none" spc="0" normalizeH="0" baseline="0" noProof="0" dirty="0">
                 <a:ln>
                   <a:noFill/>
                 </a:ln>
@@ -5036,7 +4961,7 @@
               <a:t>2</a:t>
             </a:r>
             <a:r>
-              <a:rPr kumimoji="1" lang="ja-JP" altLang="en-US" sz="1600" b="0" i="0" u="none" strike="noStrike" kern="0" cap="none" spc="0" normalizeH="0" baseline="0" noProof="0" dirty="0" smtClean="0">
+              <a:rPr kumimoji="1" lang="ja-JP" altLang="en-US" sz="1600" b="0" i="0" u="none" strike="noStrike" kern="0" cap="none" spc="0" normalizeH="0" baseline="0" noProof="0" dirty="0">
                 <a:ln>
                   <a:noFill/>
                 </a:ln>
@@ -5055,7 +4980,7 @@
           <a:p>
             <a:pPr lvl="2"/>
             <a:r>
-              <a:rPr kumimoji="1" lang="ja-JP" altLang="en-US" sz="1400" b="0" i="0" u="none" strike="noStrike" kern="0" cap="none" spc="0" normalizeH="0" baseline="0" noProof="0" dirty="0" smtClean="0">
+              <a:rPr kumimoji="1" lang="ja-JP" altLang="en-US" sz="1400" b="0" i="0" u="none" strike="noStrike" kern="0" cap="none" spc="0" normalizeH="0" baseline="0" noProof="0" dirty="0">
                 <a:ln>
                   <a:noFill/>
                 </a:ln>
@@ -5071,7 +4996,7 @@
               <a:t>第</a:t>
             </a:r>
             <a:r>
-              <a:rPr kumimoji="1" lang="en-US" altLang="ja-JP" sz="1400" b="0" i="0" u="none" strike="noStrike" kern="0" cap="none" spc="0" normalizeH="0" baseline="0" noProof="0" dirty="0" smtClean="0">
+              <a:rPr kumimoji="1" lang="en-US" altLang="ja-JP" sz="1400" b="0" i="0" u="none" strike="noStrike" kern="0" cap="none" spc="0" normalizeH="0" baseline="0" noProof="0" dirty="0">
                 <a:ln>
                   <a:noFill/>
                 </a:ln>
@@ -5087,7 +5012,7 @@
               <a:t>3</a:t>
             </a:r>
             <a:r>
-              <a:rPr kumimoji="1" lang="ja-JP" altLang="en-US" sz="1400" b="0" i="0" u="none" strike="noStrike" kern="0" cap="none" spc="0" normalizeH="0" baseline="0" noProof="0" dirty="0" smtClean="0">
+              <a:rPr kumimoji="1" lang="ja-JP" altLang="en-US" sz="1400" b="0" i="0" u="none" strike="noStrike" kern="0" cap="none" spc="0" normalizeH="0" baseline="0" noProof="0" dirty="0">
                 <a:ln>
                   <a:noFill/>
                 </a:ln>
@@ -5106,7 +5031,7 @@
           <a:p>
             <a:pPr lvl="3"/>
             <a:r>
-              <a:rPr kumimoji="1" lang="ja-JP" altLang="en-US" sz="1200" b="0" i="0" u="none" strike="noStrike" kern="0" cap="none" spc="0" normalizeH="0" baseline="0" noProof="0" dirty="0" smtClean="0">
+              <a:rPr kumimoji="1" lang="ja-JP" altLang="en-US" sz="1200" b="0" i="0" u="none" strike="noStrike" kern="0" cap="none" spc="0" normalizeH="0" baseline="0" noProof="0" dirty="0">
                 <a:ln>
                   <a:noFill/>
                 </a:ln>
@@ -5122,7 +5047,7 @@
               <a:t>第</a:t>
             </a:r>
             <a:r>
-              <a:rPr kumimoji="1" lang="en-US" altLang="ja-JP" sz="1200" b="0" i="0" u="none" strike="noStrike" kern="0" cap="none" spc="0" normalizeH="0" baseline="0" noProof="0" dirty="0" smtClean="0">
+              <a:rPr kumimoji="1" lang="en-US" altLang="ja-JP" sz="1200" b="0" i="0" u="none" strike="noStrike" kern="0" cap="none" spc="0" normalizeH="0" baseline="0" noProof="0" dirty="0">
                 <a:ln>
                   <a:noFill/>
                 </a:ln>
@@ -5138,7 +5063,7 @@
               <a:t>4</a:t>
             </a:r>
             <a:r>
-              <a:rPr kumimoji="1" lang="ja-JP" altLang="en-US" sz="1200" b="0" i="0" u="none" strike="noStrike" kern="0" cap="none" spc="0" normalizeH="0" baseline="0" noProof="0" dirty="0" smtClean="0">
+              <a:rPr kumimoji="1" lang="ja-JP" altLang="en-US" sz="1200" b="0" i="0" u="none" strike="noStrike" kern="0" cap="none" spc="0" normalizeH="0" baseline="0" noProof="0" dirty="0">
                 <a:ln>
                   <a:noFill/>
                 </a:ln>
@@ -5166,13 +5091,6 @@
   <p:clrMapOvr>
     <a:masterClrMapping/>
   </p:clrMapOvr>
-  <p:timing>
-    <p:tnLst>
-      <p:par>
-        <p:cTn id="1" dur="indefinite" restart="never" nodeType="tmRoot"/>
-      </p:par>
-    </p:tnLst>
-  </p:timing>
 </p:sldLayout>
 </file>
 
@@ -5203,13 +5121,6 @@
   <p:clrMapOvr>
     <a:masterClrMapping/>
   </p:clrMapOvr>
-  <p:timing>
-    <p:tnLst>
-      <p:par>
-        <p:cTn id="1" dur="indefinite" restart="never" nodeType="tmRoot"/>
-      </p:par>
-    </p:tnLst>
-  </p:timing>
 </p:sldLayout>
 </file>
 
@@ -5291,10 +5202,9 @@
           </a:lstStyle>
           <a:p>
             <a:r>
-              <a:rPr kumimoji="1" lang="ja-JP" altLang="en-US" dirty="0" smtClean="0"/>
+              <a:rPr kumimoji="1" lang="ja-JP" altLang="en-US" dirty="0"/>
               <a:t>タイトルを入力</a:t>
             </a:r>
-            <a:endParaRPr kumimoji="1" lang="ja-JP" altLang="en-US" dirty="0"/>
           </a:p>
         </p:txBody>
       </p:sp>
@@ -5343,53 +5253,53 @@
           <a:p>
             <a:pPr lvl="0"/>
             <a:r>
-              <a:rPr kumimoji="1" lang="ja-JP" altLang="en-US" dirty="0" smtClean="0"/>
+              <a:rPr kumimoji="1" lang="ja-JP" altLang="en-US" dirty="0"/>
               <a:t>サブタイトルを入力</a:t>
             </a:r>
-            <a:endParaRPr kumimoji="1" lang="en-US" altLang="ja-JP" dirty="0" smtClean="0"/>
+            <a:endParaRPr kumimoji="1" lang="en-US" altLang="ja-JP" dirty="0"/>
           </a:p>
           <a:p>
             <a:pPr lvl="1"/>
             <a:r>
-              <a:rPr kumimoji="1" lang="ja-JP" altLang="en-US" dirty="0" smtClean="0"/>
+              <a:rPr kumimoji="1" lang="ja-JP" altLang="en-US" dirty="0"/>
               <a:t>第 </a:t>
             </a:r>
             <a:r>
-              <a:rPr kumimoji="1" lang="en-US" altLang="ja-JP" dirty="0" smtClean="0"/>
+              <a:rPr kumimoji="1" lang="en-US" altLang="ja-JP" dirty="0"/>
               <a:t>2 </a:t>
             </a:r>
             <a:r>
-              <a:rPr kumimoji="1" lang="ja-JP" altLang="en-US" dirty="0" smtClean="0"/>
+              <a:rPr kumimoji="1" lang="ja-JP" altLang="en-US" dirty="0"/>
               <a:t>レベル</a:t>
             </a:r>
           </a:p>
           <a:p>
             <a:pPr lvl="2"/>
             <a:r>
-              <a:rPr kumimoji="1" lang="ja-JP" altLang="en-US" dirty="0" smtClean="0"/>
+              <a:rPr kumimoji="1" lang="ja-JP" altLang="en-US" dirty="0"/>
               <a:t>第 </a:t>
             </a:r>
             <a:r>
-              <a:rPr kumimoji="1" lang="en-US" altLang="ja-JP" dirty="0" smtClean="0"/>
+              <a:rPr kumimoji="1" lang="en-US" altLang="ja-JP" dirty="0"/>
               <a:t>3 </a:t>
             </a:r>
             <a:r>
-              <a:rPr kumimoji="1" lang="ja-JP" altLang="en-US" dirty="0" smtClean="0"/>
+              <a:rPr kumimoji="1" lang="ja-JP" altLang="en-US" dirty="0"/>
               <a:t>レベル</a:t>
             </a:r>
           </a:p>
           <a:p>
             <a:pPr lvl="3"/>
             <a:r>
-              <a:rPr kumimoji="1" lang="ja-JP" altLang="en-US" dirty="0" smtClean="0"/>
+              <a:rPr kumimoji="1" lang="ja-JP" altLang="en-US" dirty="0"/>
               <a:t>第 </a:t>
             </a:r>
             <a:r>
-              <a:rPr kumimoji="1" lang="en-US" altLang="ja-JP" dirty="0" smtClean="0"/>
+              <a:rPr kumimoji="1" lang="en-US" altLang="ja-JP" dirty="0"/>
               <a:t>4 </a:t>
             </a:r>
             <a:r>
-              <a:rPr kumimoji="1" lang="ja-JP" altLang="en-US" dirty="0" smtClean="0"/>
+              <a:rPr kumimoji="1" lang="ja-JP" altLang="en-US" dirty="0"/>
               <a:t>レベル</a:t>
             </a:r>
           </a:p>
@@ -5405,13 +5315,6 @@
   <p:clrMapOvr>
     <a:masterClrMapping/>
   </p:clrMapOvr>
-  <p:timing>
-    <p:tnLst>
-      <p:par>
-        <p:cTn id="1" dur="indefinite" restart="never" nodeType="tmRoot"/>
-      </p:par>
-    </p:tnLst>
-  </p:timing>
 </p:sldLayout>
 </file>
 
@@ -5496,10 +5399,9 @@
           </a:lstStyle>
           <a:p>
             <a:r>
-              <a:rPr kumimoji="1" lang="ja-JP" altLang="en-US" dirty="0" smtClean="0"/>
+              <a:rPr kumimoji="1" lang="ja-JP" altLang="en-US" dirty="0"/>
               <a:t>目次 のタイトルを入力</a:t>
             </a:r>
-            <a:endParaRPr kumimoji="1" lang="ja-JP" altLang="en-US" dirty="0"/>
           </a:p>
         </p:txBody>
       </p:sp>
@@ -5588,53 +5490,53 @@
           <a:p>
             <a:pPr lvl="0"/>
             <a:r>
-              <a:rPr kumimoji="1" lang="ja-JP" altLang="en-US" dirty="0" smtClean="0"/>
+              <a:rPr kumimoji="1" lang="ja-JP" altLang="en-US" dirty="0"/>
               <a:t>項目を入力</a:t>
             </a:r>
-            <a:endParaRPr kumimoji="1" lang="en-US" altLang="ja-JP" dirty="0" smtClean="0"/>
+            <a:endParaRPr kumimoji="1" lang="en-US" altLang="ja-JP" dirty="0"/>
           </a:p>
           <a:p>
             <a:pPr lvl="1"/>
             <a:r>
-              <a:rPr kumimoji="1" lang="ja-JP" altLang="en-US" dirty="0" smtClean="0"/>
+              <a:rPr kumimoji="1" lang="ja-JP" altLang="en-US" dirty="0"/>
               <a:t>第</a:t>
             </a:r>
             <a:r>
-              <a:rPr kumimoji="1" lang="en-US" altLang="ja-JP" dirty="0" smtClean="0"/>
+              <a:rPr kumimoji="1" lang="en-US" altLang="ja-JP" dirty="0"/>
               <a:t>2</a:t>
             </a:r>
             <a:r>
-              <a:rPr kumimoji="1" lang="ja-JP" altLang="en-US" dirty="0" smtClean="0"/>
+              <a:rPr kumimoji="1" lang="ja-JP" altLang="en-US" dirty="0"/>
               <a:t>レベル</a:t>
             </a:r>
           </a:p>
           <a:p>
             <a:pPr lvl="2"/>
             <a:r>
-              <a:rPr kumimoji="1" lang="ja-JP" altLang="en-US" dirty="0" smtClean="0"/>
+              <a:rPr kumimoji="1" lang="ja-JP" altLang="en-US" dirty="0"/>
               <a:t>第</a:t>
             </a:r>
             <a:r>
-              <a:rPr kumimoji="1" lang="en-US" altLang="ja-JP" dirty="0" smtClean="0"/>
+              <a:rPr kumimoji="1" lang="en-US" altLang="ja-JP" dirty="0"/>
               <a:t>3</a:t>
             </a:r>
             <a:r>
-              <a:rPr kumimoji="1" lang="ja-JP" altLang="en-US" dirty="0" smtClean="0"/>
+              <a:rPr kumimoji="1" lang="ja-JP" altLang="en-US" dirty="0"/>
               <a:t>レベル</a:t>
             </a:r>
           </a:p>
           <a:p>
             <a:pPr lvl="3"/>
             <a:r>
-              <a:rPr kumimoji="1" lang="ja-JP" altLang="en-US" dirty="0" smtClean="0"/>
+              <a:rPr kumimoji="1" lang="ja-JP" altLang="en-US" dirty="0"/>
               <a:t>第</a:t>
             </a:r>
             <a:r>
-              <a:rPr kumimoji="1" lang="en-US" altLang="ja-JP" dirty="0" smtClean="0"/>
+              <a:rPr kumimoji="1" lang="en-US" altLang="ja-JP" dirty="0"/>
               <a:t>4</a:t>
             </a:r>
             <a:r>
-              <a:rPr kumimoji="1" lang="ja-JP" altLang="en-US" dirty="0" smtClean="0"/>
+              <a:rPr kumimoji="1" lang="ja-JP" altLang="en-US" dirty="0"/>
               <a:t>レベル</a:t>
             </a:r>
           </a:p>
@@ -5650,13 +5552,6 @@
   <p:clrMapOvr>
     <a:masterClrMapping/>
   </p:clrMapOvr>
-  <p:timing>
-    <p:tnLst>
-      <p:par>
-        <p:cTn id="1" dur="indefinite" restart="never" nodeType="tmRoot"/>
-      </p:par>
-    </p:tnLst>
-  </p:timing>
 </p:sldLayout>
 </file>
 
@@ -5741,10 +5636,9 @@
           <a:lstStyle/>
           <a:p>
             <a:r>
-              <a:rPr kumimoji="1" lang="ja-JP" altLang="en-US" dirty="0" smtClean="0"/>
+              <a:rPr kumimoji="1" lang="ja-JP" altLang="en-US" dirty="0"/>
               <a:t>マスター タイトルの書式設定</a:t>
             </a:r>
-            <a:endParaRPr kumimoji="1" lang="ja-JP" altLang="en-US" dirty="0"/>
           </a:p>
         </p:txBody>
       </p:sp>
@@ -5775,52 +5669,52 @@
           <a:p>
             <a:pPr lvl="0"/>
             <a:r>
-              <a:rPr kumimoji="1" lang="ja-JP" altLang="en-US" dirty="0" smtClean="0"/>
+              <a:rPr kumimoji="1" lang="ja-JP" altLang="en-US" dirty="0"/>
               <a:t>マスター テキストの書式設定</a:t>
             </a:r>
           </a:p>
           <a:p>
             <a:pPr lvl="1"/>
             <a:r>
-              <a:rPr kumimoji="1" lang="ja-JP" altLang="en-US" dirty="0" smtClean="0"/>
+              <a:rPr kumimoji="1" lang="ja-JP" altLang="en-US" dirty="0"/>
               <a:t>第</a:t>
             </a:r>
             <a:r>
-              <a:rPr kumimoji="1" lang="en-US" altLang="ja-JP" dirty="0" smtClean="0"/>
+              <a:rPr kumimoji="1" lang="en-US" altLang="ja-JP" dirty="0"/>
               <a:t>2</a:t>
             </a:r>
             <a:r>
-              <a:rPr kumimoji="1" lang="ja-JP" altLang="en-US" dirty="0" smtClean="0"/>
+              <a:rPr kumimoji="1" lang="ja-JP" altLang="en-US" dirty="0"/>
               <a:t>レベル</a:t>
             </a:r>
           </a:p>
           <a:p>
             <a:pPr lvl="2"/>
             <a:r>
-              <a:rPr kumimoji="1" lang="ja-JP" altLang="en-US" dirty="0" smtClean="0"/>
+              <a:rPr kumimoji="1" lang="ja-JP" altLang="en-US" dirty="0"/>
               <a:t>第</a:t>
             </a:r>
             <a:r>
-              <a:rPr kumimoji="1" lang="en-US" altLang="ja-JP" dirty="0" smtClean="0"/>
+              <a:rPr kumimoji="1" lang="en-US" altLang="ja-JP" dirty="0"/>
               <a:t>3</a:t>
             </a:r>
             <a:r>
-              <a:rPr kumimoji="1" lang="ja-JP" altLang="en-US" dirty="0" smtClean="0"/>
+              <a:rPr kumimoji="1" lang="ja-JP" altLang="en-US" dirty="0"/>
               <a:t>レベル</a:t>
             </a:r>
           </a:p>
           <a:p>
             <a:pPr lvl="3"/>
             <a:r>
-              <a:rPr kumimoji="1" lang="ja-JP" altLang="en-US" dirty="0" smtClean="0"/>
+              <a:rPr kumimoji="1" lang="ja-JP" altLang="en-US" dirty="0"/>
               <a:t>第</a:t>
             </a:r>
             <a:r>
-              <a:rPr kumimoji="1" lang="en-US" altLang="ja-JP" dirty="0" smtClean="0"/>
+              <a:rPr kumimoji="1" lang="en-US" altLang="ja-JP" dirty="0"/>
               <a:t>4</a:t>
             </a:r>
             <a:r>
-              <a:rPr kumimoji="1" lang="ja-JP" altLang="en-US" dirty="0" smtClean="0"/>
+              <a:rPr kumimoji="1" lang="ja-JP" altLang="en-US" dirty="0"/>
               <a:t>レベル</a:t>
             </a:r>
           </a:p>
@@ -5899,7 +5793,7 @@
               </a:pPr>
               <a:t>‹#›</a:t>
             </a:fld>
-            <a:endParaRPr kumimoji="1" lang="ja-JP" altLang="en-US" sz="1000" b="0" i="0" u="none" strike="noStrike" kern="1200" cap="none" spc="0" normalizeH="0" baseline="0" noProof="0" dirty="0" smtClean="0">
+            <a:endParaRPr kumimoji="1" lang="ja-JP" altLang="en-US" sz="1000" b="0" i="0" u="none" strike="noStrike" kern="1200" cap="none" spc="0" normalizeH="0" baseline="0" noProof="0" dirty="0">
               <a:ln>
                 <a:noFill/>
               </a:ln>
@@ -5956,7 +5850,7 @@
               <a:defRPr/>
             </a:pPr>
             <a:r>
-              <a:rPr kumimoji="1" lang="en-US" altLang="ja-JP" sz="800" b="0" i="0" u="none" strike="noStrike" kern="1200" cap="none" spc="0" normalizeH="0" baseline="0" noProof="0" dirty="0" smtClean="0">
+              <a:rPr kumimoji="1" lang="en-US" altLang="ja-JP" sz="800" b="0" i="0" u="none" strike="noStrike" kern="1200" cap="none" spc="0" normalizeH="0" baseline="0" noProof="0" dirty="0">
                 <a:ln>
                   <a:noFill/>
                 </a:ln>
@@ -5995,13 +5889,6 @@
     <p:sldLayoutId id="2147483701" r:id="rId9"/>
     <p:sldLayoutId id="2147483702" r:id="rId10"/>
   </p:sldLayoutIdLst>
-  <p:timing>
-    <p:tnLst>
-      <p:par>
-        <p:cTn id="1" dur="indefinite" restart="never" nodeType="tmRoot"/>
-      </p:par>
-    </p:tnLst>
-  </p:timing>
   <p:hf sldNum="0" hdr="0" ftr="0" dt="0"/>
   <p:txStyles>
     <p:titleStyle>
@@ -6455,10 +6342,9 @@
           <a:lstStyle/>
           <a:p>
             <a:r>
-              <a:rPr kumimoji="1" lang="ja-JP" altLang="en-US" smtClean="0"/>
+              <a:rPr kumimoji="1" lang="ja-JP" altLang="en-US"/>
               <a:t>マスター タイトルの書式設定</a:t>
             </a:r>
-            <a:endParaRPr kumimoji="1" lang="ja-JP" altLang="en-US"/>
           </a:p>
         </p:txBody>
       </p:sp>
@@ -6489,70 +6375,69 @@
           <a:p>
             <a:pPr lvl="0"/>
             <a:r>
-              <a:rPr kumimoji="1" lang="ja-JP" altLang="en-US" smtClean="0"/>
+              <a:rPr kumimoji="1" lang="ja-JP" altLang="en-US"/>
               <a:t>マスター テキストの書式設定</a:t>
             </a:r>
           </a:p>
           <a:p>
             <a:pPr lvl="1"/>
             <a:r>
-              <a:rPr kumimoji="1" lang="ja-JP" altLang="en-US" smtClean="0"/>
+              <a:rPr kumimoji="1" lang="ja-JP" altLang="en-US"/>
               <a:t>第 </a:t>
             </a:r>
             <a:r>
-              <a:rPr kumimoji="1" lang="en-US" altLang="ja-JP" smtClean="0"/>
+              <a:rPr kumimoji="1" lang="en-US" altLang="ja-JP"/>
               <a:t>2 </a:t>
             </a:r>
             <a:r>
-              <a:rPr kumimoji="1" lang="ja-JP" altLang="en-US" smtClean="0"/>
+              <a:rPr kumimoji="1" lang="ja-JP" altLang="en-US"/>
               <a:t>レベル</a:t>
             </a:r>
           </a:p>
           <a:p>
             <a:pPr lvl="2"/>
             <a:r>
-              <a:rPr kumimoji="1" lang="ja-JP" altLang="en-US" smtClean="0"/>
+              <a:rPr kumimoji="1" lang="ja-JP" altLang="en-US"/>
               <a:t>第 </a:t>
             </a:r>
             <a:r>
-              <a:rPr kumimoji="1" lang="en-US" altLang="ja-JP" smtClean="0"/>
+              <a:rPr kumimoji="1" lang="en-US" altLang="ja-JP"/>
               <a:t>3 </a:t>
             </a:r>
             <a:r>
-              <a:rPr kumimoji="1" lang="ja-JP" altLang="en-US" smtClean="0"/>
+              <a:rPr kumimoji="1" lang="ja-JP" altLang="en-US"/>
               <a:t>レベル</a:t>
             </a:r>
           </a:p>
           <a:p>
             <a:pPr lvl="3"/>
             <a:r>
-              <a:rPr kumimoji="1" lang="ja-JP" altLang="en-US" smtClean="0"/>
+              <a:rPr kumimoji="1" lang="ja-JP" altLang="en-US"/>
               <a:t>第 </a:t>
             </a:r>
             <a:r>
-              <a:rPr kumimoji="1" lang="en-US" altLang="ja-JP" smtClean="0"/>
+              <a:rPr kumimoji="1" lang="en-US" altLang="ja-JP"/>
               <a:t>4 </a:t>
             </a:r>
             <a:r>
-              <a:rPr kumimoji="1" lang="ja-JP" altLang="en-US" smtClean="0"/>
+              <a:rPr kumimoji="1" lang="ja-JP" altLang="en-US"/>
               <a:t>レベル</a:t>
             </a:r>
           </a:p>
           <a:p>
             <a:pPr lvl="4"/>
             <a:r>
-              <a:rPr kumimoji="1" lang="ja-JP" altLang="en-US" smtClean="0"/>
+              <a:rPr kumimoji="1" lang="ja-JP" altLang="en-US"/>
               <a:t>第 </a:t>
             </a:r>
             <a:r>
-              <a:rPr kumimoji="1" lang="en-US" altLang="ja-JP" smtClean="0"/>
+              <a:rPr kumimoji="1" lang="en-US" altLang="ja-JP"/>
               <a:t>5 </a:t>
             </a:r>
             <a:r>
-              <a:rPr kumimoji="1" lang="ja-JP" altLang="en-US" smtClean="0"/>
+              <a:rPr kumimoji="1" lang="ja-JP" altLang="en-US"/>
               <a:t>レベル</a:t>
             </a:r>
-            <a:endParaRPr kumimoji="1" lang="ja-JP" altLang="en-US"/>
           </a:p>
         </p:txBody>
       </p:sp>
@@ -6591,7 +6476,7 @@
           <a:p>
             <a:fld id="{56F9016B-CCA6-43BE-8BEE-59565A35F4F7}" type="datetimeFigureOut">
               <a:rPr kumimoji="1" lang="ja-JP" altLang="en-US" smtClean="0"/>
-              <a:t>2022/6/8</a:t>
+              <a:t>2022/7/26</a:t>
             </a:fld>
             <a:endParaRPr kumimoji="1" lang="ja-JP" altLang="en-US"/>
           </a:p>
@@ -6696,13 +6581,6 @@
     <p:sldLayoutId id="2147483713" r:id="rId10"/>
     <p:sldLayoutId id="2147483714" r:id="rId11"/>
   </p:sldLayoutIdLst>
-  <p:timing>
-    <p:tnLst>
-      <p:par>
-        <p:cTn id="1" dur="indefinite" restart="never" nodeType="tmRoot"/>
-      </p:par>
-    </p:tnLst>
-  </p:timing>
   <p:txStyles>
     <p:titleStyle>
       <a:lvl1pPr algn="l" defTabSz="914400" rtl="0" eaLnBrk="1" latinLnBrk="0" hangingPunct="1">
@@ -7025,13 +6903,8 @@
           <a:p>
             <a:r>
               <a:rPr lang="en-US" altLang="ja-JP" dirty="0"/>
-              <a:t>Exastro IT Automation Version </a:t>
-            </a:r>
-            <a:r>
-              <a:rPr lang="en-US" altLang="ja-JP" dirty="0" smtClean="0"/>
-              <a:t>1.10</a:t>
-            </a:r>
-            <a:endParaRPr lang="en-US" altLang="ja-JP" dirty="0"/>
+              <a:t>Exastro IT Automation Version 1.10</a:t>
+            </a:r>
           </a:p>
           <a:p>
             <a:r>
@@ -7213,13 +7086,9 @@
           <a:p>
             <a:r>
               <a:rPr lang="en-US" altLang="ja-JP" sz="4800" b="1" dirty="0"/>
-              <a:t>V</a:t>
-            </a:r>
-            <a:r>
-              <a:rPr lang="en-US" altLang="ja-JP" sz="4800" b="1" dirty="0" smtClean="0"/>
-              <a:t>ersion update</a:t>
-            </a:r>
-            <a:endParaRPr lang="en-US" altLang="ja-JP" sz="4800" b="1" kern="0" spc="-150" dirty="0" smtClean="0">
+              <a:t>Version update</a:t>
+            </a:r>
+            <a:endParaRPr lang="en-US" altLang="ja-JP" sz="4800" b="1" kern="0" spc="-150" dirty="0">
               <a:solidFill>
                 <a:schemeClr val="tx2">
                   <a:lumMod val="75000"/>
@@ -7510,13 +7379,6 @@
   <p:clrMapOvr>
     <a:masterClrMapping/>
   </p:clrMapOvr>
-  <p:timing>
-    <p:tnLst>
-      <p:par>
-        <p:cTn id="1" dur="indefinite" restart="never" nodeType="tmRoot"/>
-      </p:par>
-    </p:tnLst>
-  </p:timing>
 </p:sld>
 </file>
 
@@ -7553,27 +7415,27 @@
           <a:lstStyle/>
           <a:p>
             <a:r>
-              <a:rPr lang="en-US" altLang="ja-JP" dirty="0" smtClean="0"/>
+              <a:rPr lang="en-US" altLang="ja-JP" dirty="0"/>
               <a:t>3.3</a:t>
             </a:r>
             <a:r>
-              <a:rPr kumimoji="1" lang="ja-JP" altLang="en-US" dirty="0" smtClean="0"/>
+              <a:rPr kumimoji="1" lang="ja-JP" altLang="en-US" dirty="0"/>
               <a:t>　</a:t>
             </a:r>
             <a:r>
-              <a:rPr lang="en-US" altLang="ja-JP" dirty="0" smtClean="0"/>
+              <a:rPr lang="en-US" altLang="ja-JP" dirty="0"/>
               <a:t>Update</a:t>
             </a:r>
             <a:r>
-              <a:rPr lang="ja-JP" altLang="en-US" dirty="0" smtClean="0"/>
+              <a:rPr lang="ja-JP" altLang="en-US" dirty="0"/>
               <a:t>（</a:t>
             </a:r>
             <a:r>
-              <a:rPr lang="en-US" altLang="ja-JP" dirty="0" smtClean="0"/>
+              <a:rPr lang="en-US" altLang="ja-JP" dirty="0"/>
               <a:t>1/9</a:t>
             </a:r>
             <a:r>
-              <a:rPr lang="ja-JP" altLang="en-US" dirty="0" smtClean="0"/>
+              <a:rPr lang="ja-JP" altLang="en-US" dirty="0"/>
               <a:t>）</a:t>
             </a:r>
             <a:endParaRPr kumimoji="1" lang="ja-JP" altLang="en-US" dirty="0"/>
@@ -7598,7 +7460,7 @@
         </p:spPr>
         <p:txBody>
           <a:bodyPr>
-            <a:normAutofit fontScale="92500" lnSpcReduction="20000"/>
+            <a:normAutofit fontScale="85000" lnSpcReduction="20000"/>
           </a:bodyPr>
           <a:lstStyle/>
           <a:p>
@@ -7606,7 +7468,7 @@
               <a:buNone/>
             </a:pPr>
             <a:r>
-              <a:rPr lang="en-US" altLang="ja-JP" dirty="0" smtClean="0"/>
+              <a:rPr lang="en-US" altLang="ja-JP" dirty="0"/>
               <a:t>*Make sure to start the update as root user.</a:t>
             </a:r>
           </a:p>
@@ -7614,109 +7476,131 @@
             <a:pPr marL="0" indent="0">
               <a:buNone/>
             </a:pPr>
-            <a:endParaRPr lang="en-US" altLang="ja-JP" dirty="0" smtClean="0"/>
-          </a:p>
-          <a:p>
-            <a:r>
-              <a:rPr lang="en-US" altLang="ja-JP" dirty="0" smtClean="0"/>
+            <a:endParaRPr lang="en-US" altLang="ja-JP" dirty="0"/>
+          </a:p>
+          <a:p>
+            <a:r>
+              <a:rPr lang="en-US" altLang="ja-JP" dirty="0"/>
               <a:t>Back up ITA environment</a:t>
             </a:r>
           </a:p>
           <a:p>
             <a:pPr lvl="1"/>
             <a:r>
-              <a:rPr lang="en-US" altLang="ja-JP" dirty="0" smtClean="0"/>
+              <a:rPr lang="en-US" altLang="ja-JP" dirty="0"/>
               <a:t>Please back up ITA environment before update.</a:t>
-            </a:r>
-            <a:br>
-              <a:rPr lang="en-US" altLang="ja-JP" dirty="0" smtClean="0"/>
-            </a:br>
-            <a:r>
-              <a:rPr lang="en-US" altLang="ja-JP" dirty="0" smtClean="0"/>
-              <a:t/>
-            </a:r>
-            <a:br>
-              <a:rPr lang="en-US" altLang="ja-JP" dirty="0" smtClean="0"/>
-            </a:br>
-            <a:endParaRPr lang="en-US" altLang="ja-JP" dirty="0" smtClean="0"/>
-          </a:p>
-          <a:p>
-            <a:r>
-              <a:rPr lang="en-US" altLang="ja-JP" dirty="0" smtClean="0"/>
-              <a:t>Download file from </a:t>
-            </a:r>
-            <a:r>
-              <a:rPr lang="en-US" altLang="ja-JP" dirty="0" err="1" smtClean="0"/>
-              <a:t>Github</a:t>
-            </a:r>
-            <a:endParaRPr lang="en-US" altLang="ja-JP" dirty="0"/>
-          </a:p>
-          <a:p>
-            <a:pPr lvl="1"/>
-            <a:r>
-              <a:rPr lang="en-US" altLang="ja-JP" dirty="0" smtClean="0"/>
-              <a:t>Download file with the following command</a:t>
-            </a:r>
-            <a:r>
-              <a:rPr lang="en-US" altLang="ja-JP" dirty="0"/>
-              <a:t/>
             </a:r>
             <a:br>
               <a:rPr lang="en-US" altLang="ja-JP" dirty="0"/>
             </a:br>
-            <a:r>
-              <a:rPr lang="en-US" altLang="ja-JP" dirty="0"/>
-              <a:t/>
-            </a:r>
             <a:br>
               <a:rPr lang="en-US" altLang="ja-JP" dirty="0"/>
             </a:br>
-            <a:r>
-              <a:rPr lang="en-US" altLang="ja-JP" sz="1200" dirty="0"/>
-              <a:t># curl -OL https://github.com/exastro-suite/it-automation/releases/download/v</a:t>
-            </a:r>
-            <a:r>
-              <a:rPr lang="en-US" altLang="ja-JP" sz="1200" dirty="0">
-                <a:solidFill>
-                  <a:srgbClr val="FF0000"/>
-                </a:solidFill>
-              </a:rPr>
-              <a:t>x.x.x</a:t>
-            </a:r>
-            <a:r>
-              <a:rPr lang="en-US" altLang="ja-JP" sz="1200" dirty="0"/>
-              <a:t>/exastro-it-automation-</a:t>
-            </a:r>
-            <a:r>
-              <a:rPr lang="en-US" altLang="ja-JP" sz="1200" dirty="0">
-                <a:solidFill>
-                  <a:srgbClr val="FF0000"/>
-                </a:solidFill>
-              </a:rPr>
-              <a:t>x.x.x</a:t>
-            </a:r>
-            <a:r>
-              <a:rPr lang="en-US" altLang="ja-JP" sz="1200" dirty="0"/>
-              <a:t>.tar.gz</a:t>
-            </a:r>
+            <a:endParaRPr lang="en-US" altLang="ja-JP" dirty="0"/>
+          </a:p>
+          <a:p>
             <a:r>
               <a:rPr lang="en-US" altLang="ja-JP" dirty="0"/>
-              <a:t/>
+              <a:t>Download file from </a:t>
+            </a:r>
+            <a:r>
+              <a:rPr lang="en-US" altLang="ja-JP" dirty="0" err="1"/>
+              <a:t>Github</a:t>
+            </a:r>
+            <a:endParaRPr lang="en-US" altLang="ja-JP" dirty="0"/>
+          </a:p>
+          <a:p>
+            <a:pPr lvl="1"/>
+            <a:r>
+              <a:rPr lang="en-US" altLang="ja-JP" dirty="0"/>
+              <a:t>Download file with the following command</a:t>
             </a:r>
             <a:br>
               <a:rPr lang="en-US" altLang="ja-JP" dirty="0"/>
             </a:br>
-            <a:r>
-              <a:rPr lang="en-US" altLang="ja-JP" dirty="0"/>
-              <a:t/>
-            </a:r>
             <a:br>
               <a:rPr lang="en-US" altLang="ja-JP" dirty="0"/>
             </a:br>
             <a:r>
-              <a:rPr lang="en-US" altLang="ja-JP" dirty="0" smtClean="0"/>
-              <a:t>※Please install curl command beforehand.</a:t>
-            </a:r>
+              <a:rPr lang="en-US" altLang="ja-JP" sz="1600" dirty="0"/>
+              <a:t># </a:t>
+            </a:r>
+            <a:r>
+              <a:rPr lang="en-US" altLang="ja-JP" sz="1200" dirty="0"/>
+              <a:t>curl -OL https://github.com/exastro-suite/it-automation/releases/download/v</a:t>
+            </a:r>
+            <a:r>
+              <a:rPr lang="en-US" altLang="ja-JP" sz="1200" dirty="0">
+                <a:solidFill>
+                  <a:srgbClr val="FF0000"/>
+                </a:solidFill>
+              </a:rPr>
+              <a:t>x.x.x</a:t>
+            </a:r>
+            <a:r>
+              <a:rPr lang="en-US" altLang="ja-JP" sz="1200" dirty="0"/>
+              <a:t>/exastro-it-automation-</a:t>
+            </a:r>
+            <a:r>
+              <a:rPr lang="en-US" altLang="ja-JP" sz="1200" dirty="0">
+                <a:solidFill>
+                  <a:srgbClr val="FF0000"/>
+                </a:solidFill>
+              </a:rPr>
+              <a:t>x.x.x</a:t>
+            </a:r>
+            <a:r>
+              <a:rPr lang="en-US" altLang="ja-JP" sz="1200" dirty="0"/>
+              <a:t>.tar.gz</a:t>
+            </a:r>
+            <a:br>
+              <a:rPr lang="en-US" altLang="ja-JP" sz="1600" dirty="0"/>
+            </a:br>
+            <a:br>
+              <a:rPr lang="en-US" altLang="ja-JP" sz="1600" dirty="0"/>
+            </a:br>
+            <a:r>
+              <a:rPr lang="en-US" altLang="ja-JP" sz="1300" dirty="0"/>
+              <a:t>※ Since v1.10.1, the command is as follows.</a:t>
+            </a:r>
+            <a:br>
+              <a:rPr lang="en-US" altLang="ja-JP" sz="1200" dirty="0"/>
+            </a:br>
+            <a:r>
+              <a:rPr lang="en-US" altLang="ja-JP" sz="1600" dirty="0"/>
+              <a:t># </a:t>
+            </a:r>
+            <a:r>
+              <a:rPr lang="en-US" altLang="ja-JP" sz="1200" dirty="0"/>
+              <a:t>curl -OL https://github.com/exastro-suite/it-automation/releases/download/v</a:t>
+            </a:r>
+            <a:r>
+              <a:rPr lang="en-US" altLang="ja-JP" sz="1200" dirty="0">
+                <a:solidFill>
+                  <a:srgbClr val="FF0000"/>
+                </a:solidFill>
+              </a:rPr>
+              <a:t>x.x.x_tag</a:t>
+            </a:r>
+            <a:r>
+              <a:rPr lang="en-US" altLang="ja-JP" sz="1200" dirty="0"/>
+              <a:t>/exastro-it-automation-</a:t>
+            </a:r>
+            <a:r>
+              <a:rPr lang="en-US" altLang="ja-JP" sz="1200" dirty="0">
+                <a:solidFill>
+                  <a:srgbClr val="FF0000"/>
+                </a:solidFill>
+              </a:rPr>
+              <a:t>x.x.x</a:t>
+            </a:r>
+            <a:r>
+              <a:rPr lang="en-US" altLang="ja-JP" sz="1200" dirty="0"/>
+              <a:t>.tar.gz</a:t>
+            </a:r>
+            <a:br>
+              <a:rPr lang="en-US" altLang="ja-JP" dirty="0"/>
+            </a:br>
             <a:endParaRPr lang="en-US" altLang="ja-JP" dirty="0"/>
           </a:p>
           <a:p>
@@ -7724,15 +7608,24 @@
               <a:buNone/>
             </a:pPr>
             <a:r>
-              <a:rPr lang="ja-JP" altLang="en-US" dirty="0" smtClean="0"/>
+              <a:rPr lang="en-US" altLang="ja-JP" dirty="0"/>
+              <a:t>   ※Please install curl command beforehand.</a:t>
+            </a:r>
+          </a:p>
+          <a:p>
+            <a:pPr marL="180000" lvl="1" indent="0">
+              <a:buNone/>
+            </a:pPr>
+            <a:r>
+              <a:rPr lang="ja-JP" altLang="en-US" dirty="0"/>
               <a:t>　</a:t>
             </a:r>
             <a:r>
-              <a:rPr lang="en-US" altLang="ja-JP" dirty="0" smtClean="0"/>
+              <a:rPr lang="en-US" altLang="ja-JP" dirty="0"/>
               <a:t>※</a:t>
             </a:r>
             <a:r>
-              <a:rPr lang="en-US" altLang="ja-JP" dirty="0" smtClean="0">
+              <a:rPr lang="en-US" altLang="ja-JP" dirty="0">
                 <a:solidFill>
                   <a:srgbClr val="FF0000"/>
                 </a:solidFill>
@@ -7740,7 +7633,7 @@
               <a:t>Please change the version (</a:t>
             </a:r>
             <a:r>
-              <a:rPr lang="en-US" altLang="ja-JP" dirty="0" err="1" smtClean="0">
+              <a:rPr lang="en-US" altLang="ja-JP" dirty="0" err="1">
                 <a:solidFill>
                   <a:srgbClr val="FF0000"/>
                 </a:solidFill>
@@ -7748,21 +7641,17 @@
               <a:t>x.x.x</a:t>
             </a:r>
             <a:r>
-              <a:rPr lang="en-US" altLang="ja-JP" dirty="0" smtClean="0">
+              <a:rPr lang="en-US" altLang="ja-JP" dirty="0">
                 <a:solidFill>
                   <a:srgbClr val="FF0000"/>
                 </a:solidFill>
               </a:rPr>
               <a:t>) according to the file.</a:t>
             </a:r>
-            <a:r>
-              <a:rPr lang="en-US" altLang="ja-JP" dirty="0" smtClean="0"/>
-              <a:t/>
-            </a:r>
             <a:br>
-              <a:rPr lang="en-US" altLang="ja-JP" dirty="0" smtClean="0"/>
+              <a:rPr lang="en-US" altLang="ja-JP" dirty="0"/>
             </a:br>
-            <a:endParaRPr lang="en-US" altLang="ja-JP" dirty="0" smtClean="0"/>
+            <a:endParaRPr lang="en-US" altLang="ja-JP" dirty="0"/>
           </a:p>
           <a:p>
             <a:r>
@@ -7791,14 +7680,6 @@
                 <a:cs typeface="Segoe UI" panose="020B0502040204020203" pitchFamily="34" charset="0"/>
               </a:rPr>
             </a:br>
-            <a:r>
-              <a:rPr lang="en-US" altLang="ja-JP" dirty="0">
-                <a:latin typeface="Segoe UI" panose="020B0502040204020203" pitchFamily="34" charset="0"/>
-                <a:ea typeface="Segoe UI" panose="020B0502040204020203" pitchFamily="34" charset="0"/>
-                <a:cs typeface="Segoe UI" panose="020B0502040204020203" pitchFamily="34" charset="0"/>
-              </a:rPr>
-              <a:t/>
-            </a:r>
             <a:br>
               <a:rPr lang="en-US" altLang="ja-JP" dirty="0">
                 <a:latin typeface="Segoe UI" panose="020B0502040204020203" pitchFamily="34" charset="0"/>
@@ -7827,11 +7708,11 @@
               <a:t> </a:t>
             </a:r>
             <a:r>
-              <a:rPr lang="en-US" altLang="ja-JP" sz="1400" dirty="0" smtClean="0"/>
+              <a:rPr lang="en-US" altLang="ja-JP" sz="1400" dirty="0"/>
               <a:t>exastro-it-automation-</a:t>
             </a:r>
             <a:r>
-              <a:rPr lang="en-US" altLang="ja-JP" sz="1400" dirty="0" smtClean="0">
+              <a:rPr lang="en-US" altLang="ja-JP" sz="1400" dirty="0">
                 <a:solidFill>
                   <a:srgbClr val="FF0000"/>
                 </a:solidFill>
@@ -7839,59 +7720,38 @@
               <a:t>x.x.x</a:t>
             </a:r>
             <a:r>
-              <a:rPr lang="en-US" altLang="ja-JP" sz="1400" dirty="0" smtClean="0"/>
+              <a:rPr lang="en-US" altLang="ja-JP" sz="1400" dirty="0"/>
               <a:t>.tar.gz</a:t>
             </a:r>
             <a:br>
-              <a:rPr lang="en-US" altLang="ja-JP" sz="1400" dirty="0" smtClean="0"/>
+              <a:rPr lang="en-US" altLang="ja-JP" sz="1400" dirty="0"/>
             </a:br>
-            <a:endParaRPr lang="en-US" altLang="ja-JP" dirty="0" smtClean="0"/>
-          </a:p>
-          <a:p>
-            <a:r>
-              <a:rPr lang="en-US" altLang="ja-JP" dirty="0" smtClean="0"/>
-              <a:t>Change </a:t>
-            </a:r>
+            <a:endParaRPr lang="en-US" altLang="ja-JP" dirty="0"/>
+          </a:p>
+          <a:p>
             <a:r>
               <a:rPr lang="en-US" altLang="ja-JP" dirty="0"/>
-              <a:t>d</a:t>
-            </a:r>
-            <a:r>
-              <a:rPr lang="en-US" altLang="ja-JP" dirty="0" smtClean="0"/>
-              <a:t>irectory</a:t>
-            </a:r>
-            <a:endParaRPr lang="en-US" altLang="ja-JP" dirty="0"/>
+              <a:t>Change directory</a:t>
+            </a:r>
           </a:p>
           <a:p>
             <a:pPr lvl="1"/>
             <a:r>
-              <a:rPr lang="en-US" altLang="ja-JP" dirty="0" smtClean="0"/>
+              <a:rPr lang="en-US" altLang="ja-JP" dirty="0"/>
               <a:t>Switch current directory to the directory where the answer file and shell is located.</a:t>
-            </a:r>
-            <a:r>
-              <a:rPr lang="en-US" altLang="ja-JP" dirty="0"/>
-              <a:t/>
             </a:r>
             <a:br>
               <a:rPr lang="en-US" altLang="ja-JP" dirty="0"/>
             </a:br>
-            <a:r>
-              <a:rPr lang="en-US" altLang="ja-JP" dirty="0"/>
-              <a:t/>
-            </a:r>
             <a:br>
               <a:rPr lang="en-US" altLang="ja-JP" dirty="0"/>
             </a:br>
             <a:r>
               <a:rPr lang="en-US" altLang="ja-JP" sz="1400" dirty="0"/>
-              <a:t>#</a:t>
-            </a:r>
-            <a:r>
-              <a:rPr lang="en-US" altLang="ja-JP" sz="1400" dirty="0" smtClean="0"/>
-              <a:t> cd it-automation-</a:t>
-            </a:r>
-            <a:r>
-              <a:rPr lang="en-US" altLang="ja-JP" sz="1400" dirty="0" err="1" smtClean="0">
+              <a:t># cd it-automation-</a:t>
+            </a:r>
+            <a:r>
+              <a:rPr lang="en-US" altLang="ja-JP" sz="1400" dirty="0" err="1">
                 <a:solidFill>
                   <a:srgbClr val="FF0000"/>
                 </a:solidFill>
@@ -7899,23 +7759,23 @@
               <a:t>x.x.x</a:t>
             </a:r>
             <a:r>
-              <a:rPr lang="en-US" altLang="ja-JP" sz="1400" dirty="0" smtClean="0"/>
+              <a:rPr lang="en-US" altLang="ja-JP" sz="1400" dirty="0"/>
               <a:t>/</a:t>
             </a:r>
             <a:r>
-              <a:rPr lang="en-US" altLang="ja-JP" sz="1400" kern="100" dirty="0" err="1" smtClean="0"/>
+              <a:rPr lang="en-US" altLang="ja-JP" sz="1400" kern="100" dirty="0" err="1"/>
               <a:t>ita</a:t>
             </a:r>
             <a:r>
-              <a:rPr lang="en-US" altLang="ja-JP" sz="1400" dirty="0" err="1" smtClean="0"/>
+              <a:rPr lang="en-US" altLang="ja-JP" sz="1400" dirty="0" err="1"/>
               <a:t>_install_package</a:t>
             </a:r>
             <a:r>
-              <a:rPr lang="en-US" altLang="ja-JP" sz="1400" dirty="0" smtClean="0"/>
+              <a:rPr lang="en-US" altLang="ja-JP" sz="1400" dirty="0"/>
               <a:t>/</a:t>
             </a:r>
             <a:r>
-              <a:rPr lang="en-US" altLang="ja-JP" sz="1400" dirty="0" err="1" smtClean="0"/>
+              <a:rPr lang="en-US" altLang="ja-JP" sz="1400" dirty="0" err="1"/>
               <a:t>install_scripts</a:t>
             </a:r>
             <a:endParaRPr lang="en-US" altLang="ja-JP" dirty="0"/>
@@ -7932,13 +7792,6 @@
   <p:clrMapOvr>
     <a:masterClrMapping/>
   </p:clrMapOvr>
-  <p:timing>
-    <p:tnLst>
-      <p:par>
-        <p:cTn id="1" dur="indefinite" restart="never" nodeType="tmRoot"/>
-      </p:par>
-    </p:tnLst>
-  </p:timing>
 </p:sld>
 </file>
 
@@ -8025,7 +7878,7 @@
                         </a:spcAft>
                       </a:pPr>
                       <a:r>
-                        <a:rPr lang="en-US" altLang="ja-JP" sz="1100" kern="100" dirty="0" smtClean="0">
+                        <a:rPr lang="en-US" altLang="ja-JP" sz="1100" kern="100" dirty="0">
                           <a:effectLst/>
                           <a:latin typeface="+mn-lt"/>
                           <a:ea typeface="+mn-ea"/>
@@ -8058,7 +7911,7 @@
                         </a:spcAft>
                       </a:pPr>
                       <a:r>
-                        <a:rPr lang="en-US" altLang="ja-JP" sz="1100" kern="100" dirty="0" smtClean="0">
+                        <a:rPr lang="en-US" altLang="ja-JP" sz="1100" kern="100" dirty="0">
                           <a:effectLst/>
                           <a:latin typeface="+mn-lt"/>
                           <a:ea typeface="+mn-ea"/>
@@ -8091,7 +7944,7 @@
                         </a:spcAft>
                       </a:pPr>
                       <a:r>
-                        <a:rPr lang="en-US" altLang="ja-JP" sz="1100" kern="100" dirty="0" smtClean="0">
+                        <a:rPr lang="en-US" altLang="ja-JP" sz="1100" kern="100" dirty="0">
                           <a:effectLst/>
                           <a:latin typeface="+mn-lt"/>
                           <a:ea typeface="+mn-ea"/>
@@ -8100,7 +7953,7 @@
                         <a:t>Initial</a:t>
                       </a:r>
                       <a:r>
-                        <a:rPr lang="en-US" altLang="ja-JP" sz="1100" kern="100" baseline="0" dirty="0" smtClean="0">
+                        <a:rPr lang="en-US" altLang="ja-JP" sz="1100" kern="100" baseline="0" dirty="0">
                           <a:effectLst/>
                           <a:latin typeface="+mn-lt"/>
                           <a:ea typeface="+mn-ea"/>
@@ -8133,7 +7986,7 @@
                         </a:spcAft>
                       </a:pPr>
                       <a:r>
-                        <a:rPr lang="en-US" altLang="ja-JP" sz="1100" kern="100" dirty="0" smtClean="0">
+                        <a:rPr lang="en-US" altLang="ja-JP" sz="1100" kern="100" dirty="0">
                           <a:effectLst/>
                           <a:latin typeface="+mn-lt"/>
                           <a:ea typeface="+mn-ea"/>
@@ -8218,12 +8071,12 @@
                         <a:defRPr/>
                       </a:pPr>
                       <a:r>
-                        <a:rPr lang="en-US" altLang="ja-JP" sz="1000" kern="100" dirty="0" smtClean="0">
+                        <a:rPr lang="en-US" altLang="ja-JP" sz="1000" kern="100" dirty="0">
                           <a:effectLst/>
                         </a:rPr>
                         <a:t>○</a:t>
                       </a:r>
-                      <a:endParaRPr lang="ja-JP" altLang="ja-JP" sz="1000" kern="100" dirty="0" smtClean="0">
+                      <a:endParaRPr lang="ja-JP" altLang="ja-JP" sz="1000" kern="100" dirty="0">
                         <a:effectLst/>
                         <a:latin typeface="Century" panose="02040604050505020304" pitchFamily="18" charset="0"/>
                         <a:ea typeface="ＭＳ 明朝" panose="02020609040205080304" pitchFamily="17" charset="-128"/>
@@ -8251,13 +8104,13 @@
                         </a:spcAft>
                       </a:pPr>
                       <a:r>
-                        <a:rPr lang="en-US" sz="1000" kern="100" dirty="0" err="1" smtClean="0">
+                        <a:rPr lang="en-US" sz="1000" kern="100" dirty="0" err="1">
                           <a:effectLst/>
                         </a:rPr>
                         <a:t>Install</a:t>
                       </a:r>
                       <a:r>
-                        <a:rPr lang="en-US" altLang="ja-JP" sz="1000" kern="100" dirty="0" err="1" smtClean="0">
+                        <a:rPr lang="en-US" altLang="ja-JP" sz="1000" kern="100" dirty="0" err="1">
                           <a:effectLst/>
                         </a:rPr>
                         <a:t>_Online</a:t>
@@ -8290,7 +8143,7 @@
                         </a:spcAft>
                       </a:pPr>
                       <a:r>
-                        <a:rPr lang="en-US" altLang="ja-JP" sz="1000" kern="100" dirty="0" smtClean="0">
+                        <a:rPr lang="en-US" altLang="ja-JP" sz="1000" kern="100" dirty="0">
                           <a:effectLst/>
                         </a:rPr>
                         <a:t>Install mode settings</a:t>
@@ -8309,25 +8162,25 @@
                         </a:spcAft>
                       </a:pPr>
                       <a:r>
-                        <a:rPr lang="ja-JP" altLang="en-US" sz="800" kern="100" dirty="0" smtClean="0">
+                        <a:rPr lang="ja-JP" altLang="en-US" sz="800" kern="100" dirty="0">
                           <a:effectLst/>
                         </a:rPr>
                         <a:t>・</a:t>
                       </a:r>
                       <a:r>
-                        <a:rPr lang="en-US" altLang="ja-JP" sz="800" kern="100" dirty="0" err="1" smtClean="0">
+                        <a:rPr lang="en-US" altLang="ja-JP" sz="800" kern="100" dirty="0" err="1">
                           <a:effectLst/>
                         </a:rPr>
                         <a:t>Install_Online</a:t>
                       </a:r>
                       <a:r>
-                        <a:rPr lang="ja-JP" altLang="en-US" sz="800" kern="100" dirty="0" smtClean="0">
+                        <a:rPr lang="ja-JP" altLang="en-US" sz="800" kern="100" dirty="0">
                           <a:effectLst/>
                         </a:rPr>
                         <a:t>：</a:t>
                       </a:r>
                       <a:r>
-                        <a:rPr lang="en-US" altLang="ja-JP" sz="800" kern="100" dirty="0" smtClean="0">
+                        <a:rPr lang="en-US" altLang="ja-JP" sz="800" kern="100" dirty="0">
                           <a:effectLst/>
                         </a:rPr>
                         <a:t>Install online</a:t>
@@ -8343,36 +8196,36 @@
                         </a:spcAft>
                       </a:pPr>
                       <a:r>
-                        <a:rPr lang="ja-JP" altLang="en-US" sz="800" kern="100" dirty="0" smtClean="0">
+                        <a:rPr lang="ja-JP" altLang="en-US" sz="800" kern="100" dirty="0">
                           <a:effectLst/>
                         </a:rPr>
                         <a:t>・</a:t>
                       </a:r>
                       <a:r>
-                        <a:rPr lang="en-US" altLang="ja-JP" sz="800" kern="100" dirty="0" err="1" smtClean="0">
+                        <a:rPr lang="en-US" altLang="ja-JP" sz="800" kern="100" dirty="0" err="1">
                           <a:effectLst/>
                         </a:rPr>
                         <a:t>Install_Offline</a:t>
                       </a:r>
                       <a:r>
-                        <a:rPr lang="ja-JP" altLang="en-US" sz="800" kern="100" dirty="0" smtClean="0">
+                        <a:rPr lang="ja-JP" altLang="en-US" sz="800" kern="100" dirty="0">
                           <a:effectLst/>
                         </a:rPr>
                         <a:t>：</a:t>
                       </a:r>
                       <a:r>
-                        <a:rPr lang="en-US" altLang="ja-JP" sz="800" kern="100" dirty="0" smtClean="0">
+                        <a:rPr lang="en-US" altLang="ja-JP" sz="800" kern="100" dirty="0">
                           <a:effectLst/>
                         </a:rPr>
                         <a:t>Install</a:t>
                       </a:r>
                       <a:r>
-                        <a:rPr lang="en-US" altLang="ja-JP" sz="800" kern="100" baseline="0" dirty="0" smtClean="0">
+                        <a:rPr lang="en-US" altLang="ja-JP" sz="800" kern="100" baseline="0" dirty="0">
                           <a:effectLst/>
                         </a:rPr>
                         <a:t> offline</a:t>
                       </a:r>
-                      <a:endParaRPr lang="en-US" altLang="ja-JP" sz="800" kern="100" dirty="0" smtClean="0">
+                      <a:endParaRPr lang="en-US" altLang="ja-JP" sz="800" kern="100" dirty="0">
                         <a:effectLst/>
                       </a:endParaRPr>
                     </a:p>
@@ -8386,36 +8239,36 @@
                         </a:spcAft>
                       </a:pPr>
                       <a:r>
-                        <a:rPr lang="ja-JP" altLang="en-US" sz="800" kern="100" dirty="0" smtClean="0">
+                        <a:rPr lang="ja-JP" altLang="en-US" sz="800" kern="100" dirty="0">
                           <a:effectLst/>
                         </a:rPr>
                         <a:t>・</a:t>
                       </a:r>
                       <a:r>
-                        <a:rPr lang="en-US" altLang="ja-JP" sz="800" kern="100" dirty="0" err="1" smtClean="0">
+                        <a:rPr lang="en-US" altLang="ja-JP" sz="800" kern="100" dirty="0" err="1">
                           <a:effectLst/>
                         </a:rPr>
                         <a:t>Gather_Library</a:t>
                       </a:r>
                       <a:r>
-                        <a:rPr lang="ja-JP" altLang="en-US" sz="800" kern="100" dirty="0" smtClean="0">
+                        <a:rPr lang="ja-JP" altLang="en-US" sz="800" kern="100" dirty="0">
                           <a:effectLst/>
                         </a:rPr>
                         <a:t>：</a:t>
                       </a:r>
                       <a:r>
-                        <a:rPr lang="en-US" altLang="ja-JP" sz="800" kern="100" dirty="0" smtClean="0">
+                        <a:rPr lang="en-US" altLang="ja-JP" sz="800" kern="100" dirty="0">
                           <a:effectLst/>
                         </a:rPr>
                         <a:t>Gather</a:t>
                       </a:r>
                       <a:r>
-                        <a:rPr lang="en-US" altLang="ja-JP" sz="800" kern="100" baseline="0" dirty="0" smtClean="0">
+                        <a:rPr lang="en-US" altLang="ja-JP" sz="800" kern="100" baseline="0" dirty="0">
                           <a:effectLst/>
                         </a:rPr>
                         <a:t> library</a:t>
                       </a:r>
-                      <a:endParaRPr lang="en-US" altLang="ja-JP" sz="800" kern="100" dirty="0" smtClean="0">
+                      <a:endParaRPr lang="en-US" altLang="ja-JP" sz="800" kern="100" dirty="0">
                         <a:effectLst/>
                       </a:endParaRPr>
                     </a:p>
@@ -8429,31 +8282,31 @@
                         </a:spcAft>
                       </a:pPr>
                       <a:r>
-                        <a:rPr lang="ja-JP" altLang="en-US" sz="800" kern="100" dirty="0" smtClean="0">
+                        <a:rPr lang="ja-JP" altLang="en-US" sz="800" kern="100" dirty="0">
                           <a:effectLst/>
                         </a:rPr>
                         <a:t>・</a:t>
                       </a:r>
                       <a:r>
-                        <a:rPr lang="en-US" altLang="ja-JP" sz="800" kern="100" dirty="0" err="1" smtClean="0">
+                        <a:rPr lang="en-US" altLang="ja-JP" sz="800" kern="100" dirty="0" err="1">
                           <a:effectLst/>
                         </a:rPr>
                         <a:t>Install_ITA</a:t>
                       </a:r>
                       <a:r>
-                        <a:rPr lang="ja-JP" altLang="en-US" sz="800" kern="100" dirty="0" smtClean="0">
+                        <a:rPr lang="ja-JP" altLang="en-US" sz="800" kern="100" dirty="0">
                           <a:effectLst/>
                         </a:rPr>
                         <a:t>：</a:t>
                       </a:r>
                       <a:r>
-                        <a:rPr lang="en-US" altLang="ja-JP" sz="800" kern="100" dirty="0" smtClean="0">
+                        <a:rPr lang="en-US" altLang="ja-JP" sz="800" kern="100" dirty="0">
                           <a:effectLst/>
                         </a:rPr>
                         <a:t>Install</a:t>
                       </a:r>
                       <a:r>
-                        <a:rPr lang="en-US" altLang="ja-JP" sz="800" kern="100" baseline="0" dirty="0" smtClean="0">
+                        <a:rPr lang="en-US" altLang="ja-JP" sz="800" kern="100" baseline="0" dirty="0">
                           <a:effectLst/>
                         </a:rPr>
                         <a:t> ITA</a:t>
@@ -8469,48 +8322,48 @@
                         </a:spcAft>
                       </a:pPr>
                       <a:r>
-                        <a:rPr lang="ja-JP" altLang="en-US" sz="800" kern="100" dirty="0" smtClean="0">
+                        <a:rPr lang="ja-JP" altLang="en-US" sz="800" kern="100" dirty="0">
                           <a:effectLst/>
                         </a:rPr>
                         <a:t>・</a:t>
                       </a:r>
                       <a:r>
-                        <a:rPr lang="en-US" altLang="ja-JP" sz="800" kern="100" dirty="0" err="1" smtClean="0">
+                        <a:rPr lang="en-US" altLang="ja-JP" sz="800" kern="100" dirty="0" err="1">
                           <a:effectLst/>
                         </a:rPr>
                         <a:t>Versionup_All</a:t>
                       </a:r>
                       <a:r>
-                        <a:rPr lang="ja-JP" altLang="en-US" sz="800" kern="100" dirty="0" smtClean="0">
+                        <a:rPr lang="ja-JP" altLang="en-US" sz="800" kern="100" dirty="0">
                           <a:effectLst/>
                         </a:rPr>
                         <a:t>：</a:t>
                       </a:r>
                       <a:r>
-                        <a:rPr lang="en-US" altLang="ja-JP" sz="800" kern="100" dirty="0" smtClean="0">
+                        <a:rPr lang="en-US" altLang="ja-JP" sz="800" kern="100" dirty="0">
                           <a:effectLst/>
                         </a:rPr>
                         <a:t>Update ITA</a:t>
                       </a:r>
                       <a:r>
-                        <a:rPr lang="ja-JP" altLang="en-US" sz="800" kern="100" dirty="0" smtClean="0">
+                        <a:rPr lang="ja-JP" altLang="en-US" sz="800" kern="100" dirty="0">
                           <a:effectLst/>
                         </a:rPr>
                         <a:t>（</a:t>
                       </a:r>
                       <a:r>
-                        <a:rPr lang="en-US" altLang="ja-JP" sz="800" kern="100" dirty="0" smtClean="0">
+                        <a:rPr lang="en-US" altLang="ja-JP" sz="800" kern="100" dirty="0">
                           <a:effectLst/>
                         </a:rPr>
                         <a:t>With library install</a:t>
                       </a:r>
                       <a:r>
-                        <a:rPr lang="ja-JP" altLang="en-US" sz="800" kern="100" dirty="0" smtClean="0">
+                        <a:rPr lang="ja-JP" altLang="en-US" sz="800" kern="100" dirty="0">
                           <a:effectLst/>
                         </a:rPr>
                         <a:t>）</a:t>
                       </a:r>
-                      <a:endParaRPr lang="en-US" altLang="ja-JP" sz="800" kern="100" dirty="0" smtClean="0">
+                      <a:endParaRPr lang="en-US" altLang="ja-JP" sz="800" kern="100" dirty="0">
                         <a:effectLst/>
                       </a:endParaRPr>
                     </a:p>
@@ -8524,48 +8377,48 @@
                         </a:spcAft>
                       </a:pPr>
                       <a:r>
-                        <a:rPr lang="ja-JP" altLang="en-US" sz="800" kern="100" dirty="0" smtClean="0">
+                        <a:rPr lang="ja-JP" altLang="en-US" sz="800" kern="100" dirty="0">
                           <a:effectLst/>
                         </a:rPr>
                         <a:t>・</a:t>
                       </a:r>
                       <a:r>
-                        <a:rPr lang="en-US" altLang="ja-JP" sz="800" kern="100" dirty="0" err="1" smtClean="0">
+                        <a:rPr lang="en-US" altLang="ja-JP" sz="800" kern="100" dirty="0" err="1">
                           <a:effectLst/>
                         </a:rPr>
                         <a:t>Versionup_ITA</a:t>
                       </a:r>
                       <a:r>
-                        <a:rPr lang="ja-JP" altLang="en-US" sz="800" kern="100" dirty="0" smtClean="0">
+                        <a:rPr lang="ja-JP" altLang="en-US" sz="800" kern="100" dirty="0">
                           <a:effectLst/>
                         </a:rPr>
                         <a:t>：</a:t>
                       </a:r>
                       <a:r>
-                        <a:rPr lang="en-US" altLang="ja-JP" sz="800" kern="100" dirty="0" smtClean="0">
+                        <a:rPr lang="en-US" altLang="ja-JP" sz="800" kern="100" dirty="0">
                           <a:effectLst/>
                         </a:rPr>
                         <a:t>Update ITA</a:t>
                       </a:r>
                       <a:r>
-                        <a:rPr lang="ja-JP" altLang="en-US" sz="800" kern="100" dirty="0" smtClean="0">
+                        <a:rPr lang="ja-JP" altLang="en-US" sz="800" kern="100" dirty="0">
                           <a:effectLst/>
                         </a:rPr>
                         <a:t>（</a:t>
                       </a:r>
                       <a:r>
-                        <a:rPr lang="en-US" altLang="ja-JP" sz="800" kern="100" dirty="0" smtClean="0">
+                        <a:rPr lang="en-US" altLang="ja-JP" sz="800" kern="100" dirty="0">
                           <a:effectLst/>
                         </a:rPr>
                         <a:t>Without library install</a:t>
                       </a:r>
                       <a:r>
-                        <a:rPr lang="ja-JP" altLang="en-US" sz="800" kern="100" dirty="0" smtClean="0">
+                        <a:rPr lang="ja-JP" altLang="en-US" sz="800" kern="100" dirty="0">
                           <a:effectLst/>
                         </a:rPr>
                         <a:t>）</a:t>
                       </a:r>
-                      <a:endParaRPr lang="en-US" altLang="ja-JP" sz="800" kern="100" dirty="0" smtClean="0">
+                      <a:endParaRPr lang="en-US" altLang="ja-JP" sz="800" kern="100" dirty="0">
                         <a:effectLst/>
                       </a:endParaRPr>
                     </a:p>
@@ -8579,25 +8432,25 @@
                         </a:spcAft>
                       </a:pPr>
                       <a:r>
-                        <a:rPr lang="ja-JP" altLang="en-US" sz="800" kern="100" dirty="0" smtClean="0">
+                        <a:rPr lang="ja-JP" altLang="en-US" sz="800" kern="100" dirty="0">
                           <a:effectLst/>
                         </a:rPr>
                         <a:t>・</a:t>
                       </a:r>
                       <a:r>
-                        <a:rPr lang="en-US" altLang="ja-JP" sz="800" kern="100" dirty="0" smtClean="0">
+                        <a:rPr lang="en-US" altLang="ja-JP" sz="800" kern="100" dirty="0">
                           <a:effectLst/>
                         </a:rPr>
                         <a:t>Uninstall</a:t>
                       </a:r>
                       <a:r>
-                        <a:rPr lang="ja-JP" altLang="en-US" sz="800" kern="100" dirty="0" smtClean="0">
+                        <a:rPr lang="ja-JP" altLang="en-US" sz="800" kern="100" dirty="0">
                           <a:effectLst/>
                         </a:rPr>
                         <a:t>：</a:t>
                       </a:r>
                       <a:r>
-                        <a:rPr lang="en-US" altLang="ja-JP" sz="800" kern="100" dirty="0" smtClean="0">
+                        <a:rPr lang="en-US" altLang="ja-JP" sz="800" kern="100" dirty="0">
                           <a:effectLst/>
                         </a:rPr>
                         <a:t>Uninstall ITA</a:t>
@@ -8697,7 +8550,7 @@
                         </a:spcAft>
                       </a:pPr>
                       <a:r>
-                        <a:rPr lang="en-US" altLang="ja-JP" sz="1000" kern="100" dirty="0" smtClean="0">
+                        <a:rPr lang="en-US" altLang="ja-JP" sz="1000" kern="100" dirty="0">
                           <a:effectLst/>
                         </a:rPr>
                         <a:t>-</a:t>
@@ -8730,18 +8583,18 @@
                         </a:spcAft>
                       </a:pPr>
                       <a:r>
-                        <a:rPr lang="en-US" altLang="ja-JP" sz="1000" kern="100" dirty="0" smtClean="0">
+                        <a:rPr lang="en-US" altLang="ja-JP" sz="1000" kern="100" dirty="0">
                           <a:effectLst/>
                         </a:rPr>
                         <a:t>Installation</a:t>
                       </a:r>
                       <a:r>
-                        <a:rPr lang="en-US" altLang="ja-JP" sz="1000" kern="100" baseline="0" dirty="0" smtClean="0">
+                        <a:rPr lang="en-US" altLang="ja-JP" sz="1000" kern="100" baseline="0" dirty="0">
                           <a:effectLst/>
                         </a:rPr>
                         <a:t> directory</a:t>
                       </a:r>
-                      <a:endParaRPr lang="ja-JP" sz="1000" kern="100" dirty="0" smtClean="0">
+                      <a:endParaRPr lang="ja-JP" sz="1000" kern="100" dirty="0">
                         <a:effectLst/>
                       </a:endParaRPr>
                     </a:p>
@@ -8755,12 +8608,12 @@
                         </a:spcAft>
                       </a:pPr>
                       <a:r>
-                        <a:rPr lang="en-US" sz="1000" kern="100" dirty="0" smtClean="0">
+                        <a:rPr lang="en-US" sz="1000" kern="100" dirty="0">
                           <a:effectLst/>
                         </a:rPr>
                         <a:t>Please specify an absolute path for the ITA Installation directory.</a:t>
                       </a:r>
-                      <a:endParaRPr lang="en-US" altLang="ja-JP" sz="1000" kern="100" dirty="0" smtClean="0">
+                      <a:endParaRPr lang="en-US" altLang="ja-JP" sz="1000" kern="100" dirty="0">
                         <a:effectLst/>
                       </a:endParaRPr>
                     </a:p>
@@ -8774,18 +8627,18 @@
                         </a:spcAft>
                       </a:pPr>
                       <a:r>
-                        <a:rPr lang="en-US" altLang="ja-JP" sz="1000" kern="100" dirty="0" smtClean="0">
+                        <a:rPr lang="en-US" altLang="ja-JP" sz="1000" kern="100" dirty="0">
                           <a:effectLst/>
                         </a:rPr>
                         <a:t>Make sure the directory can be referenced</a:t>
                       </a:r>
                       <a:r>
-                        <a:rPr lang="en-US" altLang="ja-JP" sz="1000" kern="100" baseline="0" dirty="0" smtClean="0">
+                        <a:rPr lang="en-US" altLang="ja-JP" sz="1000" kern="100" baseline="0" dirty="0">
                           <a:effectLst/>
                         </a:rPr>
                         <a:t> by all users.</a:t>
                       </a:r>
-                      <a:endParaRPr lang="ja-JP" sz="1000" kern="100" dirty="0" smtClean="0">
+                      <a:endParaRPr lang="ja-JP" sz="1000" kern="100" dirty="0">
                         <a:effectLst/>
                       </a:endParaRPr>
                     </a:p>
@@ -8799,7 +8652,7 @@
                         </a:spcAft>
                       </a:pPr>
                       <a:r>
-                        <a:rPr lang="en-US" altLang="ja-JP" sz="1000" kern="100" dirty="0" smtClean="0">
+                        <a:rPr lang="en-US" altLang="ja-JP" sz="1000" kern="100" dirty="0">
                           <a:effectLst/>
                           <a:latin typeface="+mn-lt"/>
                           <a:ea typeface="+mn-ea"/>
@@ -8808,7 +8661,7 @@
                         <a:t>If</a:t>
                       </a:r>
                       <a:r>
-                        <a:rPr lang="en-US" altLang="ja-JP" sz="1000" kern="100" baseline="0" dirty="0" smtClean="0">
+                        <a:rPr lang="en-US" altLang="ja-JP" sz="1000" kern="100" baseline="0" dirty="0">
                           <a:effectLst/>
                           <a:latin typeface="+mn-lt"/>
                           <a:ea typeface="+mn-ea"/>
@@ -8878,7 +8731,7 @@
                         </a:spcAft>
                       </a:pPr>
                       <a:r>
-                        <a:rPr lang="en-US" altLang="ja-JP" sz="1000" kern="100" dirty="0" smtClean="0">
+                        <a:rPr lang="en-US" altLang="ja-JP" sz="1000" kern="100" dirty="0">
                           <a:effectLst/>
                           <a:latin typeface="+mn-lt"/>
                           <a:ea typeface="+mn-ea"/>
@@ -8914,7 +8767,7 @@
                         </a:spcAft>
                       </a:pPr>
                       <a:r>
-                        <a:rPr lang="en-US" sz="1000" kern="100" dirty="0" smtClean="0">
+                        <a:rPr lang="en-US" sz="1000" kern="100" dirty="0">
                           <a:effectLst/>
                         </a:rPr>
                         <a:t>en_US</a:t>
@@ -8947,31 +8800,31 @@
                         </a:spcAft>
                       </a:pPr>
                       <a:r>
-                        <a:rPr lang="en-US" sz="1000" kern="100" dirty="0" smtClean="0">
+                        <a:rPr lang="en-US" sz="1000" kern="100" dirty="0">
                           <a:effectLst/>
                         </a:rPr>
                         <a:t>ITA</a:t>
                       </a:r>
                       <a:r>
-                        <a:rPr lang="en-US" sz="1000" kern="100" baseline="0" dirty="0" smtClean="0">
+                        <a:rPr lang="en-US" sz="1000" kern="100" baseline="0" dirty="0">
                           <a:effectLst/>
                         </a:rPr>
                         <a:t> display language</a:t>
                       </a:r>
                       <a:r>
-                        <a:rPr lang="ja-JP" sz="800" kern="100" dirty="0" smtClean="0">
+                        <a:rPr lang="ja-JP" sz="800" kern="100" dirty="0">
                           <a:effectLst/>
                         </a:rPr>
                         <a:t>（</a:t>
                       </a:r>
                       <a:r>
-                        <a:rPr lang="en-US" altLang="ja-JP" sz="800" kern="100" dirty="0" smtClean="0">
+                        <a:rPr lang="en-US" altLang="ja-JP" sz="800" kern="100" dirty="0">
                           <a:effectLst/>
                         </a:rPr>
                         <a:t>Japanese</a:t>
                       </a:r>
                       <a:r>
-                        <a:rPr lang="ja-JP" sz="800" kern="100" dirty="0" smtClean="0">
+                        <a:rPr lang="ja-JP" sz="800" kern="100" dirty="0">
                           <a:effectLst/>
                         </a:rPr>
                         <a:t>（</a:t>
@@ -8986,22 +8839,16 @@
                         <a:rPr lang="ja-JP" sz="800" kern="100" dirty="0">
                           <a:effectLst/>
                         </a:rPr>
-                        <a:t>）</a:t>
-                      </a:r>
-                      <a:r>
-                        <a:rPr lang="ja-JP" sz="800" kern="100" dirty="0" smtClean="0">
-                          <a:effectLst/>
-                        </a:rPr>
-                        <a:t>／</a:t>
-                      </a:r>
-                      <a:r>
-                        <a:rPr lang="en-US" altLang="ja-JP" sz="800" kern="100" dirty="0" smtClean="0">
+                        <a:t>）／</a:t>
+                      </a:r>
+                      <a:r>
+                        <a:rPr lang="en-US" altLang="ja-JP" sz="800" kern="100" dirty="0">
                           <a:effectLst/>
                         </a:rPr>
                         <a:t>English</a:t>
                       </a:r>
                       <a:r>
-                        <a:rPr lang="ja-JP" sz="800" kern="100" dirty="0" smtClean="0">
+                        <a:rPr lang="ja-JP" sz="800" kern="100" dirty="0">
                           <a:effectLst/>
                         </a:rPr>
                         <a:t>（</a:t>
@@ -9053,7 +8900,7 @@
                         </a:spcAft>
                       </a:pPr>
                       <a:r>
-                        <a:rPr lang="en-US" altLang="ja-JP" sz="1000" kern="100" dirty="0" err="1" smtClean="0">
+                        <a:rPr lang="en-US" altLang="ja-JP" sz="1000" kern="100" dirty="0" err="1">
                           <a:effectLst/>
                           <a:latin typeface="+mj-lt"/>
                           <a:ea typeface="+mn-ea"/>
@@ -9089,7 +8936,7 @@
                         </a:spcAft>
                       </a:pPr>
                       <a:r>
-                        <a:rPr lang="ja-JP" altLang="en-US" sz="1000" kern="100" dirty="0" smtClean="0">
+                        <a:rPr lang="ja-JP" altLang="en-US" sz="1000" kern="100" dirty="0">
                           <a:effectLst/>
                           <a:latin typeface="+mj-lt"/>
                           <a:ea typeface="+mn-ea"/>
@@ -9125,7 +8972,7 @@
                         </a:spcAft>
                       </a:pPr>
                       <a:r>
-                        <a:rPr lang="en-US" altLang="ja-JP" sz="900" kern="100" dirty="0" err="1" smtClean="0">
+                        <a:rPr lang="en-US" altLang="ja-JP" sz="900" kern="100" dirty="0" err="1">
                           <a:effectLst/>
                           <a:latin typeface="+mj-lt"/>
                           <a:ea typeface="ＭＳ 明朝" panose="02020609040205080304" pitchFamily="17" charset="-128"/>
@@ -9134,7 +8981,7 @@
                         <a:t>exastro</a:t>
                       </a:r>
                       <a:r>
-                        <a:rPr lang="en-US" altLang="ja-JP" sz="900" kern="100" dirty="0" smtClean="0">
+                        <a:rPr lang="en-US" altLang="ja-JP" sz="900" kern="100" dirty="0">
                           <a:effectLst/>
                           <a:latin typeface="+mj-lt"/>
                           <a:ea typeface="ＭＳ 明朝" panose="02020609040205080304" pitchFamily="17" charset="-128"/>
@@ -9143,7 +8990,7 @@
                         <a:t>-it-</a:t>
                       </a:r>
                       <a:r>
-                        <a:rPr lang="en-US" altLang="ja-JP" sz="900" kern="100" dirty="0" err="1" smtClean="0">
+                        <a:rPr lang="en-US" altLang="ja-JP" sz="900" kern="100" dirty="0" err="1">
                           <a:effectLst/>
                           <a:latin typeface="+mj-lt"/>
                           <a:ea typeface="ＭＳ 明朝" panose="02020609040205080304" pitchFamily="17" charset="-128"/>
@@ -9188,7 +9035,7 @@
                         <a:defRPr/>
                       </a:pPr>
                       <a:r>
-                        <a:rPr lang="en-US" altLang="ja-JP" sz="1000" kern="100" smtClean="0">
+                        <a:rPr lang="en-US" altLang="ja-JP" sz="1000" kern="100">
                           <a:effectLst/>
                           <a:latin typeface="+mj-lt"/>
                           <a:ea typeface="+mn-ea"/>
@@ -9197,7 +9044,7 @@
                         <a:t>ITA</a:t>
                       </a:r>
                       <a:r>
-                        <a:rPr lang="en-US" altLang="ja-JP" sz="1000" kern="100" baseline="0" smtClean="0">
+                        <a:rPr lang="en-US" altLang="ja-JP" sz="1000" kern="100" baseline="0">
                           <a:effectLst/>
                           <a:latin typeface="+mj-lt"/>
                           <a:ea typeface="+mn-ea"/>
@@ -9205,7 +9052,7 @@
                         </a:rPr>
                         <a:t> domain name specification (used when the ITA installer creates a self-certificate.</a:t>
                       </a:r>
-                      <a:endParaRPr lang="ja-JP" altLang="ja-JP" sz="900" kern="100" dirty="0" smtClean="0">
+                      <a:endParaRPr lang="ja-JP" altLang="ja-JP" sz="900" kern="100" dirty="0">
                         <a:effectLst/>
                         <a:latin typeface="+mj-lt"/>
                         <a:ea typeface="+mn-ea"/>
@@ -9240,7 +9087,7 @@
                         </a:spcAft>
                       </a:pPr>
                       <a:r>
-                        <a:rPr lang="en-US" altLang="ja-JP" sz="1000" kern="100" smtClean="0">
+                        <a:rPr lang="en-US" altLang="ja-JP" sz="1000" kern="100">
                           <a:effectLst/>
                           <a:latin typeface="+mj-lt"/>
                           <a:ea typeface="+mn-ea"/>
@@ -9285,7 +9132,7 @@
                         <a:defRPr/>
                       </a:pPr>
                       <a:r>
-                        <a:rPr lang="en-US" altLang="ja-JP" sz="1000" kern="100" smtClean="0">
+                        <a:rPr lang="en-US" altLang="ja-JP" sz="1000" kern="100">
                           <a:effectLst/>
                           <a:latin typeface="+mj-lt"/>
                           <a:ea typeface="+mn-ea"/>
@@ -9293,7 +9140,7 @@
                         </a:rPr>
                         <a:t>Optional</a:t>
                       </a:r>
-                      <a:endParaRPr lang="ja-JP" altLang="ja-JP" sz="1000" kern="100" dirty="0" smtClean="0">
+                      <a:endParaRPr lang="ja-JP" altLang="ja-JP" sz="1000" kern="100" dirty="0">
                         <a:effectLst/>
                         <a:latin typeface="+mj-lt"/>
                         <a:ea typeface="+mn-ea"/>
@@ -9330,7 +9177,7 @@
                         <a:defRPr/>
                       </a:pPr>
                       <a:r>
-                        <a:rPr kumimoji="1" lang="en-US" altLang="ja-JP" sz="1000" b="0" i="0" u="none" strike="noStrike" kern="100" cap="none" spc="0" normalizeH="0" baseline="0" noProof="0" smtClean="0">
+                        <a:rPr kumimoji="1" lang="en-US" altLang="ja-JP" sz="1000" b="0" i="0" u="none" strike="noStrike" kern="100" cap="none" spc="0" normalizeH="0" baseline="0" noProof="0">
                           <a:ln>
                             <a:noFill/>
                           </a:ln>
@@ -9346,7 +9193,7 @@
                         </a:rPr>
                         <a:t>-</a:t>
                       </a:r>
-                      <a:endParaRPr kumimoji="1" lang="en-US" altLang="ja-JP" sz="1000" b="0" i="0" u="none" strike="noStrike" kern="100" cap="none" spc="0" normalizeH="0" baseline="0" noProof="0" dirty="0" smtClean="0">
+                      <a:endParaRPr kumimoji="1" lang="en-US" altLang="ja-JP" sz="1000" b="0" i="0" u="none" strike="noStrike" kern="100" cap="none" spc="0" normalizeH="0" baseline="0" noProof="0" dirty="0">
                         <a:ln>
                           <a:noFill/>
                         </a:ln>
@@ -9391,7 +9238,7 @@
                         <a:defRPr/>
                       </a:pPr>
                       <a:r>
-                        <a:rPr lang="en-US" altLang="ja-JP" sz="900" kern="100" dirty="0" smtClean="0">
+                        <a:rPr lang="en-US" altLang="ja-JP" sz="900" kern="100" dirty="0">
                           <a:effectLst/>
                           <a:latin typeface="+mj-lt"/>
                           <a:ea typeface="ＭＳ 明朝" panose="02020609040205080304" pitchFamily="17" charset="-128"/>
@@ -9400,7 +9247,7 @@
                         <a:t>Specify</a:t>
                       </a:r>
                       <a:r>
-                        <a:rPr lang="en-US" altLang="ja-JP" sz="900" kern="100" baseline="0" dirty="0" smtClean="0">
+                        <a:rPr lang="en-US" altLang="ja-JP" sz="900" kern="100" baseline="0" dirty="0">
                           <a:effectLst/>
                           <a:latin typeface="+mj-lt"/>
                           <a:ea typeface="ＭＳ 明朝" panose="02020609040205080304" pitchFamily="17" charset="-128"/>
@@ -9409,7 +9256,7 @@
                         <a:t> the path of the file used for the user specified SSL server certificate (</a:t>
                       </a:r>
                       <a:r>
-                        <a:rPr lang="en-US" altLang="ja-JP" sz="800" kern="100" baseline="0" dirty="0" smtClean="0">
+                        <a:rPr lang="en-US" altLang="ja-JP" sz="800" kern="100" baseline="0" dirty="0">
                           <a:effectLst/>
                           <a:latin typeface="+mj-lt"/>
                           <a:ea typeface="ＭＳ 明朝" panose="02020609040205080304" pitchFamily="17" charset="-128"/>
@@ -9418,7 +9265,7 @@
                         <a:t>Enter only when using a user specified SSL certificate. Specify an absolute path</a:t>
                       </a:r>
                       <a:r>
-                        <a:rPr lang="en-US" altLang="ja-JP" sz="900" kern="100" baseline="0" dirty="0" smtClean="0">
+                        <a:rPr lang="en-US" altLang="ja-JP" sz="900" kern="100" baseline="0" dirty="0">
                           <a:effectLst/>
                           <a:latin typeface="+mj-lt"/>
                           <a:ea typeface="ＭＳ 明朝" panose="02020609040205080304" pitchFamily="17" charset="-128"/>
@@ -9426,7 +9273,7 @@
                         </a:rPr>
                         <a:t>)</a:t>
                       </a:r>
-                      <a:endParaRPr lang="ja-JP" altLang="ja-JP" sz="900" kern="100" dirty="0" smtClean="0">
+                      <a:endParaRPr lang="ja-JP" altLang="ja-JP" sz="900" kern="100" dirty="0">
                         <a:effectLst/>
                         <a:latin typeface="+mj-lt"/>
                         <a:ea typeface="ＭＳ 明朝" panose="02020609040205080304" pitchFamily="17" charset="-128"/>
@@ -9461,7 +9308,7 @@
                         </a:spcAft>
                       </a:pPr>
                       <a:r>
-                        <a:rPr lang="en-US" altLang="ja-JP" sz="1000" kern="100" smtClean="0">
+                        <a:rPr lang="en-US" altLang="ja-JP" sz="1000" kern="100">
                           <a:effectLst/>
                           <a:latin typeface="+mj-lt"/>
                           <a:ea typeface="+mn-ea"/>
@@ -9506,7 +9353,7 @@
                         <a:defRPr/>
                       </a:pPr>
                       <a:r>
-                        <a:rPr lang="en-US" altLang="ja-JP" sz="1000" kern="100" smtClean="0">
+                        <a:rPr lang="en-US" altLang="ja-JP" sz="1000" kern="100">
                           <a:effectLst/>
                           <a:latin typeface="+mj-lt"/>
                           <a:ea typeface="+mn-ea"/>
@@ -9514,7 +9361,7 @@
                         </a:rPr>
                         <a:t>Optional</a:t>
                       </a:r>
-                      <a:endParaRPr lang="ja-JP" altLang="ja-JP" sz="1000" kern="100" dirty="0" smtClean="0">
+                      <a:endParaRPr lang="ja-JP" altLang="ja-JP" sz="1000" kern="100" dirty="0">
                         <a:effectLst/>
                         <a:latin typeface="+mj-lt"/>
                         <a:ea typeface="+mn-ea"/>
@@ -9551,7 +9398,7 @@
                         <a:defRPr/>
                       </a:pPr>
                       <a:r>
-                        <a:rPr kumimoji="1" lang="en-US" altLang="ja-JP" sz="1000" b="0" i="0" u="none" strike="noStrike" kern="100" cap="none" spc="0" normalizeH="0" baseline="0" noProof="0" dirty="0" smtClean="0">
+                        <a:rPr kumimoji="1" lang="en-US" altLang="ja-JP" sz="1000" b="0" i="0" u="none" strike="noStrike" kern="100" cap="none" spc="0" normalizeH="0" baseline="0" noProof="0" dirty="0">
                           <a:ln>
                             <a:noFill/>
                           </a:ln>
@@ -9598,7 +9445,7 @@
                         <a:defRPr/>
                       </a:pPr>
                       <a:r>
-                        <a:rPr lang="en-US" altLang="ja-JP" sz="900" kern="100" dirty="0" smtClean="0">
+                        <a:rPr lang="en-US" altLang="ja-JP" sz="900" kern="100" dirty="0">
                           <a:effectLst/>
                           <a:latin typeface="+mj-lt"/>
                           <a:ea typeface="+mn-ea"/>
@@ -9607,7 +9454,7 @@
                         <a:t>Specify the path of the file used</a:t>
                       </a:r>
                       <a:r>
-                        <a:rPr lang="en-US" altLang="ja-JP" sz="900" kern="100" baseline="0" dirty="0" smtClean="0">
+                        <a:rPr lang="en-US" altLang="ja-JP" sz="900" kern="100" baseline="0" dirty="0">
                           <a:effectLst/>
                           <a:latin typeface="+mj-lt"/>
                           <a:ea typeface="+mn-ea"/>
@@ -9616,7 +9463,7 @@
                         <a:t> for user-specified SSL private keys.</a:t>
                       </a:r>
                       <a:br>
-                        <a:rPr lang="en-US" altLang="ja-JP" sz="900" kern="100" baseline="0" dirty="0" smtClean="0">
+                        <a:rPr lang="en-US" altLang="ja-JP" sz="900" kern="100" baseline="0" dirty="0">
                           <a:effectLst/>
                           <a:latin typeface="+mj-lt"/>
                           <a:ea typeface="+mn-ea"/>
@@ -9624,7 +9471,7 @@
                         </a:rPr>
                       </a:br>
                       <a:r>
-                        <a:rPr lang="en-US" altLang="ja-JP" sz="800" kern="100" baseline="0" dirty="0" smtClean="0">
+                        <a:rPr lang="en-US" altLang="ja-JP" sz="800" kern="100" baseline="0" dirty="0">
                           <a:effectLst/>
                           <a:latin typeface="+mj-lt"/>
                           <a:ea typeface="+mn-ea"/>
@@ -9632,7 +9479,7 @@
                         </a:rPr>
                         <a:t>(Enter only when using a user-specified SSL private key. Specify an absolute path)</a:t>
                       </a:r>
-                      <a:endParaRPr lang="en-US" altLang="ja-JP" sz="600" kern="100" dirty="0" smtClean="0">
+                      <a:endParaRPr lang="en-US" altLang="ja-JP" sz="600" kern="100" dirty="0">
                         <a:effectLst/>
                         <a:latin typeface="+mj-lt"/>
                         <a:ea typeface="+mn-ea"/>
@@ -9672,21 +9519,17 @@
           <a:lstStyle/>
           <a:p>
             <a:r>
-              <a:rPr lang="en-US" altLang="ja-JP" dirty="0" smtClean="0"/>
-              <a:t>3.7</a:t>
-            </a:r>
-            <a:r>
               <a:rPr lang="en-US" altLang="ja-JP" dirty="0"/>
-              <a:t>	</a:t>
-            </a:r>
-            <a:r>
-              <a:rPr lang="en-US" altLang="ja-JP" dirty="0" smtClean="0">
+              <a:t>3.7	</a:t>
+            </a:r>
+            <a:r>
+              <a:rPr lang="en-US" altLang="ja-JP" dirty="0">
                 <a:cs typeface="Segoe UI" panose="020B0502040204020203" pitchFamily="34" charset="0"/>
               </a:rPr>
               <a:t>Update</a:t>
             </a:r>
             <a:r>
-              <a:rPr lang="en-US" altLang="ja-JP" dirty="0" smtClean="0">
+              <a:rPr lang="en-US" altLang="ja-JP" dirty="0">
                 <a:ea typeface="Segoe UI" panose="020B0502040204020203" pitchFamily="34" charset="0"/>
                 <a:cs typeface="Segoe UI" panose="020B0502040204020203" pitchFamily="34" charset="0"/>
               </a:rPr>
@@ -9694,11 +9537,7 @@
             </a:r>
             <a:r>
               <a:rPr lang="en-US" altLang="ja-JP" dirty="0"/>
-              <a:t>(</a:t>
-            </a:r>
-            <a:r>
-              <a:rPr lang="en-US" altLang="ja-JP" dirty="0" smtClean="0"/>
-              <a:t>2/9)</a:t>
+              <a:t>(2/9)</a:t>
             </a:r>
             <a:endParaRPr kumimoji="1" lang="ja-JP" altLang="en-US" dirty="0"/>
           </a:p>
@@ -9727,97 +9566,93 @@
           <a:lstStyle/>
           <a:p>
             <a:r>
-              <a:rPr lang="en-US" altLang="ja-JP" dirty="0" smtClean="0"/>
+              <a:rPr lang="en-US" altLang="ja-JP" dirty="0"/>
               <a:t>Edit answer file (</a:t>
             </a:r>
             <a:r>
-              <a:rPr lang="en-US" altLang="ja-JP" kern="100" dirty="0" smtClean="0"/>
+              <a:rPr lang="en-US" altLang="ja-JP" kern="100" dirty="0"/>
               <a:t>ita</a:t>
             </a:r>
             <a:r>
-              <a:rPr lang="en-US" altLang="ja-JP" dirty="0" smtClean="0"/>
+              <a:rPr lang="en-US" altLang="ja-JP" dirty="0"/>
               <a:t>_answers.txt)</a:t>
             </a:r>
           </a:p>
           <a:p>
             <a:pPr lvl="1"/>
             <a:r>
-              <a:rPr lang="en-US" altLang="ja-JP" dirty="0" smtClean="0"/>
+              <a:rPr lang="en-US" altLang="ja-JP" dirty="0"/>
               <a:t>Please edit the answer file to configure the ITA Update.</a:t>
             </a:r>
           </a:p>
           <a:p>
             <a:pPr lvl="1"/>
             <a:r>
-              <a:rPr lang="en-US" altLang="ja-JP" dirty="0" smtClean="0"/>
+              <a:rPr lang="en-US" altLang="ja-JP" dirty="0"/>
               <a:t>If the user wishes to install any library when updating to a new version, input</a:t>
             </a:r>
             <a:br>
-              <a:rPr lang="en-US" altLang="ja-JP" dirty="0" smtClean="0"/>
+              <a:rPr lang="en-US" altLang="ja-JP" dirty="0"/>
             </a:br>
             <a:r>
-              <a:rPr lang="en-US" altLang="ja-JP" dirty="0" smtClean="0"/>
+              <a:rPr lang="en-US" altLang="ja-JP" dirty="0"/>
               <a:t>“</a:t>
             </a:r>
             <a:r>
-              <a:rPr lang="en-US" altLang="ja-JP" dirty="0" err="1" smtClean="0"/>
+              <a:rPr lang="en-US" altLang="ja-JP" dirty="0" err="1"/>
               <a:t>Versionup_All</a:t>
             </a:r>
             <a:r>
-              <a:rPr lang="en-US" altLang="ja-JP" dirty="0" smtClean="0"/>
+              <a:rPr lang="en-US" altLang="ja-JP" dirty="0"/>
               <a:t>” to the “</a:t>
             </a:r>
             <a:r>
               <a:rPr lang="en-US" altLang="ja-JP" dirty="0" err="1"/>
-              <a:t>I</a:t>
-            </a:r>
-            <a:r>
-              <a:rPr lang="en-US" altLang="ja-JP" dirty="0" err="1" smtClean="0"/>
-              <a:t>nstall_mode</a:t>
-            </a:r>
-            <a:r>
-              <a:rPr lang="en-US" altLang="ja-JP" dirty="0" smtClean="0"/>
+              <a:t>Install_mode</a:t>
+            </a:r>
+            <a:r>
+              <a:rPr lang="en-US" altLang="ja-JP" dirty="0"/>
               <a:t>” value. If not, input “</a:t>
             </a:r>
             <a:r>
-              <a:rPr lang="en-US" altLang="ja-JP" dirty="0" err="1" smtClean="0"/>
+              <a:rPr lang="en-US" altLang="ja-JP" dirty="0" err="1"/>
               <a:t>Versionup_ITA</a:t>
             </a:r>
             <a:r>
-              <a:rPr lang="en-US" altLang="ja-JP" dirty="0" smtClean="0"/>
+              <a:rPr lang="en-US" altLang="ja-JP" dirty="0"/>
               <a:t>”.</a:t>
             </a:r>
           </a:p>
           <a:p>
             <a:pPr lvl="1"/>
             <a:r>
-              <a:rPr lang="en-US" altLang="ja-JP" dirty="0" smtClean="0"/>
+              <a:rPr lang="en-US" altLang="ja-JP" dirty="0"/>
               <a:t>The only items used when updating ITA are “</a:t>
             </a:r>
             <a:r>
-              <a:rPr lang="en-US" altLang="ja-JP" dirty="0" err="1" smtClean="0"/>
+              <a:rPr lang="en-US" altLang="ja-JP" dirty="0" err="1"/>
               <a:t>Install_mode</a:t>
             </a:r>
             <a:r>
-              <a:rPr lang="en-US" altLang="ja-JP" dirty="0" smtClean="0"/>
+              <a:rPr lang="en-US" altLang="ja-JP" dirty="0"/>
               <a:t>” and “</a:t>
             </a:r>
             <a:r>
-              <a:rPr lang="en-US" altLang="ja-JP" dirty="0" err="1" smtClean="0"/>
+              <a:rPr lang="en-US" altLang="ja-JP" dirty="0" err="1"/>
               <a:t>ITA_directory</a:t>
             </a:r>
             <a:r>
-              <a:rPr lang="en-US" altLang="ja-JP" dirty="0" smtClean="0"/>
+              <a:rPr lang="en-US" altLang="ja-JP" dirty="0"/>
               <a:t>”.</a:t>
             </a:r>
             <a:br>
-              <a:rPr lang="en-US" altLang="ja-JP" dirty="0" smtClean="0"/>
+              <a:rPr lang="en-US" altLang="ja-JP" dirty="0"/>
             </a:br>
-            <a:endParaRPr lang="en-US" altLang="ja-JP" dirty="0" smtClean="0"/>
+            <a:endParaRPr lang="en-US" altLang="ja-JP" dirty="0"/>
           </a:p>
           <a:p>
             <a:pPr lvl="1"/>
-            <a:endParaRPr lang="en-US" altLang="ja-JP" dirty="0" smtClean="0"/>
+            <a:endParaRPr lang="en-US" altLang="ja-JP" dirty="0"/>
           </a:p>
         </p:txBody>
       </p:sp>
@@ -9855,15 +9690,7 @@
                   <a:srgbClr val="FF0000"/>
                 </a:solidFill>
               </a:rPr>
-              <a:t>Not used </a:t>
-            </a:r>
-            <a:r>
-              <a:rPr lang="en-US" altLang="ja-JP" sz="2000" b="1" dirty="0" smtClean="0">
-                <a:solidFill>
-                  <a:srgbClr val="FF0000"/>
-                </a:solidFill>
-              </a:rPr>
-              <a:t>when updating</a:t>
+              <a:t>Not used when updating</a:t>
             </a:r>
             <a:endParaRPr lang="ja-JP" altLang="en-US" sz="2000" b="1" dirty="0">
               <a:solidFill>
@@ -9883,13 +9710,6 @@
   <p:clrMapOvr>
     <a:masterClrMapping/>
   </p:clrMapOvr>
-  <p:timing>
-    <p:tnLst>
-      <p:par>
-        <p:cTn id="1" dur="indefinite" restart="never" nodeType="tmRoot"/>
-      </p:par>
-    </p:tnLst>
-  </p:timing>
 </p:sld>
 </file>
 
@@ -9926,7 +9746,7 @@
           <a:lstStyle/>
           <a:p>
             <a:r>
-              <a:rPr lang="en-US" altLang="ja-JP" dirty="0" smtClean="0"/>
+              <a:rPr lang="en-US" altLang="ja-JP" dirty="0"/>
               <a:t>3.5</a:t>
             </a:r>
             <a:r>
@@ -9934,19 +9754,19 @@
               <a:t>　</a:t>
             </a:r>
             <a:r>
-              <a:rPr lang="en-US" altLang="ja-JP" dirty="0" smtClean="0"/>
+              <a:rPr lang="en-US" altLang="ja-JP" dirty="0"/>
               <a:t>Update</a:t>
             </a:r>
             <a:r>
-              <a:rPr lang="ja-JP" altLang="en-US" dirty="0" smtClean="0"/>
+              <a:rPr lang="ja-JP" altLang="en-US" dirty="0"/>
               <a:t>（</a:t>
             </a:r>
             <a:r>
-              <a:rPr lang="en-US" altLang="ja-JP" dirty="0" smtClean="0"/>
+              <a:rPr lang="en-US" altLang="ja-JP" dirty="0"/>
               <a:t>3/9</a:t>
             </a:r>
             <a:r>
-              <a:rPr lang="ja-JP" altLang="en-US" dirty="0" smtClean="0"/>
+              <a:rPr lang="ja-JP" altLang="en-US" dirty="0"/>
               <a:t>）</a:t>
             </a:r>
             <a:endParaRPr kumimoji="1" lang="ja-JP" altLang="en-US" dirty="0"/>
@@ -9983,131 +9803,108 @@
               <a:buChar char="▌"/>
             </a:pPr>
             <a:r>
-              <a:rPr lang="en-US" altLang="ja-JP" sz="2000" dirty="0" smtClean="0">
+              <a:rPr lang="en-US" altLang="ja-JP" sz="2000" dirty="0">
                 <a:cs typeface="+mn-cs"/>
               </a:rPr>
               <a:t>Installation modes</a:t>
             </a:r>
-            <a:endParaRPr lang="en-US" altLang="ja-JP" sz="2000" dirty="0">
-              <a:cs typeface="+mn-cs"/>
-            </a:endParaRPr>
           </a:p>
           <a:p>
             <a:pPr lvl="1"/>
             <a:r>
               <a:rPr lang="en-US" altLang="ja-JP" dirty="0"/>
-              <a:t>Starting from version 1.6.0, the </a:t>
-            </a:r>
-            <a:r>
-              <a:rPr lang="en-US" altLang="ja-JP" dirty="0" smtClean="0"/>
-              <a:t>shell </a:t>
+              <a:t>Starting from version 1.6.0, the shell executed when the installer is launched is unified to ita_installer.sh only, and the behavior of the installer branches according to "</a:t>
+            </a:r>
+            <a:r>
+              <a:rPr lang="en-US" altLang="ja-JP" dirty="0" err="1"/>
+              <a:t>install_mode</a:t>
             </a:r>
             <a:r>
               <a:rPr lang="en-US" altLang="ja-JP" dirty="0"/>
-              <a:t>executed when the installer is launched is unified to ita_installer.sh only, and the behavior of the installer branches according to </a:t>
-            </a:r>
-            <a:r>
-              <a:rPr lang="en-US" altLang="ja-JP" dirty="0" smtClean="0"/>
-              <a:t>"</a:t>
-            </a:r>
-            <a:r>
-              <a:rPr lang="en-US" altLang="ja-JP" dirty="0" err="1" smtClean="0"/>
+              <a:t>“ value in the answer file (ita_answers.txt).</a:t>
+            </a:r>
+            <a:br>
+              <a:rPr lang="en-US" altLang="ja-JP" dirty="0"/>
+            </a:br>
+            <a:endParaRPr lang="en-US" altLang="ja-JP" dirty="0"/>
+          </a:p>
+          <a:p>
+            <a:pPr lvl="2"/>
+            <a:r>
+              <a:rPr lang="en-US" altLang="ja-JP" dirty="0" err="1"/>
+              <a:t>Versionup_All</a:t>
+            </a:r>
+            <a:r>
+              <a:rPr lang="ja-JP" altLang="en-US" dirty="0"/>
+              <a:t>：</a:t>
+            </a:r>
+            <a:r>
+              <a:rPr lang="en-US" altLang="ja-JP" dirty="0"/>
+              <a:t>Updates ITA after having installed all of the necessary libraries through the internet.</a:t>
+            </a:r>
+            <a:br>
+              <a:rPr lang="en-US" altLang="ja-JP" dirty="0"/>
+            </a:br>
+            <a:r>
+              <a:rPr lang="en-US" altLang="ja-JP" dirty="0" err="1"/>
+              <a:t>Versionup_ITA</a:t>
+            </a:r>
+            <a:r>
+              <a:rPr lang="ja-JP" altLang="en-US" dirty="0"/>
+              <a:t>：</a:t>
+            </a:r>
+            <a:r>
+              <a:rPr lang="en-US" altLang="ja-JP" dirty="0"/>
+              <a:t>Updates ITA without installing any libraries.</a:t>
+            </a:r>
+            <a:br>
+              <a:rPr lang="en-US" altLang="ja-JP" dirty="0"/>
+            </a:br>
+            <a:endParaRPr lang="en-US" altLang="ja-JP" dirty="0"/>
+          </a:p>
+          <a:p>
+            <a:pPr lvl="1"/>
+            <a:r>
+              <a:rPr lang="en-US" altLang="ja-JP" dirty="0"/>
+              <a:t>If you are using an online environment and want to automatically install libraries, choose “</a:t>
+            </a:r>
+            <a:r>
+              <a:rPr lang="en-US" altLang="ja-JP" dirty="0" err="1"/>
+              <a:t>Versionup_All</a:t>
+            </a:r>
+            <a:r>
+              <a:rPr lang="en-US" altLang="ja-JP" dirty="0"/>
+              <a:t>” for the “</a:t>
+            </a:r>
+            <a:r>
+              <a:rPr lang="en-US" altLang="ja-JP" dirty="0" err="1"/>
               <a:t>install_mode</a:t>
             </a:r>
             <a:r>
-              <a:rPr lang="en-US" altLang="ja-JP" dirty="0" smtClean="0"/>
-              <a:t>“ value </a:t>
-            </a:r>
-            <a:r>
               <a:rPr lang="en-US" altLang="ja-JP" dirty="0"/>
-              <a:t>in the answer file (ita_answers.txt).</a:t>
-            </a:r>
-            <a:r>
-              <a:rPr lang="en-US" altLang="ja-JP" dirty="0" smtClean="0"/>
-              <a:t/>
+              <a:t>”. </a:t>
             </a:r>
             <a:br>
-              <a:rPr lang="en-US" altLang="ja-JP" dirty="0" smtClean="0"/>
+              <a:rPr lang="en-US" altLang="ja-JP" dirty="0"/>
             </a:br>
-            <a:endParaRPr lang="en-US" altLang="ja-JP" dirty="0" smtClean="0"/>
-          </a:p>
-          <a:p>
-            <a:pPr lvl="2"/>
-            <a:r>
-              <a:rPr lang="en-US" altLang="ja-JP" dirty="0" err="1" smtClean="0"/>
-              <a:t>Versionup_All</a:t>
-            </a:r>
-            <a:r>
-              <a:rPr lang="ja-JP" altLang="en-US" dirty="0" smtClean="0"/>
-              <a:t>：</a:t>
-            </a:r>
-            <a:r>
-              <a:rPr lang="en-US" altLang="ja-JP" dirty="0" smtClean="0"/>
-              <a:t>Updates ITA after having installed all of the necessary libraries through the internet.</a:t>
-            </a:r>
-            <a:br>
-              <a:rPr lang="en-US" altLang="ja-JP" dirty="0" smtClean="0"/>
-            </a:br>
-            <a:r>
-              <a:rPr lang="en-US" altLang="ja-JP" dirty="0" err="1" smtClean="0"/>
+            <a:r>
+              <a:rPr lang="en-US" altLang="ja-JP" dirty="0"/>
+              <a:t>If you do not wish to automatically install libraries or are using an offline environment, choose “</a:t>
+            </a:r>
+            <a:r>
+              <a:rPr lang="en-US" altLang="ja-JP" dirty="0" err="1"/>
               <a:t>Versionup_ITA</a:t>
             </a:r>
             <a:r>
-              <a:rPr lang="ja-JP" altLang="en-US" dirty="0" smtClean="0"/>
-              <a:t>：</a:t>
-            </a:r>
-            <a:r>
-              <a:rPr lang="en-US" altLang="ja-JP" dirty="0" smtClean="0"/>
-              <a:t>Updates ITA without installing any libraries.</a:t>
-            </a:r>
-            <a:br>
-              <a:rPr lang="en-US" altLang="ja-JP" dirty="0" smtClean="0"/>
-            </a:br>
-            <a:endParaRPr lang="en-US" altLang="ja-JP" dirty="0" smtClean="0"/>
-          </a:p>
-          <a:p>
-            <a:pPr lvl="1"/>
-            <a:r>
-              <a:rPr lang="en-US" altLang="ja-JP" dirty="0" smtClean="0"/>
-              <a:t>If you are using an online environment and want to automatically install libraries, choose “</a:t>
-            </a:r>
-            <a:r>
-              <a:rPr lang="en-US" altLang="ja-JP" dirty="0" err="1" smtClean="0"/>
-              <a:t>Versionup_All</a:t>
-            </a:r>
-            <a:r>
-              <a:rPr lang="en-US" altLang="ja-JP" dirty="0" smtClean="0"/>
+              <a:rPr lang="en-US" altLang="ja-JP" dirty="0"/>
               <a:t>” for the “</a:t>
             </a:r>
             <a:r>
-              <a:rPr lang="en-US" altLang="ja-JP" dirty="0" err="1" smtClean="0"/>
+              <a:rPr lang="en-US" altLang="ja-JP" dirty="0" err="1"/>
               <a:t>install_mode</a:t>
             </a:r>
             <a:r>
-              <a:rPr lang="en-US" altLang="ja-JP" dirty="0" smtClean="0"/>
-              <a:t>”. </a:t>
-            </a:r>
-            <a:br>
-              <a:rPr lang="en-US" altLang="ja-JP" dirty="0" smtClean="0"/>
-            </a:br>
-            <a:r>
-              <a:rPr lang="en-US" altLang="ja-JP" dirty="0" smtClean="0"/>
-              <a:t>If you do not wish to automatically install libraries or are using an offline environment, choose “</a:t>
-            </a:r>
-            <a:r>
-              <a:rPr lang="en-US" altLang="ja-JP" dirty="0" err="1" smtClean="0"/>
-              <a:t>Versionup_ITA</a:t>
-            </a:r>
-            <a:r>
-              <a:rPr lang="en-US" altLang="ja-JP" dirty="0" smtClean="0"/>
-              <a:t>” for the “</a:t>
-            </a:r>
-            <a:r>
-              <a:rPr lang="en-US" altLang="ja-JP" dirty="0" err="1" smtClean="0"/>
-              <a:t>install_mode</a:t>
-            </a:r>
-            <a:r>
-              <a:rPr lang="en-US" altLang="ja-JP" dirty="0" smtClean="0"/>
+              <a:rPr lang="en-US" altLang="ja-JP" dirty="0"/>
               <a:t>”.</a:t>
             </a:r>
           </a:p>
@@ -10115,7 +9912,7 @@
             <a:pPr marL="180000" lvl="1" indent="0">
               <a:buNone/>
             </a:pPr>
-            <a:endParaRPr lang="en-US" altLang="ja-JP" dirty="0" smtClean="0"/>
+            <a:endParaRPr lang="en-US" altLang="ja-JP" dirty="0"/>
           </a:p>
         </p:txBody>
       </p:sp>
@@ -10129,13 +9926,6 @@
   <p:clrMapOvr>
     <a:masterClrMapping/>
   </p:clrMapOvr>
-  <p:timing>
-    <p:tnLst>
-      <p:par>
-        <p:cTn id="1" dur="indefinite" restart="never" nodeType="tmRoot"/>
-      </p:par>
-    </p:tnLst>
-  </p:timing>
 </p:sld>
 </file>
 
@@ -10172,7 +9962,7 @@
           <a:lstStyle/>
           <a:p>
             <a:r>
-              <a:rPr lang="en-US" altLang="ja-JP" dirty="0" smtClean="0"/>
+              <a:rPr lang="en-US" altLang="ja-JP" dirty="0"/>
               <a:t>3.5</a:t>
             </a:r>
             <a:r>
@@ -10180,23 +9970,19 @@
               <a:t>　</a:t>
             </a:r>
             <a:r>
-              <a:rPr lang="en-US" altLang="ja-JP" dirty="0" smtClean="0"/>
+              <a:rPr lang="en-US" altLang="ja-JP" dirty="0"/>
               <a:t>Update</a:t>
             </a:r>
             <a:r>
-              <a:rPr lang="ja-JP" altLang="en-US" dirty="0" smtClean="0"/>
+              <a:rPr lang="ja-JP" altLang="en-US" dirty="0"/>
               <a:t>（</a:t>
             </a:r>
             <a:r>
               <a:rPr lang="en-US" altLang="ja-JP" dirty="0"/>
-              <a:t>4</a:t>
-            </a:r>
-            <a:r>
-              <a:rPr lang="en-US" altLang="ja-JP" dirty="0" smtClean="0"/>
-              <a:t>/9</a:t>
-            </a:r>
-            <a:r>
-              <a:rPr lang="ja-JP" altLang="en-US" dirty="0" smtClean="0"/>
+              <a:t>4/9</a:t>
+            </a:r>
+            <a:r>
+              <a:rPr lang="ja-JP" altLang="en-US" dirty="0"/>
               <a:t>）</a:t>
             </a:r>
             <a:endParaRPr kumimoji="1" lang="ja-JP" altLang="en-US" dirty="0"/>
@@ -10226,7 +10012,7 @@
           <a:lstStyle/>
           <a:p>
             <a:r>
-              <a:rPr lang="en-US" altLang="ja-JP" dirty="0" smtClean="0"/>
+              <a:rPr lang="en-US" altLang="ja-JP" dirty="0"/>
               <a:t>Sample of the answer file (ita_answers.txt)</a:t>
             </a:r>
           </a:p>
@@ -10234,23 +10020,19 @@
             <a:pPr lvl="1"/>
             <a:r>
               <a:rPr lang="en-US" altLang="ja-JP" dirty="0"/>
-              <a:t>The following shows an example of the answer file (ita_answers.txt</a:t>
-            </a:r>
-            <a:r>
-              <a:rPr lang="en-US" altLang="ja-JP" dirty="0" smtClean="0"/>
-              <a:t>)</a:t>
+              <a:t>The following shows an example of the answer file (ita_answers.txt)</a:t>
             </a:r>
             <a:br>
-              <a:rPr lang="en-US" altLang="ja-JP" dirty="0" smtClean="0"/>
+              <a:rPr lang="en-US" altLang="ja-JP" dirty="0"/>
             </a:br>
-            <a:endParaRPr lang="en-US" altLang="ja-JP" dirty="0" smtClean="0"/>
-          </a:p>
-          <a:p>
-            <a:endParaRPr lang="en-US" altLang="ja-JP" dirty="0" smtClean="0"/>
+            <a:endParaRPr lang="en-US" altLang="ja-JP" dirty="0"/>
+          </a:p>
+          <a:p>
+            <a:endParaRPr lang="en-US" altLang="ja-JP" dirty="0"/>
           </a:p>
           <a:p>
             <a:pPr lvl="1"/>
-            <a:endParaRPr lang="en-US" altLang="ja-JP" dirty="0" smtClean="0"/>
+            <a:endParaRPr lang="en-US" altLang="ja-JP" dirty="0"/>
           </a:p>
         </p:txBody>
       </p:sp>
@@ -10859,7 +10641,7 @@
               <a:defRPr/>
             </a:pPr>
             <a:r>
-              <a:rPr kumimoji="0" lang="en-US" altLang="ja-JP" sz="900" kern="100" dirty="0" err="1" smtClean="0">
+              <a:rPr kumimoji="0" lang="en-US" altLang="ja-JP" sz="900" kern="100" dirty="0" err="1">
                 <a:solidFill>
                   <a:sysClr val="window" lastClr="FFFFFF"/>
                 </a:solidFill>
@@ -10870,7 +10652,7 @@
               <a:t>install_mode</a:t>
             </a:r>
             <a:r>
-              <a:rPr kumimoji="0" lang="en-US" altLang="ja-JP" sz="900" kern="100" dirty="0" smtClean="0">
+              <a:rPr kumimoji="0" lang="en-US" altLang="ja-JP" sz="900" kern="100" dirty="0">
                 <a:solidFill>
                   <a:sysClr val="window" lastClr="FFFFFF"/>
                 </a:solidFill>
@@ -10878,10 +10660,10 @@
                 <a:ea typeface="ＭＳ 明朝" panose="02020609040205080304" pitchFamily="17" charset="-128"/>
                 <a:cs typeface="Times New Roman" panose="02020603050405020304" pitchFamily="18" charset="0"/>
               </a:rPr>
-              <a:t>:</a:t>
-            </a:r>
-            <a:r>
-              <a:rPr kumimoji="0" lang="en-US" altLang="ja-JP" sz="900" kern="100" dirty="0">
+              <a:t>: </a:t>
+            </a:r>
+            <a:r>
+              <a:rPr kumimoji="0" lang="en-US" altLang="ja-JP" sz="900" kern="100" dirty="0" err="1">
                 <a:solidFill>
                   <a:sysClr val="window" lastClr="FFFFFF"/>
                 </a:solidFill>
@@ -10889,167 +10671,9 @@
                 <a:ea typeface="ＭＳ 明朝" panose="02020609040205080304" pitchFamily="17" charset="-128"/>
                 <a:cs typeface="Times New Roman" panose="02020603050405020304" pitchFamily="18" charset="0"/>
               </a:rPr>
-              <a:t> </a:t>
-            </a:r>
-            <a:r>
-              <a:rPr kumimoji="0" lang="en-US" altLang="ja-JP" sz="900" kern="100" dirty="0" err="1">
-                <a:solidFill>
-                  <a:sysClr val="window" lastClr="FFFFFF"/>
-                </a:solidFill>
-                <a:latin typeface="Arial" panose="020B0604020202020204" pitchFamily="34" charset="0"/>
-                <a:ea typeface="ＭＳ 明朝" panose="02020609040205080304" pitchFamily="17" charset="-128"/>
-                <a:cs typeface="Times New Roman" panose="02020603050405020304" pitchFamily="18" charset="0"/>
-              </a:rPr>
               <a:t>Versionup_All</a:t>
             </a:r>
             <a:endParaRPr kumimoji="0" lang="en-US" altLang="ja-JP" sz="900" kern="100" dirty="0">
-              <a:solidFill>
-                <a:sysClr val="window" lastClr="FFFFFF"/>
-              </a:solidFill>
-              <a:latin typeface="Arial" panose="020B0604020202020204" pitchFamily="34" charset="0"/>
-              <a:ea typeface="ＭＳ 明朝" panose="02020609040205080304" pitchFamily="17" charset="-128"/>
-              <a:cs typeface="Times New Roman" panose="02020603050405020304" pitchFamily="18" charset="0"/>
-            </a:endParaRPr>
-          </a:p>
-          <a:p>
-            <a:pPr lvl="0">
-              <a:lnSpc>
-                <a:spcPts val="900"/>
-              </a:lnSpc>
-              <a:defRPr/>
-            </a:pPr>
-            <a:endParaRPr kumimoji="0" lang="en-US" sz="900" kern="100" dirty="0" smtClean="0">
-              <a:solidFill>
-                <a:sysClr val="window" lastClr="FFFFFF"/>
-              </a:solidFill>
-              <a:latin typeface="Arial" panose="020B0604020202020204" pitchFamily="34" charset="0"/>
-              <a:ea typeface="ＭＳ 明朝" panose="02020609040205080304" pitchFamily="17" charset="-128"/>
-              <a:cs typeface="Times New Roman" panose="02020603050405020304" pitchFamily="18" charset="0"/>
-            </a:endParaRPr>
-          </a:p>
-          <a:p>
-            <a:pPr lvl="0">
-              <a:lnSpc>
-                <a:spcPts val="900"/>
-              </a:lnSpc>
-              <a:defRPr/>
-            </a:pPr>
-            <a:r>
-              <a:rPr kumimoji="0" lang="en-US" sz="900" kern="100" dirty="0" smtClean="0">
-                <a:solidFill>
-                  <a:sysClr val="window" lastClr="FFFFFF"/>
-                </a:solidFill>
-                <a:latin typeface="Arial" panose="020B0604020202020204" pitchFamily="34" charset="0"/>
-                <a:ea typeface="ＭＳ 明朝" panose="02020609040205080304" pitchFamily="17" charset="-128"/>
-                <a:cs typeface="Times New Roman" panose="02020603050405020304" pitchFamily="18" charset="0"/>
-              </a:rPr>
-              <a:t># </a:t>
-            </a:r>
-            <a:r>
-              <a:rPr kumimoji="0" lang="en-US" sz="900" kern="100" dirty="0" err="1">
-                <a:solidFill>
-                  <a:sysClr val="window" lastClr="FFFFFF"/>
-                </a:solidFill>
-                <a:latin typeface="Arial" panose="020B0604020202020204" pitchFamily="34" charset="0"/>
-                <a:ea typeface="ＭＳ 明朝" panose="02020609040205080304" pitchFamily="17" charset="-128"/>
-                <a:cs typeface="Times New Roman" panose="02020603050405020304" pitchFamily="18" charset="0"/>
-              </a:rPr>
-              <a:t>e.g</a:t>
-            </a:r>
-            <a:r>
-              <a:rPr kumimoji="0" lang="en-US" sz="900" kern="100" dirty="0">
-                <a:solidFill>
-                  <a:sysClr val="window" lastClr="FFFFFF"/>
-                </a:solidFill>
-                <a:latin typeface="Arial" panose="020B0604020202020204" pitchFamily="34" charset="0"/>
-                <a:ea typeface="ＭＳ 明朝" panose="02020609040205080304" pitchFamily="17" charset="-128"/>
-                <a:cs typeface="Times New Roman" panose="02020603050405020304" pitchFamily="18" charset="0"/>
-              </a:rPr>
-              <a:t>) </a:t>
-            </a:r>
-            <a:r>
-              <a:rPr kumimoji="0" lang="en-US" sz="900" kern="100" dirty="0" err="1">
-                <a:solidFill>
-                  <a:sysClr val="window" lastClr="FFFFFF"/>
-                </a:solidFill>
-                <a:latin typeface="Arial" panose="020B0604020202020204" pitchFamily="34" charset="0"/>
-                <a:ea typeface="ＭＳ 明朝" panose="02020609040205080304" pitchFamily="17" charset="-128"/>
-                <a:cs typeface="Times New Roman" panose="02020603050405020304" pitchFamily="18" charset="0"/>
-              </a:rPr>
-              <a:t>ita_directory</a:t>
-            </a:r>
-            <a:r>
-              <a:rPr kumimoji="0" lang="en-US" sz="900" kern="100" dirty="0">
-                <a:solidFill>
-                  <a:sysClr val="window" lastClr="FFFFFF"/>
-                </a:solidFill>
-                <a:latin typeface="Arial" panose="020B0604020202020204" pitchFamily="34" charset="0"/>
-                <a:ea typeface="ＭＳ 明朝" panose="02020609040205080304" pitchFamily="17" charset="-128"/>
-                <a:cs typeface="Times New Roman" panose="02020603050405020304" pitchFamily="18" charset="0"/>
-              </a:rPr>
-              <a:t>:/</a:t>
-            </a:r>
-            <a:r>
-              <a:rPr kumimoji="0" lang="en-US" sz="900" kern="100" dirty="0" err="1">
-                <a:solidFill>
-                  <a:sysClr val="window" lastClr="FFFFFF"/>
-                </a:solidFill>
-                <a:latin typeface="Arial" panose="020B0604020202020204" pitchFamily="34" charset="0"/>
-                <a:ea typeface="ＭＳ 明朝" panose="02020609040205080304" pitchFamily="17" charset="-128"/>
-                <a:cs typeface="Times New Roman" panose="02020603050405020304" pitchFamily="18" charset="0"/>
-              </a:rPr>
-              <a:t>exastro</a:t>
-            </a:r>
-            <a:endParaRPr kumimoji="0" lang="en-US" sz="900" kern="100" dirty="0">
-              <a:solidFill>
-                <a:sysClr val="window" lastClr="FFFFFF"/>
-              </a:solidFill>
-              <a:latin typeface="Arial" panose="020B0604020202020204" pitchFamily="34" charset="0"/>
-              <a:ea typeface="ＭＳ 明朝" panose="02020609040205080304" pitchFamily="17" charset="-128"/>
-              <a:cs typeface="Times New Roman" panose="02020603050405020304" pitchFamily="18" charset="0"/>
-            </a:endParaRPr>
-          </a:p>
-          <a:p>
-            <a:pPr lvl="0">
-              <a:lnSpc>
-                <a:spcPts val="900"/>
-              </a:lnSpc>
-              <a:defRPr/>
-            </a:pPr>
-            <a:r>
-              <a:rPr kumimoji="0" lang="en-US" sz="900" kern="100" dirty="0" err="1">
-                <a:solidFill>
-                  <a:sysClr val="window" lastClr="FFFFFF"/>
-                </a:solidFill>
-                <a:latin typeface="Arial" panose="020B0604020202020204" pitchFamily="34" charset="0"/>
-                <a:ea typeface="ＭＳ 明朝" panose="02020609040205080304" pitchFamily="17" charset="-128"/>
-                <a:cs typeface="Times New Roman" panose="02020603050405020304" pitchFamily="18" charset="0"/>
-              </a:rPr>
-              <a:t>ita_directory</a:t>
-            </a:r>
-            <a:r>
-              <a:rPr kumimoji="0" lang="en-US" sz="900" kern="100" dirty="0">
-                <a:solidFill>
-                  <a:sysClr val="window" lastClr="FFFFFF"/>
-                </a:solidFill>
-                <a:latin typeface="Arial" panose="020B0604020202020204" pitchFamily="34" charset="0"/>
-                <a:ea typeface="ＭＳ 明朝" panose="02020609040205080304" pitchFamily="17" charset="-128"/>
-                <a:cs typeface="Times New Roman" panose="02020603050405020304" pitchFamily="18" charset="0"/>
-              </a:rPr>
-              <a:t>:/</a:t>
-            </a:r>
-            <a:r>
-              <a:rPr kumimoji="0" lang="en-US" sz="900" kern="100" dirty="0" err="1">
-                <a:solidFill>
-                  <a:sysClr val="window" lastClr="FFFFFF"/>
-                </a:solidFill>
-                <a:latin typeface="Arial" panose="020B0604020202020204" pitchFamily="34" charset="0"/>
-                <a:ea typeface="ＭＳ 明朝" panose="02020609040205080304" pitchFamily="17" charset="-128"/>
-                <a:cs typeface="Times New Roman" panose="02020603050405020304" pitchFamily="18" charset="0"/>
-              </a:rPr>
-              <a:t>exastro</a:t>
-            </a:r>
-            <a:endParaRPr kumimoji="0" lang="en-US" sz="900" kern="100" dirty="0">
               <a:solidFill>
                 <a:sysClr val="window" lastClr="FFFFFF"/>
               </a:solidFill>
@@ -11090,7 +10714,7 @@
                 <a:ea typeface="ＭＳ 明朝" panose="02020609040205080304" pitchFamily="17" charset="-128"/>
                 <a:cs typeface="Times New Roman" panose="02020603050405020304" pitchFamily="18" charset="0"/>
               </a:rPr>
-              <a:t># Select language. ("</a:t>
+              <a:t># </a:t>
             </a:r>
             <a:r>
               <a:rPr kumimoji="0" lang="en-US" sz="900" kern="100" dirty="0" err="1">
@@ -11101,7 +10725,7 @@
                 <a:ea typeface="ＭＳ 明朝" panose="02020609040205080304" pitchFamily="17" charset="-128"/>
                 <a:cs typeface="Times New Roman" panose="02020603050405020304" pitchFamily="18" charset="0"/>
               </a:rPr>
-              <a:t>en_US</a:t>
+              <a:t>e.g</a:t>
             </a:r>
             <a:r>
               <a:rPr kumimoji="0" lang="en-US" sz="900" kern="100" dirty="0">
@@ -11112,7 +10736,7 @@
                 <a:ea typeface="ＭＳ 明朝" panose="02020609040205080304" pitchFamily="17" charset="-128"/>
                 <a:cs typeface="Times New Roman" panose="02020603050405020304" pitchFamily="18" charset="0"/>
               </a:rPr>
-              <a:t>" or "</a:t>
+              <a:t>) </a:t>
             </a:r>
             <a:r>
               <a:rPr kumimoji="0" lang="en-US" sz="900" kern="100" dirty="0" err="1">
@@ -11123,7 +10747,7 @@
                 <a:ea typeface="ＭＳ 明朝" panose="02020609040205080304" pitchFamily="17" charset="-128"/>
                 <a:cs typeface="Times New Roman" panose="02020603050405020304" pitchFamily="18" charset="0"/>
               </a:rPr>
-              <a:t>ja_JP</a:t>
+              <a:t>ita_directory</a:t>
             </a:r>
             <a:r>
               <a:rPr kumimoji="0" lang="en-US" sz="900" kern="100" dirty="0">
@@ -11134,18 +10758,10 @@
                 <a:ea typeface="ＭＳ 明朝" panose="02020609040205080304" pitchFamily="17" charset="-128"/>
                 <a:cs typeface="Times New Roman" panose="02020603050405020304" pitchFamily="18" charset="0"/>
               </a:rPr>
-              <a:t>")</a:t>
-            </a:r>
-          </a:p>
-          <a:p>
-            <a:pPr lvl="0">
-              <a:lnSpc>
-                <a:spcPts val="900"/>
-              </a:lnSpc>
-              <a:defRPr/>
-            </a:pPr>
-            <a:r>
-              <a:rPr kumimoji="0" lang="en-US" sz="900" kern="100" dirty="0">
+              <a:t>:/</a:t>
+            </a:r>
+            <a:r>
+              <a:rPr kumimoji="0" lang="en-US" sz="900" kern="100" dirty="0" err="1">
                 <a:solidFill>
                   <a:sysClr val="window" lastClr="FFFFFF"/>
                 </a:solidFill>
@@ -11153,40 +10769,7 @@
                 <a:ea typeface="ＭＳ 明朝" panose="02020609040205080304" pitchFamily="17" charset="-128"/>
                 <a:cs typeface="Times New Roman" panose="02020603050405020304" pitchFamily="18" charset="0"/>
               </a:rPr>
-              <a:t># </a:t>
-            </a:r>
-            <a:r>
-              <a:rPr kumimoji="0" lang="en-US" sz="900" kern="100" dirty="0" err="1">
-                <a:solidFill>
-                  <a:sysClr val="window" lastClr="FFFFFF"/>
-                </a:solidFill>
-                <a:latin typeface="Arial" panose="020B0604020202020204" pitchFamily="34" charset="0"/>
-                <a:ea typeface="ＭＳ 明朝" panose="02020609040205080304" pitchFamily="17" charset="-128"/>
-                <a:cs typeface="Times New Roman" panose="02020603050405020304" pitchFamily="18" charset="0"/>
-              </a:rPr>
-              <a:t>e.g</a:t>
-            </a:r>
-            <a:r>
-              <a:rPr kumimoji="0" lang="en-US" sz="900" kern="100" dirty="0">
-                <a:solidFill>
-                  <a:sysClr val="window" lastClr="FFFFFF"/>
-                </a:solidFill>
-                <a:latin typeface="Arial" panose="020B0604020202020204" pitchFamily="34" charset="0"/>
-                <a:ea typeface="ＭＳ 明朝" panose="02020609040205080304" pitchFamily="17" charset="-128"/>
-                <a:cs typeface="Times New Roman" panose="02020603050405020304" pitchFamily="18" charset="0"/>
-              </a:rPr>
-              <a:t>) </a:t>
-            </a:r>
-            <a:r>
-              <a:rPr kumimoji="0" lang="en-US" sz="900" kern="100" dirty="0" err="1">
-                <a:solidFill>
-                  <a:sysClr val="window" lastClr="FFFFFF"/>
-                </a:solidFill>
-                <a:latin typeface="Arial" panose="020B0604020202020204" pitchFamily="34" charset="0"/>
-                <a:ea typeface="ＭＳ 明朝" panose="02020609040205080304" pitchFamily="17" charset="-128"/>
-                <a:cs typeface="Times New Roman" panose="02020603050405020304" pitchFamily="18" charset="0"/>
-              </a:rPr>
-              <a:t>ita_language:en_US</a:t>
+              <a:t>exastro</a:t>
             </a:r>
             <a:endParaRPr kumimoji="0" lang="en-US" sz="900" kern="100" dirty="0">
               <a:solidFill>
@@ -11205,7 +10788,7 @@
               <a:defRPr/>
             </a:pPr>
             <a:r>
-              <a:rPr kumimoji="0" lang="en-US" sz="900" kern="100" dirty="0" err="1" smtClean="0">
+              <a:rPr kumimoji="0" lang="en-US" sz="900" kern="100" dirty="0" err="1">
                 <a:solidFill>
                   <a:sysClr val="window" lastClr="FFFFFF"/>
                 </a:solidFill>
@@ -11213,7 +10796,29 @@
                 <a:ea typeface="ＭＳ 明朝" panose="02020609040205080304" pitchFamily="17" charset="-128"/>
                 <a:cs typeface="Times New Roman" panose="02020603050405020304" pitchFamily="18" charset="0"/>
               </a:rPr>
-              <a:t>ita_language:ja_JP</a:t>
+              <a:t>ita_directory</a:t>
+            </a:r>
+            <a:r>
+              <a:rPr kumimoji="0" lang="en-US" sz="900" kern="100" dirty="0">
+                <a:solidFill>
+                  <a:sysClr val="window" lastClr="FFFFFF"/>
+                </a:solidFill>
+                <a:latin typeface="Arial" panose="020B0604020202020204" pitchFamily="34" charset="0"/>
+                <a:ea typeface="ＭＳ 明朝" panose="02020609040205080304" pitchFamily="17" charset="-128"/>
+                <a:cs typeface="Times New Roman" panose="02020603050405020304" pitchFamily="18" charset="0"/>
+              </a:rPr>
+              <a:t>:/</a:t>
+            </a:r>
+            <a:r>
+              <a:rPr kumimoji="0" lang="en-US" sz="900" kern="100" dirty="0" err="1">
+                <a:solidFill>
+                  <a:sysClr val="window" lastClr="FFFFFF"/>
+                </a:solidFill>
+                <a:latin typeface="Arial" panose="020B0604020202020204" pitchFamily="34" charset="0"/>
+                <a:ea typeface="ＭＳ 明朝" panose="02020609040205080304" pitchFamily="17" charset="-128"/>
+                <a:cs typeface="Times New Roman" panose="02020603050405020304" pitchFamily="18" charset="0"/>
+              </a:rPr>
+              <a:t>exastro</a:t>
             </a:r>
             <a:endParaRPr kumimoji="0" lang="en-US" sz="900" kern="100" dirty="0">
               <a:solidFill>
@@ -11247,7 +10852,173 @@
               </a:lnSpc>
               <a:defRPr/>
             </a:pPr>
-            <a:endParaRPr kumimoji="0" lang="en-US" sz="900" kern="100" dirty="0" smtClean="0">
+            <a:r>
+              <a:rPr kumimoji="0" lang="en-US" sz="900" kern="100" dirty="0">
+                <a:solidFill>
+                  <a:sysClr val="window" lastClr="FFFFFF"/>
+                </a:solidFill>
+                <a:latin typeface="Arial" panose="020B0604020202020204" pitchFamily="34" charset="0"/>
+                <a:ea typeface="ＭＳ 明朝" panose="02020609040205080304" pitchFamily="17" charset="-128"/>
+                <a:cs typeface="Times New Roman" panose="02020603050405020304" pitchFamily="18" charset="0"/>
+              </a:rPr>
+              <a:t># Select language. ("</a:t>
+            </a:r>
+            <a:r>
+              <a:rPr kumimoji="0" lang="en-US" sz="900" kern="100" dirty="0" err="1">
+                <a:solidFill>
+                  <a:sysClr val="window" lastClr="FFFFFF"/>
+                </a:solidFill>
+                <a:latin typeface="Arial" panose="020B0604020202020204" pitchFamily="34" charset="0"/>
+                <a:ea typeface="ＭＳ 明朝" panose="02020609040205080304" pitchFamily="17" charset="-128"/>
+                <a:cs typeface="Times New Roman" panose="02020603050405020304" pitchFamily="18" charset="0"/>
+              </a:rPr>
+              <a:t>en_US</a:t>
+            </a:r>
+            <a:r>
+              <a:rPr kumimoji="0" lang="en-US" sz="900" kern="100" dirty="0">
+                <a:solidFill>
+                  <a:sysClr val="window" lastClr="FFFFFF"/>
+                </a:solidFill>
+                <a:latin typeface="Arial" panose="020B0604020202020204" pitchFamily="34" charset="0"/>
+                <a:ea typeface="ＭＳ 明朝" panose="02020609040205080304" pitchFamily="17" charset="-128"/>
+                <a:cs typeface="Times New Roman" panose="02020603050405020304" pitchFamily="18" charset="0"/>
+              </a:rPr>
+              <a:t>" or "</a:t>
+            </a:r>
+            <a:r>
+              <a:rPr kumimoji="0" lang="en-US" sz="900" kern="100" dirty="0" err="1">
+                <a:solidFill>
+                  <a:sysClr val="window" lastClr="FFFFFF"/>
+                </a:solidFill>
+                <a:latin typeface="Arial" panose="020B0604020202020204" pitchFamily="34" charset="0"/>
+                <a:ea typeface="ＭＳ 明朝" panose="02020609040205080304" pitchFamily="17" charset="-128"/>
+                <a:cs typeface="Times New Roman" panose="02020603050405020304" pitchFamily="18" charset="0"/>
+              </a:rPr>
+              <a:t>ja_JP</a:t>
+            </a:r>
+            <a:r>
+              <a:rPr kumimoji="0" lang="en-US" sz="900" kern="100" dirty="0">
+                <a:solidFill>
+                  <a:sysClr val="window" lastClr="FFFFFF"/>
+                </a:solidFill>
+                <a:latin typeface="Arial" panose="020B0604020202020204" pitchFamily="34" charset="0"/>
+                <a:ea typeface="ＭＳ 明朝" panose="02020609040205080304" pitchFamily="17" charset="-128"/>
+                <a:cs typeface="Times New Roman" panose="02020603050405020304" pitchFamily="18" charset="0"/>
+              </a:rPr>
+              <a:t>")</a:t>
+            </a:r>
+          </a:p>
+          <a:p>
+            <a:pPr lvl="0">
+              <a:lnSpc>
+                <a:spcPts val="900"/>
+              </a:lnSpc>
+              <a:defRPr/>
+            </a:pPr>
+            <a:r>
+              <a:rPr kumimoji="0" lang="en-US" sz="900" kern="100" dirty="0">
+                <a:solidFill>
+                  <a:sysClr val="window" lastClr="FFFFFF"/>
+                </a:solidFill>
+                <a:latin typeface="Arial" panose="020B0604020202020204" pitchFamily="34" charset="0"/>
+                <a:ea typeface="ＭＳ 明朝" panose="02020609040205080304" pitchFamily="17" charset="-128"/>
+                <a:cs typeface="Times New Roman" panose="02020603050405020304" pitchFamily="18" charset="0"/>
+              </a:rPr>
+              <a:t># </a:t>
+            </a:r>
+            <a:r>
+              <a:rPr kumimoji="0" lang="en-US" sz="900" kern="100" dirty="0" err="1">
+                <a:solidFill>
+                  <a:sysClr val="window" lastClr="FFFFFF"/>
+                </a:solidFill>
+                <a:latin typeface="Arial" panose="020B0604020202020204" pitchFamily="34" charset="0"/>
+                <a:ea typeface="ＭＳ 明朝" panose="02020609040205080304" pitchFamily="17" charset="-128"/>
+                <a:cs typeface="Times New Roman" panose="02020603050405020304" pitchFamily="18" charset="0"/>
+              </a:rPr>
+              <a:t>e.g</a:t>
+            </a:r>
+            <a:r>
+              <a:rPr kumimoji="0" lang="en-US" sz="900" kern="100" dirty="0">
+                <a:solidFill>
+                  <a:sysClr val="window" lastClr="FFFFFF"/>
+                </a:solidFill>
+                <a:latin typeface="Arial" panose="020B0604020202020204" pitchFamily="34" charset="0"/>
+                <a:ea typeface="ＭＳ 明朝" panose="02020609040205080304" pitchFamily="17" charset="-128"/>
+                <a:cs typeface="Times New Roman" panose="02020603050405020304" pitchFamily="18" charset="0"/>
+              </a:rPr>
+              <a:t>) </a:t>
+            </a:r>
+            <a:r>
+              <a:rPr kumimoji="0" lang="en-US" sz="900" kern="100" dirty="0" err="1">
+                <a:solidFill>
+                  <a:sysClr val="window" lastClr="FFFFFF"/>
+                </a:solidFill>
+                <a:latin typeface="Arial" panose="020B0604020202020204" pitchFamily="34" charset="0"/>
+                <a:ea typeface="ＭＳ 明朝" panose="02020609040205080304" pitchFamily="17" charset="-128"/>
+                <a:cs typeface="Times New Roman" panose="02020603050405020304" pitchFamily="18" charset="0"/>
+              </a:rPr>
+              <a:t>ita_language:en_US</a:t>
+            </a:r>
+            <a:endParaRPr kumimoji="0" lang="en-US" sz="900" kern="100" dirty="0">
+              <a:solidFill>
+                <a:sysClr val="window" lastClr="FFFFFF"/>
+              </a:solidFill>
+              <a:latin typeface="Arial" panose="020B0604020202020204" pitchFamily="34" charset="0"/>
+              <a:ea typeface="ＭＳ 明朝" panose="02020609040205080304" pitchFamily="17" charset="-128"/>
+              <a:cs typeface="Times New Roman" panose="02020603050405020304" pitchFamily="18" charset="0"/>
+            </a:endParaRPr>
+          </a:p>
+          <a:p>
+            <a:pPr lvl="0">
+              <a:lnSpc>
+                <a:spcPts val="900"/>
+              </a:lnSpc>
+              <a:defRPr/>
+            </a:pPr>
+            <a:r>
+              <a:rPr kumimoji="0" lang="en-US" sz="900" kern="100" dirty="0" err="1">
+                <a:solidFill>
+                  <a:sysClr val="window" lastClr="FFFFFF"/>
+                </a:solidFill>
+                <a:latin typeface="Arial" panose="020B0604020202020204" pitchFamily="34" charset="0"/>
+                <a:ea typeface="ＭＳ 明朝" panose="02020609040205080304" pitchFamily="17" charset="-128"/>
+                <a:cs typeface="Times New Roman" panose="02020603050405020304" pitchFamily="18" charset="0"/>
+              </a:rPr>
+              <a:t>ita_language:ja_JP</a:t>
+            </a:r>
+            <a:endParaRPr kumimoji="0" lang="en-US" sz="900" kern="100" dirty="0">
+              <a:solidFill>
+                <a:sysClr val="window" lastClr="FFFFFF"/>
+              </a:solidFill>
+              <a:latin typeface="Arial" panose="020B0604020202020204" pitchFamily="34" charset="0"/>
+              <a:ea typeface="ＭＳ 明朝" panose="02020609040205080304" pitchFamily="17" charset="-128"/>
+              <a:cs typeface="Times New Roman" panose="02020603050405020304" pitchFamily="18" charset="0"/>
+            </a:endParaRPr>
+          </a:p>
+          <a:p>
+            <a:pPr lvl="0">
+              <a:lnSpc>
+                <a:spcPts val="900"/>
+              </a:lnSpc>
+              <a:defRPr/>
+            </a:pPr>
+            <a:endParaRPr kumimoji="0" lang="en-US" sz="900" kern="100" dirty="0">
+              <a:solidFill>
+                <a:sysClr val="window" lastClr="FFFFFF"/>
+              </a:solidFill>
+              <a:latin typeface="Arial" panose="020B0604020202020204" pitchFamily="34" charset="0"/>
+              <a:ea typeface="ＭＳ 明朝" panose="02020609040205080304" pitchFamily="17" charset="-128"/>
+              <a:cs typeface="Times New Roman" panose="02020603050405020304" pitchFamily="18" charset="0"/>
+            </a:endParaRPr>
+          </a:p>
+          <a:p>
+            <a:pPr lvl="0">
+              <a:lnSpc>
+                <a:spcPts val="900"/>
+              </a:lnSpc>
+              <a:defRPr/>
+            </a:pPr>
+            <a:endParaRPr kumimoji="0" lang="en-US" sz="900" kern="100" dirty="0">
               <a:solidFill>
                 <a:sysClr val="window" lastClr="FFFFFF"/>
               </a:solidFill>
@@ -11747,7 +11518,7 @@
               <a:t>private_key_path</a:t>
             </a:r>
             <a:r>
-              <a:rPr kumimoji="0" lang="en-US" altLang="ja-JP" sz="900" kern="100" dirty="0" smtClean="0">
+              <a:rPr kumimoji="0" lang="en-US" altLang="ja-JP" sz="900" kern="100" dirty="0">
                 <a:solidFill>
                   <a:sysClr val="window" lastClr="FFFFFF"/>
                 </a:solidFill>
@@ -11766,7 +11537,7 @@
               <a:defRPr/>
             </a:pPr>
             <a:r>
-              <a:rPr kumimoji="0" lang="en-US" altLang="ja-JP" sz="900" kern="100" dirty="0" smtClean="0">
+              <a:rPr kumimoji="0" lang="en-US" altLang="ja-JP" sz="900" kern="100" dirty="0">
                 <a:solidFill>
                   <a:sysClr val="window" lastClr="FFFFFF"/>
                 </a:solidFill>
@@ -11776,14 +11547,6 @@
               </a:rPr>
               <a:t>#############################################################</a:t>
             </a:r>
-            <a:endParaRPr kumimoji="0" lang="en-US" altLang="ja-JP" sz="900" kern="100" dirty="0">
-              <a:solidFill>
-                <a:sysClr val="window" lastClr="FFFFFF"/>
-              </a:solidFill>
-              <a:latin typeface="Arial" panose="020B0604020202020204" pitchFamily="34" charset="0"/>
-              <a:ea typeface="ＭＳ 明朝" panose="02020609040205080304" pitchFamily="17" charset="-128"/>
-              <a:cs typeface="Times New Roman" panose="02020603050405020304" pitchFamily="18" charset="0"/>
-            </a:endParaRPr>
           </a:p>
           <a:p>
             <a:pPr lvl="0">
@@ -11824,7 +11587,6 @@
             </a:solidFill>
           </a:ln>
           <a:effectLst/>
-          <a:extLst/>
         </p:spPr>
         <p:txBody>
           <a:bodyPr rot="0" spcFirstLastPara="0" vertOverflow="overflow" horzOverflow="overflow" vert="horz" wrap="square" lIns="72000" tIns="72000" rIns="72000" bIns="72000" numCol="1" spcCol="0" rtlCol="0" fromWordArt="0" anchor="t" anchorCtr="0" forceAA="0" compatLnSpc="1">
@@ -11837,7 +11599,7 @@
           <a:p>
             <a:pPr algn="ctr"/>
             <a:r>
-              <a:rPr lang="ja-JP" altLang="en-US" sz="1200" b="1" dirty="0" smtClean="0">
+              <a:rPr lang="ja-JP" altLang="en-US" sz="1200" b="1" dirty="0">
                 <a:solidFill>
                   <a:srgbClr val="FF0000"/>
                 </a:solidFill>
@@ -11846,7 +11608,7 @@
               <a:t>　</a:t>
             </a:r>
             <a:r>
-              <a:rPr lang="en-US" altLang="ja-JP" sz="1200" b="1" dirty="0" smtClean="0">
+              <a:rPr lang="en-US" altLang="ja-JP" sz="1200" b="1" dirty="0">
                 <a:solidFill>
                   <a:srgbClr val="FF0000"/>
                 </a:solidFill>
@@ -11855,7 +11617,7 @@
               <a:t>The only items used when updating are “</a:t>
             </a:r>
             <a:r>
-              <a:rPr lang="en-US" altLang="ja-JP" sz="1200" b="1" dirty="0" err="1" smtClean="0">
+              <a:rPr lang="en-US" altLang="ja-JP" sz="1200" b="1" dirty="0" err="1">
                 <a:solidFill>
                   <a:srgbClr val="FF0000"/>
                 </a:solidFill>
@@ -11864,7 +11626,7 @@
               <a:t>install_mode</a:t>
             </a:r>
             <a:r>
-              <a:rPr lang="en-US" altLang="ja-JP" sz="1200" b="1" dirty="0" smtClean="0">
+              <a:rPr lang="en-US" altLang="ja-JP" sz="1200" b="1" dirty="0">
                 <a:solidFill>
                   <a:srgbClr val="FF0000"/>
                 </a:solidFill>
@@ -11873,7 +11635,7 @@
               <a:t>” and “</a:t>
             </a:r>
             <a:r>
-              <a:rPr lang="en-US" altLang="ja-JP" sz="1200" b="1" dirty="0" err="1" smtClean="0">
+              <a:rPr lang="en-US" altLang="ja-JP" sz="1200" b="1" dirty="0" err="1">
                 <a:solidFill>
                   <a:srgbClr val="FF0000"/>
                 </a:solidFill>
@@ -11882,7 +11644,7 @@
               <a:t>ita_directory</a:t>
             </a:r>
             <a:r>
-              <a:rPr lang="en-US" altLang="ja-JP" sz="1200" b="1" dirty="0" smtClean="0">
+              <a:rPr lang="en-US" altLang="ja-JP" sz="1200" b="1" dirty="0">
                 <a:solidFill>
                   <a:srgbClr val="FF0000"/>
                 </a:solidFill>
@@ -11891,7 +11653,7 @@
               <a:t>”.</a:t>
             </a:r>
             <a:br>
-              <a:rPr lang="en-US" altLang="ja-JP" sz="1200" b="1" dirty="0" smtClean="0">
+              <a:rPr lang="en-US" altLang="ja-JP" sz="1200" b="1" dirty="0">
                 <a:solidFill>
                   <a:srgbClr val="FF0000"/>
                 </a:solidFill>
@@ -11899,7 +11661,7 @@
               </a:rPr>
             </a:br>
             <a:r>
-              <a:rPr lang="en-US" altLang="ja-JP" sz="1200" b="1" dirty="0" smtClean="0">
+              <a:rPr lang="en-US" altLang="ja-JP" sz="1200" b="1" dirty="0">
                 <a:solidFill>
                   <a:srgbClr val="FF0000"/>
                 </a:solidFill>
@@ -11907,7 +11669,7 @@
               </a:rPr>
               <a:t>The other items are not used.</a:t>
             </a:r>
-            <a:endParaRPr lang="en-US" altLang="ja-JP" sz="1100" b="1" dirty="0" smtClean="0">
+            <a:endParaRPr lang="en-US" altLang="ja-JP" sz="1100" b="1" dirty="0">
               <a:solidFill>
                 <a:srgbClr val="FF0000"/>
               </a:solidFill>
@@ -11971,7 +11733,6 @@
               <a:noFill/>
             </a:ln>
             <a:effectLst/>
-            <a:extLst/>
           </p:spPr>
           <p:txBody>
             <a:bodyPr rot="0" spcFirstLastPara="0" vertOverflow="overflow" horzOverflow="overflow" vert="horz" wrap="none" lIns="36000" tIns="72000" rIns="36000" bIns="36000" numCol="1" spcCol="0" rtlCol="0" fromWordArt="0" anchor="ctr" anchorCtr="0" forceAA="0" compatLnSpc="1">
@@ -12861,7 +12622,6 @@
               </a:solidFill>
             </a:ln>
             <a:effectLst/>
-            <a:extLst/>
           </p:spPr>
           <p:txBody>
             <a:bodyPr rot="0" spcFirstLastPara="0" vertOverflow="overflow" horzOverflow="overflow" vert="horz" wrap="square" lIns="72000" tIns="72000" rIns="72000" bIns="72000" numCol="1" spcCol="0" rtlCol="0" fromWordArt="0" anchor="ctr" anchorCtr="0" forceAA="0" compatLnSpc="1">
@@ -12873,7 +12633,7 @@
             <a:lstStyle/>
             <a:p>
               <a:pPr algn="ctr"/>
-              <a:endParaRPr kumimoji="1" lang="ja-JP" altLang="en-US" b="1" dirty="0" smtClean="0">
+              <a:endParaRPr kumimoji="1" lang="ja-JP" altLang="en-US" b="1" dirty="0">
                 <a:latin typeface="+mn-ea"/>
               </a:endParaRPr>
             </a:p>
@@ -12900,7 +12660,6 @@
               <a:noFill/>
             </a:ln>
             <a:effectLst/>
-            <a:extLst/>
           </p:spPr>
           <p:txBody>
             <a:bodyPr rot="0" spcFirstLastPara="0" vertOverflow="overflow" horzOverflow="overflow" vert="horz" wrap="none" lIns="72000" tIns="72000" rIns="72000" bIns="72000" numCol="1" spcCol="0" rtlCol="0" fromWordArt="0" anchor="ctr" anchorCtr="0" forceAA="0" compatLnSpc="1">
@@ -12912,7 +12671,7 @@
             <a:lstStyle/>
             <a:p>
               <a:pPr algn="ctr"/>
-              <a:endParaRPr kumimoji="1" lang="ja-JP" altLang="en-US" b="1" dirty="0" smtClean="0">
+              <a:endParaRPr kumimoji="1" lang="ja-JP" altLang="en-US" b="1" dirty="0">
                 <a:latin typeface="+mn-ea"/>
               </a:endParaRPr>
             </a:p>
@@ -12939,7 +12698,6 @@
               <a:noFill/>
             </a:ln>
             <a:effectLst/>
-            <a:extLst/>
           </p:spPr>
           <p:txBody>
             <a:bodyPr rot="0" spcFirstLastPara="0" vertOverflow="overflow" horzOverflow="overflow" vert="horz" wrap="none" lIns="72000" tIns="72000" rIns="72000" bIns="72000" numCol="1" spcCol="0" rtlCol="0" fromWordArt="0" anchor="ctr" anchorCtr="0" forceAA="0" compatLnSpc="1">
@@ -12951,7 +12709,7 @@
             <a:lstStyle/>
             <a:p>
               <a:pPr algn="ctr"/>
-              <a:endParaRPr kumimoji="1" lang="ja-JP" altLang="en-US" b="1" dirty="0" smtClean="0">
+              <a:endParaRPr kumimoji="1" lang="ja-JP" altLang="en-US" b="1" dirty="0">
                 <a:latin typeface="+mn-ea"/>
               </a:endParaRPr>
             </a:p>
@@ -12979,7 +12737,6 @@
             </a:solidFill>
           </a:ln>
           <a:effectLst/>
-          <a:extLst/>
         </p:spPr>
         <p:txBody>
           <a:bodyPr rot="0" spcFirstLastPara="0" vertOverflow="overflow" horzOverflow="overflow" vert="horz" wrap="square" lIns="72000" tIns="72000" rIns="72000" bIns="72000" numCol="1" spcCol="0" rtlCol="0" fromWordArt="0" anchor="t" anchorCtr="0" forceAA="0" compatLnSpc="1">
@@ -13076,7 +12833,6 @@
               <a:noFill/>
             </a:ln>
             <a:effectLst/>
-            <a:extLst/>
           </p:spPr>
           <p:txBody>
             <a:bodyPr rot="0" spcFirstLastPara="0" vertOverflow="overflow" horzOverflow="overflow" vert="horz" wrap="none" lIns="36000" tIns="72000" rIns="36000" bIns="36000" numCol="1" spcCol="0" rtlCol="0" fromWordArt="0" anchor="ctr" anchorCtr="0" forceAA="0" compatLnSpc="1">
@@ -13507,13 +13263,6 @@
   <p:clrMapOvr>
     <a:masterClrMapping/>
   </p:clrMapOvr>
-  <p:timing>
-    <p:tnLst>
-      <p:par>
-        <p:cTn id="1" dur="indefinite" restart="never" nodeType="tmRoot"/>
-      </p:par>
-    </p:tnLst>
-  </p:timing>
 </p:sld>
 </file>
 
@@ -13550,16 +13299,8 @@
           <a:lstStyle/>
           <a:p>
             <a:r>
-              <a:rPr lang="en-US" altLang="ja-JP" dirty="0" smtClean="0"/>
-              <a:t>3.13</a:t>
-            </a:r>
-            <a:r>
               <a:rPr lang="en-US" altLang="ja-JP" dirty="0"/>
-              <a:t>	</a:t>
-            </a:r>
-            <a:r>
-              <a:rPr lang="en-US" altLang="ja-JP" dirty="0" smtClean="0"/>
-              <a:t>Update (5/9)</a:t>
+              <a:t>3.13	Update (5/9)</a:t>
             </a:r>
             <a:endParaRPr kumimoji="1" lang="ja-JP" altLang="en-US" dirty="0"/>
           </a:p>
@@ -13588,27 +13329,27 @@
           <a:lstStyle/>
           <a:p>
             <a:r>
-              <a:rPr lang="en-US" altLang="ja-JP" dirty="0" smtClean="0"/>
+              <a:rPr lang="en-US" altLang="ja-JP" dirty="0"/>
               <a:t>Executing the </a:t>
             </a:r>
             <a:r>
-              <a:rPr lang="en-US" altLang="ja-JP" dirty="0" smtClean="0">
+              <a:rPr lang="en-US" altLang="ja-JP" dirty="0">
                 <a:solidFill>
                   <a:srgbClr val="000000"/>
                 </a:solidFill>
               </a:rPr>
               <a:t>configuration tool (for online installation)</a:t>
             </a:r>
-            <a:endParaRPr lang="en-US" altLang="ja-JP" dirty="0" smtClean="0"/>
+            <a:endParaRPr lang="en-US" altLang="ja-JP" dirty="0"/>
           </a:p>
           <a:p>
             <a:pPr lvl="1"/>
             <a:r>
-              <a:rPr lang="en-US" altLang="ja-JP" dirty="0" smtClean="0"/>
+              <a:rPr lang="en-US" altLang="ja-JP" dirty="0"/>
               <a:t>Execute the </a:t>
             </a:r>
             <a:r>
-              <a:rPr lang="en-US" altLang="ja-JP" dirty="0" smtClean="0">
+              <a:rPr lang="en-US" altLang="ja-JP" dirty="0">
                 <a:solidFill>
                   <a:srgbClr val="000000"/>
                 </a:solidFill>
@@ -13616,7 +13357,7 @@
               <a:t>ITA installer (</a:t>
             </a:r>
             <a:r>
-              <a:rPr lang="en-US" altLang="ja-JP" dirty="0" err="1" smtClean="0">
+              <a:rPr lang="en-US" altLang="ja-JP" dirty="0" err="1">
                 <a:solidFill>
                   <a:srgbClr val="000000"/>
                 </a:solidFill>
@@ -13624,7 +13365,7 @@
               <a:t>updator</a:t>
             </a:r>
             <a:r>
-              <a:rPr lang="en-US" altLang="ja-JP" dirty="0" smtClean="0">
+              <a:rPr lang="en-US" altLang="ja-JP" dirty="0">
                 <a:solidFill>
                   <a:srgbClr val="000000"/>
                 </a:solidFill>
@@ -13632,18 +13373,14 @@
               <a:t>) with </a:t>
             </a:r>
             <a:r>
-              <a:rPr lang="en-US" altLang="ja-JP" dirty="0" smtClean="0"/>
+              <a:rPr lang="en-US" altLang="ja-JP" dirty="0"/>
               <a:t>the following command:</a:t>
             </a:r>
             <a:br>
-              <a:rPr lang="en-US" altLang="ja-JP" dirty="0" smtClean="0"/>
+              <a:rPr lang="en-US" altLang="ja-JP" dirty="0"/>
             </a:br>
-            <a:r>
-              <a:rPr lang="en-US" altLang="ja-JP" dirty="0" smtClean="0"/>
-              <a:t/>
-            </a:r>
             <a:br>
-              <a:rPr lang="en-US" altLang="ja-JP" dirty="0" smtClean="0"/>
+              <a:rPr lang="en-US" altLang="ja-JP" dirty="0"/>
             </a:br>
             <a:r>
               <a:rPr lang="en-US" altLang="ja-JP" dirty="0"/>
@@ -13665,42 +13402,38 @@
               <a:rPr lang="en-US" altLang="ja-JP" kern="100" dirty="0"/>
               <a:t>ita_installer.sh</a:t>
             </a:r>
-            <a:r>
-              <a:rPr lang="en-US" altLang="ja-JP" kern="100" dirty="0" smtClean="0"/>
-              <a:t/>
-            </a:r>
             <a:br>
-              <a:rPr lang="en-US" altLang="ja-JP" kern="100" dirty="0" smtClean="0"/>
+              <a:rPr lang="en-US" altLang="ja-JP" kern="100" dirty="0"/>
             </a:br>
-            <a:endParaRPr lang="en-US" altLang="ja-JP" dirty="0" smtClean="0"/>
+            <a:endParaRPr lang="en-US" altLang="ja-JP" dirty="0"/>
           </a:p>
           <a:p>
             <a:pPr lvl="1"/>
             <a:r>
-              <a:rPr lang="en-US" altLang="ja-JP" dirty="0" smtClean="0"/>
+              <a:rPr lang="en-US" altLang="ja-JP" dirty="0"/>
               <a:t>If the “</a:t>
             </a:r>
             <a:r>
-              <a:rPr lang="en-US" altLang="ja-JP" dirty="0" err="1" smtClean="0"/>
+              <a:rPr lang="en-US" altLang="ja-JP" dirty="0" err="1"/>
               <a:t>install_mode</a:t>
             </a:r>
             <a:r>
-              <a:rPr lang="en-US" altLang="ja-JP" dirty="0" smtClean="0"/>
+              <a:rPr lang="en-US" altLang="ja-JP" dirty="0"/>
               <a:t>” in the answer file (ita_answers.txt) is set to “</a:t>
             </a:r>
             <a:r>
-              <a:rPr lang="en-US" altLang="ja-JP" dirty="0" err="1" smtClean="0"/>
+              <a:rPr lang="en-US" altLang="ja-JP" dirty="0" err="1"/>
               <a:t>Versionup_All</a:t>
             </a:r>
             <a:r>
-              <a:rPr lang="en-US" altLang="ja-JP" dirty="0" smtClean="0"/>
+              <a:rPr lang="en-US" altLang="ja-JP" dirty="0"/>
               <a:t>”, the libraries will automatically be updated during the process.</a:t>
             </a:r>
             <a:br>
-              <a:rPr lang="en-US" altLang="ja-JP" dirty="0" smtClean="0"/>
+              <a:rPr lang="en-US" altLang="ja-JP" dirty="0"/>
             </a:br>
             <a:r>
-              <a:rPr lang="en-US" altLang="ja-JP" dirty="0" smtClean="0"/>
+              <a:rPr lang="en-US" altLang="ja-JP" dirty="0"/>
               <a:t>See the next page for information on what libraries are installed with each version.</a:t>
             </a:r>
           </a:p>
@@ -13708,11 +13441,11 @@
             <a:pPr marL="360000" lvl="2" indent="0">
               <a:buNone/>
             </a:pPr>
-            <a:endParaRPr lang="en-US" altLang="ja-JP" dirty="0" smtClean="0"/>
-          </a:p>
-          <a:p>
-            <a:r>
-              <a:rPr lang="en-US" altLang="ja-JP" dirty="0" smtClean="0"/>
+            <a:endParaRPr lang="en-US" altLang="ja-JP" dirty="0"/>
+          </a:p>
+          <a:p>
+            <a:r>
+              <a:rPr lang="en-US" altLang="ja-JP" dirty="0"/>
               <a:t>Check process</a:t>
             </a:r>
             <a:endParaRPr lang="ja-JP" altLang="en-US" dirty="0"/>
@@ -13720,18 +13453,16 @@
           <a:p>
             <a:pPr lvl="1"/>
             <a:r>
-              <a:rPr lang="en-US" altLang="ja-JP" dirty="0" smtClean="0"/>
+              <a:rPr lang="en-US" altLang="ja-JP" dirty="0"/>
               <a:t>If successful, users can update any files acquired.</a:t>
             </a:r>
-            <a:endParaRPr lang="en-US" altLang="ja-JP" dirty="0"/>
           </a:p>
           <a:p>
             <a:pPr lvl="1"/>
             <a:r>
-              <a:rPr lang="en-US" altLang="ja-JP" dirty="0" smtClean="0"/>
+              <a:rPr lang="en-US" altLang="ja-JP" dirty="0"/>
               <a:t>Running the Update tool will output process contents to the ita_version_up.log file.</a:t>
             </a:r>
-            <a:endParaRPr lang="en-US" altLang="ja-JP" dirty="0"/>
           </a:p>
           <a:p>
             <a:pPr lvl="1"/>
@@ -13749,7 +13480,7 @@
               <a:t>　</a:t>
             </a:r>
             <a:r>
-              <a:rPr lang="en-US" altLang="ja-JP" sz="1400" dirty="0" smtClean="0"/>
+              <a:rPr lang="en-US" altLang="ja-JP" sz="1400" dirty="0"/>
               <a:t>/(</a:t>
             </a:r>
             <a:r>
@@ -13757,37 +13488,33 @@
               <a:t>Installation file extract path</a:t>
             </a:r>
             <a:r>
-              <a:rPr lang="en-US" altLang="ja-JP" sz="1400" dirty="0" smtClean="0"/>
+              <a:rPr lang="en-US" altLang="ja-JP" sz="1400" dirty="0"/>
               <a:t>)/</a:t>
             </a:r>
             <a:r>
-              <a:rPr lang="en-US" altLang="ja-JP" sz="1400" kern="100" dirty="0" err="1" smtClean="0"/>
+              <a:rPr lang="en-US" altLang="ja-JP" sz="1400" kern="100" dirty="0" err="1"/>
               <a:t>ita</a:t>
             </a:r>
             <a:r>
-              <a:rPr lang="en-US" altLang="ja-JP" sz="1400" dirty="0" err="1" smtClean="0"/>
+              <a:rPr lang="en-US" altLang="ja-JP" sz="1400" dirty="0" err="1"/>
               <a:t>_install_package</a:t>
             </a:r>
             <a:r>
-              <a:rPr lang="en-US" altLang="ja-JP" sz="1400" dirty="0" smtClean="0"/>
+              <a:rPr lang="en-US" altLang="ja-JP" sz="1400" dirty="0"/>
               <a:t>/</a:t>
             </a:r>
             <a:r>
-              <a:rPr lang="en-US" altLang="ja-JP" sz="1400" dirty="0" err="1" smtClean="0"/>
+              <a:rPr lang="en-US" altLang="ja-JP" sz="1400" dirty="0" err="1"/>
               <a:t>install_scripts</a:t>
             </a:r>
             <a:r>
-              <a:rPr lang="en-US" altLang="ja-JP" sz="1400" dirty="0" smtClean="0"/>
+              <a:rPr lang="en-US" altLang="ja-JP" sz="1400" dirty="0"/>
               <a:t>/log/</a:t>
-            </a:r>
-            <a:r>
-              <a:rPr lang="en-US" altLang="ja-JP" dirty="0"/>
-              <a:t/>
             </a:r>
             <a:br>
               <a:rPr lang="en-US" altLang="ja-JP" dirty="0"/>
             </a:br>
-            <a:endParaRPr lang="en-US" altLang="ja-JP" dirty="0" smtClean="0"/>
+            <a:endParaRPr lang="en-US" altLang="ja-JP" dirty="0"/>
           </a:p>
           <a:p>
             <a:pPr marL="180000" lvl="1">
@@ -13844,7 +13571,7 @@
             <a:pPr marL="180000" lvl="1" indent="0">
               <a:buNone/>
             </a:pPr>
-            <a:endParaRPr lang="en-US" altLang="ja-JP" dirty="0" smtClean="0"/>
+            <a:endParaRPr lang="en-US" altLang="ja-JP" dirty="0"/>
           </a:p>
         </p:txBody>
       </p:sp>
@@ -13858,13 +13585,6 @@
   <p:clrMapOvr>
     <a:masterClrMapping/>
   </p:clrMapOvr>
-  <p:timing>
-    <p:tnLst>
-      <p:par>
-        <p:cTn id="1" dur="indefinite" restart="never" nodeType="tmRoot"/>
-      </p:par>
-    </p:tnLst>
-  </p:timing>
 </p:sld>
 </file>
 
@@ -13901,7 +13621,7 @@
           <a:lstStyle/>
           <a:p>
             <a:r>
-              <a:rPr lang="en-US" altLang="ja-JP" dirty="0" smtClean="0"/>
+              <a:rPr lang="en-US" altLang="ja-JP" dirty="0"/>
               <a:t>3.7</a:t>
             </a:r>
             <a:r>
@@ -13909,23 +13629,19 @@
               <a:t>　</a:t>
             </a:r>
             <a:r>
-              <a:rPr lang="en-US" altLang="ja-JP" dirty="0" smtClean="0"/>
+              <a:rPr lang="en-US" altLang="ja-JP" dirty="0"/>
               <a:t>Update</a:t>
             </a:r>
             <a:r>
-              <a:rPr lang="ja-JP" altLang="en-US" dirty="0" smtClean="0"/>
+              <a:rPr lang="ja-JP" altLang="en-US" dirty="0"/>
               <a:t>（</a:t>
             </a:r>
             <a:r>
               <a:rPr lang="en-US" altLang="ja-JP" dirty="0"/>
-              <a:t>6</a:t>
-            </a:r>
-            <a:r>
-              <a:rPr lang="en-US" altLang="ja-JP" dirty="0" smtClean="0"/>
-              <a:t>/9</a:t>
-            </a:r>
-            <a:r>
-              <a:rPr lang="ja-JP" altLang="en-US" dirty="0" smtClean="0"/>
+              <a:t>6/9</a:t>
+            </a:r>
+            <a:r>
+              <a:rPr lang="ja-JP" altLang="en-US" dirty="0"/>
               <a:t>）</a:t>
             </a:r>
             <a:endParaRPr kumimoji="1" lang="ja-JP" altLang="en-US" dirty="0"/>
@@ -13955,21 +13671,21 @@
           <a:lstStyle/>
           <a:p>
             <a:r>
-              <a:rPr lang="en-US" altLang="ja-JP" dirty="0" smtClean="0"/>
+              <a:rPr lang="en-US" altLang="ja-JP" dirty="0"/>
               <a:t>List of libraries that will be installed during update</a:t>
             </a:r>
           </a:p>
           <a:p>
             <a:pPr lvl="1"/>
             <a:r>
-              <a:rPr lang="en-US" altLang="ja-JP" dirty="0" smtClean="0"/>
+              <a:rPr lang="en-US" altLang="ja-JP" dirty="0"/>
               <a:t>If “yes” is entered for library installation during install, the following libraries will be automatically installed according to the installed driver.</a:t>
             </a:r>
             <a:br>
-              <a:rPr lang="en-US" altLang="ja-JP" dirty="0" smtClean="0"/>
+              <a:rPr lang="en-US" altLang="ja-JP" dirty="0"/>
             </a:br>
             <a:r>
-              <a:rPr lang="en-US" altLang="ja-JP" dirty="0" smtClean="0"/>
+              <a:rPr lang="en-US" altLang="ja-JP" dirty="0"/>
               <a:t>If ”no” is entered, please install the libraries manually.</a:t>
             </a:r>
           </a:p>
@@ -13979,7 +13695,7 @@
           </a:p>
           <a:p>
             <a:pPr lvl="1"/>
-            <a:endParaRPr lang="en-US" altLang="ja-JP" dirty="0" smtClean="0"/>
+            <a:endParaRPr lang="en-US" altLang="ja-JP" dirty="0"/>
           </a:p>
           <a:p>
             <a:pPr lvl="1"/>
@@ -13987,7 +13703,7 @@
           </a:p>
           <a:p>
             <a:pPr lvl="1"/>
-            <a:endParaRPr lang="en-US" altLang="ja-JP" dirty="0" smtClean="0"/>
+            <a:endParaRPr lang="en-US" altLang="ja-JP" dirty="0"/>
           </a:p>
           <a:p>
             <a:pPr lvl="1"/>
@@ -13995,7 +13711,7 @@
           </a:p>
           <a:p>
             <a:pPr lvl="1"/>
-            <a:endParaRPr lang="en-US" altLang="ja-JP" dirty="0" smtClean="0"/>
+            <a:endParaRPr lang="en-US" altLang="ja-JP" dirty="0"/>
           </a:p>
           <a:p>
             <a:pPr lvl="1"/>
@@ -14003,7 +13719,7 @@
           </a:p>
           <a:p>
             <a:pPr lvl="1"/>
-            <a:endParaRPr lang="en-US" altLang="ja-JP" dirty="0" smtClean="0"/>
+            <a:endParaRPr lang="en-US" altLang="ja-JP" dirty="0"/>
           </a:p>
           <a:p>
             <a:pPr lvl="1"/>
@@ -14011,7 +13727,7 @@
           </a:p>
           <a:p>
             <a:pPr lvl="1"/>
-            <a:endParaRPr lang="en-US" altLang="ja-JP" dirty="0" smtClean="0"/>
+            <a:endParaRPr lang="en-US" altLang="ja-JP" dirty="0"/>
           </a:p>
           <a:p>
             <a:pPr lvl="1"/>
@@ -14019,7 +13735,7 @@
           </a:p>
           <a:p>
             <a:pPr lvl="1"/>
-            <a:endParaRPr lang="en-US" altLang="ja-JP" dirty="0" smtClean="0"/>
+            <a:endParaRPr lang="en-US" altLang="ja-JP" dirty="0"/>
           </a:p>
           <a:p>
             <a:pPr lvl="1"/>
@@ -14027,13 +13743,13 @@
           </a:p>
           <a:p>
             <a:pPr lvl="1"/>
-            <a:endParaRPr lang="en-US" altLang="ja-JP" dirty="0" smtClean="0"/>
+            <a:endParaRPr lang="en-US" altLang="ja-JP" dirty="0"/>
           </a:p>
           <a:p>
             <a:pPr marL="180000" lvl="1" indent="0">
               <a:buNone/>
             </a:pPr>
-            <a:endParaRPr lang="en-US" altLang="ja-JP" dirty="0" smtClean="0"/>
+            <a:endParaRPr lang="en-US" altLang="ja-JP" dirty="0"/>
           </a:p>
         </p:txBody>
       </p:sp>
@@ -14117,7 +13833,7 @@
                         </a:spcAft>
                       </a:pPr>
                       <a:r>
-                        <a:rPr lang="en-US" altLang="ja-JP" sz="1050" kern="100" dirty="0" smtClean="0">
+                        <a:rPr lang="en-US" altLang="ja-JP" sz="1050" kern="100" dirty="0">
                           <a:effectLst/>
                         </a:rPr>
                         <a:t>Version</a:t>
@@ -14143,13 +13859,13 @@
                         </a:spcAft>
                       </a:pPr>
                       <a:r>
-                        <a:rPr lang="en-US" altLang="ja-JP" sz="1050" kern="0" dirty="0" smtClean="0">
+                        <a:rPr lang="en-US" altLang="ja-JP" sz="1050" kern="0" dirty="0">
                           <a:effectLst/>
                         </a:rPr>
                         <a:t>Installed</a:t>
                       </a:r>
                       <a:r>
-                        <a:rPr lang="en-US" altLang="ja-JP" sz="1050" kern="0" baseline="0" dirty="0" smtClean="0">
+                        <a:rPr lang="en-US" altLang="ja-JP" sz="1050" kern="0" baseline="0" dirty="0">
                           <a:effectLst/>
                         </a:rPr>
                         <a:t> driver</a:t>
@@ -14175,7 +13891,7 @@
                         </a:spcAft>
                       </a:pPr>
                       <a:r>
-                        <a:rPr lang="en-US" altLang="ja-JP" sz="1050" kern="0" dirty="0" smtClean="0">
+                        <a:rPr lang="en-US" altLang="ja-JP" sz="1050" kern="0" dirty="0">
                           <a:effectLst/>
                         </a:rPr>
                         <a:t>Library name</a:t>
@@ -14201,13 +13917,13 @@
                         </a:spcAft>
                       </a:pPr>
                       <a:r>
-                        <a:rPr lang="en-US" altLang="ja-JP" sz="1050" kern="100" dirty="0" smtClean="0">
+                        <a:rPr lang="en-US" altLang="ja-JP" sz="1050" kern="100" dirty="0">
                           <a:effectLst/>
                         </a:rPr>
                         <a:t>Install</a:t>
                       </a:r>
                       <a:r>
-                        <a:rPr lang="en-US" altLang="ja-JP" sz="1050" kern="100" baseline="0" dirty="0" smtClean="0">
+                        <a:rPr lang="en-US" altLang="ja-JP" sz="1050" kern="100" baseline="0" dirty="0">
                           <a:effectLst/>
                         </a:rPr>
                         <a:t> command</a:t>
@@ -14233,12 +13949,12 @@
                         </a:spcAft>
                       </a:pPr>
                       <a:r>
-                        <a:rPr kumimoji="1" lang="en-US" altLang="ja-JP" sz="800" kern="100" dirty="0" smtClean="0">
+                        <a:rPr kumimoji="1" lang="en-US" altLang="ja-JP" sz="800" kern="100" dirty="0">
                           <a:effectLst/>
                         </a:rPr>
                         <a:t>Required</a:t>
                       </a:r>
-                      <a:endParaRPr kumimoji="1" lang="en-US" altLang="ja-JP" sz="800" b="1" kern="100" dirty="0" smtClean="0">
+                      <a:endParaRPr kumimoji="1" lang="en-US" altLang="ja-JP" sz="800" b="1" kern="100" dirty="0">
                         <a:solidFill>
                           <a:schemeClr val="lt1"/>
                         </a:solidFill>
@@ -14262,7 +13978,7 @@
                         </a:spcAft>
                       </a:pPr>
                       <a:r>
-                        <a:rPr lang="en-US" altLang="ja-JP" sz="1050" kern="100" dirty="0" smtClean="0">
+                        <a:rPr lang="en-US" altLang="ja-JP" sz="1050" kern="100" dirty="0">
                           <a:effectLst/>
                           <a:latin typeface="+mn-lt"/>
                           <a:ea typeface="+mn-ea"/>
@@ -14298,7 +14014,7 @@
                         </a:spcAft>
                       </a:pPr>
                       <a:r>
-                        <a:rPr lang="en-US" sz="1000" kern="0" dirty="0" smtClean="0">
+                        <a:rPr lang="en-US" sz="1000" kern="0" dirty="0">
                           <a:effectLst/>
                         </a:rPr>
                         <a:t>1.5.0</a:t>
@@ -14324,7 +14040,7 @@
                         </a:spcAft>
                       </a:pPr>
                       <a:r>
-                        <a:rPr lang="en-US" altLang="ja-JP" sz="1050" kern="100" dirty="0" err="1" smtClean="0">
+                        <a:rPr lang="en-US" altLang="ja-JP" sz="1050" kern="100" dirty="0" err="1">
                           <a:effectLst/>
                         </a:rPr>
                         <a:t>ita_base</a:t>
@@ -14350,7 +14066,7 @@
                         </a:spcAft>
                       </a:pPr>
                       <a:r>
-                        <a:rPr lang="en-US" altLang="ja-JP" sz="1050" kern="100" dirty="0" err="1" smtClean="0">
+                        <a:rPr lang="en-US" altLang="ja-JP" sz="1050" kern="100" dirty="0" err="1">
                           <a:effectLst/>
                         </a:rPr>
                         <a:t>php-devel</a:t>
@@ -14376,13 +14092,13 @@
                         </a:spcAft>
                       </a:pPr>
                       <a:r>
-                        <a:rPr lang="en-US" sz="1050" kern="100" dirty="0" smtClean="0">
+                        <a:rPr lang="en-US" sz="1050" kern="100" dirty="0">
                           <a:effectLst/>
                         </a:rPr>
                         <a:t>yum install –y </a:t>
                       </a:r>
                       <a:r>
-                        <a:rPr lang="en-US" sz="1050" kern="100" dirty="0" err="1" smtClean="0">
+                        <a:rPr lang="en-US" sz="1050" kern="100" dirty="0" err="1">
                           <a:effectLst/>
                         </a:rPr>
                         <a:t>php-devel</a:t>
@@ -14408,7 +14124,7 @@
                         </a:spcAft>
                       </a:pPr>
                       <a:r>
-                        <a:rPr lang="ja-JP" altLang="en-US" sz="1050" kern="100" dirty="0" smtClean="0">
+                        <a:rPr lang="ja-JP" altLang="en-US" sz="1050" kern="100" dirty="0">
                           <a:effectLst/>
                         </a:rPr>
                         <a:t>〇</a:t>
@@ -14434,7 +14150,7 @@
                         </a:spcAft>
                       </a:pPr>
                       <a:r>
-                        <a:rPr lang="en-US" altLang="ja-JP" sz="1050" kern="100" smtClean="0">
+                        <a:rPr lang="en-US" altLang="ja-JP" sz="1050" kern="100">
                           <a:effectLst/>
                         </a:rPr>
                         <a:t>Used for YAML analysis library (yaml)</a:t>
@@ -14515,7 +14231,7 @@
                         </a:spcAft>
                       </a:pPr>
                       <a:r>
-                        <a:rPr lang="en-US" altLang="ja-JP" sz="1050" kern="100" dirty="0" err="1" smtClean="0">
+                        <a:rPr lang="en-US" altLang="ja-JP" sz="1050" kern="100" dirty="0" err="1">
                           <a:effectLst/>
                         </a:rPr>
                         <a:t>libyaml</a:t>
@@ -14541,13 +14257,13 @@
                         </a:spcAft>
                       </a:pPr>
                       <a:r>
-                        <a:rPr lang="en-US" altLang="ja-JP" sz="1050" kern="100" dirty="0" smtClean="0">
+                        <a:rPr lang="en-US" altLang="ja-JP" sz="1050" kern="100" dirty="0">
                           <a:effectLst/>
                         </a:rPr>
                         <a:t>yum install –y </a:t>
                       </a:r>
                       <a:r>
-                        <a:rPr lang="en-US" altLang="ja-JP" sz="1050" kern="100" dirty="0" err="1" smtClean="0">
+                        <a:rPr lang="en-US" altLang="ja-JP" sz="1050" kern="100" dirty="0" err="1">
                           <a:effectLst/>
                         </a:rPr>
                         <a:t>libyaml</a:t>
@@ -14585,7 +14301,7 @@
                         <a:defRPr/>
                       </a:pPr>
                       <a:r>
-                        <a:rPr kumimoji="1" lang="ja-JP" altLang="en-US" sz="1050" u="none" strike="noStrike" kern="100" cap="none" spc="0" normalizeH="0" baseline="0" noProof="0" smtClean="0">
+                        <a:rPr kumimoji="1" lang="ja-JP" altLang="en-US" sz="1050" u="none" strike="noStrike" kern="100" cap="none" spc="0" normalizeH="0" baseline="0" noProof="0">
                           <a:ln>
                             <a:noFill/>
                           </a:ln>
@@ -14636,7 +14352,7 @@
                         <a:defRPr/>
                       </a:pPr>
                       <a:r>
-                        <a:rPr kumimoji="1" lang="en-US" altLang="ja-JP" sz="1050" u="none" strike="noStrike" kern="100" cap="none" spc="0" normalizeH="0" baseline="0" noProof="0" smtClean="0">
+                        <a:rPr kumimoji="1" lang="en-US" altLang="ja-JP" sz="1050" u="none" strike="noStrike" kern="100" cap="none" spc="0" normalizeH="0" baseline="0" noProof="0">
                           <a:ln>
                             <a:noFill/>
                           </a:ln>
@@ -14733,7 +14449,7 @@
                         </a:spcAft>
                       </a:pPr>
                       <a:r>
-                        <a:rPr lang="en-US" sz="1050" kern="100" dirty="0" err="1" smtClean="0">
+                        <a:rPr lang="en-US" sz="1050" kern="100" dirty="0" err="1">
                           <a:effectLst/>
                         </a:rPr>
                         <a:t>libyaml-devel</a:t>
@@ -14762,13 +14478,13 @@
                         </a:spcAft>
                       </a:pPr>
                       <a:r>
-                        <a:rPr lang="en-US" altLang="ja-JP" sz="1050" kern="100" dirty="0" smtClean="0">
+                        <a:rPr lang="en-US" altLang="ja-JP" sz="1050" kern="100" dirty="0">
                           <a:effectLst/>
                         </a:rPr>
                         <a:t>yum install –y </a:t>
                       </a:r>
                       <a:r>
-                        <a:rPr lang="en-US" altLang="ja-JP" sz="1050" kern="100" dirty="0" err="1" smtClean="0">
+                        <a:rPr lang="en-US" altLang="ja-JP" sz="1050" kern="100" dirty="0" err="1">
                           <a:effectLst/>
                         </a:rPr>
                         <a:t>libyaml-devel</a:t>
@@ -14806,7 +14522,7 @@
                         <a:defRPr/>
                       </a:pPr>
                       <a:r>
-                        <a:rPr kumimoji="1" lang="ja-JP" altLang="en-US" sz="1050" u="none" strike="noStrike" kern="100" cap="none" spc="0" normalizeH="0" baseline="0" noProof="0" smtClean="0">
+                        <a:rPr kumimoji="1" lang="ja-JP" altLang="en-US" sz="1050" u="none" strike="noStrike" kern="100" cap="none" spc="0" normalizeH="0" baseline="0" noProof="0">
                           <a:ln>
                             <a:noFill/>
                           </a:ln>
@@ -14857,7 +14573,7 @@
                         <a:defRPr/>
                       </a:pPr>
                       <a:r>
-                        <a:rPr kumimoji="1" lang="en-US" altLang="ja-JP" sz="1050" u="none" strike="noStrike" kern="100" cap="none" spc="0" normalizeH="0" baseline="0" noProof="0" smtClean="0">
+                        <a:rPr kumimoji="1" lang="en-US" altLang="ja-JP" sz="1050" u="none" strike="noStrike" kern="100" cap="none" spc="0" normalizeH="0" baseline="0" noProof="0">
                           <a:ln>
                             <a:noFill/>
                           </a:ln>
@@ -14951,7 +14667,7 @@
                         </a:spcAft>
                       </a:pPr>
                       <a:r>
-                        <a:rPr lang="en-US" sz="1050" kern="100" dirty="0" smtClean="0">
+                        <a:rPr lang="en-US" sz="1050" kern="100" dirty="0">
                           <a:effectLst/>
                         </a:rPr>
                         <a:t>make</a:t>
@@ -14977,7 +14693,7 @@
                         </a:spcAft>
                       </a:pPr>
                       <a:r>
-                        <a:rPr lang="en-US" altLang="ja-JP" sz="1050" kern="100" dirty="0" smtClean="0">
+                        <a:rPr lang="en-US" altLang="ja-JP" sz="1050" kern="100" dirty="0">
                           <a:effectLst/>
                         </a:rPr>
                         <a:t>yum install –y make</a:t>
@@ -15015,7 +14731,7 @@
                         <a:defRPr/>
                       </a:pPr>
                       <a:r>
-                        <a:rPr kumimoji="1" lang="ja-JP" altLang="en-US" sz="1050" u="none" strike="noStrike" kern="100" cap="none" spc="0" normalizeH="0" baseline="0" noProof="0" smtClean="0">
+                        <a:rPr kumimoji="1" lang="ja-JP" altLang="en-US" sz="1050" u="none" strike="noStrike" kern="100" cap="none" spc="0" normalizeH="0" baseline="0" noProof="0">
                           <a:ln>
                             <a:noFill/>
                           </a:ln>
@@ -15066,7 +14782,7 @@
                         <a:defRPr/>
                       </a:pPr>
                       <a:r>
-                        <a:rPr kumimoji="1" lang="en-US" altLang="ja-JP" sz="1050" u="none" strike="noStrike" kern="100" cap="none" spc="0" normalizeH="0" baseline="0" noProof="0" smtClean="0">
+                        <a:rPr kumimoji="1" lang="en-US" altLang="ja-JP" sz="1050" u="none" strike="noStrike" kern="100" cap="none" spc="0" normalizeH="0" baseline="0" noProof="0">
                           <a:ln>
                             <a:noFill/>
                           </a:ln>
@@ -15160,7 +14876,7 @@
                         </a:spcAft>
                       </a:pPr>
                       <a:r>
-                        <a:rPr lang="en-US" sz="1050" kern="100" dirty="0" err="1" smtClean="0">
+                        <a:rPr lang="en-US" sz="1050" kern="100" dirty="0" err="1">
                           <a:effectLst/>
                         </a:rPr>
                         <a:t>yaml</a:t>
@@ -15189,19 +14905,19 @@
                         </a:tabLst>
                       </a:pPr>
                       <a:r>
-                        <a:rPr lang="en-US" altLang="ja-JP" sz="1050" kern="100" dirty="0" err="1" smtClean="0">
+                        <a:rPr lang="en-US" altLang="ja-JP" sz="1050" kern="100" dirty="0" err="1">
                           <a:effectLst/>
                         </a:rPr>
                         <a:t>pecl</a:t>
                       </a:r>
                       <a:r>
-                        <a:rPr lang="en-US" altLang="ja-JP" sz="1050" kern="100" dirty="0" smtClean="0">
+                        <a:rPr lang="en-US" altLang="ja-JP" sz="1050" kern="100" dirty="0">
                           <a:effectLst/>
                         </a:rPr>
                         <a:t> install </a:t>
                       </a:r>
                       <a:r>
-                        <a:rPr lang="en-US" altLang="ja-JP" sz="1050" kern="100" dirty="0" err="1" smtClean="0">
+                        <a:rPr lang="en-US" altLang="ja-JP" sz="1050" kern="100" dirty="0" err="1">
                           <a:effectLst/>
                         </a:rPr>
                         <a:t>yaml</a:t>
@@ -15239,7 +14955,7 @@
                         <a:defRPr/>
                       </a:pPr>
                       <a:r>
-                        <a:rPr kumimoji="1" lang="ja-JP" altLang="en-US" sz="1050" u="none" strike="noStrike" kern="100" cap="none" spc="0" normalizeH="0" baseline="0" noProof="0" dirty="0" smtClean="0">
+                        <a:rPr kumimoji="1" lang="ja-JP" altLang="en-US" sz="1050" u="none" strike="noStrike" kern="100" cap="none" spc="0" normalizeH="0" baseline="0" noProof="0" dirty="0">
                           <a:ln>
                             <a:noFill/>
                           </a:ln>
@@ -15290,7 +15006,7 @@
                         <a:defRPr/>
                       </a:pPr>
                       <a:r>
-                        <a:rPr kumimoji="1" lang="en-US" altLang="ja-JP" sz="1050" u="none" strike="noStrike" kern="100" cap="none" spc="0" normalizeH="0" baseline="0" noProof="0" dirty="0" smtClean="0">
+                        <a:rPr kumimoji="1" lang="en-US" altLang="ja-JP" sz="1050" u="none" strike="noStrike" kern="100" cap="none" spc="0" normalizeH="0" baseline="0" noProof="0" dirty="0">
                           <a:ln>
                             <a:noFill/>
                           </a:ln>
@@ -15301,7 +15017,7 @@
                         <a:t>Used for YAML analysis library (</a:t>
                       </a:r>
                       <a:r>
-                        <a:rPr kumimoji="1" lang="en-US" altLang="ja-JP" sz="1050" u="none" strike="noStrike" kern="100" cap="none" spc="0" normalizeH="0" baseline="0" noProof="0" dirty="0" err="1" smtClean="0">
+                        <a:rPr kumimoji="1" lang="en-US" altLang="ja-JP" sz="1050" u="none" strike="noStrike" kern="100" cap="none" spc="0" normalizeH="0" baseline="0" noProof="0" dirty="0" err="1">
                           <a:ln>
                             <a:noFill/>
                           </a:ln>
@@ -15312,7 +15028,7 @@
                         <a:t>yaml</a:t>
                       </a:r>
                       <a:r>
-                        <a:rPr kumimoji="1" lang="en-US" altLang="ja-JP" sz="1050" u="none" strike="noStrike" kern="100" cap="none" spc="0" normalizeH="0" baseline="0" noProof="0" dirty="0" smtClean="0">
+                        <a:rPr kumimoji="1" lang="en-US" altLang="ja-JP" sz="1050" u="none" strike="noStrike" kern="100" cap="none" spc="0" normalizeH="0" baseline="0" noProof="0" dirty="0">
                           <a:ln>
                             <a:noFill/>
                           </a:ln>
@@ -15382,13 +15098,13 @@
                         </a:spcAft>
                       </a:pPr>
                       <a:r>
-                        <a:rPr lang="en-US" sz="1050" kern="100" dirty="0" err="1" smtClean="0">
+                        <a:rPr lang="en-US" sz="1050" kern="100" dirty="0" err="1">
                           <a:effectLst/>
                         </a:rPr>
                         <a:t>ansible</a:t>
                       </a:r>
                       <a:r>
-                        <a:rPr lang="en-US" sz="1050" kern="100" dirty="0" smtClean="0">
+                        <a:rPr lang="en-US" sz="1050" kern="100" dirty="0">
                           <a:effectLst/>
                         </a:rPr>
                         <a:t>-driver</a:t>
@@ -15414,7 +15130,7 @@
                         </a:spcAft>
                       </a:pPr>
                       <a:r>
-                        <a:rPr lang="en-US" sz="1050" kern="100" dirty="0" err="1" smtClean="0">
+                        <a:rPr lang="en-US" sz="1050" kern="100" dirty="0" err="1">
                           <a:effectLst/>
                         </a:rPr>
                         <a:t>nc</a:t>
@@ -15440,13 +15156,13 @@
                         </a:spcAft>
                       </a:pPr>
                       <a:r>
-                        <a:rPr lang="en-US" altLang="ja-JP" sz="1050" kern="100" dirty="0" smtClean="0">
+                        <a:rPr lang="en-US" altLang="ja-JP" sz="1050" kern="100" dirty="0">
                           <a:effectLst/>
                         </a:rPr>
                         <a:t>yum install –y </a:t>
                       </a:r>
                       <a:r>
-                        <a:rPr lang="en-US" altLang="ja-JP" sz="1050" kern="100" dirty="0" err="1" smtClean="0">
+                        <a:rPr lang="en-US" altLang="ja-JP" sz="1050" kern="100" dirty="0" err="1">
                           <a:effectLst/>
                         </a:rPr>
                         <a:t>nc</a:t>
@@ -15472,7 +15188,7 @@
                         </a:spcAft>
                       </a:pPr>
                       <a:r>
-                        <a:rPr lang="en-US" altLang="ja-JP" sz="1050" kern="100" dirty="0" smtClean="0">
+                        <a:rPr lang="en-US" altLang="ja-JP" sz="1050" kern="100" dirty="0">
                           <a:effectLst/>
                         </a:rPr>
                         <a:t>-</a:t>
@@ -15498,19 +15214,19 @@
                         </a:spcAft>
                       </a:pPr>
                       <a:r>
-                        <a:rPr lang="en-US" altLang="ja-JP" sz="1050" kern="100" dirty="0" smtClean="0">
+                        <a:rPr lang="en-US" altLang="ja-JP" sz="1050" kern="100" dirty="0">
                           <a:effectLst/>
                         </a:rPr>
                         <a:t>Used for SSH command option when executing </a:t>
                       </a:r>
                       <a:r>
-                        <a:rPr lang="en-US" altLang="ja-JP" sz="1050" kern="100" dirty="0" err="1" smtClean="0">
+                        <a:rPr lang="en-US" altLang="ja-JP" sz="1050" kern="100" dirty="0" err="1">
                           <a:effectLst/>
                         </a:rPr>
                         <a:t>Ansible</a:t>
                       </a:r>
                       <a:r>
-                        <a:rPr lang="en-US" altLang="ja-JP" sz="1050" kern="100" dirty="0" smtClean="0">
+                        <a:rPr lang="en-US" altLang="ja-JP" sz="1050" kern="100" dirty="0">
                           <a:effectLst/>
                         </a:rPr>
                         <a:t> Playbook by connecting SSH from ITA under proxy environment to external server such as AWS via proxy server.</a:t>
@@ -15563,7 +15279,7 @@
                         </a:spcAft>
                       </a:pPr>
                       <a:r>
-                        <a:rPr lang="en-US" sz="1050" kern="100" dirty="0" err="1" smtClean="0">
+                        <a:rPr lang="en-US" sz="1050" kern="100" dirty="0" err="1">
                           <a:effectLst/>
                         </a:rPr>
                         <a:t>paramiko</a:t>
@@ -15589,13 +15305,13 @@
                         </a:spcAft>
                       </a:pPr>
                       <a:r>
-                        <a:rPr lang="en-US" sz="1050" kern="100" dirty="0" smtClean="0">
+                        <a:rPr lang="en-US" sz="1050" kern="100" dirty="0">
                           <a:effectLst/>
                         </a:rPr>
                         <a:t>pip3 install </a:t>
                       </a:r>
                       <a:r>
-                        <a:rPr lang="en-US" sz="1050" kern="100" dirty="0" err="1" smtClean="0">
+                        <a:rPr lang="en-US" sz="1050" kern="100" dirty="0" err="1">
                           <a:effectLst/>
                         </a:rPr>
                         <a:t>paramiko</a:t>
@@ -15621,7 +15337,7 @@
                         </a:spcAft>
                       </a:pPr>
                       <a:r>
-                        <a:rPr lang="en-US" altLang="ja-JP" sz="1050" kern="100" dirty="0" smtClean="0">
+                        <a:rPr lang="en-US" altLang="ja-JP" sz="1050" kern="100" dirty="0">
                           <a:effectLst/>
                         </a:rPr>
                         <a:t>-</a:t>
@@ -15647,31 +15363,31 @@
                         </a:spcAft>
                       </a:pPr>
                       <a:r>
-                        <a:rPr lang="en-US" altLang="ja-JP" sz="1050" kern="100" dirty="0" smtClean="0">
+                        <a:rPr lang="en-US" altLang="ja-JP" sz="1050" kern="100" dirty="0">
                           <a:effectLst/>
                         </a:rPr>
                         <a:t>Required to connect to a network device by specifying </a:t>
                       </a:r>
                       <a:r>
-                        <a:rPr lang="en-US" altLang="ja-JP" sz="1050" kern="100" dirty="0" err="1" smtClean="0">
+                        <a:rPr lang="en-US" altLang="ja-JP" sz="1050" kern="100" dirty="0" err="1">
                           <a:effectLst/>
                         </a:rPr>
                         <a:t>network_cli</a:t>
                       </a:r>
                       <a:r>
-                        <a:rPr lang="en-US" altLang="ja-JP" sz="1050" kern="100" dirty="0" smtClean="0">
+                        <a:rPr lang="en-US" altLang="ja-JP" sz="1050" kern="100" dirty="0">
                           <a:effectLst/>
                         </a:rPr>
                         <a:t> for </a:t>
                       </a:r>
                       <a:r>
-                        <a:rPr lang="en-US" altLang="ja-JP" sz="1050" kern="100" dirty="0" err="1" smtClean="0">
+                        <a:rPr lang="en-US" altLang="ja-JP" sz="1050" kern="100" dirty="0" err="1">
                           <a:effectLst/>
                         </a:rPr>
                         <a:t>ansible_connection</a:t>
                       </a:r>
                       <a:r>
-                        <a:rPr lang="en-US" altLang="ja-JP" sz="1050" kern="100" dirty="0" smtClean="0">
+                        <a:rPr lang="en-US" altLang="ja-JP" sz="1050" kern="100" dirty="0">
                           <a:effectLst/>
                         </a:rPr>
                         <a:t>.</a:t>
@@ -15716,12 +15432,12 @@
                         <a:defRPr/>
                       </a:pPr>
                       <a:r>
-                        <a:rPr lang="en-US" altLang="ja-JP" sz="1000" kern="0" dirty="0" smtClean="0">
+                        <a:rPr lang="en-US" altLang="ja-JP" sz="1000" kern="0" dirty="0">
                           <a:effectLst/>
                         </a:rPr>
                         <a:t>1.6.0</a:t>
                       </a:r>
-                      <a:endParaRPr lang="ja-JP" altLang="ja-JP" sz="1000" kern="100" dirty="0" smtClean="0">
+                      <a:endParaRPr lang="ja-JP" altLang="ja-JP" sz="1000" kern="100" dirty="0">
                         <a:effectLst/>
                         <a:latin typeface="Century" panose="02040604050505020304" pitchFamily="18" charset="0"/>
                         <a:ea typeface="ＭＳ 明朝" panose="02020609040205080304" pitchFamily="17" charset="-128"/>
@@ -15742,7 +15458,7 @@
                         </a:spcAft>
                       </a:pPr>
                       <a:r>
-                        <a:rPr lang="en-US" altLang="ja-JP" sz="1050" kern="100" dirty="0" smtClean="0">
+                        <a:rPr lang="en-US" altLang="ja-JP" sz="1050" kern="100" dirty="0">
                           <a:effectLst/>
                         </a:rPr>
                         <a:t>There are no libraries added in Version 1.6.0.</a:t>
@@ -15869,12 +15585,12 @@
                         <a:defRPr/>
                       </a:pPr>
                       <a:r>
-                        <a:rPr lang="en-US" altLang="ja-JP" sz="1000" kern="0" dirty="0" smtClean="0">
+                        <a:rPr lang="en-US" altLang="ja-JP" sz="1000" kern="0" dirty="0">
                           <a:effectLst/>
                         </a:rPr>
                         <a:t>1.6.1</a:t>
                       </a:r>
-                      <a:endParaRPr lang="ja-JP" altLang="ja-JP" sz="1000" kern="100" dirty="0" smtClean="0">
+                      <a:endParaRPr lang="ja-JP" altLang="ja-JP" sz="1000" kern="100" dirty="0">
                         <a:effectLst/>
                         <a:latin typeface="Century" panose="02040604050505020304" pitchFamily="18" charset="0"/>
                         <a:ea typeface="ＭＳ 明朝" panose="02020609040205080304" pitchFamily="17" charset="-128"/>
@@ -15907,12 +15623,12 @@
                         <a:defRPr/>
                       </a:pPr>
                       <a:r>
-                        <a:rPr lang="en-US" altLang="ja-JP" sz="1050" kern="100" dirty="0" smtClean="0">
+                        <a:rPr lang="en-US" altLang="ja-JP" sz="1050" kern="100" dirty="0">
                           <a:effectLst/>
                         </a:rPr>
                         <a:t>There are no libraries added in Version 1.6.1.</a:t>
                       </a:r>
-                      <a:endParaRPr lang="ja-JP" altLang="ja-JP" sz="1050" kern="100" dirty="0" smtClean="0">
+                      <a:endParaRPr lang="ja-JP" altLang="ja-JP" sz="1050" kern="100" dirty="0">
                         <a:effectLst/>
                         <a:latin typeface="Segoe UI" panose="020B0502040204020203" pitchFamily="34" charset="0"/>
                         <a:ea typeface="ＭＳ 明朝" panose="02020609040205080304" pitchFamily="17" charset="-128"/>
@@ -15992,12 +15708,12 @@
                         <a:defRPr/>
                       </a:pPr>
                       <a:r>
-                        <a:rPr lang="en-US" altLang="ja-JP" sz="1000" kern="0" dirty="0" smtClean="0">
+                        <a:rPr lang="en-US" altLang="ja-JP" sz="1000" kern="0" dirty="0">
                           <a:effectLst/>
                         </a:rPr>
                         <a:t>1.6.2</a:t>
                       </a:r>
-                      <a:endParaRPr lang="ja-JP" altLang="ja-JP" sz="1000" kern="100" dirty="0" smtClean="0">
+                      <a:endParaRPr lang="ja-JP" altLang="ja-JP" sz="1000" kern="100" dirty="0">
                         <a:effectLst/>
                         <a:latin typeface="Century" panose="02040604050505020304" pitchFamily="18" charset="0"/>
                         <a:ea typeface="ＭＳ 明朝" panose="02020609040205080304" pitchFamily="17" charset="-128"/>
@@ -16030,12 +15746,12 @@
                         <a:defRPr/>
                       </a:pPr>
                       <a:r>
-                        <a:rPr lang="en-US" altLang="ja-JP" sz="1050" kern="100" dirty="0" smtClean="0">
+                        <a:rPr lang="en-US" altLang="ja-JP" sz="1050" kern="100" dirty="0">
                           <a:effectLst/>
                         </a:rPr>
                         <a:t>There are no libraries added in Version 1.6.2.</a:t>
                       </a:r>
-                      <a:endParaRPr lang="ja-JP" altLang="ja-JP" sz="1050" kern="100" dirty="0" smtClean="0">
+                      <a:endParaRPr lang="ja-JP" altLang="ja-JP" sz="1050" kern="100" dirty="0">
                         <a:effectLst/>
                         <a:latin typeface="Segoe UI" panose="020B0502040204020203" pitchFamily="34" charset="0"/>
                         <a:ea typeface="ＭＳ 明朝" panose="02020609040205080304" pitchFamily="17" charset="-128"/>
@@ -16115,12 +15831,12 @@
                         <a:defRPr/>
                       </a:pPr>
                       <a:r>
-                        <a:rPr lang="en-US" altLang="ja-JP" sz="1000" kern="0" dirty="0" smtClean="0">
+                        <a:rPr lang="en-US" altLang="ja-JP" sz="1000" kern="0" dirty="0">
                           <a:effectLst/>
                         </a:rPr>
                         <a:t>1.6.3</a:t>
                       </a:r>
-                      <a:endParaRPr lang="ja-JP" altLang="ja-JP" sz="1000" kern="100" dirty="0" smtClean="0">
+                      <a:endParaRPr lang="ja-JP" altLang="ja-JP" sz="1000" kern="100" dirty="0">
                         <a:effectLst/>
                         <a:latin typeface="Century" panose="02040604050505020304" pitchFamily="18" charset="0"/>
                         <a:ea typeface="ＭＳ 明朝" panose="02020609040205080304" pitchFamily="17" charset="-128"/>
@@ -16153,12 +15869,12 @@
                         <a:defRPr/>
                       </a:pPr>
                       <a:r>
-                        <a:rPr lang="en-US" altLang="ja-JP" sz="1050" kern="100" dirty="0" smtClean="0">
+                        <a:rPr lang="en-US" altLang="ja-JP" sz="1050" kern="100" dirty="0">
                           <a:effectLst/>
                         </a:rPr>
                         <a:t>There are no libraries added in Version 1.6.3.</a:t>
                       </a:r>
-                      <a:endParaRPr lang="ja-JP" altLang="ja-JP" sz="1050" kern="100" dirty="0" smtClean="0">
+                      <a:endParaRPr lang="ja-JP" altLang="ja-JP" sz="1050" kern="100" dirty="0">
                         <a:effectLst/>
                         <a:latin typeface="Segoe UI" panose="020B0502040204020203" pitchFamily="34" charset="0"/>
                         <a:ea typeface="ＭＳ 明朝" panose="02020609040205080304" pitchFamily="17" charset="-128"/>
@@ -16226,7 +15942,7 @@
                         </a:spcAft>
                       </a:pPr>
                       <a:r>
-                        <a:rPr lang="en-US" sz="1000" kern="0" dirty="0" smtClean="0">
+                        <a:rPr lang="en-US" sz="1000" kern="0" dirty="0">
                           <a:effectLst/>
                         </a:rPr>
                         <a:t>1.7.0</a:t>
@@ -16252,13 +15968,13 @@
                         </a:spcAft>
                       </a:pPr>
                       <a:r>
-                        <a:rPr lang="en-US" altLang="ja-JP" sz="1050" kern="100" dirty="0" err="1" smtClean="0">
+                        <a:rPr lang="en-US" altLang="ja-JP" sz="1050" kern="100" dirty="0" err="1">
                           <a:effectLst/>
                         </a:rPr>
                         <a:t>ansible</a:t>
                       </a:r>
                       <a:r>
-                        <a:rPr lang="en-US" altLang="ja-JP" sz="1050" kern="100" dirty="0" smtClean="0">
+                        <a:rPr lang="en-US" altLang="ja-JP" sz="1050" kern="100" dirty="0">
                           <a:effectLst/>
                         </a:rPr>
                         <a:t>-driver</a:t>
@@ -16284,7 +16000,7 @@
                         </a:spcAft>
                       </a:pPr>
                       <a:r>
-                        <a:rPr lang="en-US" altLang="ja-JP" sz="1050" kern="100" dirty="0" err="1" smtClean="0">
+                        <a:rPr lang="en-US" altLang="ja-JP" sz="1050" kern="100" dirty="0" err="1">
                           <a:effectLst/>
                           <a:latin typeface="+mn-lt"/>
                           <a:ea typeface="+mn-ea"/>
@@ -16313,13 +16029,13 @@
                         </a:spcAft>
                       </a:pPr>
                       <a:r>
-                        <a:rPr lang="en-US" sz="1050" kern="100" dirty="0" smtClean="0">
+                        <a:rPr lang="en-US" sz="1050" kern="100" dirty="0">
                           <a:effectLst/>
                         </a:rPr>
                         <a:t>Pip3 install </a:t>
                       </a:r>
                       <a:r>
-                        <a:rPr lang="en-US" sz="1050" kern="100" dirty="0" err="1" smtClean="0">
+                        <a:rPr lang="en-US" sz="1050" kern="100" dirty="0" err="1">
                           <a:effectLst/>
                         </a:rPr>
                         <a:t>boto</a:t>
@@ -16345,7 +16061,7 @@
                         </a:spcAft>
                       </a:pPr>
                       <a:r>
-                        <a:rPr lang="en-US" altLang="ja-JP" sz="1050" kern="100" dirty="0" smtClean="0">
+                        <a:rPr lang="en-US" altLang="ja-JP" sz="1050" kern="100" dirty="0">
                           <a:effectLst/>
                         </a:rPr>
                         <a:t>-</a:t>
@@ -16371,43 +16087,43 @@
                         </a:spcAft>
                       </a:pPr>
                       <a:r>
-                        <a:rPr lang="en-US" altLang="ja-JP" sz="1050" kern="100" dirty="0" smtClean="0">
+                        <a:rPr lang="en-US" altLang="ja-JP" sz="1050" kern="100" dirty="0">
                           <a:effectLst/>
                         </a:rPr>
                         <a:t>Used</a:t>
                       </a:r>
                       <a:r>
-                        <a:rPr lang="en-US" altLang="ja-JP" sz="1050" kern="100" baseline="0" dirty="0" smtClean="0">
+                        <a:rPr lang="en-US" altLang="ja-JP" sz="1050" kern="100" baseline="0" dirty="0">
                           <a:effectLst/>
                         </a:rPr>
                         <a:t> for </a:t>
                       </a:r>
                       <a:r>
-                        <a:rPr lang="en-US" altLang="ja-JP" sz="1050" kern="100" dirty="0" err="1" smtClean="0">
+                        <a:rPr lang="en-US" altLang="ja-JP" sz="1050" kern="100" dirty="0" err="1">
                           <a:effectLst/>
                         </a:rPr>
                         <a:t>community.aws.iam</a:t>
                       </a:r>
                       <a:r>
-                        <a:rPr lang="en-US" altLang="ja-JP" sz="1050" kern="100" dirty="0" smtClean="0">
+                        <a:rPr lang="en-US" altLang="ja-JP" sz="1050" kern="100" dirty="0">
                           <a:effectLst/>
                         </a:rPr>
                         <a:t> of </a:t>
                       </a:r>
                       <a:r>
-                        <a:rPr lang="en-US" altLang="ja-JP" sz="1050" kern="100" dirty="0" err="1" smtClean="0">
+                        <a:rPr lang="en-US" altLang="ja-JP" sz="1050" kern="100" dirty="0" err="1">
                           <a:effectLst/>
                         </a:rPr>
                         <a:t>Ansible</a:t>
                       </a:r>
                       <a:r>
-                        <a:rPr lang="ja-JP" altLang="en-US" sz="1050" kern="100" dirty="0" smtClean="0">
+                        <a:rPr lang="ja-JP" altLang="en-US" sz="1050" kern="100" dirty="0">
                           <a:effectLst/>
                         </a:rPr>
                         <a:t> </a:t>
                       </a:r>
                       <a:r>
-                        <a:rPr lang="en-US" altLang="ja-JP" sz="1050" kern="100" dirty="0" smtClean="0">
+                        <a:rPr lang="en-US" altLang="ja-JP" sz="1050" kern="100" dirty="0">
                           <a:effectLst/>
                         </a:rPr>
                         <a:t>module.</a:t>
@@ -16452,12 +16168,12 @@
                         <a:defRPr/>
                       </a:pPr>
                       <a:r>
-                        <a:rPr lang="en-US" altLang="ja-JP" sz="1000" kern="0" dirty="0" smtClean="0">
+                        <a:rPr lang="en-US" altLang="ja-JP" sz="1000" kern="0" dirty="0">
                           <a:effectLst/>
                         </a:rPr>
                         <a:t>1.7.1</a:t>
                       </a:r>
-                      <a:endParaRPr lang="ja-JP" altLang="ja-JP" sz="1000" kern="100" dirty="0" smtClean="0">
+                      <a:endParaRPr lang="ja-JP" altLang="ja-JP" sz="1000" kern="100" dirty="0">
                         <a:effectLst/>
                         <a:latin typeface="Century" panose="02040604050505020304" pitchFamily="18" charset="0"/>
                         <a:ea typeface="ＭＳ 明朝" panose="02020609040205080304" pitchFamily="17" charset="-128"/>
@@ -16490,12 +16206,12 @@
                         <a:defRPr/>
                       </a:pPr>
                       <a:r>
-                        <a:rPr lang="en-US" altLang="ja-JP" sz="1050" kern="100" dirty="0" smtClean="0">
+                        <a:rPr lang="en-US" altLang="ja-JP" sz="1050" kern="100" dirty="0">
                           <a:effectLst/>
                         </a:rPr>
                         <a:t>There are no libraries added in Version 1.7.1.</a:t>
                       </a:r>
-                      <a:endParaRPr lang="ja-JP" altLang="ja-JP" sz="1050" kern="100" dirty="0" smtClean="0">
+                      <a:endParaRPr lang="ja-JP" altLang="ja-JP" sz="1050" kern="100" dirty="0">
                         <a:effectLst/>
                         <a:latin typeface="+mn-ea"/>
                         <a:ea typeface="+mn-ea"/>
@@ -16605,12 +16321,12 @@
                         <a:defRPr/>
                       </a:pPr>
                       <a:r>
-                        <a:rPr lang="en-US" altLang="ja-JP" sz="1000" kern="0" dirty="0" smtClean="0">
+                        <a:rPr lang="en-US" altLang="ja-JP" sz="1000" kern="0" dirty="0">
                           <a:effectLst/>
                         </a:rPr>
                         <a:t>1.7.2</a:t>
                       </a:r>
-                      <a:endParaRPr lang="ja-JP" altLang="ja-JP" sz="1000" kern="100" dirty="0" smtClean="0">
+                      <a:endParaRPr lang="ja-JP" altLang="ja-JP" sz="1000" kern="100" dirty="0">
                         <a:effectLst/>
                         <a:latin typeface="Century" panose="02040604050505020304" pitchFamily="18" charset="0"/>
                         <a:ea typeface="ＭＳ 明朝" panose="02020609040205080304" pitchFamily="17" charset="-128"/>
@@ -16643,12 +16359,12 @@
                         <a:defRPr/>
                       </a:pPr>
                       <a:r>
-                        <a:rPr lang="en-US" altLang="ja-JP" sz="1050" kern="100" dirty="0" smtClean="0">
+                        <a:rPr lang="en-US" altLang="ja-JP" sz="1050" kern="100" dirty="0">
                           <a:effectLst/>
                         </a:rPr>
                         <a:t>There are no libraries added in Version 1.7.2.</a:t>
                       </a:r>
-                      <a:endParaRPr lang="ja-JP" altLang="ja-JP" sz="1050" kern="100" dirty="0" smtClean="0">
+                      <a:endParaRPr lang="ja-JP" altLang="ja-JP" sz="1050" kern="100" dirty="0">
                         <a:effectLst/>
                         <a:latin typeface="+mn-ea"/>
                         <a:ea typeface="+mn-ea"/>
@@ -16748,13 +16464,6 @@
   <p:clrMapOvr>
     <a:masterClrMapping/>
   </p:clrMapOvr>
-  <p:timing>
-    <p:tnLst>
-      <p:par>
-        <p:cTn id="1" dur="indefinite" restart="never" nodeType="tmRoot"/>
-      </p:par>
-    </p:tnLst>
-  </p:timing>
 </p:sld>
 </file>
 
@@ -16791,7 +16500,7 @@
           <a:lstStyle/>
           <a:p>
             <a:r>
-              <a:rPr lang="en-US" altLang="ja-JP" dirty="0" smtClean="0"/>
+              <a:rPr lang="en-US" altLang="ja-JP" dirty="0"/>
               <a:t>3.8</a:t>
             </a:r>
             <a:r>
@@ -16799,23 +16508,19 @@
               <a:t>　</a:t>
             </a:r>
             <a:r>
-              <a:rPr lang="en-US" altLang="ja-JP" dirty="0" smtClean="0"/>
+              <a:rPr lang="en-US" altLang="ja-JP" dirty="0"/>
               <a:t>Update</a:t>
             </a:r>
             <a:r>
-              <a:rPr lang="ja-JP" altLang="en-US" dirty="0" smtClean="0"/>
+              <a:rPr lang="ja-JP" altLang="en-US" dirty="0"/>
               <a:t>（</a:t>
             </a:r>
             <a:r>
               <a:rPr lang="en-US" altLang="ja-JP" dirty="0"/>
-              <a:t>7</a:t>
-            </a:r>
-            <a:r>
-              <a:rPr lang="en-US" altLang="ja-JP" dirty="0" smtClean="0"/>
-              <a:t>/9</a:t>
-            </a:r>
-            <a:r>
-              <a:rPr lang="ja-JP" altLang="en-US" dirty="0" smtClean="0"/>
+              <a:t>7/9</a:t>
+            </a:r>
+            <a:r>
+              <a:rPr lang="ja-JP" altLang="en-US" dirty="0"/>
               <a:t>）</a:t>
             </a:r>
             <a:endParaRPr kumimoji="1" lang="ja-JP" altLang="en-US" dirty="0"/>
@@ -16831,14 +16536,14 @@
           <p:nvPr>
             <p:extLst>
               <p:ext uri="{D42A27DB-BD31-4B8C-83A1-F6EECF244321}">
-                <p14:modId xmlns:p14="http://schemas.microsoft.com/office/powerpoint/2010/main" val="1847959294"/>
+                <p14:modId xmlns:p14="http://schemas.microsoft.com/office/powerpoint/2010/main" val="1925772465"/>
               </p:ext>
             </p:extLst>
           </p:nvPr>
         </p:nvGraphicFramePr>
         <p:xfrm>
           <a:off x="161947" y="764630"/>
-          <a:ext cx="8819131" cy="1944624"/>
+          <a:ext cx="8819131" cy="2146933"/>
         </p:xfrm>
         <a:graphic>
           <a:graphicData uri="http://schemas.openxmlformats.org/drawingml/2006/table">
@@ -16909,7 +16614,7 @@
                         </a:spcAft>
                       </a:pPr>
                       <a:r>
-                        <a:rPr lang="en-US" altLang="ja-JP" sz="1050" kern="100" dirty="0" smtClean="0">
+                        <a:rPr lang="en-US" altLang="ja-JP" sz="1050" kern="100" dirty="0">
                           <a:effectLst/>
                         </a:rPr>
                         <a:t>Version</a:t>
@@ -16935,13 +16640,13 @@
                         </a:spcAft>
                       </a:pPr>
                       <a:r>
-                        <a:rPr lang="en-US" altLang="ja-JP" sz="1050" kern="0" dirty="0" smtClean="0">
+                        <a:rPr lang="en-US" altLang="ja-JP" sz="1050" kern="0" dirty="0">
                           <a:effectLst/>
                         </a:rPr>
                         <a:t>Installed</a:t>
                       </a:r>
                       <a:r>
-                        <a:rPr lang="en-US" altLang="ja-JP" sz="1050" kern="0" baseline="0" dirty="0" smtClean="0">
+                        <a:rPr lang="en-US" altLang="ja-JP" sz="1050" kern="0" baseline="0" dirty="0">
                           <a:effectLst/>
                         </a:rPr>
                         <a:t> driver</a:t>
@@ -16967,7 +16672,7 @@
                         </a:spcAft>
                       </a:pPr>
                       <a:r>
-                        <a:rPr lang="en-US" altLang="ja-JP" sz="1050" kern="0" dirty="0" smtClean="0">
+                        <a:rPr lang="en-US" altLang="ja-JP" sz="1050" kern="0" dirty="0">
                           <a:effectLst/>
                         </a:rPr>
                         <a:t>Library name</a:t>
@@ -16993,13 +16698,13 @@
                         </a:spcAft>
                       </a:pPr>
                       <a:r>
-                        <a:rPr lang="en-US" altLang="ja-JP" sz="1050" kern="100" dirty="0" smtClean="0">
+                        <a:rPr lang="en-US" altLang="ja-JP" sz="1050" kern="100" dirty="0">
                           <a:effectLst/>
                         </a:rPr>
                         <a:t>Install</a:t>
                       </a:r>
                       <a:r>
-                        <a:rPr lang="en-US" altLang="ja-JP" sz="1050" kern="100" baseline="0" dirty="0" smtClean="0">
+                        <a:rPr lang="en-US" altLang="ja-JP" sz="1050" kern="100" baseline="0" dirty="0">
                           <a:effectLst/>
                         </a:rPr>
                         <a:t> command</a:t>
@@ -17025,12 +16730,12 @@
                         </a:spcAft>
                       </a:pPr>
                       <a:r>
-                        <a:rPr kumimoji="1" lang="en-US" altLang="ja-JP" sz="800" kern="100" dirty="0" smtClean="0">
+                        <a:rPr kumimoji="1" lang="en-US" altLang="ja-JP" sz="800" kern="100" dirty="0">
                           <a:effectLst/>
                         </a:rPr>
                         <a:t>Required</a:t>
                       </a:r>
-                      <a:endParaRPr kumimoji="1" lang="en-US" altLang="ja-JP" sz="800" b="1" kern="100" dirty="0" smtClean="0">
+                      <a:endParaRPr kumimoji="1" lang="en-US" altLang="ja-JP" sz="800" b="1" kern="100" dirty="0">
                         <a:solidFill>
                           <a:schemeClr val="lt1"/>
                         </a:solidFill>
@@ -17074,7 +16779,7 @@
                         </a:spcAft>
                       </a:pPr>
                       <a:r>
-                        <a:rPr lang="en-US" altLang="ja-JP" sz="1050" kern="100" dirty="0" smtClean="0">
+                        <a:rPr lang="en-US" altLang="ja-JP" sz="1050" kern="100" dirty="0">
                           <a:effectLst/>
                           <a:latin typeface="+mn-lt"/>
                           <a:ea typeface="+mn-ea"/>
@@ -17122,12 +16827,12 @@
                         <a:defRPr/>
                       </a:pPr>
                       <a:r>
-                        <a:rPr lang="en-US" altLang="ja-JP" sz="1000" kern="0" dirty="0" smtClean="0">
+                        <a:rPr lang="en-US" altLang="ja-JP" sz="1000" kern="0" dirty="0">
                           <a:effectLst/>
                         </a:rPr>
                         <a:t>1.8.0</a:t>
                       </a:r>
-                      <a:endParaRPr lang="ja-JP" altLang="ja-JP" sz="1000" kern="100" dirty="0" smtClean="0">
+                      <a:endParaRPr lang="ja-JP" altLang="ja-JP" sz="1000" kern="100" dirty="0">
                         <a:effectLst/>
                         <a:latin typeface="Century" panose="02040604050505020304" pitchFamily="18" charset="0"/>
                         <a:ea typeface="ＭＳ 明朝" panose="02020609040205080304" pitchFamily="17" charset="-128"/>
@@ -17160,12 +16865,12 @@
                         <a:defRPr/>
                       </a:pPr>
                       <a:r>
-                        <a:rPr lang="en-US" altLang="ja-JP" sz="1050" kern="100" dirty="0" smtClean="0">
+                        <a:rPr lang="en-US" altLang="ja-JP" sz="1050" kern="100" dirty="0">
                           <a:effectLst/>
                         </a:rPr>
                         <a:t>There are no libraries added in Version 1.8.0.</a:t>
                       </a:r>
-                      <a:endParaRPr lang="ja-JP" altLang="ja-JP" sz="1050" kern="100" dirty="0" smtClean="0">
+                      <a:endParaRPr lang="ja-JP" altLang="ja-JP" sz="1050" kern="100" dirty="0">
                         <a:effectLst/>
                         <a:latin typeface="+mn-ea"/>
                         <a:ea typeface="+mn-ea"/>
@@ -17285,12 +16990,12 @@
                         <a:defRPr/>
                       </a:pPr>
                       <a:r>
-                        <a:rPr lang="en-US" altLang="ja-JP" sz="1000" kern="0" dirty="0" smtClean="0">
+                        <a:rPr lang="en-US" altLang="ja-JP" sz="1000" kern="0" dirty="0">
                           <a:effectLst/>
                         </a:rPr>
                         <a:t>1.8.1</a:t>
                       </a:r>
-                      <a:endParaRPr lang="ja-JP" altLang="ja-JP" sz="1000" kern="100" dirty="0" smtClean="0">
+                      <a:endParaRPr lang="ja-JP" altLang="ja-JP" sz="1000" kern="100" dirty="0">
                         <a:effectLst/>
                         <a:latin typeface="Century" panose="02040604050505020304" pitchFamily="18" charset="0"/>
                         <a:ea typeface="ＭＳ 明朝" panose="02020609040205080304" pitchFamily="17" charset="-128"/>
@@ -17323,12 +17028,12 @@
                         <a:defRPr/>
                       </a:pPr>
                       <a:r>
-                        <a:rPr lang="en-US" altLang="ja-JP" sz="1050" kern="100" dirty="0" smtClean="0">
+                        <a:rPr lang="en-US" altLang="ja-JP" sz="1050" kern="100" dirty="0">
                           <a:effectLst/>
                         </a:rPr>
                         <a:t>There are no libraries added in Version 1.8.1.</a:t>
                       </a:r>
-                      <a:endParaRPr lang="ja-JP" altLang="ja-JP" sz="1050" kern="100" dirty="0" smtClean="0">
+                      <a:endParaRPr lang="ja-JP" altLang="ja-JP" sz="1050" kern="100" dirty="0">
                         <a:effectLst/>
                         <a:latin typeface="+mn-ea"/>
                         <a:ea typeface="+mn-ea"/>
@@ -17448,12 +17153,12 @@
                         <a:defRPr/>
                       </a:pPr>
                       <a:r>
-                        <a:rPr lang="en-US" altLang="ja-JP" sz="1000" kern="0" dirty="0" smtClean="0">
+                        <a:rPr lang="en-US" altLang="ja-JP" sz="1000" kern="0" dirty="0">
                           <a:effectLst/>
                         </a:rPr>
                         <a:t>1.8.2</a:t>
                       </a:r>
-                      <a:endParaRPr lang="ja-JP" altLang="ja-JP" sz="1000" kern="100" dirty="0" smtClean="0">
+                      <a:endParaRPr lang="ja-JP" altLang="ja-JP" sz="1000" kern="100" dirty="0">
                         <a:effectLst/>
                         <a:latin typeface="Century" panose="02040604050505020304" pitchFamily="18" charset="0"/>
                         <a:ea typeface="ＭＳ 明朝" panose="02020609040205080304" pitchFamily="17" charset="-128"/>
@@ -17486,12 +17191,12 @@
                         <a:defRPr/>
                       </a:pPr>
                       <a:r>
-                        <a:rPr lang="en-US" altLang="ja-JP" sz="1050" kern="100" dirty="0" smtClean="0">
+                        <a:rPr lang="en-US" altLang="ja-JP" sz="1050" kern="100" dirty="0">
                           <a:effectLst/>
                         </a:rPr>
                         <a:t>There are no libraries added in Version 1.8.2.</a:t>
                       </a:r>
-                      <a:endParaRPr lang="ja-JP" altLang="ja-JP" sz="1050" kern="100" dirty="0" smtClean="0">
+                      <a:endParaRPr lang="ja-JP" altLang="ja-JP" sz="1050" kern="100" dirty="0">
                         <a:effectLst/>
                         <a:latin typeface="+mn-ea"/>
                         <a:ea typeface="+mn-ea"/>
@@ -17581,12 +17286,12 @@
                         <a:defRPr/>
                       </a:pPr>
                       <a:r>
-                        <a:rPr lang="en-US" altLang="ja-JP" sz="1000" kern="0" dirty="0" smtClean="0">
+                        <a:rPr lang="en-US" altLang="ja-JP" sz="1000" kern="0" dirty="0">
                           <a:effectLst/>
                         </a:rPr>
                         <a:t>1.9.0</a:t>
                       </a:r>
-                      <a:endParaRPr lang="ja-JP" altLang="ja-JP" sz="1000" kern="100" dirty="0" smtClean="0">
+                      <a:endParaRPr lang="ja-JP" altLang="ja-JP" sz="1000" kern="100" dirty="0">
                         <a:effectLst/>
                         <a:latin typeface="Century" panose="02040604050505020304" pitchFamily="18" charset="0"/>
                         <a:ea typeface="ＭＳ 明朝" panose="02020609040205080304" pitchFamily="17" charset="-128"/>
@@ -17619,12 +17324,12 @@
                         <a:defRPr/>
                       </a:pPr>
                       <a:r>
-                        <a:rPr lang="en-US" altLang="ja-JP" sz="1050" kern="100" dirty="0" smtClean="0">
+                        <a:rPr lang="en-US" altLang="ja-JP" sz="1050" kern="100" dirty="0">
                           <a:effectLst/>
                         </a:rPr>
                         <a:t>There are no libraries added in Version 1.9.0.</a:t>
                       </a:r>
-                      <a:endParaRPr lang="ja-JP" altLang="ja-JP" sz="1050" kern="100" dirty="0" smtClean="0">
+                      <a:endParaRPr lang="ja-JP" altLang="ja-JP" sz="1050" kern="100" dirty="0">
                         <a:effectLst/>
                         <a:latin typeface="+mn-ea"/>
                         <a:ea typeface="+mn-ea"/>
@@ -17714,12 +17419,12 @@
                         <a:defRPr/>
                       </a:pPr>
                       <a:r>
-                        <a:rPr lang="en-US" altLang="ja-JP" sz="1000" kern="0" dirty="0" smtClean="0">
+                        <a:rPr lang="en-US" altLang="ja-JP" sz="1000" kern="0" dirty="0">
                           <a:effectLst/>
                         </a:rPr>
                         <a:t>1.9.1</a:t>
                       </a:r>
-                      <a:endParaRPr lang="ja-JP" altLang="ja-JP" sz="1000" kern="100" dirty="0" smtClean="0">
+                      <a:endParaRPr lang="ja-JP" altLang="ja-JP" sz="1000" kern="100" dirty="0">
                         <a:effectLst/>
                         <a:latin typeface="Century" panose="02040604050505020304" pitchFamily="18" charset="0"/>
                         <a:ea typeface="ＭＳ 明朝" panose="02020609040205080304" pitchFamily="17" charset="-128"/>
@@ -17752,12 +17457,12 @@
                         <a:defRPr/>
                       </a:pPr>
                       <a:r>
-                        <a:rPr lang="en-US" altLang="ja-JP" sz="1050" kern="100" dirty="0" smtClean="0">
+                        <a:rPr lang="en-US" altLang="ja-JP" sz="1050" kern="100" dirty="0">
                           <a:effectLst/>
                         </a:rPr>
                         <a:t>There are no libraries added in Version 1.9.1</a:t>
                       </a:r>
-                      <a:endParaRPr lang="ja-JP" altLang="ja-JP" sz="1050" kern="100" dirty="0" smtClean="0">
+                      <a:endParaRPr lang="ja-JP" altLang="ja-JP" sz="1050" kern="100" dirty="0">
                         <a:effectLst/>
                         <a:latin typeface="+mn-ea"/>
                         <a:ea typeface="+mn-ea"/>
@@ -17835,19 +17540,19 @@
                         </a:spcAft>
                       </a:pPr>
                       <a:r>
-                        <a:rPr lang="en-US" sz="1000" kern="0" dirty="0" smtClean="0">
+                        <a:rPr lang="en-US" sz="1000" kern="0" dirty="0">
                           <a:effectLst/>
                         </a:rPr>
                         <a:t>1.</a:t>
                       </a:r>
                       <a:r>
-                        <a:rPr lang="en-US" altLang="ja-JP" sz="1000" kern="0" dirty="0" smtClean="0">
+                        <a:rPr lang="en-US" altLang="ja-JP" sz="1000" kern="0" dirty="0">
                           <a:effectLst/>
                         </a:rPr>
                         <a:t>10</a:t>
                       </a:r>
                       <a:r>
-                        <a:rPr lang="en-US" sz="1000" kern="0" dirty="0" smtClean="0">
+                        <a:rPr lang="en-US" sz="1000" kern="0" dirty="0">
                           <a:effectLst/>
                         </a:rPr>
                         <a:t>.0</a:t>
@@ -17873,13 +17578,13 @@
                         </a:spcAft>
                       </a:pPr>
                       <a:r>
-                        <a:rPr lang="en-US" altLang="ja-JP" sz="1050" kern="100" dirty="0" err="1" smtClean="0">
+                        <a:rPr lang="en-US" altLang="ja-JP" sz="1050" kern="100" dirty="0" err="1">
                           <a:effectLst/>
                         </a:rPr>
                         <a:t>ansible</a:t>
                       </a:r>
                       <a:r>
-                        <a:rPr lang="en-US" altLang="ja-JP" sz="1050" kern="100" dirty="0" smtClean="0">
+                        <a:rPr lang="en-US" altLang="ja-JP" sz="1050" kern="100" dirty="0">
                           <a:effectLst/>
                         </a:rPr>
                         <a:t>-driver</a:t>
@@ -17905,7 +17610,7 @@
                         </a:spcAft>
                       </a:pPr>
                       <a:r>
-                        <a:rPr lang="en-US" altLang="ja-JP" sz="1050" kern="100" dirty="0" err="1" smtClean="0">
+                        <a:rPr lang="en-US" altLang="ja-JP" sz="1050" kern="100" dirty="0" err="1">
                           <a:effectLst/>
                           <a:latin typeface="+mn-lt"/>
                           <a:ea typeface="+mn-ea"/>
@@ -17934,13 +17639,13 @@
                         </a:spcAft>
                       </a:pPr>
                       <a:r>
-                        <a:rPr lang="en-US" sz="1050" kern="100" dirty="0" smtClean="0">
+                        <a:rPr lang="en-US" sz="1050" kern="100" dirty="0">
                           <a:effectLst/>
                         </a:rPr>
                         <a:t>yum install –y </a:t>
                       </a:r>
                       <a:r>
-                        <a:rPr lang="en-US" sz="1050" kern="100" dirty="0" err="1" smtClean="0">
+                        <a:rPr lang="en-US" sz="1050" kern="100" dirty="0" err="1">
                           <a:effectLst/>
                         </a:rPr>
                         <a:t>git</a:t>
@@ -17966,7 +17671,7 @@
                         </a:spcAft>
                       </a:pPr>
                       <a:r>
-                        <a:rPr lang="en-US" altLang="ja-JP" sz="1050" kern="100" dirty="0" smtClean="0">
+                        <a:rPr lang="en-US" altLang="ja-JP" sz="1050" kern="100" dirty="0">
                           <a:effectLst/>
                         </a:rPr>
                         <a:t>-</a:t>
@@ -17992,7 +17697,7 @@
                         </a:spcAft>
                       </a:pPr>
                       <a:r>
-                        <a:rPr lang="en-US" altLang="ja-JP" sz="1050" kern="100" dirty="0" smtClean="0">
+                        <a:rPr lang="en-US" altLang="ja-JP" sz="1050" kern="100" dirty="0">
                           <a:effectLst/>
                         </a:rPr>
                         <a:t>Used for linking with Ansible Automation Controller.</a:t>
@@ -18055,7 +17760,7 @@
                         </a:spcAft>
                       </a:pPr>
                       <a:r>
-                        <a:rPr lang="en-US" altLang="ja-JP" sz="1050" kern="100" dirty="0" smtClean="0">
+                        <a:rPr lang="en-US" altLang="ja-JP" sz="1050" kern="100" dirty="0">
                           <a:effectLst/>
                         </a:rPr>
                         <a:t>terraform-driver</a:t>
@@ -18081,7 +17786,7 @@
                         </a:spcAft>
                       </a:pPr>
                       <a:r>
-                        <a:rPr lang="en-US" altLang="ja-JP" sz="1050" kern="100" dirty="0" smtClean="0">
+                        <a:rPr lang="en-US" altLang="ja-JP" sz="1050" kern="100" dirty="0">
                           <a:effectLst/>
                           <a:latin typeface="+mn-lt"/>
                           <a:ea typeface="+mn-ea"/>
@@ -18110,7 +17815,7 @@
                         </a:spcAft>
                       </a:pPr>
                       <a:r>
-                        <a:rPr lang="en-US" altLang="ja-JP" sz="1050" kern="100" dirty="0" smtClean="0">
+                        <a:rPr lang="en-US" altLang="ja-JP" sz="1050" kern="100" dirty="0">
                           <a:effectLst/>
                           <a:latin typeface="Segoe UI" panose="020B0502040204020203" pitchFamily="34" charset="0"/>
                           <a:ea typeface="ＭＳ 明朝" panose="02020609040205080304" pitchFamily="17" charset="-128"/>
@@ -18139,7 +17844,7 @@
                         </a:spcAft>
                       </a:pPr>
                       <a:r>
-                        <a:rPr lang="en-US" altLang="ja-JP" sz="1050" kern="100" dirty="0" smtClean="0">
+                        <a:rPr lang="en-US" altLang="ja-JP" sz="1050" kern="100" dirty="0">
                           <a:effectLst/>
                         </a:rPr>
                         <a:t>-</a:t>
@@ -18165,19 +17870,19 @@
                         </a:spcAft>
                       </a:pPr>
                       <a:r>
-                        <a:rPr lang="en-US" altLang="ja-JP" sz="1050" kern="100" dirty="0" smtClean="0">
+                        <a:rPr lang="en-US" altLang="ja-JP" sz="1050" kern="100" dirty="0">
                           <a:effectLst/>
                         </a:rPr>
                         <a:t>Used for analyzing </a:t>
                       </a:r>
                       <a:r>
-                        <a:rPr lang="en-US" altLang="ja-JP" sz="1050" kern="100" dirty="0" err="1" smtClean="0">
+                        <a:rPr lang="en-US" altLang="ja-JP" sz="1050" kern="100" dirty="0" err="1">
                           <a:effectLst/>
                         </a:rPr>
                         <a:t>tf</a:t>
                       </a:r>
                       <a:r>
-                        <a:rPr lang="en-US" altLang="ja-JP" sz="1050" kern="100" dirty="0" smtClean="0">
+                        <a:rPr lang="en-US" altLang="ja-JP" sz="1050" kern="100" dirty="0">
                           <a:effectLst/>
                         </a:rPr>
                         <a:t> files.</a:t>
@@ -18208,6 +17913,145 @@
                   </a:ext>
                 </a:extLst>
               </a:tr>
+              <a:tr h="202309">
+                <a:tc>
+                  <a:txBody>
+                    <a:bodyPr/>
+                    <a:lstStyle/>
+                    <a:p>
+                      <a:pPr marL="0" marR="0" lvl="0" indent="0" algn="just" defTabSz="914400" rtl="0" eaLnBrk="1" fontAlgn="auto" latinLnBrk="0" hangingPunct="1">
+                        <a:lnSpc>
+                          <a:spcPct val="100000"/>
+                        </a:lnSpc>
+                        <a:spcBef>
+                          <a:spcPts val="0"/>
+                        </a:spcBef>
+                        <a:spcAft>
+                          <a:spcPts val="0"/>
+                        </a:spcAft>
+                        <a:buClrTx/>
+                        <a:buSzTx/>
+                        <a:buFontTx/>
+                        <a:buNone/>
+                        <a:tabLst/>
+                        <a:defRPr/>
+                      </a:pPr>
+                      <a:r>
+                        <a:rPr lang="en-US" altLang="ja-JP" sz="1000" kern="0" dirty="0">
+                          <a:effectLst/>
+                        </a:rPr>
+                        <a:t>1.10.1</a:t>
+                      </a:r>
+                      <a:endParaRPr lang="ja-JP" altLang="ja-JP" sz="1000" kern="100" dirty="0">
+                        <a:effectLst/>
+                        <a:latin typeface="Century" panose="02040604050505020304" pitchFamily="18" charset="0"/>
+                        <a:ea typeface="ＭＳ 明朝" panose="02020609040205080304" pitchFamily="17" charset="-128"/>
+                        <a:cs typeface="Times New Roman" panose="02020603050405020304" pitchFamily="18" charset="0"/>
+                      </a:endParaRPr>
+                    </a:p>
+                  </a:txBody>
+                  <a:tcPr marL="68580" marR="68580" marT="0" marB="0" anchor="ctr"/>
+                </a:tc>
+                <a:tc gridSpan="6">
+                  <a:txBody>
+                    <a:bodyPr/>
+                    <a:lstStyle/>
+                    <a:p>
+                      <a:pPr marL="0" marR="0" lvl="0" indent="0" algn="ctr" defTabSz="914400" rtl="0" eaLnBrk="1" fontAlgn="auto" latinLnBrk="0" hangingPunct="1">
+                        <a:lnSpc>
+                          <a:spcPct val="100000"/>
+                        </a:lnSpc>
+                        <a:spcBef>
+                          <a:spcPts val="0"/>
+                        </a:spcBef>
+                        <a:spcAft>
+                          <a:spcPts val="0"/>
+                        </a:spcAft>
+                        <a:buClrTx/>
+                        <a:buSzTx/>
+                        <a:buFontTx/>
+                        <a:buNone/>
+                        <a:tabLst/>
+                        <a:defRPr/>
+                      </a:pPr>
+                      <a:r>
+                        <a:rPr lang="en-US" altLang="ja-JP" sz="1050" kern="100" dirty="0">
+                          <a:effectLst/>
+                        </a:rPr>
+                        <a:t>There are no libraries added in </a:t>
+                      </a:r>
+                      <a:r>
+                        <a:rPr lang="en-US" altLang="ja-JP" sz="1050" kern="100">
+                          <a:effectLst/>
+                        </a:rPr>
+                        <a:t>Version 1.10.1</a:t>
+                      </a:r>
+                      <a:endParaRPr lang="ja-JP" altLang="ja-JP" sz="1050" kern="100" dirty="0">
+                        <a:effectLst/>
+                        <a:latin typeface="+mn-ea"/>
+                        <a:ea typeface="+mn-ea"/>
+                        <a:cs typeface="Times New Roman" panose="02020603050405020304" pitchFamily="18" charset="0"/>
+                      </a:endParaRPr>
+                    </a:p>
+                  </a:txBody>
+                  <a:tcPr marL="68580" marR="68580" marT="0" marB="0" anchor="ctr"/>
+                </a:tc>
+                <a:tc hMerge="1">
+                  <a:txBody>
+                    <a:bodyPr/>
+                    <a:lstStyle/>
+                    <a:p>
+                      <a:endParaRPr kumimoji="1" lang="ja-JP" altLang="en-US"/>
+                    </a:p>
+                  </a:txBody>
+                  <a:tcPr/>
+                </a:tc>
+                <a:tc hMerge="1">
+                  <a:txBody>
+                    <a:bodyPr/>
+                    <a:lstStyle/>
+                    <a:p>
+                      <a:endParaRPr kumimoji="1" lang="ja-JP" altLang="en-US"/>
+                    </a:p>
+                  </a:txBody>
+                  <a:tcPr/>
+                </a:tc>
+                <a:tc hMerge="1">
+                  <a:txBody>
+                    <a:bodyPr/>
+                    <a:lstStyle/>
+                    <a:p>
+                      <a:endParaRPr kumimoji="1" lang="ja-JP" altLang="en-US"/>
+                    </a:p>
+                  </a:txBody>
+                  <a:tcPr/>
+                </a:tc>
+                <a:tc hMerge="1">
+                  <a:txBody>
+                    <a:bodyPr/>
+                    <a:lstStyle/>
+                    <a:p>
+                      <a:endParaRPr kumimoji="1" lang="ja-JP" altLang="en-US"/>
+                    </a:p>
+                  </a:txBody>
+                  <a:tcPr/>
+                </a:tc>
+                <a:tc hMerge="1">
+                  <a:txBody>
+                    <a:bodyPr/>
+                    <a:lstStyle/>
+                    <a:p>
+                      <a:endParaRPr kumimoji="1" lang="ja-JP" altLang="en-US"/>
+                    </a:p>
+                  </a:txBody>
+                  <a:tcPr/>
+                </a:tc>
+                <a:extLst>
+                  <a:ext uri="{0D108BD9-81ED-4DB2-BD59-A6C34878D82A}">
+                    <a16:rowId xmlns:a16="http://schemas.microsoft.com/office/drawing/2014/main" val="1206797111"/>
+                  </a:ext>
+                </a:extLst>
+              </a:tr>
             </a:tbl>
           </a:graphicData>
         </a:graphic>
@@ -18222,13 +18066,6 @@
   <p:clrMapOvr>
     <a:masterClrMapping/>
   </p:clrMapOvr>
-  <p:timing>
-    <p:tnLst>
-      <p:par>
-        <p:cTn id="1" dur="indefinite" restart="never" nodeType="tmRoot"/>
-      </p:par>
-    </p:tnLst>
-  </p:timing>
 </p:sld>
 </file>
 
@@ -18265,7 +18102,7 @@
           <a:lstStyle/>
           <a:p>
             <a:r>
-              <a:rPr lang="en-US" altLang="ja-JP" dirty="0" smtClean="0"/>
+              <a:rPr lang="en-US" altLang="ja-JP" dirty="0"/>
               <a:t>3.10</a:t>
             </a:r>
             <a:r>
@@ -18273,19 +18110,19 @@
               <a:t>　</a:t>
             </a:r>
             <a:r>
-              <a:rPr lang="en-US" altLang="ja-JP" dirty="0" smtClean="0"/>
+              <a:rPr lang="en-US" altLang="ja-JP" dirty="0"/>
               <a:t>Update</a:t>
             </a:r>
             <a:r>
-              <a:rPr lang="ja-JP" altLang="en-US" dirty="0" smtClean="0"/>
+              <a:rPr lang="ja-JP" altLang="en-US" dirty="0"/>
               <a:t>（</a:t>
             </a:r>
             <a:r>
-              <a:rPr lang="en-US" altLang="ja-JP" dirty="0" smtClean="0"/>
+              <a:rPr lang="en-US" altLang="ja-JP" dirty="0"/>
               <a:t>8/9</a:t>
             </a:r>
             <a:r>
-              <a:rPr lang="ja-JP" altLang="en-US" dirty="0" smtClean="0"/>
+              <a:rPr lang="ja-JP" altLang="en-US" dirty="0"/>
               <a:t>）</a:t>
             </a:r>
             <a:endParaRPr kumimoji="1" lang="ja-JP" altLang="en-US" dirty="0"/>
@@ -18315,7 +18152,7 @@
           <a:lstStyle/>
           <a:p>
             <a:r>
-              <a:rPr lang="en-US" altLang="ja-JP" dirty="0" smtClean="0"/>
+              <a:rPr lang="en-US" altLang="ja-JP" dirty="0"/>
               <a:t>ITA behavior when updating.</a:t>
             </a:r>
           </a:p>
@@ -18324,19 +18161,15 @@
               <a:buNone/>
             </a:pPr>
             <a:r>
-              <a:rPr lang="en-US" altLang="ja-JP" dirty="0" smtClean="0"/>
+              <a:rPr lang="en-US" altLang="ja-JP" dirty="0"/>
               <a:t>Updating ITA will restart all ITA services.</a:t>
             </a:r>
             <a:br>
-              <a:rPr lang="en-US" altLang="ja-JP" dirty="0" smtClean="0"/>
+              <a:rPr lang="en-US" altLang="ja-JP" dirty="0"/>
             </a:br>
             <a:r>
-              <a:rPr lang="en-US" altLang="ja-JP" dirty="0" smtClean="0"/>
+              <a:rPr lang="en-US" altLang="ja-JP" dirty="0"/>
               <a:t>This also includes all services that has been stopped manually. If necessary, the user will need to stop said services manually after ITA has been updated.</a:t>
-            </a:r>
-            <a:r>
-              <a:rPr lang="en-US" altLang="ja-JP" dirty="0"/>
-              <a:t/>
             </a:r>
             <a:br>
               <a:rPr lang="en-US" altLang="ja-JP" dirty="0"/>
@@ -18345,54 +18178,48 @@
           </a:p>
           <a:p>
             <a:r>
-              <a:rPr lang="en-US" altLang="ja-JP" dirty="0" smtClean="0"/>
+              <a:rPr lang="en-US" altLang="ja-JP" dirty="0"/>
               <a:t>PHP version</a:t>
             </a:r>
-            <a:endParaRPr lang="en-US" altLang="ja-JP" dirty="0"/>
           </a:p>
           <a:p>
             <a:pPr marL="180000" lvl="1" indent="0">
               <a:buNone/>
             </a:pPr>
-            <a:r>
-              <a:rPr lang="en-US" altLang="ja-JP" dirty="0" smtClean="0"/>
-              <a:t/>
-            </a:r>
             <a:br>
-              <a:rPr lang="en-US" altLang="ja-JP" dirty="0" smtClean="0"/>
+              <a:rPr lang="en-US" altLang="ja-JP" dirty="0"/>
             </a:br>
             <a:r>
-              <a:rPr lang="en-US" altLang="ja-JP" dirty="0" smtClean="0"/>
+              <a:rPr lang="en-US" altLang="ja-JP" dirty="0"/>
               <a:t>ITA v1.9.1 and earlier versions requires PHP7.2. ITA v1.10.0 and later versions can use both PHP7.2 and 7.4.</a:t>
             </a:r>
-            <a:endParaRPr lang="en-US" altLang="ja-JP" dirty="0"/>
           </a:p>
           <a:p>
             <a:pPr marL="180000" lvl="1" indent="0">
               <a:buNone/>
             </a:pPr>
             <a:r>
-              <a:rPr lang="en-US" altLang="ja-JP" dirty="0" smtClean="0"/>
+              <a:rPr lang="en-US" altLang="ja-JP" dirty="0"/>
               <a:t>If ITA v1.10.0 is installed through the installer, PHP7.4 will be installed.</a:t>
             </a:r>
             <a:br>
-              <a:rPr lang="en-US" altLang="ja-JP" dirty="0" smtClean="0"/>
+              <a:rPr lang="en-US" altLang="ja-JP" dirty="0"/>
             </a:br>
             <a:r>
-              <a:rPr lang="en-US" altLang="ja-JP" dirty="0" smtClean="0"/>
+              <a:rPr lang="en-US" altLang="ja-JP" dirty="0"/>
               <a:t>If ITA is updated from v1.9.1(or earlier) to v1.10.0(or later), The PHP version will not be updated to 7.4, but will be left as 7.2</a:t>
             </a:r>
             <a:br>
-              <a:rPr lang="en-US" altLang="ja-JP" dirty="0" smtClean="0"/>
+              <a:rPr lang="en-US" altLang="ja-JP" dirty="0"/>
             </a:br>
             <a:r>
-              <a:rPr lang="en-US" altLang="ja-JP" dirty="0" smtClean="0"/>
+              <a:rPr lang="en-US" altLang="ja-JP" dirty="0"/>
               <a:t>If you wish to update to 7.4, please do so manually.</a:t>
             </a:r>
             <a:br>
-              <a:rPr lang="en-US" altLang="ja-JP" dirty="0" smtClean="0"/>
+              <a:rPr lang="en-US" altLang="ja-JP" dirty="0"/>
             </a:br>
-            <a:endParaRPr lang="en-US" altLang="ja-JP" dirty="0" smtClean="0"/>
+            <a:endParaRPr lang="en-US" altLang="ja-JP" dirty="0"/>
           </a:p>
         </p:txBody>
       </p:sp>
@@ -18406,13 +18233,6 @@
   <p:clrMapOvr>
     <a:masterClrMapping/>
   </p:clrMapOvr>
-  <p:timing>
-    <p:tnLst>
-      <p:par>
-        <p:cTn id="1" dur="indefinite" restart="never" nodeType="tmRoot"/>
-      </p:par>
-    </p:tnLst>
-  </p:timing>
 </p:sld>
 </file>
 
@@ -18449,7 +18269,7 @@
           <a:lstStyle/>
           <a:p>
             <a:r>
-              <a:rPr lang="en-US" altLang="ja-JP" dirty="0" smtClean="0"/>
+              <a:rPr lang="en-US" altLang="ja-JP" dirty="0"/>
               <a:t>3.11</a:t>
             </a:r>
             <a:r>
@@ -18457,19 +18277,19 @@
               <a:t>　</a:t>
             </a:r>
             <a:r>
-              <a:rPr lang="en-US" altLang="ja-JP" dirty="0" smtClean="0"/>
+              <a:rPr lang="en-US" altLang="ja-JP" dirty="0"/>
               <a:t>Update</a:t>
             </a:r>
             <a:r>
-              <a:rPr lang="ja-JP" altLang="en-US" dirty="0" smtClean="0"/>
+              <a:rPr lang="ja-JP" altLang="en-US" dirty="0"/>
               <a:t>（</a:t>
             </a:r>
             <a:r>
-              <a:rPr lang="en-US" altLang="ja-JP" dirty="0" smtClean="0"/>
+              <a:rPr lang="en-US" altLang="ja-JP" dirty="0"/>
               <a:t>9/9</a:t>
             </a:r>
             <a:r>
-              <a:rPr lang="ja-JP" altLang="en-US" dirty="0" smtClean="0"/>
+              <a:rPr lang="ja-JP" altLang="en-US" dirty="0"/>
               <a:t>）</a:t>
             </a:r>
             <a:endParaRPr kumimoji="1" lang="ja-JP" altLang="en-US" dirty="0"/>
@@ -18499,7 +18319,7 @@
           <a:lstStyle/>
           <a:p>
             <a:r>
-              <a:rPr lang="en-US" altLang="ja-JP" dirty="0" smtClean="0"/>
+              <a:rPr lang="en-US" altLang="ja-JP" dirty="0"/>
               <a:t>Ansible Automation Controller4.x</a:t>
             </a:r>
           </a:p>
@@ -18508,22 +18328,22 @@
               <a:buNone/>
             </a:pPr>
             <a:r>
-              <a:rPr lang="en-US" altLang="ja-JP" dirty="0" smtClean="0"/>
+              <a:rPr lang="en-US" altLang="ja-JP" dirty="0"/>
               <a:t>Starting from ITA v1.10.0, ITA will be able to link with Ansible Automation Controller4.x</a:t>
             </a:r>
             <a:br>
-              <a:rPr lang="en-US" altLang="ja-JP" dirty="0" smtClean="0"/>
+              <a:rPr lang="en-US" altLang="ja-JP" dirty="0"/>
             </a:br>
             <a:r>
-              <a:rPr lang="en-US" altLang="ja-JP" dirty="0" smtClean="0"/>
+              <a:rPr lang="en-US" altLang="ja-JP" dirty="0"/>
               <a:t>Please see </a:t>
             </a:r>
             <a:r>
-              <a:rPr lang="ja-JP" altLang="en-US" dirty="0" smtClean="0"/>
+              <a:rPr lang="ja-JP" altLang="en-US" dirty="0"/>
               <a:t>「</a:t>
             </a:r>
             <a:r>
-              <a:rPr lang="en-US" altLang="ja-JP" dirty="0" smtClean="0"/>
+              <a:rPr lang="en-US" altLang="ja-JP" dirty="0"/>
               <a:t> </a:t>
             </a:r>
             <a:r>
@@ -18545,17 +18365,17 @@
               <a:t>_Ansible-driver</a:t>
             </a:r>
             <a:r>
-              <a:rPr lang="ja-JP" altLang="en-US" dirty="0" smtClean="0">
+              <a:rPr lang="ja-JP" altLang="en-US" dirty="0">
                 <a:hlinkClick r:id="rId2"/>
               </a:rPr>
               <a:t>編</a:t>
             </a:r>
             <a:r>
-              <a:rPr lang="ja-JP" altLang="en-US" dirty="0" smtClean="0"/>
+              <a:rPr lang="ja-JP" altLang="en-US" dirty="0"/>
               <a:t>」</a:t>
             </a:r>
             <a:r>
-              <a:rPr lang="en-US" altLang="ja-JP" dirty="0" smtClean="0"/>
+              <a:rPr lang="en-US" altLang="ja-JP" dirty="0"/>
               <a:t>for information regarding linking Ansible Automation Controller</a:t>
             </a:r>
           </a:p>
@@ -18564,7 +18384,7 @@
               <a:buNone/>
             </a:pPr>
             <a:r>
-              <a:rPr lang="en-US" altLang="ja-JP" dirty="0" smtClean="0"/>
+              <a:rPr lang="en-US" altLang="ja-JP" dirty="0"/>
               <a:t>Make note that  the process is a bit different from linking with Ansible Tower3.x.</a:t>
             </a:r>
           </a:p>
@@ -18573,12 +18393,8 @@
               <a:buNone/>
             </a:pPr>
             <a:r>
-              <a:rPr lang="en-US" altLang="ja-JP" dirty="0" smtClean="0"/>
-              <a:t>If you want to update ITA to v1.10.0 or later and link with Ansible Tower3.x, make sure to configure the settings found in chapter 5.2 in </a:t>
-            </a:r>
-            <a:r>
               <a:rPr lang="en-US" altLang="ja-JP" dirty="0"/>
-              <a:t> </a:t>
+              <a:t>If you want to update ITA to v1.10.0 or later and link with Ansible Tower3.x, make sure to configure the settings found in chapter 5.2 in  </a:t>
             </a:r>
             <a:r>
               <a:rPr lang="en-US" altLang="ja-JP" dirty="0">
@@ -18604,16 +18420,12 @@
               </a:rPr>
               <a:t>編</a:t>
             </a:r>
-            <a:endParaRPr lang="en-US" altLang="ja-JP" dirty="0" smtClean="0"/>
+            <a:endParaRPr lang="en-US" altLang="ja-JP" dirty="0"/>
           </a:p>
           <a:p>
             <a:pPr marL="180000" lvl="1" indent="0">
               <a:buNone/>
             </a:pPr>
-            <a:r>
-              <a:rPr lang="en-US" altLang="ja-JP" dirty="0"/>
-              <a:t/>
-            </a:r>
             <a:br>
               <a:rPr lang="en-US" altLang="ja-JP" dirty="0"/>
             </a:br>
@@ -18621,7 +18433,7 @@
           </a:p>
           <a:p>
             <a:pPr lvl="1"/>
-            <a:endParaRPr lang="en-US" altLang="ja-JP" dirty="0" smtClean="0"/>
+            <a:endParaRPr lang="en-US" altLang="ja-JP" dirty="0"/>
           </a:p>
           <a:p>
             <a:pPr lvl="1"/>
@@ -18629,7 +18441,7 @@
           </a:p>
           <a:p>
             <a:pPr lvl="1"/>
-            <a:endParaRPr lang="en-US" altLang="ja-JP" dirty="0" smtClean="0"/>
+            <a:endParaRPr lang="en-US" altLang="ja-JP" dirty="0"/>
           </a:p>
           <a:p>
             <a:pPr lvl="1"/>
@@ -18637,7 +18449,7 @@
           </a:p>
           <a:p>
             <a:pPr lvl="1"/>
-            <a:endParaRPr lang="en-US" altLang="ja-JP" dirty="0" smtClean="0"/>
+            <a:endParaRPr lang="en-US" altLang="ja-JP" dirty="0"/>
           </a:p>
           <a:p>
             <a:pPr lvl="1"/>
@@ -18645,7 +18457,7 @@
           </a:p>
           <a:p>
             <a:pPr lvl="1"/>
-            <a:endParaRPr lang="en-US" altLang="ja-JP" dirty="0" smtClean="0"/>
+            <a:endParaRPr lang="en-US" altLang="ja-JP" dirty="0"/>
           </a:p>
           <a:p>
             <a:pPr lvl="1"/>
@@ -18653,13 +18465,13 @@
           </a:p>
           <a:p>
             <a:pPr lvl="1"/>
-            <a:endParaRPr lang="en-US" altLang="ja-JP" dirty="0" smtClean="0"/>
+            <a:endParaRPr lang="en-US" altLang="ja-JP" dirty="0"/>
           </a:p>
           <a:p>
             <a:pPr marL="180000" lvl="1" indent="0">
               <a:buNone/>
             </a:pPr>
-            <a:endParaRPr lang="en-US" altLang="ja-JP" dirty="0" smtClean="0"/>
+            <a:endParaRPr lang="en-US" altLang="ja-JP" dirty="0"/>
           </a:p>
         </p:txBody>
       </p:sp>
@@ -18673,13 +18485,6 @@
   <p:clrMapOvr>
     <a:masterClrMapping/>
   </p:clrMapOvr>
-  <p:timing>
-    <p:tnLst>
-      <p:par>
-        <p:cTn id="1" dur="indefinite" restart="never" nodeType="tmRoot"/>
-      </p:par>
-    </p:tnLst>
-  </p:timing>
 </p:sld>
 </file>
 
@@ -18721,7 +18526,7 @@
           <a:lstStyle/>
           <a:p>
             <a:r>
-              <a:rPr lang="en-US" altLang="ja-JP" dirty="0" smtClean="0"/>
+              <a:rPr lang="en-US" altLang="ja-JP" dirty="0"/>
               <a:t>4.</a:t>
             </a:r>
             <a:r>
@@ -18729,11 +18534,11 @@
               <a:t>　</a:t>
             </a:r>
             <a:r>
-              <a:rPr lang="en-US" altLang="ja-JP" dirty="0" smtClean="0"/>
+              <a:rPr lang="en-US" altLang="ja-JP" dirty="0"/>
               <a:t>ITA </a:t>
             </a:r>
             <a:r>
-              <a:rPr lang="en-US" altLang="ja-JP" smtClean="0"/>
+              <a:rPr lang="en-US" altLang="ja-JP"/>
               <a:t>Operation check</a:t>
             </a:r>
             <a:endParaRPr kumimoji="1" lang="ja-JP" altLang="en-US" dirty="0"/>
@@ -18750,13 +18555,6 @@
   <p:clrMapOvr>
     <a:masterClrMapping/>
   </p:clrMapOvr>
-  <p:timing>
-    <p:tnLst>
-      <p:par>
-        <p:cTn id="1" dur="indefinite" restart="never" nodeType="tmRoot"/>
-      </p:par>
-    </p:tnLst>
-  </p:timing>
 </p:sld>
 </file>
 
@@ -18798,7 +18596,7 @@
           <a:lstStyle/>
           <a:p>
             <a:r>
-              <a:rPr kumimoji="1" lang="en-US" altLang="ja-JP" dirty="0" smtClean="0"/>
+              <a:rPr kumimoji="1" lang="en-US" altLang="ja-JP" dirty="0"/>
               <a:t>Table of contents</a:t>
             </a:r>
             <a:endParaRPr kumimoji="1" lang="ja-JP" altLang="en-US" dirty="0"/>
@@ -18824,7 +18622,6 @@
             <a:noFill/>
           </a:ln>
           <a:effectLst/>
-          <a:extLst/>
         </p:spPr>
         <p:txBody>
           <a:bodyPr rot="0" spcFirstLastPara="0" vertOverflow="overflow" horzOverflow="overflow" vert="horz" wrap="none" lIns="72000" tIns="72000" rIns="72000" bIns="72000" numCol="1" spcCol="0" rtlCol="0" fromWordArt="0" anchor="t" anchorCtr="0" forceAA="0" compatLnSpc="1">
@@ -18840,14 +18637,11 @@
               <a:buAutoNum type="arabicPeriod"/>
             </a:pPr>
             <a:r>
-              <a:rPr lang="en-US" altLang="ja-JP" sz="1400" dirty="0" smtClean="0">
+              <a:rPr lang="en-US" altLang="ja-JP" sz="1400" dirty="0">
                 <a:latin typeface="+mn-ea"/>
               </a:rPr>
               <a:t>Introduction</a:t>
             </a:r>
-            <a:endParaRPr lang="en-US" altLang="ja-JP" sz="1400" dirty="0">
-              <a:latin typeface="+mn-ea"/>
-            </a:endParaRPr>
           </a:p>
           <a:p>
             <a:r>
@@ -18869,7 +18663,7 @@
               <a:t>　 </a:t>
             </a:r>
             <a:r>
-              <a:rPr lang="en-US" altLang="ja-JP" sz="1400" dirty="0" smtClean="0">
+              <a:rPr lang="en-US" altLang="ja-JP" sz="1400" dirty="0">
                 <a:latin typeface="+mn-ea"/>
               </a:rPr>
               <a:t>About this guide</a:t>
@@ -18886,14 +18680,11 @@
               <a:buAutoNum type="arabicPeriod" startAt="2"/>
             </a:pPr>
             <a:r>
-              <a:rPr lang="en-US" altLang="ja-JP" sz="1400" dirty="0" smtClean="0">
+              <a:rPr lang="en-US" altLang="ja-JP" sz="1400" dirty="0">
                 <a:latin typeface="+mn-ea"/>
               </a:rPr>
               <a:t>System configuration</a:t>
             </a:r>
-            <a:endParaRPr lang="en-US" altLang="ja-JP" sz="1400" dirty="0">
-              <a:latin typeface="+mn-ea"/>
-            </a:endParaRPr>
           </a:p>
           <a:p>
             <a:r>
@@ -18903,7 +18694,7 @@
               <a:t>　 </a:t>
             </a:r>
             <a:r>
-              <a:rPr lang="en-US" altLang="ja-JP" sz="1400" dirty="0" smtClean="0">
+              <a:rPr lang="en-US" altLang="ja-JP" sz="1400" dirty="0">
                 <a:latin typeface="+mn-ea"/>
               </a:rPr>
               <a:t>2.1</a:t>
@@ -18915,14 +18706,11 @@
               <a:t>　 </a:t>
             </a:r>
             <a:r>
-              <a:rPr lang="en-US" altLang="ja-JP" sz="1400" dirty="0" smtClean="0">
+              <a:rPr lang="en-US" altLang="ja-JP" sz="1400" dirty="0">
                 <a:latin typeface="+mn-ea"/>
               </a:rPr>
               <a:t>System requirement</a:t>
             </a:r>
-            <a:endParaRPr lang="en-US" altLang="ja-JP" sz="1400" dirty="0">
-              <a:latin typeface="+mn-ea"/>
-            </a:endParaRPr>
           </a:p>
           <a:p>
             <a:endParaRPr lang="en-US" altLang="ja-JP" sz="1400" dirty="0">
@@ -18935,13 +18723,13 @@
               <a:buAutoNum type="arabicPeriod" startAt="3"/>
             </a:pPr>
             <a:r>
-              <a:rPr lang="en-US" altLang="ja-JP" sz="1400" dirty="0" smtClean="0">
+              <a:rPr lang="en-US" altLang="ja-JP" sz="1400" dirty="0">
                 <a:latin typeface="+mn-ea"/>
               </a:rPr>
               <a:t>ITA update </a:t>
             </a:r>
             <a:r>
-              <a:rPr lang="en-US" altLang="zh-TW" sz="1400" dirty="0" smtClean="0">
+              <a:rPr lang="en-US" altLang="zh-TW" sz="1400" dirty="0">
                 <a:latin typeface="+mn-ea"/>
               </a:rPr>
               <a:t>procedure</a:t>
@@ -18958,7 +18746,7 @@
               <a:t>　 </a:t>
             </a:r>
             <a:r>
-              <a:rPr lang="en-US" altLang="ja-JP" sz="1400" dirty="0" smtClean="0">
+              <a:rPr lang="en-US" altLang="ja-JP" sz="1400" dirty="0">
                 <a:latin typeface="+mn-ea"/>
               </a:rPr>
               <a:t>3.1</a:t>
@@ -18970,28 +18758,48 @@
               <a:t>　 </a:t>
             </a:r>
             <a:r>
-              <a:rPr lang="en-US" altLang="ja-JP" sz="1400" dirty="0" smtClean="0">
+              <a:rPr lang="en-US" altLang="ja-JP" sz="1400" dirty="0">
                 <a:latin typeface="+mn-ea"/>
               </a:rPr>
               <a:t>Preparation</a:t>
             </a:r>
             <a:r>
-              <a:rPr lang="ja-JP" altLang="en-US" sz="1400" dirty="0" smtClean="0">
+              <a:rPr lang="ja-JP" altLang="en-US" sz="1400" dirty="0">
                 <a:latin typeface="+mn-ea"/>
               </a:rPr>
               <a:t>（</a:t>
             </a:r>
             <a:r>
-              <a:rPr lang="en-US" altLang="ja-JP" sz="1400" dirty="0" smtClean="0">
+              <a:rPr lang="en-US" altLang="ja-JP" sz="1400" dirty="0">
                 <a:latin typeface="+mn-ea"/>
               </a:rPr>
               <a:t>1/1</a:t>
             </a:r>
             <a:r>
-              <a:rPr lang="ja-JP" altLang="en-US" sz="1400" dirty="0" smtClean="0">
+              <a:rPr lang="ja-JP" altLang="en-US" sz="1400" dirty="0">
                 <a:latin typeface="+mn-ea"/>
               </a:rPr>
               <a:t>）</a:t>
+            </a:r>
+          </a:p>
+          <a:p>
+            <a:r>
+              <a:rPr lang="en-US" altLang="ja-JP" sz="1400" dirty="0">
+                <a:latin typeface="+mn-ea"/>
+              </a:rPr>
+              <a:t>    3.2    ITA</a:t>
+            </a:r>
+            <a:r>
+              <a:rPr lang="ja-JP" altLang="en-US" sz="1400" dirty="0">
+                <a:latin typeface="+mn-ea"/>
+              </a:rPr>
+              <a:t> </a:t>
+            </a:r>
+            <a:r>
+              <a:rPr lang="en-US" altLang="ja-JP" sz="1400" dirty="0">
+                <a:latin typeface="+mn-ea"/>
+              </a:rPr>
+              <a:t>update work flow</a:t>
             </a:r>
             <a:endParaRPr lang="ja-JP" altLang="en-US" sz="1400" dirty="0">
               <a:latin typeface="+mn-ea"/>
@@ -18999,33 +18807,203 @@
           </a:p>
           <a:p>
             <a:r>
-              <a:rPr lang="en-US" altLang="ja-JP" sz="1400" dirty="0" smtClean="0">
+              <a:rPr lang="en-US" altLang="ja-JP" sz="1400" dirty="0">
                 <a:latin typeface="+mn-ea"/>
               </a:rPr>
-              <a:t>    3.2    ITA</a:t>
-            </a:r>
-            <a:r>
-              <a:rPr lang="ja-JP" altLang="en-US" sz="1400" dirty="0" smtClean="0">
+              <a:t>    3.3</a:t>
+            </a:r>
+            <a:r>
+              <a:rPr lang="ja-JP" altLang="en-US" sz="1400" dirty="0">
                 <a:latin typeface="+mn-ea"/>
               </a:rPr>
-              <a:t> </a:t>
-            </a:r>
-            <a:r>
-              <a:rPr lang="en-US" altLang="ja-JP" sz="1400" dirty="0" smtClean="0">
+              <a:t>　 </a:t>
+            </a:r>
+            <a:r>
+              <a:rPr lang="en-US" altLang="ja-JP" sz="1400" dirty="0">
                 <a:latin typeface="+mn-ea"/>
               </a:rPr>
-              <a:t>update work flow</a:t>
-            </a:r>
-            <a:endParaRPr lang="ja-JP" altLang="en-US" sz="1400" dirty="0" smtClean="0">
+              <a:t>Update</a:t>
+            </a:r>
+            <a:r>
+              <a:rPr lang="ja-JP" altLang="en-US" sz="1400" dirty="0">
+                <a:latin typeface="+mn-ea"/>
+              </a:rPr>
+              <a:t>（</a:t>
+            </a:r>
+            <a:r>
+              <a:rPr lang="en-US" altLang="ja-JP" sz="1400" dirty="0">
+                <a:latin typeface="+mn-ea"/>
+              </a:rPr>
+              <a:t>1/9</a:t>
+            </a:r>
+            <a:r>
+              <a:rPr lang="ja-JP" altLang="en-US" sz="1400" dirty="0">
+                <a:latin typeface="+mn-ea"/>
+              </a:rPr>
+              <a:t>）</a:t>
+            </a:r>
+          </a:p>
+          <a:p>
+            <a:r>
+              <a:rPr lang="en-US" altLang="ja-JP" sz="1400" dirty="0">
+                <a:latin typeface="+mn-ea"/>
+              </a:rPr>
+              <a:t>    3.4</a:t>
+            </a:r>
+            <a:r>
+              <a:rPr lang="ja-JP" altLang="en-US" sz="1400" dirty="0">
+                <a:latin typeface="+mn-ea"/>
+              </a:rPr>
+              <a:t>　 </a:t>
+            </a:r>
+            <a:r>
+              <a:rPr lang="en-US" altLang="ja-JP" sz="1400" dirty="0">
+                <a:latin typeface="+mn-ea"/>
+              </a:rPr>
+              <a:t>Update</a:t>
+            </a:r>
+            <a:r>
+              <a:rPr lang="ja-JP" altLang="en-US" sz="1400" dirty="0">
+                <a:latin typeface="+mn-ea"/>
+              </a:rPr>
+              <a:t>（</a:t>
+            </a:r>
+            <a:r>
+              <a:rPr lang="en-US" altLang="ja-JP" sz="1400" dirty="0">
+                <a:latin typeface="+mn-ea"/>
+              </a:rPr>
+              <a:t>2/9</a:t>
+            </a:r>
+            <a:r>
+              <a:rPr lang="ja-JP" altLang="en-US" sz="1400" dirty="0">
+                <a:latin typeface="+mn-ea"/>
+              </a:rPr>
+              <a:t>）</a:t>
+            </a:r>
+          </a:p>
+          <a:p>
+            <a:r>
+              <a:rPr lang="en-US" altLang="ja-JP" sz="1400" dirty="0">
+                <a:latin typeface="+mn-ea"/>
+              </a:rPr>
+              <a:t>    3.5</a:t>
+            </a:r>
+            <a:r>
+              <a:rPr lang="ja-JP" altLang="en-US" sz="1400" dirty="0">
+                <a:latin typeface="+mn-ea"/>
+              </a:rPr>
+              <a:t>　 </a:t>
+            </a:r>
+            <a:r>
+              <a:rPr lang="en-US" altLang="ja-JP" sz="1400" dirty="0">
+                <a:latin typeface="+mn-ea"/>
+              </a:rPr>
+              <a:t>Update</a:t>
+            </a:r>
+            <a:r>
+              <a:rPr lang="ja-JP" altLang="en-US" sz="1400" dirty="0">
+                <a:latin typeface="+mn-ea"/>
+              </a:rPr>
+              <a:t>（</a:t>
+            </a:r>
+            <a:r>
+              <a:rPr lang="en-US" altLang="ja-JP" sz="1400" dirty="0">
+                <a:latin typeface="+mn-ea"/>
+              </a:rPr>
+              <a:t>3/9</a:t>
+            </a:r>
+            <a:r>
+              <a:rPr lang="ja-JP" altLang="en-US" sz="1400" dirty="0">
+                <a:latin typeface="+mn-ea"/>
+              </a:rPr>
+              <a:t>）</a:t>
+            </a:r>
+          </a:p>
+          <a:p>
+            <a:r>
+              <a:rPr lang="en-US" altLang="ja-JP" sz="1400" dirty="0">
+                <a:latin typeface="+mn-ea"/>
+              </a:rPr>
+              <a:t>    3.6</a:t>
+            </a:r>
+            <a:r>
+              <a:rPr lang="ja-JP" altLang="en-US" sz="1400" dirty="0">
+                <a:latin typeface="+mn-ea"/>
+              </a:rPr>
+              <a:t>　 </a:t>
+            </a:r>
+            <a:r>
+              <a:rPr lang="en-US" altLang="ja-JP" sz="1400" dirty="0">
+                <a:latin typeface="+mn-ea"/>
+              </a:rPr>
+              <a:t>Update</a:t>
+            </a:r>
+            <a:r>
+              <a:rPr lang="ja-JP" altLang="en-US" sz="1400" dirty="0">
+                <a:latin typeface="+mn-ea"/>
+              </a:rPr>
+              <a:t>（</a:t>
+            </a:r>
+            <a:r>
+              <a:rPr lang="en-US" altLang="ja-JP" sz="1400" dirty="0">
+                <a:latin typeface="+mn-ea"/>
+              </a:rPr>
+              <a:t>4/9</a:t>
+            </a:r>
+            <a:r>
+              <a:rPr lang="ja-JP" altLang="en-US" sz="1400" dirty="0">
+                <a:latin typeface="+mn-ea"/>
+              </a:rPr>
+              <a:t>）</a:t>
+            </a:r>
+          </a:p>
+          <a:p>
+            <a:r>
+              <a:rPr lang="en-US" altLang="ja-JP" sz="1400" dirty="0">
+                <a:latin typeface="+mn-ea"/>
+              </a:rPr>
+              <a:t>    3.7</a:t>
+            </a:r>
+            <a:r>
+              <a:rPr lang="ja-JP" altLang="en-US" sz="1400" dirty="0">
+                <a:latin typeface="+mn-ea"/>
+              </a:rPr>
+              <a:t>　 </a:t>
+            </a:r>
+            <a:r>
+              <a:rPr lang="en-US" altLang="ja-JP" sz="1400" dirty="0">
+                <a:latin typeface="+mn-ea"/>
+              </a:rPr>
+              <a:t>Update</a:t>
+            </a:r>
+            <a:r>
+              <a:rPr lang="ja-JP" altLang="en-US" sz="1400" dirty="0">
+                <a:latin typeface="+mn-ea"/>
+              </a:rPr>
+              <a:t>（</a:t>
+            </a:r>
+            <a:r>
+              <a:rPr lang="en-US" altLang="ja-JP" sz="1400" dirty="0">
+                <a:latin typeface="+mn-ea"/>
+              </a:rPr>
+              <a:t>5/9</a:t>
+            </a:r>
+            <a:r>
+              <a:rPr lang="ja-JP" altLang="en-US" sz="1400" dirty="0">
+                <a:latin typeface="+mn-ea"/>
+              </a:rPr>
+              <a:t>）</a:t>
+            </a:r>
+            <a:endParaRPr lang="en-US" altLang="ja-JP" sz="1400" dirty="0">
               <a:latin typeface="+mn-ea"/>
             </a:endParaRPr>
           </a:p>
           <a:p>
             <a:r>
-              <a:rPr lang="en-US" altLang="ja-JP" sz="1400" dirty="0" smtClean="0">
+              <a:rPr lang="en-US" altLang="ja-JP" sz="1400" dirty="0">
                 <a:latin typeface="+mn-ea"/>
               </a:rPr>
-              <a:t>    3.3</a:t>
+              <a:t>    3.8</a:t>
             </a:r>
             <a:r>
               <a:rPr lang="ja-JP" altLang="en-US" sz="1400" dirty="0">
@@ -19034,269 +19012,28 @@
               <a:t>　 </a:t>
             </a:r>
             <a:r>
-              <a:rPr lang="en-US" altLang="ja-JP" sz="1400" dirty="0" smtClean="0">
-                <a:latin typeface="+mn-ea"/>
-              </a:rPr>
-              <a:t>Update</a:t>
-            </a:r>
-            <a:r>
-              <a:rPr lang="ja-JP" altLang="en-US" sz="1400" dirty="0" smtClean="0">
-                <a:latin typeface="+mn-ea"/>
-              </a:rPr>
-              <a:t>（</a:t>
-            </a:r>
-            <a:r>
-              <a:rPr lang="en-US" altLang="ja-JP" sz="1400" dirty="0" smtClean="0">
-                <a:latin typeface="+mn-ea"/>
-              </a:rPr>
-              <a:t>1/9</a:t>
-            </a:r>
-            <a:r>
-              <a:rPr lang="ja-JP" altLang="en-US" sz="1400" dirty="0" smtClean="0">
-                <a:latin typeface="+mn-ea"/>
-              </a:rPr>
-              <a:t>）</a:t>
-            </a:r>
-            <a:endParaRPr lang="ja-JP" altLang="en-US" sz="1400" dirty="0">
-              <a:latin typeface="+mn-ea"/>
-            </a:endParaRPr>
-          </a:p>
-          <a:p>
-            <a:r>
               <a:rPr lang="en-US" altLang="ja-JP" sz="1400" dirty="0">
                 <a:latin typeface="+mn-ea"/>
               </a:rPr>
-              <a:t>    </a:t>
-            </a:r>
-            <a:r>
-              <a:rPr lang="en-US" altLang="ja-JP" sz="1400" dirty="0" smtClean="0">
-                <a:latin typeface="+mn-ea"/>
-              </a:rPr>
-              <a:t>3.4</a:t>
+              <a:t>Update</a:t>
             </a:r>
             <a:r>
               <a:rPr lang="ja-JP" altLang="en-US" sz="1400" dirty="0">
                 <a:latin typeface="+mn-ea"/>
               </a:rPr>
-              <a:t>　 </a:t>
-            </a:r>
-            <a:r>
-              <a:rPr lang="en-US" altLang="ja-JP" sz="1400" dirty="0" smtClean="0">
-                <a:latin typeface="+mn-ea"/>
-              </a:rPr>
-              <a:t>Update</a:t>
-            </a:r>
-            <a:r>
-              <a:rPr lang="ja-JP" altLang="en-US" sz="1400" dirty="0" smtClean="0">
-                <a:latin typeface="+mn-ea"/>
-              </a:rPr>
               <a:t>（</a:t>
             </a:r>
-            <a:r>
-              <a:rPr lang="en-US" altLang="ja-JP" sz="1400" dirty="0" smtClean="0">
-                <a:latin typeface="+mn-ea"/>
-              </a:rPr>
-              <a:t>2/9</a:t>
-            </a:r>
-            <a:r>
-              <a:rPr lang="ja-JP" altLang="en-US" sz="1400" dirty="0" smtClean="0">
-                <a:latin typeface="+mn-ea"/>
-              </a:rPr>
-              <a:t>）</a:t>
-            </a:r>
-            <a:endParaRPr lang="ja-JP" altLang="en-US" sz="1400" dirty="0">
-              <a:latin typeface="+mn-ea"/>
-            </a:endParaRPr>
-          </a:p>
-          <a:p>
             <a:r>
               <a:rPr lang="en-US" altLang="ja-JP" sz="1400" dirty="0">
                 <a:latin typeface="+mn-ea"/>
               </a:rPr>
-              <a:t>    </a:t>
-            </a:r>
-            <a:r>
-              <a:rPr lang="en-US" altLang="ja-JP" sz="1400" dirty="0" smtClean="0">
-                <a:latin typeface="+mn-ea"/>
-              </a:rPr>
-              <a:t>3.5</a:t>
+              <a:t>6/9</a:t>
             </a:r>
             <a:r>
               <a:rPr lang="ja-JP" altLang="en-US" sz="1400" dirty="0">
                 <a:latin typeface="+mn-ea"/>
               </a:rPr>
-              <a:t>　 </a:t>
-            </a:r>
-            <a:r>
-              <a:rPr lang="en-US" altLang="ja-JP" sz="1400" dirty="0" smtClean="0">
-                <a:latin typeface="+mn-ea"/>
-              </a:rPr>
-              <a:t>Update</a:t>
-            </a:r>
-            <a:r>
-              <a:rPr lang="ja-JP" altLang="en-US" sz="1400" dirty="0" smtClean="0">
-                <a:latin typeface="+mn-ea"/>
-              </a:rPr>
-              <a:t>（</a:t>
-            </a:r>
-            <a:r>
-              <a:rPr lang="en-US" altLang="ja-JP" sz="1400" dirty="0" smtClean="0">
-                <a:latin typeface="+mn-ea"/>
-              </a:rPr>
-              <a:t>3/9</a:t>
-            </a:r>
-            <a:r>
-              <a:rPr lang="ja-JP" altLang="en-US" sz="1400" dirty="0" smtClean="0">
-                <a:latin typeface="+mn-ea"/>
-              </a:rPr>
               <a:t>）</a:t>
-            </a:r>
-            <a:endParaRPr lang="ja-JP" altLang="en-US" sz="1400" dirty="0">
-              <a:latin typeface="+mn-ea"/>
-            </a:endParaRPr>
-          </a:p>
-          <a:p>
-            <a:r>
-              <a:rPr lang="en-US" altLang="ja-JP" sz="1400" dirty="0">
-                <a:latin typeface="+mn-ea"/>
-              </a:rPr>
-              <a:t>    </a:t>
-            </a:r>
-            <a:r>
-              <a:rPr lang="en-US" altLang="ja-JP" sz="1400" dirty="0" smtClean="0">
-                <a:latin typeface="+mn-ea"/>
-              </a:rPr>
-              <a:t>3.6</a:t>
-            </a:r>
-            <a:r>
-              <a:rPr lang="ja-JP" altLang="en-US" sz="1400" dirty="0">
-                <a:latin typeface="+mn-ea"/>
-              </a:rPr>
-              <a:t>　 </a:t>
-            </a:r>
-            <a:r>
-              <a:rPr lang="en-US" altLang="ja-JP" sz="1400" dirty="0" smtClean="0">
-                <a:latin typeface="+mn-ea"/>
-              </a:rPr>
-              <a:t>Update</a:t>
-            </a:r>
-            <a:r>
-              <a:rPr lang="ja-JP" altLang="en-US" sz="1400" dirty="0" smtClean="0">
-                <a:latin typeface="+mn-ea"/>
-              </a:rPr>
-              <a:t>（</a:t>
-            </a:r>
-            <a:r>
-              <a:rPr lang="en-US" altLang="ja-JP" sz="1400" dirty="0" smtClean="0">
-                <a:latin typeface="+mn-ea"/>
-              </a:rPr>
-              <a:t>4/9</a:t>
-            </a:r>
-            <a:r>
-              <a:rPr lang="ja-JP" altLang="en-US" sz="1400" dirty="0" smtClean="0">
-                <a:latin typeface="+mn-ea"/>
-              </a:rPr>
-              <a:t>）</a:t>
-            </a:r>
-            <a:endParaRPr lang="ja-JP" altLang="en-US" sz="1400" dirty="0">
-              <a:latin typeface="+mn-ea"/>
-            </a:endParaRPr>
-          </a:p>
-          <a:p>
-            <a:r>
-              <a:rPr lang="en-US" altLang="ja-JP" sz="1400" dirty="0">
-                <a:latin typeface="+mn-ea"/>
-              </a:rPr>
-              <a:t>    </a:t>
-            </a:r>
-            <a:r>
-              <a:rPr lang="en-US" altLang="ja-JP" sz="1400" dirty="0" smtClean="0">
-                <a:latin typeface="+mn-ea"/>
-              </a:rPr>
-              <a:t>3.7</a:t>
-            </a:r>
-            <a:r>
-              <a:rPr lang="ja-JP" altLang="en-US" sz="1400" dirty="0">
-                <a:latin typeface="+mn-ea"/>
-              </a:rPr>
-              <a:t>　 </a:t>
-            </a:r>
-            <a:r>
-              <a:rPr lang="en-US" altLang="ja-JP" sz="1400" dirty="0" smtClean="0">
-                <a:latin typeface="+mn-ea"/>
-              </a:rPr>
-              <a:t>Update</a:t>
-            </a:r>
-            <a:r>
-              <a:rPr lang="ja-JP" altLang="en-US" sz="1400" dirty="0" smtClean="0">
-                <a:latin typeface="+mn-ea"/>
-              </a:rPr>
-              <a:t>（</a:t>
-            </a:r>
-            <a:r>
-              <a:rPr lang="en-US" altLang="ja-JP" sz="1400" dirty="0" smtClean="0">
-                <a:latin typeface="+mn-ea"/>
-              </a:rPr>
-              <a:t>5/9</a:t>
-            </a:r>
-            <a:r>
-              <a:rPr lang="ja-JP" altLang="en-US" sz="1400" dirty="0" smtClean="0">
-                <a:latin typeface="+mn-ea"/>
-              </a:rPr>
-              <a:t>）</a:t>
-            </a:r>
-            <a:endParaRPr lang="en-US" altLang="ja-JP" sz="1400" dirty="0" smtClean="0">
-              <a:latin typeface="+mn-ea"/>
-            </a:endParaRPr>
-          </a:p>
-          <a:p>
-            <a:r>
-              <a:rPr lang="en-US" altLang="ja-JP" sz="1400" dirty="0">
-                <a:latin typeface="+mn-ea"/>
-              </a:rPr>
-              <a:t>  </a:t>
-            </a:r>
-            <a:r>
-              <a:rPr lang="en-US" altLang="ja-JP" sz="1400" dirty="0" smtClean="0">
-                <a:latin typeface="+mn-ea"/>
-              </a:rPr>
-              <a:t>  3.8</a:t>
-            </a:r>
-            <a:r>
-              <a:rPr lang="ja-JP" altLang="en-US" sz="1400" dirty="0">
-                <a:latin typeface="+mn-ea"/>
-              </a:rPr>
-              <a:t>　 </a:t>
-            </a:r>
-            <a:r>
-              <a:rPr lang="en-US" altLang="ja-JP" sz="1400" dirty="0">
-                <a:latin typeface="+mn-ea"/>
-              </a:rPr>
-              <a:t>Update</a:t>
-            </a:r>
-            <a:r>
-              <a:rPr lang="ja-JP" altLang="en-US" sz="1400" dirty="0" smtClean="0">
-                <a:latin typeface="+mn-ea"/>
-              </a:rPr>
-              <a:t>（</a:t>
-            </a:r>
-            <a:r>
-              <a:rPr lang="en-US" altLang="ja-JP" sz="1400" dirty="0" smtClean="0">
-                <a:latin typeface="+mn-ea"/>
-              </a:rPr>
-              <a:t>6/9</a:t>
-            </a:r>
-            <a:r>
-              <a:rPr lang="ja-JP" altLang="en-US" sz="1400" dirty="0" smtClean="0">
-                <a:latin typeface="+mn-ea"/>
-              </a:rPr>
-              <a:t>）</a:t>
-            </a:r>
-            <a:r>
-              <a:rPr lang="en-US" altLang="ja-JP" sz="1400" dirty="0">
-                <a:latin typeface="+mn-ea"/>
-              </a:rPr>
-              <a:t/>
             </a:r>
             <a:br>
               <a:rPr lang="en-US" altLang="ja-JP" sz="1400" dirty="0">
@@ -19304,16 +19041,10 @@
               </a:rPr>
             </a:br>
             <a:r>
-              <a:rPr lang="en-US" altLang="ja-JP" sz="1400" dirty="0" smtClean="0">
-                <a:latin typeface="+mn-ea"/>
-              </a:rPr>
-              <a:t>    </a:t>
-            </a:r>
-            <a:r>
               <a:rPr lang="en-US" altLang="ja-JP" sz="1400" dirty="0">
                 <a:latin typeface="+mn-ea"/>
               </a:rPr>
-              <a:t>3.6</a:t>
+              <a:t>    3.6</a:t>
             </a:r>
             <a:r>
               <a:rPr lang="ja-JP" altLang="en-US" sz="1400" dirty="0">
@@ -19328,66 +19059,57 @@
               <a:t>Update</a:t>
             </a:r>
             <a:r>
-              <a:rPr lang="ja-JP" altLang="en-US" sz="1400" dirty="0" smtClean="0">
+              <a:rPr lang="ja-JP" altLang="en-US" sz="1400" dirty="0">
                 <a:latin typeface="+mn-ea"/>
               </a:rPr>
               <a:t>（</a:t>
             </a:r>
-            <a:r>
-              <a:rPr lang="en-US" altLang="ja-JP" sz="1400" dirty="0" smtClean="0">
-                <a:latin typeface="+mn-ea"/>
-              </a:rPr>
-              <a:t>7/9</a:t>
-            </a:r>
-            <a:r>
-              <a:rPr lang="ja-JP" altLang="en-US" sz="1400" dirty="0" smtClean="0">
-                <a:latin typeface="+mn-ea"/>
-              </a:rPr>
-              <a:t>）</a:t>
-            </a:r>
-            <a:endParaRPr lang="ja-JP" altLang="en-US" sz="1400" dirty="0">
-              <a:latin typeface="+mn-ea"/>
-            </a:endParaRPr>
-          </a:p>
-          <a:p>
             <a:r>
               <a:rPr lang="en-US" altLang="ja-JP" sz="1400" dirty="0">
                 <a:latin typeface="+mn-ea"/>
               </a:rPr>
-              <a:t>    3.7</a:t>
+              <a:t>7/9</a:t>
             </a:r>
             <a:r>
               <a:rPr lang="ja-JP" altLang="en-US" sz="1400" dirty="0">
                 <a:latin typeface="+mn-ea"/>
               </a:rPr>
-              <a:t>　 </a:t>
-            </a:r>
+              <a:t>）</a:t>
+            </a:r>
+          </a:p>
+          <a:p>
             <a:r>
               <a:rPr lang="en-US" altLang="ja-JP" sz="1400" dirty="0">
                 <a:latin typeface="+mn-ea"/>
               </a:rPr>
-              <a:t>Update</a:t>
-            </a:r>
-            <a:r>
-              <a:rPr lang="ja-JP" altLang="en-US" sz="1400" dirty="0" smtClean="0">
+              <a:t>    3.7</a:t>
+            </a:r>
+            <a:r>
+              <a:rPr lang="ja-JP" altLang="en-US" sz="1400" dirty="0">
                 <a:latin typeface="+mn-ea"/>
               </a:rPr>
-              <a:t>（</a:t>
+              <a:t>　 </a:t>
             </a:r>
             <a:r>
               <a:rPr lang="en-US" altLang="ja-JP" sz="1400" dirty="0">
                 <a:latin typeface="+mn-ea"/>
               </a:rPr>
-              <a:t>8</a:t>
-            </a:r>
-            <a:r>
-              <a:rPr lang="en-US" altLang="ja-JP" sz="1400" dirty="0" smtClean="0">
+              <a:t>Update</a:t>
+            </a:r>
+            <a:r>
+              <a:rPr lang="ja-JP" altLang="en-US" sz="1400" dirty="0">
                 <a:latin typeface="+mn-ea"/>
               </a:rPr>
-              <a:t>/9</a:t>
-            </a:r>
-            <a:r>
-              <a:rPr lang="ja-JP" altLang="en-US" sz="1400" dirty="0" smtClean="0">
+              <a:t>（</a:t>
+            </a:r>
+            <a:r>
+              <a:rPr lang="en-US" altLang="ja-JP" sz="1400" dirty="0">
+                <a:latin typeface="+mn-ea"/>
+              </a:rPr>
+              <a:t>8/9</a:t>
+            </a:r>
+            <a:r>
+              <a:rPr lang="ja-JP" altLang="en-US" sz="1400" dirty="0">
                 <a:latin typeface="+mn-ea"/>
               </a:rPr>
               <a:t>）</a:t>
@@ -19416,7 +19138,7 @@
               <a:t>Update</a:t>
             </a:r>
             <a:r>
-              <a:rPr lang="ja-JP" altLang="en-US" sz="1400" dirty="0" smtClean="0">
+              <a:rPr lang="ja-JP" altLang="en-US" sz="1400" dirty="0">
                 <a:latin typeface="+mn-ea"/>
               </a:rPr>
               <a:t>（</a:t>
@@ -19425,30 +19147,21 @@
               <a:rPr lang="en-US" altLang="ja-JP" sz="1400" dirty="0">
                 <a:latin typeface="+mn-ea"/>
               </a:rPr>
-              <a:t>9</a:t>
-            </a:r>
-            <a:r>
-              <a:rPr lang="en-US" altLang="ja-JP" sz="1400" dirty="0" smtClean="0">
+              <a:t>9/9</a:t>
+            </a:r>
+            <a:r>
+              <a:rPr lang="ja-JP" altLang="en-US" sz="1400" dirty="0">
                 <a:latin typeface="+mn-ea"/>
               </a:rPr>
-              <a:t>/9</a:t>
-            </a:r>
-            <a:r>
-              <a:rPr lang="ja-JP" altLang="en-US" sz="1400" dirty="0" smtClean="0">
-                <a:latin typeface="+mn-ea"/>
-              </a:rPr>
               <a:t>）</a:t>
             </a:r>
-            <a:endParaRPr lang="ja-JP" altLang="en-US" sz="1400" dirty="0">
-              <a:latin typeface="+mn-ea"/>
-            </a:endParaRPr>
           </a:p>
           <a:p>
             <a:pPr marL="342900" indent="-342900">
               <a:buFont typeface="+mj-lt"/>
               <a:buAutoNum type="arabicPeriod" startAt="3"/>
             </a:pPr>
-            <a:endParaRPr lang="en-US" altLang="ja-JP" sz="1400" dirty="0" smtClean="0">
+            <a:endParaRPr lang="en-US" altLang="ja-JP" sz="1400" dirty="0">
               <a:latin typeface="+mn-ea"/>
             </a:endParaRPr>
           </a:p>
@@ -19458,24 +19171,62 @@
               <a:buAutoNum type="arabicPeriod" startAt="4"/>
             </a:pPr>
             <a:r>
-              <a:rPr lang="en-US" altLang="ja-JP" sz="1400" dirty="0" smtClean="0">
+              <a:rPr lang="en-US" altLang="ja-JP" sz="1400" dirty="0">
                 <a:latin typeface="+mn-ea"/>
               </a:rPr>
               <a:t>ITA</a:t>
             </a:r>
             <a:r>
-              <a:rPr lang="ja-JP" altLang="en-US" sz="1400" dirty="0" smtClean="0">
+              <a:rPr lang="ja-JP" altLang="en-US" sz="1400" dirty="0">
                 <a:latin typeface="+mn-ea"/>
               </a:rPr>
               <a:t> </a:t>
             </a:r>
             <a:r>
-              <a:rPr lang="en-US" altLang="ja-JP" sz="1400" dirty="0" smtClean="0">
+              <a:rPr lang="en-US" altLang="ja-JP" sz="1400" dirty="0">
                 <a:latin typeface="+mn-ea"/>
               </a:rPr>
               <a:t>operation check</a:t>
             </a:r>
-            <a:endParaRPr lang="en-US" altLang="ja-JP" sz="1400" dirty="0">
+          </a:p>
+          <a:p>
+            <a:r>
+              <a:rPr lang="en-US" altLang="zh-TW" sz="1400" dirty="0">
+                <a:latin typeface="+mn-ea"/>
+              </a:rPr>
+              <a:t>    4.1</a:t>
+            </a:r>
+            <a:r>
+              <a:rPr lang="zh-TW" altLang="en-US" sz="1400" dirty="0">
+                <a:latin typeface="+mn-ea"/>
+              </a:rPr>
+              <a:t>　 </a:t>
+            </a:r>
+            <a:r>
+              <a:rPr lang="en-US" altLang="zh-TW" sz="1400" dirty="0">
+                <a:latin typeface="+mn-ea"/>
+              </a:rPr>
+              <a:t>Operation check</a:t>
+            </a:r>
+            <a:r>
+              <a:rPr lang="zh-TW" altLang="en-US" sz="1400" dirty="0">
+                <a:latin typeface="+mn-ea"/>
+              </a:rPr>
+              <a:t>（</a:t>
+            </a:r>
+            <a:r>
+              <a:rPr lang="en-US" altLang="zh-TW" sz="1400" dirty="0">
+                <a:latin typeface="+mn-ea"/>
+              </a:rPr>
+              <a:t>1/1</a:t>
+            </a:r>
+            <a:r>
+              <a:rPr lang="zh-TW" altLang="en-US" sz="1400" dirty="0">
+                <a:latin typeface="+mn-ea"/>
+              </a:rPr>
+              <a:t>）</a:t>
+            </a:r>
+            <a:endParaRPr lang="en-US" altLang="zh-TW" sz="1400" dirty="0">
               <a:latin typeface="+mn-ea"/>
             </a:endParaRPr>
           </a:p>
@@ -19484,7 +19235,7 @@
               <a:rPr lang="en-US" altLang="zh-TW" sz="1400" dirty="0">
                 <a:latin typeface="+mn-ea"/>
               </a:rPr>
-              <a:t>    4.1</a:t>
+              <a:t>    4.2</a:t>
             </a:r>
             <a:r>
               <a:rPr lang="zh-TW" altLang="en-US" sz="1400" dirty="0">
@@ -19493,73 +19244,29 @@
               <a:t>　 </a:t>
             </a:r>
             <a:r>
-              <a:rPr lang="en-US" altLang="zh-TW" sz="1400" dirty="0" smtClean="0">
+              <a:rPr lang="en-US" altLang="zh-TW" sz="1400" dirty="0">
                 <a:latin typeface="+mn-ea"/>
               </a:rPr>
               <a:t>Operation check</a:t>
-            </a:r>
-            <a:r>
-              <a:rPr lang="zh-TW" altLang="en-US" sz="1400" dirty="0" smtClean="0">
-                <a:latin typeface="+mn-ea"/>
-              </a:rPr>
-              <a:t>（</a:t>
-            </a:r>
-            <a:r>
-              <a:rPr lang="en-US" altLang="zh-TW" sz="1400" dirty="0" smtClean="0">
-                <a:latin typeface="+mn-ea"/>
-              </a:rPr>
-              <a:t>1/1</a:t>
-            </a:r>
-            <a:r>
-              <a:rPr lang="zh-TW" altLang="en-US" sz="1400" dirty="0" smtClean="0">
-                <a:latin typeface="+mn-ea"/>
-              </a:rPr>
-              <a:t>）</a:t>
-            </a:r>
-            <a:endParaRPr lang="en-US" altLang="zh-TW" sz="1400" dirty="0" smtClean="0">
-              <a:latin typeface="+mn-ea"/>
-            </a:endParaRPr>
-          </a:p>
-          <a:p>
-            <a:r>
-              <a:rPr lang="en-US" altLang="zh-TW" sz="1400" dirty="0" smtClean="0">
-                <a:latin typeface="+mn-ea"/>
-              </a:rPr>
-              <a:t>    4.2</a:t>
             </a:r>
             <a:r>
               <a:rPr lang="zh-TW" altLang="en-US" sz="1400" dirty="0">
                 <a:latin typeface="+mn-ea"/>
               </a:rPr>
-              <a:t>　 </a:t>
+              <a:t>（</a:t>
             </a:r>
             <a:r>
               <a:rPr lang="en-US" altLang="zh-TW" sz="1400" dirty="0">
                 <a:latin typeface="+mn-ea"/>
               </a:rPr>
-              <a:t>Operation check</a:t>
+              <a:t>1/2</a:t>
             </a:r>
             <a:r>
               <a:rPr lang="zh-TW" altLang="en-US" sz="1400" dirty="0">
                 <a:latin typeface="+mn-ea"/>
               </a:rPr>
-              <a:t>（</a:t>
-            </a:r>
-            <a:r>
-              <a:rPr lang="en-US" altLang="zh-TW" sz="1400" dirty="0" smtClean="0">
-                <a:latin typeface="+mn-ea"/>
-              </a:rPr>
-              <a:t>1/2</a:t>
-            </a:r>
-            <a:r>
-              <a:rPr lang="zh-TW" altLang="en-US" sz="1400" dirty="0" smtClean="0">
-                <a:latin typeface="+mn-ea"/>
-              </a:rPr>
               <a:t>）</a:t>
             </a:r>
-            <a:endParaRPr lang="zh-TW" altLang="en-US" sz="1400" dirty="0">
-              <a:latin typeface="+mn-ea"/>
-            </a:endParaRPr>
           </a:p>
         </p:txBody>
       </p:sp>
@@ -19573,13 +19280,6 @@
   <p:clrMapOvr>
     <a:masterClrMapping/>
   </p:clrMapOvr>
-  <p:timing>
-    <p:tnLst>
-      <p:par>
-        <p:cTn id="1" dur="indefinite" restart="never" nodeType="tmRoot"/>
-      </p:par>
-    </p:tnLst>
-  </p:timing>
 </p:sld>
 </file>
 
@@ -19640,7 +19340,7 @@
           <a:lstStyle/>
           <a:p>
             <a:r>
-              <a:rPr lang="en-US" altLang="ja-JP" dirty="0" smtClean="0"/>
+              <a:rPr lang="en-US" altLang="ja-JP" dirty="0"/>
               <a:t>4.1</a:t>
             </a:r>
             <a:r>
@@ -19648,19 +19348,19 @@
               <a:t>　</a:t>
             </a:r>
             <a:r>
-              <a:rPr lang="en-US" altLang="ja-JP" dirty="0" smtClean="0"/>
+              <a:rPr lang="en-US" altLang="ja-JP" dirty="0"/>
               <a:t>Operation check</a:t>
             </a:r>
             <a:r>
-              <a:rPr lang="ja-JP" altLang="en-US" dirty="0" smtClean="0"/>
+              <a:rPr lang="ja-JP" altLang="en-US" dirty="0"/>
               <a:t>（</a:t>
             </a:r>
             <a:r>
-              <a:rPr lang="en-US" altLang="ja-JP" dirty="0" smtClean="0"/>
+              <a:rPr lang="en-US" altLang="ja-JP" dirty="0"/>
               <a:t>1/1</a:t>
             </a:r>
             <a:r>
-              <a:rPr lang="ja-JP" altLang="en-US" dirty="0" smtClean="0"/>
+              <a:rPr lang="ja-JP" altLang="en-US" dirty="0"/>
               <a:t>）</a:t>
             </a:r>
             <a:endParaRPr kumimoji="1" lang="ja-JP" altLang="en-US" dirty="0"/>
@@ -19690,7 +19390,7 @@
           <a:lstStyle/>
           <a:p>
             <a:r>
-              <a:rPr lang="en-US" altLang="ja-JP" dirty="0" smtClean="0"/>
+              <a:rPr lang="en-US" altLang="ja-JP" dirty="0"/>
               <a:t>Check version</a:t>
             </a:r>
             <a:endParaRPr lang="ja-JP" altLang="en-US" dirty="0"/>
@@ -19698,7 +19398,7 @@
           <a:p>
             <a:pPr lvl="1"/>
             <a:r>
-              <a:rPr lang="en-US" altLang="ja-JP" dirty="0" smtClean="0"/>
+              <a:rPr lang="en-US" altLang="ja-JP" dirty="0"/>
               <a:t>After logging into ITA, check if the version is updated in “Management console” - “Version”.</a:t>
             </a:r>
             <a:endParaRPr lang="ja-JP" altLang="en-US" dirty="0"/>
@@ -19707,7 +19407,7 @@
             <a:pPr marL="0" lvl="0" indent="0">
               <a:buNone/>
             </a:pPr>
-            <a:endParaRPr lang="en-US" altLang="ja-JP" dirty="0" smtClean="0"/>
+            <a:endParaRPr lang="en-US" altLang="ja-JP" dirty="0"/>
           </a:p>
         </p:txBody>
       </p:sp>
@@ -19823,13 +19523,6 @@
   <p:clrMapOvr>
     <a:masterClrMapping/>
   </p:clrMapOvr>
-  <p:timing>
-    <p:tnLst>
-      <p:par>
-        <p:cTn id="1" dur="indefinite" restart="never" nodeType="tmRoot"/>
-      </p:par>
-    </p:tnLst>
-  </p:timing>
 </p:sld>
 </file>
 
@@ -19866,7 +19559,7 @@
           <a:lstStyle/>
           <a:p>
             <a:r>
-              <a:rPr lang="en-US" altLang="ja-JP" dirty="0" smtClean="0"/>
+              <a:rPr lang="en-US" altLang="ja-JP" dirty="0"/>
               <a:t>4.2</a:t>
             </a:r>
             <a:r>
@@ -19874,19 +19567,19 @@
               <a:t>　</a:t>
             </a:r>
             <a:r>
-              <a:rPr lang="en-US" altLang="ja-JP" dirty="0" smtClean="0"/>
+              <a:rPr lang="en-US" altLang="ja-JP" dirty="0"/>
               <a:t>Operation check</a:t>
             </a:r>
             <a:r>
-              <a:rPr lang="ja-JP" altLang="en-US" dirty="0" smtClean="0"/>
+              <a:rPr lang="ja-JP" altLang="en-US" dirty="0"/>
               <a:t>（</a:t>
             </a:r>
             <a:r>
-              <a:rPr lang="en-US" altLang="ja-JP" dirty="0" smtClean="0"/>
+              <a:rPr lang="en-US" altLang="ja-JP" dirty="0"/>
               <a:t>2/2</a:t>
             </a:r>
             <a:r>
-              <a:rPr lang="ja-JP" altLang="en-US" dirty="0" smtClean="0"/>
+              <a:rPr lang="ja-JP" altLang="en-US" dirty="0"/>
               <a:t>）</a:t>
             </a:r>
             <a:endParaRPr kumimoji="1" lang="ja-JP" altLang="en-US" dirty="0"/>
@@ -19916,7 +19609,7 @@
           <a:lstStyle/>
           <a:p>
             <a:r>
-              <a:rPr lang="en-US" altLang="ja-JP" dirty="0" smtClean="0"/>
+              <a:rPr lang="en-US" altLang="ja-JP" dirty="0"/>
               <a:t>Removed functions</a:t>
             </a:r>
           </a:p>
@@ -19931,14 +19624,14 @@
               <a:buNone/>
             </a:pPr>
             <a:r>
-              <a:rPr lang="en-US" altLang="ja-JP" dirty="0" smtClean="0"/>
+              <a:rPr lang="en-US" altLang="ja-JP" dirty="0"/>
               <a:t>The list below contains deleted functions and what version they were deleted.</a:t>
             </a:r>
             <a:br>
-              <a:rPr lang="en-US" altLang="ja-JP" dirty="0" smtClean="0"/>
+              <a:rPr lang="en-US" altLang="ja-JP" dirty="0"/>
             </a:br>
             <a:r>
-              <a:rPr lang="en-US" altLang="ja-JP" dirty="0" smtClean="0"/>
+              <a:rPr lang="en-US" altLang="ja-JP" dirty="0"/>
               <a:t>The functions in the list below will still be there when updated, but there is no guarantee that they will function properly.</a:t>
             </a:r>
           </a:p>
@@ -19992,7 +19685,7 @@
                     <a:p>
                       <a:pPr algn="ctr"/>
                       <a:r>
-                        <a:rPr kumimoji="1" lang="en-US" altLang="ja-JP" sz="1600" dirty="0" smtClean="0"/>
+                        <a:rPr kumimoji="1" lang="en-US" altLang="ja-JP" sz="1600" dirty="0"/>
                         <a:t>Function</a:t>
                       </a:r>
                       <a:endParaRPr kumimoji="1" lang="ja-JP" altLang="en-US" sz="1600" dirty="0"/>
@@ -20007,7 +19700,7 @@
                     <a:p>
                       <a:pPr algn="ctr"/>
                       <a:r>
-                        <a:rPr kumimoji="1" lang="en-US" altLang="ja-JP" sz="1600" dirty="0" smtClean="0"/>
+                        <a:rPr kumimoji="1" lang="en-US" altLang="ja-JP" sz="1600" dirty="0"/>
                         <a:t>Version</a:t>
                       </a:r>
                       <a:endParaRPr kumimoji="1" lang="ja-JP" altLang="en-US" sz="1600" dirty="0"/>
@@ -20028,7 +19721,7 @@
                     <a:lstStyle/>
                     <a:p>
                       <a:r>
-                        <a:rPr kumimoji="1" lang="en-US" altLang="ja-JP" sz="1600" dirty="0" smtClean="0"/>
+                        <a:rPr kumimoji="1" lang="en-US" altLang="ja-JP" sz="1600" dirty="0"/>
                         <a:t>DSC-Driver</a:t>
                       </a:r>
                       <a:endParaRPr kumimoji="1" lang="ja-JP" altLang="en-US" sz="1600" dirty="0"/>
@@ -20042,7 +19735,7 @@
                     <a:lstStyle/>
                     <a:p>
                       <a:r>
-                        <a:rPr kumimoji="1" lang="en-US" altLang="ja-JP" sz="1600" dirty="0" smtClean="0"/>
+                        <a:rPr kumimoji="1" lang="en-US" altLang="ja-JP" sz="1600" dirty="0"/>
                         <a:t>v1.5.0</a:t>
                       </a:r>
                       <a:endParaRPr kumimoji="1" lang="ja-JP" altLang="en-US" sz="1600" dirty="0"/>
@@ -20063,7 +19756,7 @@
                     <a:lstStyle/>
                     <a:p>
                       <a:r>
-                        <a:rPr kumimoji="1" lang="en-US" altLang="ja-JP" sz="1600" dirty="0" smtClean="0"/>
+                        <a:rPr kumimoji="1" lang="en-US" altLang="ja-JP" sz="1600" dirty="0"/>
                         <a:t>OpenStack-Driver</a:t>
                       </a:r>
                       <a:endParaRPr kumimoji="1" lang="ja-JP" altLang="en-US" sz="1600" dirty="0"/>
@@ -20077,7 +19770,7 @@
                     <a:lstStyle/>
                     <a:p>
                       <a:r>
-                        <a:rPr kumimoji="1" lang="en-US" altLang="ja-JP" sz="1600" dirty="0" smtClean="0"/>
+                        <a:rPr kumimoji="1" lang="en-US" altLang="ja-JP" sz="1600" dirty="0"/>
                         <a:t>v1.6.1</a:t>
                       </a:r>
                       <a:endParaRPr kumimoji="1" lang="ja-JP" altLang="en-US" sz="1600" dirty="0"/>
@@ -20098,7 +19791,7 @@
                     <a:lstStyle/>
                     <a:p>
                       <a:r>
-                        <a:rPr kumimoji="1" lang="en-US" altLang="ja-JP" sz="1600" dirty="0" smtClean="0"/>
+                        <a:rPr kumimoji="1" lang="en-US" altLang="ja-JP" sz="1600" dirty="0"/>
                         <a:t>Construction file management function</a:t>
                       </a:r>
                       <a:endParaRPr kumimoji="1" lang="ja-JP" altLang="en-US" sz="1600" dirty="0"/>
@@ -20112,7 +19805,7 @@
                     <a:lstStyle/>
                     <a:p>
                       <a:r>
-                        <a:rPr kumimoji="1" lang="en-US" altLang="ja-JP" sz="1600" dirty="0" smtClean="0"/>
+                        <a:rPr kumimoji="1" lang="en-US" altLang="ja-JP" sz="1600" dirty="0"/>
                         <a:t>v1.8.0</a:t>
                       </a:r>
                       <a:endParaRPr kumimoji="1" lang="ja-JP" altLang="en-US" sz="1600" dirty="0"/>
@@ -20140,13 +19833,6 @@
   <p:clrMapOvr>
     <a:masterClrMapping/>
   </p:clrMapOvr>
-  <p:timing>
-    <p:tnLst>
-      <p:par>
-        <p:cTn id="1" dur="indefinite" restart="never" nodeType="tmRoot"/>
-      </p:par>
-    </p:tnLst>
-  </p:timing>
 </p:sld>
 </file>
 
@@ -20177,13 +19863,6 @@
   <p:clrMapOvr>
     <a:masterClrMapping/>
   </p:clrMapOvr>
-  <p:timing>
-    <p:tnLst>
-      <p:par>
-        <p:cTn id="1" dur="indefinite" restart="never" nodeType="tmRoot"/>
-      </p:par>
-    </p:tnLst>
-  </p:timing>
 </p:sld>
 </file>
 
@@ -20225,15 +19904,15 @@
           <a:lstStyle/>
           <a:p>
             <a:r>
-              <a:rPr lang="en-US" altLang="ja-JP" dirty="0" smtClean="0"/>
+              <a:rPr lang="en-US" altLang="ja-JP" dirty="0"/>
               <a:t>1.</a:t>
             </a:r>
             <a:r>
-              <a:rPr lang="ja-JP" altLang="en-US" dirty="0" smtClean="0"/>
+              <a:rPr lang="ja-JP" altLang="en-US" dirty="0"/>
               <a:t>　</a:t>
             </a:r>
             <a:r>
-              <a:rPr lang="en-US" altLang="ja-JP" dirty="0" smtClean="0"/>
+              <a:rPr lang="en-US" altLang="ja-JP" dirty="0"/>
               <a:t>Introduction</a:t>
             </a:r>
             <a:endParaRPr kumimoji="1" lang="ja-JP" altLang="en-US" dirty="0"/>
@@ -20250,13 +19929,6 @@
   <p:clrMapOvr>
     <a:masterClrMapping/>
   </p:clrMapOvr>
-  <p:timing>
-    <p:tnLst>
-      <p:par>
-        <p:cTn id="1" dur="indefinite" restart="never" nodeType="tmRoot"/>
-      </p:par>
-    </p:tnLst>
-  </p:timing>
 </p:sld>
 </file>
 
@@ -20293,15 +19965,15 @@
           <a:lstStyle/>
           <a:p>
             <a:r>
-              <a:rPr kumimoji="1" lang="en-US" altLang="ja-JP" dirty="0" smtClean="0"/>
+              <a:rPr kumimoji="1" lang="en-US" altLang="ja-JP" dirty="0"/>
               <a:t>1.1</a:t>
             </a:r>
             <a:r>
-              <a:rPr kumimoji="1" lang="ja-JP" altLang="en-US" dirty="0" smtClean="0"/>
+              <a:rPr kumimoji="1" lang="ja-JP" altLang="en-US" dirty="0"/>
               <a:t>　</a:t>
             </a:r>
             <a:r>
-              <a:rPr kumimoji="1" lang="en-US" altLang="ja-JP" dirty="0" smtClean="0"/>
+              <a:rPr kumimoji="1" lang="en-US" altLang="ja-JP" dirty="0"/>
               <a:t>About this guide</a:t>
             </a:r>
             <a:endParaRPr kumimoji="1" lang="ja-JP" altLang="en-US" dirty="0"/>
@@ -20329,18 +20001,16 @@
           <a:lstStyle/>
           <a:p>
             <a:r>
-              <a:rPr lang="en-US" altLang="ja-JP" dirty="0" smtClean="0"/>
+              <a:rPr lang="en-US" altLang="ja-JP" dirty="0"/>
               <a:t>About this guide</a:t>
             </a:r>
-            <a:endParaRPr lang="en-US" altLang="ja-JP" dirty="0"/>
           </a:p>
           <a:p>
             <a:pPr lvl="1"/>
             <a:r>
-              <a:rPr lang="en-US" altLang="ja-JP" dirty="0" smtClean="0"/>
+              <a:rPr lang="en-US" altLang="ja-JP" dirty="0"/>
               <a:t>This document describes the procedure to update the ITA environment constructed in all-in-one configuration.</a:t>
             </a:r>
-            <a:endParaRPr lang="en-US" altLang="ja-JP" dirty="0"/>
           </a:p>
         </p:txBody>
       </p:sp>
@@ -20354,13 +20024,6 @@
   <p:clrMapOvr>
     <a:masterClrMapping/>
   </p:clrMapOvr>
-  <p:timing>
-    <p:tnLst>
-      <p:par>
-        <p:cTn id="1" dur="indefinite" restart="never" nodeType="tmRoot"/>
-      </p:par>
-    </p:tnLst>
-  </p:timing>
 </p:sld>
 </file>
 
@@ -20403,18 +20066,14 @@
           <a:p>
             <a:r>
               <a:rPr lang="en-US" altLang="ja-JP" dirty="0"/>
-              <a:t>2</a:t>
-            </a:r>
-            <a:r>
-              <a:rPr lang="en-US" altLang="ja-JP" dirty="0" smtClean="0"/>
-              <a:t>.</a:t>
-            </a:r>
-            <a:r>
-              <a:rPr lang="ja-JP" altLang="en-US" dirty="0" smtClean="0"/>
+              <a:t>2.</a:t>
+            </a:r>
+            <a:r>
+              <a:rPr lang="ja-JP" altLang="en-US" dirty="0"/>
               <a:t>　</a:t>
             </a:r>
             <a:r>
-              <a:rPr lang="en-US" altLang="ja-JP" dirty="0" smtClean="0"/>
+              <a:rPr lang="en-US" altLang="ja-JP" dirty="0"/>
               <a:t>System configuration</a:t>
             </a:r>
             <a:endParaRPr kumimoji="1" lang="ja-JP" altLang="en-US" dirty="0"/>
@@ -20431,13 +20090,6 @@
   <p:clrMapOvr>
     <a:masterClrMapping/>
   </p:clrMapOvr>
-  <p:timing>
-    <p:tnLst>
-      <p:par>
-        <p:cTn id="1" dur="indefinite" restart="never" nodeType="tmRoot"/>
-      </p:par>
-    </p:tnLst>
-  </p:timing>
 </p:sld>
 </file>
 
@@ -20476,15 +20128,15 @@
           <a:lstStyle/>
           <a:p>
             <a:r>
-              <a:rPr lang="en-US" altLang="ja-JP" dirty="0" smtClean="0"/>
+              <a:rPr lang="en-US" altLang="ja-JP" dirty="0"/>
               <a:t>2.1</a:t>
             </a:r>
             <a:r>
-              <a:rPr lang="ja-JP" altLang="en-US" dirty="0" smtClean="0"/>
+              <a:rPr lang="ja-JP" altLang="en-US" dirty="0"/>
               <a:t>　</a:t>
             </a:r>
             <a:r>
-              <a:rPr lang="en-US" altLang="zh-TW" dirty="0" smtClean="0"/>
+              <a:rPr lang="en-US" altLang="zh-TW" dirty="0"/>
               <a:t>System requirement</a:t>
             </a:r>
             <a:endParaRPr kumimoji="1" lang="ja-JP" altLang="en-US" dirty="0"/>
@@ -20512,52 +20164,48 @@
           <a:lstStyle/>
           <a:p>
             <a:r>
-              <a:rPr lang="en-US" altLang="ja-JP" dirty="0" smtClean="0"/>
+              <a:rPr lang="en-US" altLang="ja-JP" dirty="0"/>
               <a:t>About the environment of ITA to perform update</a:t>
-            </a:r>
-            <a:br>
-              <a:rPr lang="en-US" altLang="ja-JP" dirty="0" smtClean="0"/>
-            </a:br>
-            <a:endParaRPr lang="en-US" altLang="ja-JP" dirty="0"/>
-          </a:p>
-          <a:p>
-            <a:pPr lvl="1"/>
-            <a:r>
-              <a:rPr lang="en-US" altLang="ja-JP" dirty="0" smtClean="0"/>
-              <a:t>The procedure in this document can be performed on ITA environment constructed in all-in-one configuration.</a:t>
-            </a:r>
-            <a:br>
-              <a:rPr lang="en-US" altLang="ja-JP" dirty="0" smtClean="0"/>
-            </a:br>
-            <a:endParaRPr lang="en-US" altLang="ja-JP" dirty="0" smtClean="0"/>
-          </a:p>
-          <a:p>
-            <a:pPr lvl="1"/>
-            <a:r>
-              <a:rPr lang="en-US" altLang="ja-JP" dirty="0" smtClean="0"/>
-              <a:t>The version of ITA that supports version update is </a:t>
-            </a:r>
-            <a:r>
-              <a:rPr lang="en-US" altLang="ja-JP" b="1" u="sng" dirty="0" smtClean="0">
-                <a:solidFill>
-                  <a:srgbClr val="FF0000"/>
-                </a:solidFill>
-              </a:rPr>
-              <a:t>1.4.0 or later</a:t>
-            </a:r>
-            <a:r>
-              <a:rPr lang="en-US" altLang="ja-JP" dirty="0" smtClean="0"/>
-              <a:t>.</a:t>
-            </a:r>
-            <a:r>
-              <a:rPr lang="en-US" altLang="ja-JP" dirty="0"/>
-              <a:t/>
             </a:r>
             <a:br>
               <a:rPr lang="en-US" altLang="ja-JP" dirty="0"/>
             </a:br>
-            <a:r>
-              <a:rPr lang="en-US" altLang="ja-JP" dirty="0" smtClean="0"/>
+            <a:endParaRPr lang="en-US" altLang="ja-JP" dirty="0"/>
+          </a:p>
+          <a:p>
+            <a:pPr lvl="1"/>
+            <a:r>
+              <a:rPr lang="en-US" altLang="ja-JP" dirty="0"/>
+              <a:t>The procedure in this document can be performed on ITA environment constructed in all-in-one configuration.</a:t>
+            </a:r>
+            <a:br>
+              <a:rPr lang="en-US" altLang="ja-JP" dirty="0"/>
+            </a:br>
+            <a:endParaRPr lang="en-US" altLang="ja-JP" dirty="0"/>
+          </a:p>
+          <a:p>
+            <a:pPr lvl="1"/>
+            <a:r>
+              <a:rPr lang="en-US" altLang="ja-JP" dirty="0"/>
+              <a:t>The version of ITA that supports version update is </a:t>
+            </a:r>
+            <a:r>
+              <a:rPr lang="en-US" altLang="ja-JP" b="1" u="sng" dirty="0">
+                <a:solidFill>
+                  <a:srgbClr val="FF0000"/>
+                </a:solidFill>
+              </a:rPr>
+              <a:t>1.4.0 or later</a:t>
+            </a:r>
+            <a:r>
+              <a:rPr lang="en-US" altLang="ja-JP" dirty="0"/>
+              <a:t>.</a:t>
+            </a:r>
+            <a:br>
+              <a:rPr lang="en-US" altLang="ja-JP" dirty="0"/>
+            </a:br>
+            <a:r>
+              <a:rPr lang="en-US" altLang="ja-JP" dirty="0"/>
               <a:t>The environment of ITA version 1.4.0 or later can be updated by executing the procedure in this document.</a:t>
             </a:r>
           </a:p>
@@ -20573,13 +20221,6 @@
   <p:clrMapOvr>
     <a:masterClrMapping/>
   </p:clrMapOvr>
-  <p:timing>
-    <p:tnLst>
-      <p:par>
-        <p:cTn id="1" dur="indefinite" restart="never" nodeType="tmRoot"/>
-      </p:par>
-    </p:tnLst>
-  </p:timing>
 </p:sld>
 </file>
 
@@ -20621,23 +20262,23 @@
           <a:lstStyle/>
           <a:p>
             <a:r>
-              <a:rPr lang="en-US" altLang="ja-JP" dirty="0" smtClean="0"/>
+              <a:rPr lang="en-US" altLang="ja-JP" dirty="0"/>
               <a:t>3.</a:t>
             </a:r>
             <a:r>
-              <a:rPr lang="ja-JP" altLang="en-US" dirty="0" smtClean="0"/>
+              <a:rPr lang="ja-JP" altLang="en-US" dirty="0"/>
               <a:t>　</a:t>
             </a:r>
             <a:r>
-              <a:rPr lang="en-US" altLang="ja-JP" dirty="0" smtClean="0"/>
+              <a:rPr lang="en-US" altLang="ja-JP" dirty="0"/>
               <a:t>ITA</a:t>
             </a:r>
             <a:r>
-              <a:rPr lang="ja-JP" altLang="en-US" dirty="0" smtClean="0"/>
+              <a:rPr lang="ja-JP" altLang="en-US" dirty="0"/>
               <a:t> </a:t>
             </a:r>
             <a:r>
-              <a:rPr lang="en-US" altLang="ja-JP" dirty="0" smtClean="0"/>
+              <a:rPr lang="en-US" altLang="ja-JP" dirty="0"/>
               <a:t>construction procedure</a:t>
             </a:r>
             <a:endParaRPr kumimoji="1" lang="ja-JP" altLang="en-US" dirty="0"/>
@@ -20654,13 +20295,6 @@
   <p:clrMapOvr>
     <a:masterClrMapping/>
   </p:clrMapOvr>
-  <p:timing>
-    <p:tnLst>
-      <p:par>
-        <p:cTn id="1" dur="indefinite" restart="never" nodeType="tmRoot"/>
-      </p:par>
-    </p:tnLst>
-  </p:timing>
 </p:sld>
 </file>
 
@@ -20697,7 +20331,7 @@
           <a:lstStyle/>
           <a:p>
             <a:r>
-              <a:rPr lang="en-US" altLang="ja-JP" dirty="0" smtClean="0"/>
+              <a:rPr lang="en-US" altLang="ja-JP" dirty="0"/>
               <a:t>3.1</a:t>
             </a:r>
             <a:r>
@@ -20705,19 +20339,19 @@
               <a:t>　</a:t>
             </a:r>
             <a:r>
-              <a:rPr lang="en-US" altLang="ja-JP" dirty="0" smtClean="0"/>
+              <a:rPr lang="en-US" altLang="ja-JP" dirty="0"/>
               <a:t>Preparation</a:t>
             </a:r>
             <a:r>
-              <a:rPr lang="ja-JP" altLang="en-US" dirty="0" smtClean="0"/>
+              <a:rPr lang="ja-JP" altLang="en-US" dirty="0"/>
               <a:t>（</a:t>
             </a:r>
             <a:r>
-              <a:rPr lang="en-US" altLang="ja-JP" dirty="0" smtClean="0"/>
+              <a:rPr lang="en-US" altLang="ja-JP" dirty="0"/>
               <a:t>1/1</a:t>
             </a:r>
             <a:r>
-              <a:rPr lang="ja-JP" altLang="en-US" dirty="0" smtClean="0"/>
+              <a:rPr lang="ja-JP" altLang="en-US" dirty="0"/>
               <a:t>）</a:t>
             </a:r>
             <a:endParaRPr kumimoji="1" lang="ja-JP" altLang="en-US" dirty="0"/>
@@ -20740,14 +20374,14 @@
           <a:lstStyle/>
           <a:p>
             <a:r>
-              <a:rPr lang="en-US" altLang="ja-JP" dirty="0" smtClean="0"/>
+              <a:rPr lang="en-US" altLang="ja-JP" dirty="0"/>
               <a:t>ITA Update tool list</a:t>
             </a:r>
           </a:p>
           <a:p>
             <a:pPr lvl="1"/>
             <a:r>
-              <a:rPr lang="en-US" altLang="ja-JP" dirty="0" smtClean="0"/>
+              <a:rPr lang="en-US" altLang="ja-JP" dirty="0"/>
               <a:t>The following list contains tools used for updating ITA.</a:t>
             </a:r>
             <a:endParaRPr kumimoji="1" lang="ja-JP" altLang="en-US" dirty="0"/>
@@ -20813,7 +20447,7 @@
                         </a:spcAft>
                       </a:pPr>
                       <a:r>
-                        <a:rPr lang="en-US" altLang="ja-JP" sz="1050" kern="100" dirty="0" smtClean="0">
+                        <a:rPr lang="en-US" altLang="ja-JP" sz="1050" kern="100" dirty="0">
                           <a:effectLst/>
                           <a:latin typeface="+mn-ea"/>
                           <a:ea typeface="+mn-ea"/>
@@ -20846,7 +20480,7 @@
                         </a:spcAft>
                       </a:pPr>
                       <a:r>
-                        <a:rPr lang="en-US" altLang="ja-JP" sz="1050" kern="100" dirty="0" smtClean="0">
+                        <a:rPr lang="en-US" altLang="ja-JP" sz="1050" kern="100" dirty="0">
                           <a:effectLst/>
                           <a:latin typeface="+mn-ea"/>
                           <a:ea typeface="+mn-ea"/>
@@ -20879,7 +20513,7 @@
                         </a:spcAft>
                       </a:pPr>
                       <a:r>
-                        <a:rPr lang="en-US" altLang="ja-JP" sz="1100" kern="100" dirty="0" smtClean="0">
+                        <a:rPr lang="en-US" altLang="ja-JP" sz="1100" kern="100" dirty="0">
                           <a:effectLst/>
                           <a:latin typeface="+mn-ea"/>
                           <a:ea typeface="+mn-ea"/>
@@ -20918,13 +20552,13 @@
                         </a:spcAft>
                       </a:pPr>
                       <a:r>
-                        <a:rPr lang="en-US" sz="1050" kern="100" dirty="0" smtClean="0">
+                        <a:rPr lang="en-US" sz="1050" kern="100" dirty="0">
                           <a:effectLst/>
                         </a:rPr>
                         <a:t>ITA</a:t>
                       </a:r>
                       <a:r>
-                        <a:rPr lang="en-US" altLang="ja-JP" sz="1050" kern="100" dirty="0" smtClean="0">
+                        <a:rPr lang="en-US" altLang="ja-JP" sz="1050" kern="100" dirty="0">
                           <a:effectLst/>
                         </a:rPr>
                         <a:t> installer</a:t>
@@ -20954,7 +20588,7 @@
                         </a:spcAft>
                       </a:pPr>
                       <a:r>
-                        <a:rPr lang="en-US" sz="1050" kern="100" dirty="0" smtClean="0">
+                        <a:rPr lang="en-US" sz="1050" kern="100" dirty="0">
                           <a:effectLst/>
                         </a:rPr>
                         <a:t>ita_installer.sh</a:t>
@@ -20984,61 +20618,61 @@
                         </a:spcAft>
                       </a:pPr>
                       <a:r>
-                        <a:rPr lang="en-US" sz="900" kern="100" dirty="0" smtClean="0">
+                        <a:rPr lang="en-US" sz="900" kern="100" dirty="0">
                           <a:effectLst/>
                         </a:rPr>
                         <a:t>/(</a:t>
                       </a:r>
                       <a:r>
-                        <a:rPr lang="en-US" altLang="ja-JP" sz="900" kern="100" dirty="0" smtClean="0">
+                        <a:rPr lang="en-US" altLang="ja-JP" sz="900" kern="100" dirty="0">
                           <a:effectLst/>
                         </a:rPr>
                         <a:t>Installation</a:t>
                       </a:r>
                       <a:r>
-                        <a:rPr lang="en-US" altLang="ja-JP" sz="900" kern="100" baseline="0" dirty="0" smtClean="0">
+                        <a:rPr lang="en-US" altLang="ja-JP" sz="900" kern="100" baseline="0" dirty="0">
                           <a:effectLst/>
                         </a:rPr>
                         <a:t> file e</a:t>
                       </a:r>
                       <a:r>
-                        <a:rPr lang="en-US" altLang="ja-JP" sz="900" kern="100" dirty="0" smtClean="0">
+                        <a:rPr lang="en-US" altLang="ja-JP" sz="900" kern="100" dirty="0">
                           <a:effectLst/>
                         </a:rPr>
                         <a:t>xtract path</a:t>
                       </a:r>
                       <a:r>
-                        <a:rPr lang="en-US" sz="900" kern="100" dirty="0" smtClean="0">
+                        <a:rPr lang="en-US" sz="900" kern="100" dirty="0">
                           <a:effectLst/>
                         </a:rPr>
                         <a:t>)</a:t>
                       </a:r>
                       <a:r>
-                        <a:rPr lang="en-US" altLang="ja-JP" sz="900" kern="100" dirty="0" smtClean="0">
+                        <a:rPr lang="en-US" altLang="ja-JP" sz="900" kern="100" dirty="0">
                           <a:effectLst/>
                         </a:rPr>
                         <a:t>/</a:t>
                       </a:r>
                       <a:r>
-                        <a:rPr lang="en-US" altLang="ja-JP" sz="900" kern="100" dirty="0" err="1" smtClean="0">
+                        <a:rPr lang="en-US" altLang="ja-JP" sz="900" kern="100" dirty="0" err="1">
                           <a:effectLst/>
                         </a:rPr>
                         <a:t>ita</a:t>
                       </a:r>
                       <a:r>
-                        <a:rPr lang="en-US" sz="900" kern="100" dirty="0" err="1" smtClean="0">
+                        <a:rPr lang="en-US" sz="900" kern="100" dirty="0" err="1">
                           <a:effectLst/>
                         </a:rPr>
                         <a:t>_install_package</a:t>
                       </a:r>
                       <a:r>
-                        <a:rPr lang="en-US" sz="900" kern="100" dirty="0" smtClean="0">
+                        <a:rPr lang="en-US" sz="900" kern="100" dirty="0">
                           <a:effectLst/>
                         </a:rPr>
                         <a:t>/</a:t>
                       </a:r>
                       <a:r>
-                        <a:rPr lang="en-US" sz="900" kern="100" dirty="0" err="1" smtClean="0">
+                        <a:rPr lang="en-US" sz="900" kern="100" dirty="0" err="1">
                           <a:effectLst/>
                         </a:rPr>
                         <a:t>install_scripts</a:t>
@@ -21081,7 +20715,7 @@
                         </a:spcAft>
                       </a:pPr>
                       <a:r>
-                        <a:rPr lang="en-US" altLang="ja-JP" sz="1050" kern="100" dirty="0" smtClean="0">
+                        <a:rPr lang="en-US" altLang="ja-JP" sz="1050" kern="100" dirty="0">
                           <a:effectLst/>
                         </a:rPr>
                         <a:t>Answer file</a:t>
@@ -21111,7 +20745,7 @@
                         </a:spcAft>
                       </a:pPr>
                       <a:r>
-                        <a:rPr lang="en-US" sz="1050" kern="100" dirty="0" smtClean="0">
+                        <a:rPr lang="en-US" sz="1050" kern="100" dirty="0">
                           <a:effectLst/>
                         </a:rPr>
                         <a:t>ita_answers.txt</a:t>
@@ -21141,49 +20775,49 @@
                         </a:spcAft>
                       </a:pPr>
                       <a:r>
-                        <a:rPr lang="en-US" sz="900" kern="100" dirty="0" smtClean="0">
+                        <a:rPr lang="en-US" sz="900" kern="100" dirty="0">
                           <a:effectLst/>
                         </a:rPr>
                         <a:t>/(</a:t>
                       </a:r>
                       <a:r>
-                        <a:rPr lang="en-US" altLang="ja-JP" sz="900" kern="100" dirty="0" smtClean="0">
+                        <a:rPr lang="en-US" altLang="ja-JP" sz="900" kern="100" dirty="0">
                           <a:effectLst/>
                         </a:rPr>
                         <a:t>Installation</a:t>
                       </a:r>
                       <a:r>
-                        <a:rPr lang="en-US" altLang="ja-JP" sz="900" kern="100" baseline="0" dirty="0" smtClean="0">
+                        <a:rPr lang="en-US" altLang="ja-JP" sz="900" kern="100" baseline="0" dirty="0">
                           <a:effectLst/>
                         </a:rPr>
                         <a:t> file e</a:t>
                       </a:r>
                       <a:r>
-                        <a:rPr lang="en-US" altLang="ja-JP" sz="900" kern="100" dirty="0" smtClean="0">
+                        <a:rPr lang="en-US" altLang="ja-JP" sz="900" kern="100" dirty="0">
                           <a:effectLst/>
                         </a:rPr>
                         <a:t>xtract path</a:t>
                       </a:r>
                       <a:r>
-                        <a:rPr lang="en-US" sz="900" kern="100" dirty="0" smtClean="0">
+                        <a:rPr lang="en-US" sz="900" kern="100" dirty="0">
                           <a:effectLst/>
                         </a:rPr>
                         <a:t>)/</a:t>
                       </a:r>
                       <a:r>
-                        <a:rPr lang="en-US" sz="900" kern="100" dirty="0" err="1" smtClean="0">
+                        <a:rPr lang="en-US" sz="900" kern="100" dirty="0" err="1">
                           <a:effectLst/>
                         </a:rPr>
                         <a:t>ita_install_package</a:t>
                       </a:r>
                       <a:r>
-                        <a:rPr lang="en-US" sz="900" kern="100" dirty="0" smtClean="0">
+                        <a:rPr lang="en-US" sz="900" kern="100" dirty="0">
                           <a:effectLst/>
                         </a:rPr>
                         <a:t>/</a:t>
                       </a:r>
                       <a:r>
-                        <a:rPr lang="en-US" sz="900" kern="100" dirty="0" err="1" smtClean="0">
+                        <a:rPr lang="en-US" sz="900" kern="100" dirty="0" err="1">
                           <a:effectLst/>
                         </a:rPr>
                         <a:t>install_scripts</a:t>
@@ -21228,13 +20862,6 @@
   <p:clrMapOvr>
     <a:masterClrMapping/>
   </p:clrMapOvr>
-  <p:timing>
-    <p:tnLst>
-      <p:par>
-        <p:cTn id="1" dur="indefinite" restart="never" nodeType="tmRoot"/>
-      </p:par>
-    </p:tnLst>
-  </p:timing>
 </p:sld>
 </file>
 
@@ -21271,7 +20898,7 @@
           <a:lstStyle/>
           <a:p>
             <a:r>
-              <a:rPr lang="en-US" altLang="ja-JP" dirty="0" smtClean="0"/>
+              <a:rPr lang="en-US" altLang="ja-JP" dirty="0"/>
               <a:t>3.2</a:t>
             </a:r>
             <a:r>
@@ -21279,15 +20906,15 @@
               <a:t>　</a:t>
             </a:r>
             <a:r>
-              <a:rPr lang="en-US" altLang="ja-JP" dirty="0" smtClean="0"/>
+              <a:rPr lang="en-US" altLang="ja-JP" dirty="0"/>
               <a:t>ITA</a:t>
             </a:r>
             <a:r>
-              <a:rPr lang="ja-JP" altLang="en-US" dirty="0" smtClean="0"/>
+              <a:rPr lang="ja-JP" altLang="en-US" dirty="0"/>
               <a:t> </a:t>
             </a:r>
             <a:r>
-              <a:rPr lang="en-US" altLang="ja-JP" dirty="0" smtClean="0"/>
+              <a:rPr lang="en-US" altLang="ja-JP" dirty="0"/>
               <a:t>update work flow</a:t>
             </a:r>
             <a:endParaRPr kumimoji="1" lang="ja-JP" altLang="en-US" dirty="0"/>
@@ -21310,14 +20937,14 @@
           <a:lstStyle/>
           <a:p>
             <a:r>
-              <a:rPr kumimoji="1" lang="en-US" altLang="ja-JP" dirty="0" smtClean="0"/>
+              <a:rPr kumimoji="1" lang="en-US" altLang="ja-JP" dirty="0"/>
               <a:t>Version update work flow</a:t>
             </a:r>
           </a:p>
           <a:p>
             <a:pPr lvl="1"/>
             <a:r>
-              <a:rPr lang="en-US" altLang="ja-JP" dirty="0" smtClean="0"/>
+              <a:rPr lang="en-US" altLang="ja-JP" dirty="0"/>
               <a:t>The work flow of version update is as follows.</a:t>
             </a:r>
             <a:endParaRPr kumimoji="1" lang="ja-JP" altLang="en-US" dirty="0"/>
@@ -21467,7 +21094,7 @@
               <a:tabLst/>
             </a:pPr>
             <a:r>
-              <a:rPr kumimoji="0" lang="ja-JP" altLang="en-US" sz="1200" dirty="0" smtClean="0">
+              <a:rPr kumimoji="0" lang="ja-JP" altLang="en-US" sz="1200" dirty="0">
                 <a:solidFill>
                   <a:srgbClr val="000000"/>
                 </a:solidFill>
@@ -21477,7 +21104,7 @@
               <a:t>③</a:t>
             </a:r>
             <a:r>
-              <a:rPr kumimoji="0" lang="en-US" altLang="ja-JP" sz="1200" dirty="0" smtClean="0">
+              <a:rPr kumimoji="0" lang="en-US" altLang="ja-JP" sz="1200" dirty="0">
                 <a:solidFill>
                   <a:srgbClr val="000000"/>
                 </a:solidFill>
@@ -21486,7 +21113,7 @@
               </a:rPr>
               <a:t>Edit answer file</a:t>
             </a:r>
-            <a:endParaRPr kumimoji="0" lang="ja-JP" altLang="ja-JP" sz="2800" b="0" i="0" u="none" strike="noStrike" cap="none" normalizeH="0" baseline="0" dirty="0" smtClean="0">
+            <a:endParaRPr kumimoji="0" lang="ja-JP" altLang="ja-JP" sz="2800" b="0" i="0" u="none" strike="noStrike" cap="none" normalizeH="0" baseline="0" dirty="0">
               <a:ln>
                 <a:noFill/>
               </a:ln>
@@ -21552,7 +21179,7 @@
               <a:tabLst/>
             </a:pPr>
             <a:r>
-              <a:rPr kumimoji="0" lang="ja-JP" altLang="en-US" sz="1200" dirty="0" smtClean="0">
+              <a:rPr kumimoji="0" lang="ja-JP" altLang="en-US" sz="1200" dirty="0">
                 <a:solidFill>
                   <a:srgbClr val="000000"/>
                 </a:solidFill>
@@ -21562,7 +21189,7 @@
               <a:t>④</a:t>
             </a:r>
             <a:r>
-              <a:rPr kumimoji="0" lang="en-US" altLang="ja-JP" sz="1200" dirty="0" smtClean="0">
+              <a:rPr kumimoji="0" lang="en-US" altLang="ja-JP" sz="1200" dirty="0">
                 <a:solidFill>
                   <a:srgbClr val="000000"/>
                 </a:solidFill>
@@ -21571,7 +21198,7 @@
               </a:rPr>
               <a:t>Execute update tool</a:t>
             </a:r>
-            <a:endParaRPr kumimoji="0" lang="ja-JP" altLang="en-US" sz="1200" b="0" i="0" u="none" strike="noStrike" cap="none" normalizeH="0" baseline="0" dirty="0" smtClean="0">
+            <a:endParaRPr kumimoji="0" lang="ja-JP" altLang="en-US" sz="1200" b="0" i="0" u="none" strike="noStrike" cap="none" normalizeH="0" baseline="0" dirty="0">
               <a:ln>
                 <a:noFill/>
               </a:ln>
@@ -21599,7 +21226,7 @@
               <a:buNone/>
               <a:tabLst/>
             </a:pPr>
-            <a:endParaRPr kumimoji="0" lang="en-US" altLang="ja-JP" sz="1050" b="0" i="0" u="none" strike="noStrike" cap="none" normalizeH="0" baseline="0" dirty="0" smtClean="0">
+            <a:endParaRPr kumimoji="0" lang="en-US" altLang="ja-JP" sz="1050" b="0" i="0" u="none" strike="noStrike" cap="none" normalizeH="0" baseline="0" dirty="0">
               <a:ln>
                 <a:noFill/>
               </a:ln>
@@ -21629,7 +21256,7 @@
               <a:tabLst/>
             </a:pPr>
             <a:r>
-              <a:rPr kumimoji="0" lang="ja-JP" altLang="en-US" sz="1050" dirty="0" smtClean="0">
+              <a:rPr kumimoji="0" lang="ja-JP" altLang="en-US" sz="1050" dirty="0">
                 <a:solidFill>
                   <a:srgbClr val="000000"/>
                 </a:solidFill>
@@ -21639,7 +21266,7 @@
               <a:t> </a:t>
             </a:r>
             <a:r>
-              <a:rPr kumimoji="0" lang="en-US" altLang="ja-JP" sz="1050" b="1" dirty="0" smtClean="0">
+              <a:rPr kumimoji="0" lang="en-US" altLang="ja-JP" sz="1050" b="1" dirty="0">
                 <a:solidFill>
                   <a:srgbClr val="000000"/>
                 </a:solidFill>
@@ -21648,7 +21275,7 @@
               </a:rPr>
               <a:t>Operation content</a:t>
             </a:r>
-            <a:endParaRPr kumimoji="0" lang="ja-JP" altLang="en-US" sz="1050" b="1" i="0" u="none" strike="noStrike" cap="none" normalizeH="0" baseline="0" dirty="0" smtClean="0">
+            <a:endParaRPr kumimoji="0" lang="ja-JP" altLang="en-US" sz="1050" b="1" i="0" u="none" strike="noStrike" cap="none" normalizeH="0" baseline="0" dirty="0">
               <a:ln>
                 <a:noFill/>
               </a:ln>
@@ -21677,7 +21304,7 @@
               <a:tabLst/>
             </a:pPr>
             <a:r>
-              <a:rPr kumimoji="0" lang="en-US" altLang="ja-JP" sz="1050" b="0" i="0" u="none" strike="noStrike" cap="none" normalizeH="0" baseline="0" dirty="0" smtClean="0">
+              <a:rPr kumimoji="0" lang="en-US" altLang="ja-JP" sz="1050" b="0" i="0" u="none" strike="noStrike" cap="none" normalizeH="0" baseline="0" dirty="0">
                 <a:ln>
                   <a:noFill/>
                 </a:ln>
@@ -21701,7 +21328,7 @@
               <a:t> </a:t>
             </a:r>
             <a:r>
-              <a:rPr kumimoji="0" lang="en-US" altLang="ja-JP" sz="1050" dirty="0" smtClean="0">
+              <a:rPr kumimoji="0" lang="en-US" altLang="ja-JP" sz="1050" dirty="0">
                 <a:solidFill>
                   <a:srgbClr val="000000"/>
                 </a:solidFill>
@@ -21710,7 +21337,7 @@
               </a:rPr>
               <a:t>(optional)</a:t>
             </a:r>
-            <a:endParaRPr kumimoji="0" lang="ja-JP" altLang="en-US" sz="1050" b="0" i="0" u="none" strike="noStrike" cap="none" normalizeH="0" baseline="0" dirty="0" smtClean="0">
+            <a:endParaRPr kumimoji="0" lang="ja-JP" altLang="en-US" sz="1050" b="0" i="0" u="none" strike="noStrike" cap="none" normalizeH="0" baseline="0" dirty="0">
               <a:ln>
                 <a:noFill/>
               </a:ln>
@@ -21739,7 +21366,7 @@
               <a:tabLst/>
             </a:pPr>
             <a:r>
-              <a:rPr kumimoji="0" lang="en-US" altLang="ja-JP" sz="1050" b="0" i="0" u="none" strike="noStrike" cap="none" normalizeH="0" baseline="0" dirty="0" smtClean="0">
+              <a:rPr kumimoji="0" lang="en-US" altLang="ja-JP" sz="1050" b="0" i="0" u="none" strike="noStrike" cap="none" normalizeH="0" baseline="0" dirty="0">
                 <a:ln>
                   <a:noFill/>
                 </a:ln>
@@ -21752,7 +21379,7 @@
               </a:rPr>
               <a:t>Update database</a:t>
             </a:r>
-            <a:endParaRPr kumimoji="0" lang="ja-JP" altLang="en-US" sz="1050" b="0" i="0" u="none" strike="noStrike" cap="none" normalizeH="0" baseline="0" dirty="0" smtClean="0">
+            <a:endParaRPr kumimoji="0" lang="ja-JP" altLang="en-US" sz="1050" b="0" i="0" u="none" strike="noStrike" cap="none" normalizeH="0" baseline="0" dirty="0">
               <a:ln>
                 <a:noFill/>
               </a:ln>
@@ -21775,13 +21402,13 @@
               <a:buChar char="ü"/>
             </a:pPr>
             <a:r>
-              <a:rPr kumimoji="0" lang="en-US" altLang="ja-JP" sz="1050" dirty="0" smtClean="0">
+              <a:rPr kumimoji="0" lang="en-US" altLang="ja-JP" sz="1050" dirty="0">
                 <a:latin typeface="+mn-ea"/>
                 <a:cs typeface="Times New Roman" panose="02020603050405020304" pitchFamily="18" charset="0"/>
               </a:rPr>
               <a:t>Update ITA file</a:t>
             </a:r>
-            <a:endParaRPr kumimoji="0" lang="ja-JP" altLang="en-US" sz="1050" b="0" i="0" u="none" strike="noStrike" cap="none" normalizeH="0" baseline="0" dirty="0" smtClean="0">
+            <a:endParaRPr kumimoji="0" lang="ja-JP" altLang="en-US" sz="1050" b="0" i="0" u="none" strike="noStrike" cap="none" normalizeH="0" baseline="0" dirty="0">
               <a:ln>
                 <a:noFill/>
               </a:ln>
@@ -21866,7 +21493,7 @@
               <a:buNone/>
               <a:tabLst/>
             </a:pPr>
-            <a:endParaRPr kumimoji="0" lang="en-US" altLang="ja-JP" sz="1000" b="0" i="0" u="none" strike="noStrike" cap="none" normalizeH="0" baseline="0" dirty="0" smtClean="0">
+            <a:endParaRPr kumimoji="0" lang="en-US" altLang="ja-JP" sz="1000" b="0" i="0" u="none" strike="noStrike" cap="none" normalizeH="0" baseline="0" dirty="0">
               <a:ln>
                 <a:noFill/>
               </a:ln>
@@ -21896,8 +21523,8 @@
               <a:buNone/>
               <a:tabLst/>
             </a:pPr>
-            <a:r>
-              <a:rPr kumimoji="0" lang="en-US" altLang="ja-JP" sz="1000" b="0" i="0" u="none" strike="noStrike" cap="none" normalizeH="0" baseline="0" dirty="0" smtClean="0">
+            <a:br>
+              <a:rPr kumimoji="0" lang="en-US" altLang="ja-JP" sz="1000" b="0" i="0" u="none" strike="noStrike" cap="none" normalizeH="0" baseline="0" dirty="0">
                 <a:ln>
                   <a:noFill/>
                 </a:ln>
@@ -21909,23 +21536,8 @@
                 <a:ea typeface="ＭＳ Ｐゴシック" panose="020B0600070205080204" pitchFamily="50" charset="-128"/>
                 <a:cs typeface="Times New Roman" panose="02020603050405020304" pitchFamily="18" charset="0"/>
               </a:rPr>
-              <a:t/>
-            </a:r>
-            <a:br>
-              <a:rPr kumimoji="0" lang="en-US" altLang="ja-JP" sz="1000" b="0" i="0" u="none" strike="noStrike" cap="none" normalizeH="0" baseline="0" dirty="0" smtClean="0">
-                <a:ln>
-                  <a:noFill/>
-                </a:ln>
-                <a:solidFill>
-                  <a:schemeClr val="tx1"/>
-                </a:solidFill>
-                <a:effectLst/>
-                <a:latin typeface="Century" panose="02040604050505020304" pitchFamily="18" charset="0"/>
-                <a:ea typeface="ＭＳ Ｐゴシック" panose="020B0600070205080204" pitchFamily="50" charset="-128"/>
-                <a:cs typeface="Times New Roman" panose="02020603050405020304" pitchFamily="18" charset="0"/>
-              </a:rPr>
             </a:br>
-            <a:endParaRPr kumimoji="0" lang="en-US" altLang="ja-JP" sz="1800" b="0" i="0" u="none" strike="noStrike" cap="none" normalizeH="0" baseline="0" dirty="0" smtClean="0">
+            <a:endParaRPr kumimoji="0" lang="en-US" altLang="ja-JP" sz="1800" b="0" i="0" u="none" strike="noStrike" cap="none" normalizeH="0" baseline="0" dirty="0">
               <a:ln>
                 <a:noFill/>
               </a:ln>
@@ -21983,7 +21595,7 @@
               </a:spcAft>
             </a:pPr>
             <a:r>
-              <a:rPr kumimoji="0" lang="ja-JP" altLang="en-US" sz="1200" dirty="0" smtClean="0">
+              <a:rPr kumimoji="0" lang="ja-JP" altLang="en-US" sz="1200" dirty="0">
                 <a:solidFill>
                   <a:srgbClr val="000000"/>
                 </a:solidFill>
@@ -21993,7 +21605,7 @@
               <a:t>②</a:t>
             </a:r>
             <a:r>
-              <a:rPr kumimoji="0" lang="en-US" altLang="ja-JP" sz="1200" dirty="0" smtClean="0">
+              <a:rPr kumimoji="0" lang="en-US" altLang="ja-JP" sz="1200" dirty="0">
                 <a:solidFill>
                   <a:srgbClr val="000000"/>
                 </a:solidFill>
@@ -22003,7 +21615,7 @@
               <a:t>Download file from </a:t>
             </a:r>
             <a:r>
-              <a:rPr kumimoji="0" lang="en-US" altLang="ja-JP" sz="1200" dirty="0" err="1" smtClean="0">
+              <a:rPr kumimoji="0" lang="en-US" altLang="ja-JP" sz="1200" dirty="0" err="1">
                 <a:solidFill>
                   <a:srgbClr val="000000"/>
                 </a:solidFill>
@@ -22067,7 +21679,7 @@
               </a:spcAft>
             </a:pPr>
             <a:r>
-              <a:rPr kumimoji="0" lang="ja-JP" altLang="en-US" sz="1200" b="0" i="0" u="none" strike="noStrike" cap="none" normalizeH="0" baseline="0" dirty="0" smtClean="0">
+              <a:rPr kumimoji="0" lang="ja-JP" altLang="en-US" sz="1200" b="0" i="0" u="none" strike="noStrike" cap="none" normalizeH="0" baseline="0" dirty="0">
                 <a:ln>
                   <a:noFill/>
                 </a:ln>
@@ -22081,7 +21693,7 @@
               <a:t>①</a:t>
             </a:r>
             <a:r>
-              <a:rPr kumimoji="0" lang="en-US" altLang="ja-JP" sz="1200" dirty="0" smtClean="0">
+              <a:rPr kumimoji="0" lang="en-US" altLang="ja-JP" sz="1200" dirty="0">
                 <a:solidFill>
                   <a:srgbClr val="000000"/>
                 </a:solidFill>
@@ -22110,13 +21722,6 @@
   <p:clrMapOvr>
     <a:masterClrMapping/>
   </p:clrMapOvr>
-  <p:timing>
-    <p:tnLst>
-      <p:par>
-        <p:cTn id="1" dur="indefinite" restart="never" nodeType="tmRoot"/>
-      </p:par>
-    </p:tnLst>
-  </p:timing>
 </p:sld>
 </file>
 
@@ -22350,7 +21955,6 @@
           </a:solidFill>
         </a:ln>
         <a:effectLst/>
-        <a:extLst/>
       </a:spPr>
       <a:bodyPr rot="0" spcFirstLastPara="0" vertOverflow="overflow" horzOverflow="overflow" vert="horz" wrap="none" lIns="72000" tIns="72000" rIns="72000" bIns="72000" numCol="1" spcCol="0" rtlCol="0" fromWordArt="0" anchor="ctr" anchorCtr="0" forceAA="0" compatLnSpc="1">
         <a:prstTxWarp prst="textNoShape">

--- a/asset/Learn/ITA-version-up.pptx
+++ b/asset/Learn/ITA-version-up.pptx
@@ -324,7 +324,7 @@
               <a:rPr kumimoji="1" lang="ja-JP" altLang="en-US" smtClean="0">
                 <a:ea typeface="メイリオ" panose="020B0604030504040204" pitchFamily="50" charset="-128"/>
               </a:rPr>
-              <a:t>2022/7/26</a:t>
+              <a:t>2022/7/28</a:t>
             </a:fld>
             <a:endParaRPr kumimoji="1" lang="ja-JP" altLang="en-US" dirty="0">
               <a:ea typeface="メイリオ" panose="020B0604030504040204" pitchFamily="50" charset="-128"/>
@@ -470,7 +470,7 @@
             <a:fld id="{4B26993D-C081-44EB-B0F5-A9F467792B62}" type="datetimeFigureOut">
               <a:rPr lang="ja-JP" altLang="en-US" smtClean="0"/>
               <a:pPr/>
-              <a:t>2022/7/26</a:t>
+              <a:t>2022/7/28</a:t>
             </a:fld>
             <a:endParaRPr lang="ja-JP" altLang="en-US" dirty="0"/>
           </a:p>
@@ -1074,7 +1074,7 @@
           <a:p>
             <a:fld id="{56F9016B-CCA6-43BE-8BEE-59565A35F4F7}" type="datetimeFigureOut">
               <a:rPr kumimoji="1" lang="ja-JP" altLang="en-US" smtClean="0"/>
-              <a:t>2022/7/26</a:t>
+              <a:t>2022/7/28</a:t>
             </a:fld>
             <a:endParaRPr kumimoji="1" lang="ja-JP" altLang="en-US"/>
           </a:p>
@@ -1274,7 +1274,7 @@
           <a:p>
             <a:fld id="{56F9016B-CCA6-43BE-8BEE-59565A35F4F7}" type="datetimeFigureOut">
               <a:rPr kumimoji="1" lang="ja-JP" altLang="en-US" smtClean="0"/>
-              <a:t>2022/7/26</a:t>
+              <a:t>2022/7/28</a:t>
             </a:fld>
             <a:endParaRPr kumimoji="1" lang="ja-JP" altLang="en-US"/>
           </a:p>
@@ -1519,7 +1519,7 @@
           <a:p>
             <a:fld id="{56F9016B-CCA6-43BE-8BEE-59565A35F4F7}" type="datetimeFigureOut">
               <a:rPr kumimoji="1" lang="ja-JP" altLang="en-US" smtClean="0"/>
-              <a:t>2022/7/26</a:t>
+              <a:t>2022/7/28</a:t>
             </a:fld>
             <a:endParaRPr kumimoji="1" lang="ja-JP" altLang="en-US"/>
           </a:p>
@@ -1812,7 +1812,7 @@
           <a:p>
             <a:fld id="{56F9016B-CCA6-43BE-8BEE-59565A35F4F7}" type="datetimeFigureOut">
               <a:rPr kumimoji="1" lang="ja-JP" altLang="en-US" smtClean="0"/>
-              <a:t>2022/7/26</a:t>
+              <a:t>2022/7/28</a:t>
             </a:fld>
             <a:endParaRPr kumimoji="1" lang="ja-JP" altLang="en-US"/>
           </a:p>
@@ -2240,7 +2240,7 @@
           <a:p>
             <a:fld id="{56F9016B-CCA6-43BE-8BEE-59565A35F4F7}" type="datetimeFigureOut">
               <a:rPr kumimoji="1" lang="ja-JP" altLang="en-US" smtClean="0"/>
-              <a:t>2022/7/26</a:t>
+              <a:t>2022/7/28</a:t>
             </a:fld>
             <a:endParaRPr kumimoji="1" lang="ja-JP" altLang="en-US"/>
           </a:p>
@@ -2357,7 +2357,7 @@
           <a:p>
             <a:fld id="{56F9016B-CCA6-43BE-8BEE-59565A35F4F7}" type="datetimeFigureOut">
               <a:rPr kumimoji="1" lang="ja-JP" altLang="en-US" smtClean="0"/>
-              <a:t>2022/7/26</a:t>
+              <a:t>2022/7/28</a:t>
             </a:fld>
             <a:endParaRPr kumimoji="1" lang="ja-JP" altLang="en-US"/>
           </a:p>
@@ -2452,7 +2452,7 @@
           <a:p>
             <a:fld id="{56F9016B-CCA6-43BE-8BEE-59565A35F4F7}" type="datetimeFigureOut">
               <a:rPr kumimoji="1" lang="ja-JP" altLang="en-US" smtClean="0"/>
-              <a:t>2022/7/26</a:t>
+              <a:t>2022/7/28</a:t>
             </a:fld>
             <a:endParaRPr kumimoji="1" lang="ja-JP" altLang="en-US"/>
           </a:p>
@@ -2759,7 +2759,7 @@
           <a:p>
             <a:fld id="{56F9016B-CCA6-43BE-8BEE-59565A35F4F7}" type="datetimeFigureOut">
               <a:rPr kumimoji="1" lang="ja-JP" altLang="en-US" smtClean="0"/>
-              <a:t>2022/7/26</a:t>
+              <a:t>2022/7/28</a:t>
             </a:fld>
             <a:endParaRPr kumimoji="1" lang="ja-JP" altLang="en-US"/>
           </a:p>
@@ -3011,7 +3011,7 @@
           <a:p>
             <a:fld id="{56F9016B-CCA6-43BE-8BEE-59565A35F4F7}" type="datetimeFigureOut">
               <a:rPr kumimoji="1" lang="ja-JP" altLang="en-US" smtClean="0"/>
-              <a:t>2022/7/26</a:t>
+              <a:t>2022/7/28</a:t>
             </a:fld>
             <a:endParaRPr kumimoji="1" lang="ja-JP" altLang="en-US"/>
           </a:p>
@@ -3278,7 +3278,7 @@
           <a:p>
             <a:fld id="{56F9016B-CCA6-43BE-8BEE-59565A35F4F7}" type="datetimeFigureOut">
               <a:rPr kumimoji="1" lang="ja-JP" altLang="en-US" smtClean="0"/>
-              <a:t>2022/7/26</a:t>
+              <a:t>2022/7/28</a:t>
             </a:fld>
             <a:endParaRPr kumimoji="1" lang="ja-JP" altLang="en-US"/>
           </a:p>
@@ -3488,7 +3488,7 @@
           <a:p>
             <a:fld id="{56F9016B-CCA6-43BE-8BEE-59565A35F4F7}" type="datetimeFigureOut">
               <a:rPr kumimoji="1" lang="ja-JP" altLang="en-US" smtClean="0"/>
-              <a:t>2022/7/26</a:t>
+              <a:t>2022/7/28</a:t>
             </a:fld>
             <a:endParaRPr kumimoji="1" lang="ja-JP" altLang="en-US"/>
           </a:p>
@@ -6476,7 +6476,7 @@
           <a:p>
             <a:fld id="{56F9016B-CCA6-43BE-8BEE-59565A35F4F7}" type="datetimeFigureOut">
               <a:rPr kumimoji="1" lang="ja-JP" altLang="en-US" smtClean="0"/>
-              <a:t>2022/7/26</a:t>
+              <a:t>2022/7/28</a:t>
             </a:fld>
             <a:endParaRPr kumimoji="1" lang="ja-JP" altLang="en-US"/>
           </a:p>
@@ -7460,7 +7460,7 @@
         </p:spPr>
         <p:txBody>
           <a:bodyPr>
-            <a:normAutofit fontScale="85000" lnSpcReduction="20000"/>
+            <a:normAutofit fontScale="77500" lnSpcReduction="20000"/>
           </a:bodyPr>
           <a:lstStyle/>
           <a:p>
@@ -7778,6 +7778,79 @@
               <a:rPr lang="en-US" altLang="ja-JP" sz="1400" dirty="0" err="1"/>
               <a:t>install_scripts</a:t>
             </a:r>
+            <a:endParaRPr lang="en-US" altLang="ja-JP" sz="1400" dirty="0"/>
+          </a:p>
+          <a:p>
+            <a:pPr lvl="1"/>
+            <a:endParaRPr lang="en-US" altLang="ja-JP" dirty="0"/>
+          </a:p>
+          <a:p>
+            <a:pPr marL="288000" lvl="2" indent="0">
+              <a:buNone/>
+            </a:pPr>
+            <a:r>
+              <a:rPr lang="en-US" altLang="ja-JP" dirty="0"/>
+              <a:t>※ Since v1.10.1, the command is as follows.</a:t>
+            </a:r>
+          </a:p>
+          <a:p>
+            <a:pPr marL="288000" lvl="2" indent="0">
+              <a:buNone/>
+            </a:pPr>
+            <a:r>
+              <a:rPr lang="en-US" altLang="ja-JP" dirty="0"/>
+              <a:t># cd it-automation-</a:t>
+            </a:r>
+            <a:r>
+              <a:rPr lang="en-US" altLang="ja-JP" dirty="0" err="1">
+                <a:solidFill>
+                  <a:srgbClr val="FF0000"/>
+                </a:solidFill>
+              </a:rPr>
+              <a:t>x.x.</a:t>
+            </a:r>
+            <a:r>
+              <a:rPr lang="en-US" altLang="ja-JP" err="1">
+                <a:solidFill>
+                  <a:srgbClr val="FF0000"/>
+                </a:solidFill>
+              </a:rPr>
+              <a:t>x</a:t>
+            </a:r>
+            <a:r>
+              <a:rPr lang="en-US" altLang="ja-JP">
+                <a:solidFill>
+                  <a:srgbClr val="FF0000"/>
+                </a:solidFill>
+              </a:rPr>
+              <a:t>_tag</a:t>
+            </a:r>
+            <a:r>
+              <a:rPr lang="en-US" altLang="ja-JP"/>
+              <a:t>/</a:t>
+            </a:r>
+            <a:r>
+              <a:rPr lang="en-US" altLang="ja-JP" kern="100" dirty="0" err="1"/>
+              <a:t>ita</a:t>
+            </a:r>
+            <a:r>
+              <a:rPr lang="en-US" altLang="ja-JP" dirty="0" err="1"/>
+              <a:t>_install_package</a:t>
+            </a:r>
+            <a:r>
+              <a:rPr lang="en-US" altLang="ja-JP" dirty="0"/>
+              <a:t>/</a:t>
+            </a:r>
+            <a:r>
+              <a:rPr lang="en-US" altLang="ja-JP" dirty="0" err="1"/>
+              <a:t>install_scripts</a:t>
+            </a:r>
+            <a:endParaRPr lang="en-US" altLang="ja-JP" dirty="0"/>
+          </a:p>
+          <a:p>
+            <a:pPr marL="180000" lvl="1" indent="0">
+              <a:buNone/>
+            </a:pPr>
             <a:endParaRPr lang="en-US" altLang="ja-JP" dirty="0"/>
           </a:p>
         </p:txBody>

--- a/asset/Learn/ITA-version-up.pptx
+++ b/asset/Learn/ITA-version-up.pptx
@@ -324,7 +324,7 @@
               <a:rPr kumimoji="1" lang="ja-JP" altLang="en-US" smtClean="0">
                 <a:ea typeface="メイリオ" panose="020B0604030504040204" pitchFamily="50" charset="-128"/>
               </a:rPr>
-              <a:t>2022/7/28</a:t>
+              <a:t>2022/11/16</a:t>
             </a:fld>
             <a:endParaRPr kumimoji="1" lang="ja-JP" altLang="en-US" dirty="0">
               <a:ea typeface="メイリオ" panose="020B0604030504040204" pitchFamily="50" charset="-128"/>
@@ -470,7 +470,7 @@
             <a:fld id="{4B26993D-C081-44EB-B0F5-A9F467792B62}" type="datetimeFigureOut">
               <a:rPr lang="ja-JP" altLang="en-US" smtClean="0"/>
               <a:pPr/>
-              <a:t>2022/7/28</a:t>
+              <a:t>2022/11/16</a:t>
             </a:fld>
             <a:endParaRPr lang="ja-JP" altLang="en-US" dirty="0"/>
           </a:p>
@@ -1074,7 +1074,7 @@
           <a:p>
             <a:fld id="{56F9016B-CCA6-43BE-8BEE-59565A35F4F7}" type="datetimeFigureOut">
               <a:rPr kumimoji="1" lang="ja-JP" altLang="en-US" smtClean="0"/>
-              <a:t>2022/7/28</a:t>
+              <a:t>2022/11/16</a:t>
             </a:fld>
             <a:endParaRPr kumimoji="1" lang="ja-JP" altLang="en-US"/>
           </a:p>
@@ -1274,7 +1274,7 @@
           <a:p>
             <a:fld id="{56F9016B-CCA6-43BE-8BEE-59565A35F4F7}" type="datetimeFigureOut">
               <a:rPr kumimoji="1" lang="ja-JP" altLang="en-US" smtClean="0"/>
-              <a:t>2022/7/28</a:t>
+              <a:t>2022/11/16</a:t>
             </a:fld>
             <a:endParaRPr kumimoji="1" lang="ja-JP" altLang="en-US"/>
           </a:p>
@@ -1519,7 +1519,7 @@
           <a:p>
             <a:fld id="{56F9016B-CCA6-43BE-8BEE-59565A35F4F7}" type="datetimeFigureOut">
               <a:rPr kumimoji="1" lang="ja-JP" altLang="en-US" smtClean="0"/>
-              <a:t>2022/7/28</a:t>
+              <a:t>2022/11/16</a:t>
             </a:fld>
             <a:endParaRPr kumimoji="1" lang="ja-JP" altLang="en-US"/>
           </a:p>
@@ -1812,7 +1812,7 @@
           <a:p>
             <a:fld id="{56F9016B-CCA6-43BE-8BEE-59565A35F4F7}" type="datetimeFigureOut">
               <a:rPr kumimoji="1" lang="ja-JP" altLang="en-US" smtClean="0"/>
-              <a:t>2022/7/28</a:t>
+              <a:t>2022/11/16</a:t>
             </a:fld>
             <a:endParaRPr kumimoji="1" lang="ja-JP" altLang="en-US"/>
           </a:p>
@@ -2240,7 +2240,7 @@
           <a:p>
             <a:fld id="{56F9016B-CCA6-43BE-8BEE-59565A35F4F7}" type="datetimeFigureOut">
               <a:rPr kumimoji="1" lang="ja-JP" altLang="en-US" smtClean="0"/>
-              <a:t>2022/7/28</a:t>
+              <a:t>2022/11/16</a:t>
             </a:fld>
             <a:endParaRPr kumimoji="1" lang="ja-JP" altLang="en-US"/>
           </a:p>
@@ -2357,7 +2357,7 @@
           <a:p>
             <a:fld id="{56F9016B-CCA6-43BE-8BEE-59565A35F4F7}" type="datetimeFigureOut">
               <a:rPr kumimoji="1" lang="ja-JP" altLang="en-US" smtClean="0"/>
-              <a:t>2022/7/28</a:t>
+              <a:t>2022/11/16</a:t>
             </a:fld>
             <a:endParaRPr kumimoji="1" lang="ja-JP" altLang="en-US"/>
           </a:p>
@@ -2452,7 +2452,7 @@
           <a:p>
             <a:fld id="{56F9016B-CCA6-43BE-8BEE-59565A35F4F7}" type="datetimeFigureOut">
               <a:rPr kumimoji="1" lang="ja-JP" altLang="en-US" smtClean="0"/>
-              <a:t>2022/7/28</a:t>
+              <a:t>2022/11/16</a:t>
             </a:fld>
             <a:endParaRPr kumimoji="1" lang="ja-JP" altLang="en-US"/>
           </a:p>
@@ -2759,7 +2759,7 @@
           <a:p>
             <a:fld id="{56F9016B-CCA6-43BE-8BEE-59565A35F4F7}" type="datetimeFigureOut">
               <a:rPr kumimoji="1" lang="ja-JP" altLang="en-US" smtClean="0"/>
-              <a:t>2022/7/28</a:t>
+              <a:t>2022/11/16</a:t>
             </a:fld>
             <a:endParaRPr kumimoji="1" lang="ja-JP" altLang="en-US"/>
           </a:p>
@@ -3011,7 +3011,7 @@
           <a:p>
             <a:fld id="{56F9016B-CCA6-43BE-8BEE-59565A35F4F7}" type="datetimeFigureOut">
               <a:rPr kumimoji="1" lang="ja-JP" altLang="en-US" smtClean="0"/>
-              <a:t>2022/7/28</a:t>
+              <a:t>2022/11/16</a:t>
             </a:fld>
             <a:endParaRPr kumimoji="1" lang="ja-JP" altLang="en-US"/>
           </a:p>
@@ -3278,7 +3278,7 @@
           <a:p>
             <a:fld id="{56F9016B-CCA6-43BE-8BEE-59565A35F4F7}" type="datetimeFigureOut">
               <a:rPr kumimoji="1" lang="ja-JP" altLang="en-US" smtClean="0"/>
-              <a:t>2022/7/28</a:t>
+              <a:t>2022/11/16</a:t>
             </a:fld>
             <a:endParaRPr kumimoji="1" lang="ja-JP" altLang="en-US"/>
           </a:p>
@@ -3488,7 +3488,7 @@
           <a:p>
             <a:fld id="{56F9016B-CCA6-43BE-8BEE-59565A35F4F7}" type="datetimeFigureOut">
               <a:rPr kumimoji="1" lang="ja-JP" altLang="en-US" smtClean="0"/>
-              <a:t>2022/7/28</a:t>
+              <a:t>2022/11/16</a:t>
             </a:fld>
             <a:endParaRPr kumimoji="1" lang="ja-JP" altLang="en-US"/>
           </a:p>
@@ -6476,7 +6476,7 @@
           <a:p>
             <a:fld id="{56F9016B-CCA6-43BE-8BEE-59565A35F4F7}" type="datetimeFigureOut">
               <a:rPr kumimoji="1" lang="ja-JP" altLang="en-US" smtClean="0"/>
-              <a:t>2022/7/28</a:t>
+              <a:t>2022/11/16</a:t>
             </a:fld>
             <a:endParaRPr kumimoji="1" lang="ja-JP" altLang="en-US"/>
           </a:p>
@@ -7901,7 +7901,7 @@
         </p:nvGraphicFramePr>
         <p:xfrm>
           <a:off x="539440" y="2629913"/>
-          <a:ext cx="8065121" cy="3823275"/>
+          <a:ext cx="8065121" cy="3785175"/>
         </p:xfrm>
         <a:graphic>
           <a:graphicData uri="http://schemas.openxmlformats.org/drawingml/2006/table">
@@ -16609,14 +16609,14 @@
           <p:nvPr>
             <p:extLst>
               <p:ext uri="{D42A27DB-BD31-4B8C-83A1-F6EECF244321}">
-                <p14:modId xmlns:p14="http://schemas.microsoft.com/office/powerpoint/2010/main" val="1925772465"/>
+                <p14:modId xmlns:p14="http://schemas.microsoft.com/office/powerpoint/2010/main" val="1127987426"/>
               </p:ext>
             </p:extLst>
           </p:nvPr>
         </p:nvGraphicFramePr>
         <p:xfrm>
           <a:off x="161947" y="764630"/>
-          <a:ext cx="8819131" cy="2146933"/>
+          <a:ext cx="8819131" cy="2349242"/>
         </p:xfrm>
         <a:graphic>
           <a:graphicData uri="http://schemas.openxmlformats.org/drawingml/2006/table">
@@ -18051,13 +18051,7 @@
                         <a:rPr lang="en-US" altLang="ja-JP" sz="1050" kern="100" dirty="0">
                           <a:effectLst/>
                         </a:rPr>
-                        <a:t>There are no libraries added in </a:t>
-                      </a:r>
-                      <a:r>
-                        <a:rPr lang="en-US" altLang="ja-JP" sz="1050" kern="100">
-                          <a:effectLst/>
-                        </a:rPr>
-                        <a:t>Version 1.10.1</a:t>
+                        <a:t>There are no libraries added in Version 1.10.1</a:t>
                       </a:r>
                       <a:endParaRPr lang="ja-JP" altLang="ja-JP" sz="1050" kern="100" dirty="0">
                         <a:effectLst/>
@@ -18122,6 +18116,139 @@
                 <a:extLst>
                   <a:ext uri="{0D108BD9-81ED-4DB2-BD59-A6C34878D82A}">
                     <a16:rowId xmlns:a16="http://schemas.microsoft.com/office/drawing/2014/main" val="1206797111"/>
+                  </a:ext>
+                </a:extLst>
+              </a:tr>
+              <a:tr h="202309">
+                <a:tc>
+                  <a:txBody>
+                    <a:bodyPr/>
+                    <a:lstStyle/>
+                    <a:p>
+                      <a:pPr marL="0" marR="0" lvl="0" indent="0" algn="just" defTabSz="914400" rtl="0" eaLnBrk="1" fontAlgn="auto" latinLnBrk="0" hangingPunct="1">
+                        <a:lnSpc>
+                          <a:spcPct val="100000"/>
+                        </a:lnSpc>
+                        <a:spcBef>
+                          <a:spcPts val="0"/>
+                        </a:spcBef>
+                        <a:spcAft>
+                          <a:spcPts val="0"/>
+                        </a:spcAft>
+                        <a:buClrTx/>
+                        <a:buSzTx/>
+                        <a:buFontTx/>
+                        <a:buNone/>
+                        <a:tabLst/>
+                        <a:defRPr/>
+                      </a:pPr>
+                      <a:r>
+                        <a:rPr lang="en-US" altLang="ja-JP" sz="1000" kern="0" dirty="0">
+                          <a:effectLst/>
+                        </a:rPr>
+                        <a:t>1.10.2</a:t>
+                      </a:r>
+                      <a:endParaRPr lang="ja-JP" altLang="ja-JP" sz="1000" kern="100" dirty="0">
+                        <a:effectLst/>
+                        <a:latin typeface="Century" panose="02040604050505020304" pitchFamily="18" charset="0"/>
+                        <a:ea typeface="ＭＳ 明朝" panose="02020609040205080304" pitchFamily="17" charset="-128"/>
+                        <a:cs typeface="Times New Roman" panose="02020603050405020304" pitchFamily="18" charset="0"/>
+                      </a:endParaRPr>
+                    </a:p>
+                  </a:txBody>
+                  <a:tcPr marL="68580" marR="68580" marT="0" marB="0" anchor="ctr"/>
+                </a:tc>
+                <a:tc gridSpan="6">
+                  <a:txBody>
+                    <a:bodyPr/>
+                    <a:lstStyle/>
+                    <a:p>
+                      <a:pPr marL="0" marR="0" lvl="0" indent="0" algn="ctr" defTabSz="914400" rtl="0" eaLnBrk="1" fontAlgn="auto" latinLnBrk="0" hangingPunct="1">
+                        <a:lnSpc>
+                          <a:spcPct val="100000"/>
+                        </a:lnSpc>
+                        <a:spcBef>
+                          <a:spcPts val="0"/>
+                        </a:spcBef>
+                        <a:spcAft>
+                          <a:spcPts val="0"/>
+                        </a:spcAft>
+                        <a:buClrTx/>
+                        <a:buSzTx/>
+                        <a:buFontTx/>
+                        <a:buNone/>
+                        <a:tabLst/>
+                        <a:defRPr/>
+                      </a:pPr>
+                      <a:r>
+                        <a:rPr lang="en-US" altLang="ja-JP" sz="1050" kern="100" dirty="0">
+                          <a:effectLst/>
+                        </a:rPr>
+                        <a:t>There are no libraries added in Version 1.10.2</a:t>
+                      </a:r>
+                      <a:endParaRPr lang="ja-JP" altLang="ja-JP" sz="1050" kern="100" dirty="0">
+                        <a:effectLst/>
+                        <a:latin typeface="+mn-ea"/>
+                        <a:ea typeface="+mn-ea"/>
+                        <a:cs typeface="Times New Roman" panose="02020603050405020304" pitchFamily="18" charset="0"/>
+                      </a:endParaRPr>
+                    </a:p>
+                  </a:txBody>
+                  <a:tcPr marL="68580" marR="68580" marT="0" marB="0" anchor="ctr"/>
+                </a:tc>
+                <a:tc hMerge="1">
+                  <a:txBody>
+                    <a:bodyPr/>
+                    <a:lstStyle/>
+                    <a:p>
+                      <a:endParaRPr kumimoji="1" lang="ja-JP" altLang="en-US"/>
+                    </a:p>
+                  </a:txBody>
+                  <a:tcPr/>
+                </a:tc>
+                <a:tc hMerge="1">
+                  <a:txBody>
+                    <a:bodyPr/>
+                    <a:lstStyle/>
+                    <a:p>
+                      <a:endParaRPr kumimoji="1" lang="ja-JP" altLang="en-US"/>
+                    </a:p>
+                  </a:txBody>
+                  <a:tcPr/>
+                </a:tc>
+                <a:tc hMerge="1">
+                  <a:txBody>
+                    <a:bodyPr/>
+                    <a:lstStyle/>
+                    <a:p>
+                      <a:endParaRPr kumimoji="1" lang="ja-JP" altLang="en-US"/>
+                    </a:p>
+                  </a:txBody>
+                  <a:tcPr/>
+                </a:tc>
+                <a:tc hMerge="1">
+                  <a:txBody>
+                    <a:bodyPr/>
+                    <a:lstStyle/>
+                    <a:p>
+                      <a:endParaRPr kumimoji="1" lang="ja-JP" altLang="en-US"/>
+                    </a:p>
+                  </a:txBody>
+                  <a:tcPr/>
+                </a:tc>
+                <a:tc hMerge="1">
+                  <a:txBody>
+                    <a:bodyPr/>
+                    <a:lstStyle/>
+                    <a:p>
+                      <a:endParaRPr kumimoji="1" lang="ja-JP" altLang="en-US"/>
+                    </a:p>
+                  </a:txBody>
+                  <a:tcPr/>
+                </a:tc>
+                <a:extLst>
+                  <a:ext uri="{0D108BD9-81ED-4DB2-BD59-A6C34878D82A}">
+                    <a16:rowId xmlns:a16="http://schemas.microsoft.com/office/drawing/2014/main" val="682259208"/>
                   </a:ext>
                 </a:extLst>
               </a:tr>

--- a/asset/Learn/ITA-version-up.pptx
+++ b/asset/Learn/ITA-version-up.pptx
@@ -324,7 +324,7 @@
               <a:rPr kumimoji="1" lang="ja-JP" altLang="en-US" smtClean="0">
                 <a:ea typeface="メイリオ" panose="020B0604030504040204" pitchFamily="50" charset="-128"/>
               </a:rPr>
-              <a:t>2022/11/16</a:t>
+              <a:t>2023/1/13</a:t>
             </a:fld>
             <a:endParaRPr kumimoji="1" lang="ja-JP" altLang="en-US" dirty="0">
               <a:ea typeface="メイリオ" panose="020B0604030504040204" pitchFamily="50" charset="-128"/>
@@ -470,7 +470,7 @@
             <a:fld id="{4B26993D-C081-44EB-B0F5-A9F467792B62}" type="datetimeFigureOut">
               <a:rPr lang="ja-JP" altLang="en-US" smtClean="0"/>
               <a:pPr/>
-              <a:t>2022/11/16</a:t>
+              <a:t>2023/1/13</a:t>
             </a:fld>
             <a:endParaRPr lang="ja-JP" altLang="en-US" dirty="0"/>
           </a:p>
@@ -1074,7 +1074,7 @@
           <a:p>
             <a:fld id="{56F9016B-CCA6-43BE-8BEE-59565A35F4F7}" type="datetimeFigureOut">
               <a:rPr kumimoji="1" lang="ja-JP" altLang="en-US" smtClean="0"/>
-              <a:t>2022/11/16</a:t>
+              <a:t>2023/1/13</a:t>
             </a:fld>
             <a:endParaRPr kumimoji="1" lang="ja-JP" altLang="en-US"/>
           </a:p>
@@ -1274,7 +1274,7 @@
           <a:p>
             <a:fld id="{56F9016B-CCA6-43BE-8BEE-59565A35F4F7}" type="datetimeFigureOut">
               <a:rPr kumimoji="1" lang="ja-JP" altLang="en-US" smtClean="0"/>
-              <a:t>2022/11/16</a:t>
+              <a:t>2023/1/13</a:t>
             </a:fld>
             <a:endParaRPr kumimoji="1" lang="ja-JP" altLang="en-US"/>
           </a:p>
@@ -1519,7 +1519,7 @@
           <a:p>
             <a:fld id="{56F9016B-CCA6-43BE-8BEE-59565A35F4F7}" type="datetimeFigureOut">
               <a:rPr kumimoji="1" lang="ja-JP" altLang="en-US" smtClean="0"/>
-              <a:t>2022/11/16</a:t>
+              <a:t>2023/1/13</a:t>
             </a:fld>
             <a:endParaRPr kumimoji="1" lang="ja-JP" altLang="en-US"/>
           </a:p>
@@ -1812,7 +1812,7 @@
           <a:p>
             <a:fld id="{56F9016B-CCA6-43BE-8BEE-59565A35F4F7}" type="datetimeFigureOut">
               <a:rPr kumimoji="1" lang="ja-JP" altLang="en-US" smtClean="0"/>
-              <a:t>2022/11/16</a:t>
+              <a:t>2023/1/13</a:t>
             </a:fld>
             <a:endParaRPr kumimoji="1" lang="ja-JP" altLang="en-US"/>
           </a:p>
@@ -2240,7 +2240,7 @@
           <a:p>
             <a:fld id="{56F9016B-CCA6-43BE-8BEE-59565A35F4F7}" type="datetimeFigureOut">
               <a:rPr kumimoji="1" lang="ja-JP" altLang="en-US" smtClean="0"/>
-              <a:t>2022/11/16</a:t>
+              <a:t>2023/1/13</a:t>
             </a:fld>
             <a:endParaRPr kumimoji="1" lang="ja-JP" altLang="en-US"/>
           </a:p>
@@ -2357,7 +2357,7 @@
           <a:p>
             <a:fld id="{56F9016B-CCA6-43BE-8BEE-59565A35F4F7}" type="datetimeFigureOut">
               <a:rPr kumimoji="1" lang="ja-JP" altLang="en-US" smtClean="0"/>
-              <a:t>2022/11/16</a:t>
+              <a:t>2023/1/13</a:t>
             </a:fld>
             <a:endParaRPr kumimoji="1" lang="ja-JP" altLang="en-US"/>
           </a:p>
@@ -2452,7 +2452,7 @@
           <a:p>
             <a:fld id="{56F9016B-CCA6-43BE-8BEE-59565A35F4F7}" type="datetimeFigureOut">
               <a:rPr kumimoji="1" lang="ja-JP" altLang="en-US" smtClean="0"/>
-              <a:t>2022/11/16</a:t>
+              <a:t>2023/1/13</a:t>
             </a:fld>
             <a:endParaRPr kumimoji="1" lang="ja-JP" altLang="en-US"/>
           </a:p>
@@ -2759,7 +2759,7 @@
           <a:p>
             <a:fld id="{56F9016B-CCA6-43BE-8BEE-59565A35F4F7}" type="datetimeFigureOut">
               <a:rPr kumimoji="1" lang="ja-JP" altLang="en-US" smtClean="0"/>
-              <a:t>2022/11/16</a:t>
+              <a:t>2023/1/13</a:t>
             </a:fld>
             <a:endParaRPr kumimoji="1" lang="ja-JP" altLang="en-US"/>
           </a:p>
@@ -3011,7 +3011,7 @@
           <a:p>
             <a:fld id="{56F9016B-CCA6-43BE-8BEE-59565A35F4F7}" type="datetimeFigureOut">
               <a:rPr kumimoji="1" lang="ja-JP" altLang="en-US" smtClean="0"/>
-              <a:t>2022/11/16</a:t>
+              <a:t>2023/1/13</a:t>
             </a:fld>
             <a:endParaRPr kumimoji="1" lang="ja-JP" altLang="en-US"/>
           </a:p>
@@ -3278,7 +3278,7 @@
           <a:p>
             <a:fld id="{56F9016B-CCA6-43BE-8BEE-59565A35F4F7}" type="datetimeFigureOut">
               <a:rPr kumimoji="1" lang="ja-JP" altLang="en-US" smtClean="0"/>
-              <a:t>2022/11/16</a:t>
+              <a:t>2023/1/13</a:t>
             </a:fld>
             <a:endParaRPr kumimoji="1" lang="ja-JP" altLang="en-US"/>
           </a:p>
@@ -3488,7 +3488,7 @@
           <a:p>
             <a:fld id="{56F9016B-CCA6-43BE-8BEE-59565A35F4F7}" type="datetimeFigureOut">
               <a:rPr kumimoji="1" lang="ja-JP" altLang="en-US" smtClean="0"/>
-              <a:t>2022/11/16</a:t>
+              <a:t>2023/1/13</a:t>
             </a:fld>
             <a:endParaRPr kumimoji="1" lang="ja-JP" altLang="en-US"/>
           </a:p>
@@ -6476,7 +6476,7 @@
           <a:p>
             <a:fld id="{56F9016B-CCA6-43BE-8BEE-59565A35F4F7}" type="datetimeFigureOut">
               <a:rPr kumimoji="1" lang="ja-JP" altLang="en-US" smtClean="0"/>
-              <a:t>2022/11/16</a:t>
+              <a:t>2023/1/13</a:t>
             </a:fld>
             <a:endParaRPr kumimoji="1" lang="ja-JP" altLang="en-US"/>
           </a:p>
@@ -6903,7 +6903,7 @@
           <a:p>
             <a:r>
               <a:rPr lang="en-US" altLang="ja-JP" dirty="0"/>
-              <a:t>Exastro IT Automation Version 1.10</a:t>
+              <a:t>Exastro IT Automation Version 1.11</a:t>
             </a:r>
           </a:p>
           <a:p>
@@ -16609,14 +16609,14 @@
           <p:nvPr>
             <p:extLst>
               <p:ext uri="{D42A27DB-BD31-4B8C-83A1-F6EECF244321}">
-                <p14:modId xmlns:p14="http://schemas.microsoft.com/office/powerpoint/2010/main" val="1127987426"/>
+                <p14:modId xmlns:p14="http://schemas.microsoft.com/office/powerpoint/2010/main" val="3091203855"/>
               </p:ext>
             </p:extLst>
           </p:nvPr>
         </p:nvGraphicFramePr>
         <p:xfrm>
           <a:off x="161947" y="764630"/>
-          <a:ext cx="8819131" cy="2349242"/>
+          <a:ext cx="8819131" cy="2669282"/>
         </p:xfrm>
         <a:graphic>
           <a:graphicData uri="http://schemas.openxmlformats.org/drawingml/2006/table">
@@ -18249,6 +18249,209 @@
                 <a:extLst>
                   <a:ext uri="{0D108BD9-81ED-4DB2-BD59-A6C34878D82A}">
                     <a16:rowId xmlns:a16="http://schemas.microsoft.com/office/drawing/2014/main" val="682259208"/>
+                  </a:ext>
+                </a:extLst>
+              </a:tr>
+              <a:tr h="202309">
+                <a:tc>
+                  <a:txBody>
+                    <a:bodyPr/>
+                    <a:lstStyle/>
+                    <a:p>
+                      <a:pPr marL="0" marR="0" lvl="0" indent="0" algn="just" defTabSz="914400" rtl="0" eaLnBrk="1" fontAlgn="auto" latinLnBrk="0" hangingPunct="1">
+                        <a:lnSpc>
+                          <a:spcPct val="100000"/>
+                        </a:lnSpc>
+                        <a:spcBef>
+                          <a:spcPts val="0"/>
+                        </a:spcBef>
+                        <a:spcAft>
+                          <a:spcPts val="0"/>
+                        </a:spcAft>
+                        <a:buClrTx/>
+                        <a:buSzTx/>
+                        <a:buFontTx/>
+                        <a:buNone/>
+                        <a:tabLst/>
+                        <a:defRPr/>
+                      </a:pPr>
+                      <a:r>
+                        <a:rPr lang="en-US" altLang="ja-JP" sz="1000" kern="100" dirty="0">
+                          <a:effectLst/>
+                          <a:latin typeface="Century" panose="02040604050505020304" pitchFamily="18" charset="0"/>
+                          <a:ea typeface="ＭＳ 明朝" panose="02020609040205080304" pitchFamily="17" charset="-128"/>
+                          <a:cs typeface="Times New Roman" panose="02020603050405020304" pitchFamily="18" charset="0"/>
+                        </a:rPr>
+                        <a:t>1.11.0</a:t>
+                      </a:r>
+                      <a:endParaRPr lang="ja-JP" altLang="ja-JP" sz="1000" kern="100" dirty="0">
+                        <a:effectLst/>
+                        <a:latin typeface="Century" panose="02040604050505020304" pitchFamily="18" charset="0"/>
+                        <a:ea typeface="ＭＳ 明朝" panose="02020609040205080304" pitchFamily="17" charset="-128"/>
+                        <a:cs typeface="Times New Roman" panose="02020603050405020304" pitchFamily="18" charset="0"/>
+                      </a:endParaRPr>
+                    </a:p>
+                  </a:txBody>
+                  <a:tcPr marL="68580" marR="68580" marT="0" marB="0" anchor="ctr"/>
+                </a:tc>
+                <a:tc>
+                  <a:txBody>
+                    <a:bodyPr/>
+                    <a:lstStyle/>
+                    <a:p>
+                      <a:pPr algn="just">
+                        <a:spcAft>
+                          <a:spcPts val="0"/>
+                        </a:spcAft>
+                      </a:pPr>
+                      <a:r>
+                        <a:rPr lang="en-US" altLang="ja-JP" sz="1050" kern="100" dirty="0" err="1">
+                          <a:effectLst/>
+                        </a:rPr>
+                        <a:t>terraformcli</a:t>
+                      </a:r>
+                      <a:r>
+                        <a:rPr lang="en-US" altLang="ja-JP" sz="1050" kern="100" dirty="0">
+                          <a:effectLst/>
+                        </a:rPr>
+                        <a:t>-driver</a:t>
+                      </a:r>
+                      <a:endParaRPr lang="ja-JP" sz="1050" kern="100" dirty="0">
+                        <a:effectLst/>
+                        <a:latin typeface="Century" panose="02040604050505020304" pitchFamily="18" charset="0"/>
+                        <a:ea typeface="ＭＳ 明朝" panose="02020609040205080304" pitchFamily="17" charset="-128"/>
+                        <a:cs typeface="Times New Roman" panose="02020603050405020304" pitchFamily="18" charset="0"/>
+                      </a:endParaRPr>
+                    </a:p>
+                  </a:txBody>
+                  <a:tcPr marL="68580" marR="68580" marT="0" marB="0" anchor="ctr"/>
+                </a:tc>
+                <a:tc>
+                  <a:txBody>
+                    <a:bodyPr/>
+                    <a:lstStyle/>
+                    <a:p>
+                      <a:pPr algn="just">
+                        <a:spcAft>
+                          <a:spcPts val="0"/>
+                        </a:spcAft>
+                      </a:pPr>
+                      <a:r>
+                        <a:rPr lang="en-US" altLang="ja-JP" sz="1050" kern="100" dirty="0">
+                          <a:effectLst/>
+                          <a:latin typeface="+mn-lt"/>
+                          <a:ea typeface="+mn-ea"/>
+                          <a:cs typeface="+mn-cs"/>
+                        </a:rPr>
+                        <a:t>terraform</a:t>
+                      </a:r>
+                      <a:endParaRPr lang="ja-JP" sz="1050" kern="100" dirty="0">
+                        <a:effectLst/>
+                        <a:latin typeface="Century" panose="02040604050505020304" pitchFamily="18" charset="0"/>
+                        <a:ea typeface="ＭＳ 明朝" panose="02020609040205080304" pitchFamily="17" charset="-128"/>
+                        <a:cs typeface="Times New Roman" panose="02020603050405020304" pitchFamily="18" charset="0"/>
+                      </a:endParaRPr>
+                    </a:p>
+                  </a:txBody>
+                  <a:tcPr marL="68580" marR="68580" marT="0" marB="0" anchor="ctr"/>
+                </a:tc>
+                <a:tc>
+                  <a:txBody>
+                    <a:bodyPr/>
+                    <a:lstStyle/>
+                    <a:p>
+                      <a:pPr algn="just">
+                        <a:spcAft>
+                          <a:spcPts val="0"/>
+                        </a:spcAft>
+                      </a:pPr>
+                      <a:r>
+                        <a:rPr lang="en-US" altLang="ja-JP" sz="1050" kern="100" dirty="0">
+                          <a:effectLst/>
+                          <a:latin typeface="Segoe UI" panose="020B0502040204020203" pitchFamily="34" charset="0"/>
+                          <a:ea typeface="ＭＳ 明朝" panose="02020609040205080304" pitchFamily="17" charset="-128"/>
+                          <a:cs typeface="Segoe UI" panose="020B0502040204020203" pitchFamily="34" charset="0"/>
+                        </a:rPr>
+                        <a:t>yum -y install terraform</a:t>
+                      </a:r>
+                      <a:endParaRPr lang="ja-JP" sz="1050" kern="100" dirty="0">
+                        <a:effectLst/>
+                        <a:latin typeface="Segoe UI" panose="020B0502040204020203" pitchFamily="34" charset="0"/>
+                        <a:ea typeface="ＭＳ 明朝" panose="02020609040205080304" pitchFamily="17" charset="-128"/>
+                        <a:cs typeface="Segoe UI" panose="020B0502040204020203" pitchFamily="34" charset="0"/>
+                      </a:endParaRPr>
+                    </a:p>
+                  </a:txBody>
+                  <a:tcPr marL="68580" marR="68580" marT="0" marB="0" anchor="ctr"/>
+                </a:tc>
+                <a:tc>
+                  <a:txBody>
+                    <a:bodyPr/>
+                    <a:lstStyle/>
+                    <a:p>
+                      <a:pPr algn="ctr">
+                        <a:spcAft>
+                          <a:spcPts val="0"/>
+                        </a:spcAft>
+                      </a:pPr>
+                      <a:r>
+                        <a:rPr lang="en-US" altLang="ja-JP" sz="1050" kern="100" dirty="0">
+                          <a:effectLst/>
+                        </a:rPr>
+                        <a:t>-</a:t>
+                      </a:r>
+                      <a:endParaRPr lang="ja-JP" sz="1050" kern="100" dirty="0">
+                        <a:effectLst/>
+                        <a:latin typeface="+mn-lt"/>
+                        <a:ea typeface="ＭＳ 明朝" panose="02020609040205080304" pitchFamily="17" charset="-128"/>
+                        <a:cs typeface="Segoe UI" panose="020B0502040204020203" pitchFamily="34" charset="0"/>
+                      </a:endParaRPr>
+                    </a:p>
+                  </a:txBody>
+                  <a:tcPr marL="68580" marR="68580" marT="0" marB="0" anchor="ctr"/>
+                </a:tc>
+                <a:tc gridSpan="2">
+                  <a:txBody>
+                    <a:bodyPr/>
+                    <a:lstStyle/>
+                    <a:p>
+                      <a:pPr algn="just">
+                        <a:spcAft>
+                          <a:spcPts val="0"/>
+                        </a:spcAft>
+                      </a:pPr>
+                      <a:r>
+                        <a:rPr lang="en-US" altLang="ja-JP" sz="1050" kern="100" dirty="0">
+                          <a:effectLst/>
+                          <a:latin typeface="+mn-ea"/>
+                          <a:ea typeface="+mn-ea"/>
+                          <a:cs typeface="Segoe UI" panose="020B0502040204020203" pitchFamily="34" charset="0"/>
+                        </a:rPr>
+                        <a:t>Used for terraform command execution.</a:t>
+                      </a:r>
+                      <a:endParaRPr lang="ja-JP" sz="1050" kern="100" dirty="0">
+                        <a:effectLst/>
+                        <a:latin typeface="+mn-ea"/>
+                        <a:ea typeface="+mn-ea"/>
+                        <a:cs typeface="Segoe UI" panose="020B0502040204020203" pitchFamily="34" charset="0"/>
+                      </a:endParaRPr>
+                    </a:p>
+                  </a:txBody>
+                  <a:tcPr marL="68580" marR="68580" marT="0" marB="0" anchor="ctr"/>
+                </a:tc>
+                <a:tc hMerge="1">
+                  <a:txBody>
+                    <a:bodyPr/>
+                    <a:lstStyle/>
+                    <a:p>
+                      <a:endParaRPr kumimoji="1" lang="ja-JP" altLang="en-US"/>
+                    </a:p>
+                  </a:txBody>
+                  <a:tcPr/>
+                </a:tc>
+                <a:extLst>
+                  <a:ext uri="{0D108BD9-81ED-4DB2-BD59-A6C34878D82A}">
+                    <a16:rowId xmlns:a16="http://schemas.microsoft.com/office/drawing/2014/main" val="4266495984"/>
                   </a:ext>
                 </a:extLst>
               </a:tr>

--- a/asset/Learn/ITA-version-up.pptx
+++ b/asset/Learn/ITA-version-up.pptx
@@ -6,10 +6,10 @@
     <p:sldMasterId id="2147483703" r:id="rId2"/>
   </p:sldMasterIdLst>
   <p:notesMasterIdLst>
-    <p:notesMasterId r:id="rId25"/>
+    <p:notesMasterId r:id="rId27"/>
   </p:notesMasterIdLst>
   <p:handoutMasterIdLst>
-    <p:handoutMasterId r:id="rId26"/>
+    <p:handoutMasterId r:id="rId28"/>
   </p:handoutMasterIdLst>
   <p:sldIdLst>
     <p:sldId id="262" r:id="rId3"/>
@@ -30,10 +30,12 @@
     <p:sldId id="536" r:id="rId18"/>
     <p:sldId id="538" r:id="rId19"/>
     <p:sldId id="539" r:id="rId20"/>
-    <p:sldId id="524" r:id="rId21"/>
-    <p:sldId id="527" r:id="rId22"/>
-    <p:sldId id="542" r:id="rId23"/>
-    <p:sldId id="318" r:id="rId24"/>
+    <p:sldId id="557" r:id="rId21"/>
+    <p:sldId id="558" r:id="rId22"/>
+    <p:sldId id="524" r:id="rId23"/>
+    <p:sldId id="527" r:id="rId24"/>
+    <p:sldId id="542" r:id="rId25"/>
+    <p:sldId id="318" r:id="rId26"/>
   </p:sldIdLst>
   <p:sldSz cx="9144000" cy="6858000" type="screen4x3"/>
   <p:notesSz cx="6807200" cy="9939338"/>
@@ -168,6 +170,8 @@
             <p14:sldId id="536"/>
             <p14:sldId id="538"/>
             <p14:sldId id="539"/>
+            <p14:sldId id="557"/>
+            <p14:sldId id="558"/>
           </p14:sldIdLst>
         </p14:section>
         <p14:section name="4.　ITA operation check" id="{997E25C5-536A-441F-84BA-3CB1FBC6F6F3}">
@@ -324,7 +328,7 @@
               <a:rPr kumimoji="1" lang="ja-JP" altLang="en-US" smtClean="0">
                 <a:ea typeface="メイリオ" panose="020B0604030504040204" pitchFamily="50" charset="-128"/>
               </a:rPr>
-              <a:t>2023/1/13</a:t>
+              <a:t>2023/7/21</a:t>
             </a:fld>
             <a:endParaRPr kumimoji="1" lang="ja-JP" altLang="en-US" dirty="0">
               <a:ea typeface="メイリオ" panose="020B0604030504040204" pitchFamily="50" charset="-128"/>
@@ -470,7 +474,7 @@
             <a:fld id="{4B26993D-C081-44EB-B0F5-A9F467792B62}" type="datetimeFigureOut">
               <a:rPr lang="ja-JP" altLang="en-US" smtClean="0"/>
               <a:pPr/>
-              <a:t>2023/1/13</a:t>
+              <a:t>2023/7/21</a:t>
             </a:fld>
             <a:endParaRPr lang="ja-JP" altLang="en-US" dirty="0"/>
           </a:p>
@@ -1074,7 +1078,7 @@
           <a:p>
             <a:fld id="{56F9016B-CCA6-43BE-8BEE-59565A35F4F7}" type="datetimeFigureOut">
               <a:rPr kumimoji="1" lang="ja-JP" altLang="en-US" smtClean="0"/>
-              <a:t>2023/1/13</a:t>
+              <a:t>2023/7/21</a:t>
             </a:fld>
             <a:endParaRPr kumimoji="1" lang="ja-JP" altLang="en-US"/>
           </a:p>
@@ -1274,7 +1278,7 @@
           <a:p>
             <a:fld id="{56F9016B-CCA6-43BE-8BEE-59565A35F4F7}" type="datetimeFigureOut">
               <a:rPr kumimoji="1" lang="ja-JP" altLang="en-US" smtClean="0"/>
-              <a:t>2023/1/13</a:t>
+              <a:t>2023/7/21</a:t>
             </a:fld>
             <a:endParaRPr kumimoji="1" lang="ja-JP" altLang="en-US"/>
           </a:p>
@@ -1519,7 +1523,7 @@
           <a:p>
             <a:fld id="{56F9016B-CCA6-43BE-8BEE-59565A35F4F7}" type="datetimeFigureOut">
               <a:rPr kumimoji="1" lang="ja-JP" altLang="en-US" smtClean="0"/>
-              <a:t>2023/1/13</a:t>
+              <a:t>2023/7/21</a:t>
             </a:fld>
             <a:endParaRPr kumimoji="1" lang="ja-JP" altLang="en-US"/>
           </a:p>
@@ -1812,7 +1816,7 @@
           <a:p>
             <a:fld id="{56F9016B-CCA6-43BE-8BEE-59565A35F4F7}" type="datetimeFigureOut">
               <a:rPr kumimoji="1" lang="ja-JP" altLang="en-US" smtClean="0"/>
-              <a:t>2023/1/13</a:t>
+              <a:t>2023/7/21</a:t>
             </a:fld>
             <a:endParaRPr kumimoji="1" lang="ja-JP" altLang="en-US"/>
           </a:p>
@@ -2240,7 +2244,7 @@
           <a:p>
             <a:fld id="{56F9016B-CCA6-43BE-8BEE-59565A35F4F7}" type="datetimeFigureOut">
               <a:rPr kumimoji="1" lang="ja-JP" altLang="en-US" smtClean="0"/>
-              <a:t>2023/1/13</a:t>
+              <a:t>2023/7/21</a:t>
             </a:fld>
             <a:endParaRPr kumimoji="1" lang="ja-JP" altLang="en-US"/>
           </a:p>
@@ -2357,7 +2361,7 @@
           <a:p>
             <a:fld id="{56F9016B-CCA6-43BE-8BEE-59565A35F4F7}" type="datetimeFigureOut">
               <a:rPr kumimoji="1" lang="ja-JP" altLang="en-US" smtClean="0"/>
-              <a:t>2023/1/13</a:t>
+              <a:t>2023/7/21</a:t>
             </a:fld>
             <a:endParaRPr kumimoji="1" lang="ja-JP" altLang="en-US"/>
           </a:p>
@@ -2452,7 +2456,7 @@
           <a:p>
             <a:fld id="{56F9016B-CCA6-43BE-8BEE-59565A35F4F7}" type="datetimeFigureOut">
               <a:rPr kumimoji="1" lang="ja-JP" altLang="en-US" smtClean="0"/>
-              <a:t>2023/1/13</a:t>
+              <a:t>2023/7/21</a:t>
             </a:fld>
             <a:endParaRPr kumimoji="1" lang="ja-JP" altLang="en-US"/>
           </a:p>
@@ -2759,7 +2763,7 @@
           <a:p>
             <a:fld id="{56F9016B-CCA6-43BE-8BEE-59565A35F4F7}" type="datetimeFigureOut">
               <a:rPr kumimoji="1" lang="ja-JP" altLang="en-US" smtClean="0"/>
-              <a:t>2023/1/13</a:t>
+              <a:t>2023/7/21</a:t>
             </a:fld>
             <a:endParaRPr kumimoji="1" lang="ja-JP" altLang="en-US"/>
           </a:p>
@@ -3011,7 +3015,7 @@
           <a:p>
             <a:fld id="{56F9016B-CCA6-43BE-8BEE-59565A35F4F7}" type="datetimeFigureOut">
               <a:rPr kumimoji="1" lang="ja-JP" altLang="en-US" smtClean="0"/>
-              <a:t>2023/1/13</a:t>
+              <a:t>2023/7/21</a:t>
             </a:fld>
             <a:endParaRPr kumimoji="1" lang="ja-JP" altLang="en-US"/>
           </a:p>
@@ -3278,7 +3282,7 @@
           <a:p>
             <a:fld id="{56F9016B-CCA6-43BE-8BEE-59565A35F4F7}" type="datetimeFigureOut">
               <a:rPr kumimoji="1" lang="ja-JP" altLang="en-US" smtClean="0"/>
-              <a:t>2023/1/13</a:t>
+              <a:t>2023/7/21</a:t>
             </a:fld>
             <a:endParaRPr kumimoji="1" lang="ja-JP" altLang="en-US"/>
           </a:p>
@@ -3488,7 +3492,7 @@
           <a:p>
             <a:fld id="{56F9016B-CCA6-43BE-8BEE-59565A35F4F7}" type="datetimeFigureOut">
               <a:rPr kumimoji="1" lang="ja-JP" altLang="en-US" smtClean="0"/>
-              <a:t>2023/1/13</a:t>
+              <a:t>2023/7/21</a:t>
             </a:fld>
             <a:endParaRPr kumimoji="1" lang="ja-JP" altLang="en-US"/>
           </a:p>
@@ -6476,7 +6480,7 @@
           <a:p>
             <a:fld id="{56F9016B-CCA6-43BE-8BEE-59565A35F4F7}" type="datetimeFigureOut">
               <a:rPr kumimoji="1" lang="ja-JP" altLang="en-US" smtClean="0"/>
-              <a:t>2023/1/13</a:t>
+              <a:t>2023/7/21</a:t>
             </a:fld>
             <a:endParaRPr kumimoji="1" lang="ja-JP" altLang="en-US"/>
           </a:p>
@@ -7432,7 +7436,7 @@
             </a:r>
             <a:r>
               <a:rPr lang="en-US" altLang="ja-JP" dirty="0"/>
-              <a:t>1/9</a:t>
+              <a:t>1/11</a:t>
             </a:r>
             <a:r>
               <a:rPr lang="ja-JP" altLang="en-US" dirty="0"/>
@@ -9593,7 +9597,7 @@
           <a:p>
             <a:r>
               <a:rPr lang="en-US" altLang="ja-JP" dirty="0"/>
-              <a:t>3.7	</a:t>
+              <a:t>3.3	</a:t>
             </a:r>
             <a:r>
               <a:rPr lang="en-US" altLang="ja-JP" dirty="0">
@@ -9610,7 +9614,7 @@
             </a:r>
             <a:r>
               <a:rPr lang="en-US" altLang="ja-JP" dirty="0"/>
-              <a:t>(2/9)</a:t>
+              <a:t>(2/11)</a:t>
             </a:r>
             <a:endParaRPr kumimoji="1" lang="ja-JP" altLang="en-US" dirty="0"/>
           </a:p>
@@ -9820,7 +9824,7 @@
           <a:p>
             <a:r>
               <a:rPr lang="en-US" altLang="ja-JP" dirty="0"/>
-              <a:t>3.5</a:t>
+              <a:t>3.3</a:t>
             </a:r>
             <a:r>
               <a:rPr lang="ja-JP" altLang="en-US" dirty="0"/>
@@ -9836,7 +9840,7 @@
             </a:r>
             <a:r>
               <a:rPr lang="en-US" altLang="ja-JP" dirty="0"/>
-              <a:t>3/9</a:t>
+              <a:t>3/11</a:t>
             </a:r>
             <a:r>
               <a:rPr lang="ja-JP" altLang="en-US" dirty="0"/>
@@ -10036,7 +10040,7 @@
           <a:p>
             <a:r>
               <a:rPr lang="en-US" altLang="ja-JP" dirty="0"/>
-              <a:t>3.5</a:t>
+              <a:t>3.3</a:t>
             </a:r>
             <a:r>
               <a:rPr lang="ja-JP" altLang="en-US" dirty="0"/>
@@ -10052,7 +10056,7 @@
             </a:r>
             <a:r>
               <a:rPr lang="en-US" altLang="ja-JP" dirty="0"/>
-              <a:t>4/9</a:t>
+              <a:t>4/11</a:t>
             </a:r>
             <a:r>
               <a:rPr lang="ja-JP" altLang="en-US" dirty="0"/>
@@ -13373,7 +13377,7 @@
           <a:p>
             <a:r>
               <a:rPr lang="en-US" altLang="ja-JP" dirty="0"/>
-              <a:t>3.13	Update (5/9)</a:t>
+              <a:t>3.3	Update (5/11)</a:t>
             </a:r>
             <a:endParaRPr kumimoji="1" lang="ja-JP" altLang="en-US" dirty="0"/>
           </a:p>
@@ -13695,7 +13699,7 @@
           <a:p>
             <a:r>
               <a:rPr lang="en-US" altLang="ja-JP" dirty="0"/>
-              <a:t>3.7</a:t>
+              <a:t>3.3</a:t>
             </a:r>
             <a:r>
               <a:rPr lang="ja-JP" altLang="en-US" dirty="0"/>
@@ -13711,7 +13715,7 @@
             </a:r>
             <a:r>
               <a:rPr lang="en-US" altLang="ja-JP" dirty="0"/>
-              <a:t>6/9</a:t>
+              <a:t>6/11</a:t>
             </a:r>
             <a:r>
               <a:rPr lang="ja-JP" altLang="en-US" dirty="0"/>
@@ -16574,7 +16578,7 @@
           <a:p>
             <a:r>
               <a:rPr lang="en-US" altLang="ja-JP" dirty="0"/>
-              <a:t>3.8</a:t>
+              <a:t>3.3</a:t>
             </a:r>
             <a:r>
               <a:rPr lang="ja-JP" altLang="en-US" dirty="0"/>
@@ -16590,7 +16594,7 @@
             </a:r>
             <a:r>
               <a:rPr lang="en-US" altLang="ja-JP" dirty="0"/>
-              <a:t>7/9</a:t>
+              <a:t>7/11</a:t>
             </a:r>
             <a:r>
               <a:rPr lang="ja-JP" altLang="en-US" dirty="0"/>
@@ -16609,14 +16613,14 @@
           <p:nvPr>
             <p:extLst>
               <p:ext uri="{D42A27DB-BD31-4B8C-83A1-F6EECF244321}">
-                <p14:modId xmlns:p14="http://schemas.microsoft.com/office/powerpoint/2010/main" val="3091203855"/>
+                <p14:modId xmlns:p14="http://schemas.microsoft.com/office/powerpoint/2010/main" val="3599554657"/>
               </p:ext>
             </p:extLst>
           </p:nvPr>
         </p:nvGraphicFramePr>
         <p:xfrm>
           <a:off x="161947" y="764630"/>
-          <a:ext cx="8819131" cy="2669282"/>
+          <a:ext cx="8819131" cy="2871591"/>
         </p:xfrm>
         <a:graphic>
           <a:graphicData uri="http://schemas.openxmlformats.org/drawingml/2006/table">
@@ -18276,11 +18280,8 @@
                         <a:defRPr/>
                       </a:pPr>
                       <a:r>
-                        <a:rPr lang="en-US" altLang="ja-JP" sz="1000" kern="100" dirty="0">
-                          <a:effectLst/>
-                          <a:latin typeface="Century" panose="02040604050505020304" pitchFamily="18" charset="0"/>
-                          <a:ea typeface="ＭＳ 明朝" panose="02020609040205080304" pitchFamily="17" charset="-128"/>
-                          <a:cs typeface="Times New Roman" panose="02020603050405020304" pitchFamily="18" charset="0"/>
+                        <a:rPr lang="en-US" altLang="ja-JP" sz="1000" kern="0" dirty="0">
+                          <a:effectLst/>
                         </a:rPr>
                         <a:t>1.11.0</a:t>
                       </a:r>
@@ -18452,6 +18453,139 @@
                 <a:extLst>
                   <a:ext uri="{0D108BD9-81ED-4DB2-BD59-A6C34878D82A}">
                     <a16:rowId xmlns:a16="http://schemas.microsoft.com/office/drawing/2014/main" val="4266495984"/>
+                  </a:ext>
+                </a:extLst>
+              </a:tr>
+              <a:tr h="202309">
+                <a:tc>
+                  <a:txBody>
+                    <a:bodyPr/>
+                    <a:lstStyle/>
+                    <a:p>
+                      <a:pPr marL="0" marR="0" lvl="0" indent="0" algn="just" defTabSz="914400" rtl="0" eaLnBrk="1" fontAlgn="auto" latinLnBrk="0" hangingPunct="1">
+                        <a:lnSpc>
+                          <a:spcPct val="100000"/>
+                        </a:lnSpc>
+                        <a:spcBef>
+                          <a:spcPts val="0"/>
+                        </a:spcBef>
+                        <a:spcAft>
+                          <a:spcPts val="0"/>
+                        </a:spcAft>
+                        <a:buClrTx/>
+                        <a:buSzTx/>
+                        <a:buFontTx/>
+                        <a:buNone/>
+                        <a:tabLst/>
+                        <a:defRPr/>
+                      </a:pPr>
+                      <a:r>
+                        <a:rPr lang="en-US" altLang="ja-JP" sz="1000" kern="0" dirty="0">
+                          <a:effectLst/>
+                        </a:rPr>
+                        <a:t>1.11.1</a:t>
+                      </a:r>
+                      <a:endParaRPr lang="ja-JP" altLang="ja-JP" sz="1000" kern="100" dirty="0">
+                        <a:effectLst/>
+                        <a:latin typeface="Century" panose="02040604050505020304" pitchFamily="18" charset="0"/>
+                        <a:ea typeface="ＭＳ 明朝" panose="02020609040205080304" pitchFamily="17" charset="-128"/>
+                        <a:cs typeface="Times New Roman" panose="02020603050405020304" pitchFamily="18" charset="0"/>
+                      </a:endParaRPr>
+                    </a:p>
+                  </a:txBody>
+                  <a:tcPr marL="68580" marR="68580" marT="0" marB="0" anchor="ctr"/>
+                </a:tc>
+                <a:tc gridSpan="6">
+                  <a:txBody>
+                    <a:bodyPr/>
+                    <a:lstStyle/>
+                    <a:p>
+                      <a:pPr marL="0" marR="0" lvl="0" indent="0" algn="ctr" defTabSz="914400" rtl="0" eaLnBrk="1" fontAlgn="auto" latinLnBrk="0" hangingPunct="1">
+                        <a:lnSpc>
+                          <a:spcPct val="100000"/>
+                        </a:lnSpc>
+                        <a:spcBef>
+                          <a:spcPts val="0"/>
+                        </a:spcBef>
+                        <a:spcAft>
+                          <a:spcPts val="0"/>
+                        </a:spcAft>
+                        <a:buClrTx/>
+                        <a:buSzTx/>
+                        <a:buFontTx/>
+                        <a:buNone/>
+                        <a:tabLst/>
+                        <a:defRPr/>
+                      </a:pPr>
+                      <a:r>
+                        <a:rPr lang="en-US" altLang="ja-JP" sz="1050" kern="100" dirty="0">
+                          <a:effectLst/>
+                        </a:rPr>
+                        <a:t>There are no libraries added in Version 1.11.1</a:t>
+                      </a:r>
+                      <a:endParaRPr lang="ja-JP" altLang="ja-JP" sz="1050" kern="100" dirty="0">
+                        <a:effectLst/>
+                        <a:latin typeface="+mn-ea"/>
+                        <a:ea typeface="+mn-ea"/>
+                        <a:cs typeface="Times New Roman" panose="02020603050405020304" pitchFamily="18" charset="0"/>
+                      </a:endParaRPr>
+                    </a:p>
+                  </a:txBody>
+                  <a:tcPr marL="68580" marR="68580" marT="0" marB="0" anchor="ctr"/>
+                </a:tc>
+                <a:tc hMerge="1">
+                  <a:txBody>
+                    <a:bodyPr/>
+                    <a:lstStyle/>
+                    <a:p>
+                      <a:endParaRPr kumimoji="1" lang="ja-JP" altLang="en-US"/>
+                    </a:p>
+                  </a:txBody>
+                  <a:tcPr/>
+                </a:tc>
+                <a:tc hMerge="1">
+                  <a:txBody>
+                    <a:bodyPr/>
+                    <a:lstStyle/>
+                    <a:p>
+                      <a:endParaRPr kumimoji="1" lang="ja-JP" altLang="en-US"/>
+                    </a:p>
+                  </a:txBody>
+                  <a:tcPr/>
+                </a:tc>
+                <a:tc hMerge="1">
+                  <a:txBody>
+                    <a:bodyPr/>
+                    <a:lstStyle/>
+                    <a:p>
+                      <a:endParaRPr kumimoji="1" lang="ja-JP" altLang="en-US"/>
+                    </a:p>
+                  </a:txBody>
+                  <a:tcPr/>
+                </a:tc>
+                <a:tc hMerge="1">
+                  <a:txBody>
+                    <a:bodyPr/>
+                    <a:lstStyle/>
+                    <a:p>
+                      <a:endParaRPr kumimoji="1" lang="ja-JP" altLang="en-US"/>
+                    </a:p>
+                  </a:txBody>
+                  <a:tcPr/>
+                </a:tc>
+                <a:tc hMerge="1">
+                  <a:txBody>
+                    <a:bodyPr/>
+                    <a:lstStyle/>
+                    <a:p>
+                      <a:endParaRPr kumimoji="1" lang="ja-JP" altLang="en-US"/>
+                    </a:p>
+                  </a:txBody>
+                  <a:tcPr/>
+                </a:tc>
+                <a:extLst>
+                  <a:ext uri="{0D108BD9-81ED-4DB2-BD59-A6C34878D82A}">
+                    <a16:rowId xmlns:a16="http://schemas.microsoft.com/office/drawing/2014/main" val="937687003"/>
                   </a:ext>
                 </a:extLst>
               </a:tr>
@@ -18506,7 +18640,7 @@
           <a:p>
             <a:r>
               <a:rPr lang="en-US" altLang="ja-JP" dirty="0"/>
-              <a:t>3.10</a:t>
+              <a:t>3.3</a:t>
             </a:r>
             <a:r>
               <a:rPr lang="ja-JP" altLang="en-US" dirty="0"/>
@@ -18522,7 +18656,7 @@
             </a:r>
             <a:r>
               <a:rPr lang="en-US" altLang="ja-JP" dirty="0"/>
-              <a:t>8/9</a:t>
+              <a:t>8/11</a:t>
             </a:r>
             <a:r>
               <a:rPr lang="ja-JP" altLang="en-US" dirty="0"/>
@@ -18673,7 +18807,7 @@
           <a:p>
             <a:r>
               <a:rPr lang="en-US" altLang="ja-JP" dirty="0"/>
-              <a:t>3.11</a:t>
+              <a:t>3.3</a:t>
             </a:r>
             <a:r>
               <a:rPr lang="ja-JP" altLang="en-US" dirty="0"/>
@@ -18689,7 +18823,7 @@
             </a:r>
             <a:r>
               <a:rPr lang="en-US" altLang="ja-JP" dirty="0"/>
-              <a:t>9/9</a:t>
+              <a:t>9/11</a:t>
             </a:r>
             <a:r>
               <a:rPr lang="ja-JP" altLang="en-US" dirty="0"/>
@@ -18750,28 +18884,10 @@
               <a:t> </a:t>
             </a:r>
             <a:r>
-              <a:rPr lang="en-US" altLang="ja-JP" dirty="0">
+              <a:rPr lang="fr-FR" altLang="ja-JP" dirty="0">
                 <a:hlinkClick r:id="rId2"/>
               </a:rPr>
-              <a:t>Exastro-ITA_</a:t>
-            </a:r>
-            <a:r>
-              <a:rPr lang="ja-JP" altLang="en-US" dirty="0">
-                <a:hlinkClick r:id="rId2"/>
-              </a:rPr>
-              <a:t>システム構成／環境構築ガイド</a:t>
-            </a:r>
-            <a:r>
-              <a:rPr lang="en-US" altLang="ja-JP" dirty="0">
-                <a:hlinkClick r:id="rId2"/>
-              </a:rPr>
-              <a:t>_Ansible-driver</a:t>
-            </a:r>
-            <a:r>
-              <a:rPr lang="ja-JP" altLang="en-US" dirty="0">
-                <a:hlinkClick r:id="rId2"/>
-              </a:rPr>
-              <a:t>編</a:t>
+              <a:t>System Configuration/Environment Construction Guide - Ansible-driver</a:t>
             </a:r>
             <a:r>
               <a:rPr lang="ja-JP" altLang="en-US" dirty="0"/>
@@ -18786,10 +18902,7 @@
             <a:pPr marL="180000" lvl="1" indent="0">
               <a:buNone/>
             </a:pPr>
-            <a:r>
-              <a:rPr lang="en-US" altLang="ja-JP" dirty="0"/>
-              <a:t>Make note that  the process is a bit different from linking with Ansible Tower3.x.</a:t>
-            </a:r>
+            <a:endParaRPr lang="en-US" altLang="ja-JP" dirty="0"/>
           </a:p>
           <a:p>
             <a:pPr marL="180000" lvl="1" indent="0">
@@ -18797,31 +18910,34 @@
             </a:pPr>
             <a:r>
               <a:rPr lang="en-US" altLang="ja-JP" dirty="0"/>
-              <a:t>If you want to update ITA to v1.10.0 or later and link with Ansible Tower3.x, make sure to configure the settings found in chapter 5.2 in  </a:t>
-            </a:r>
-            <a:r>
-              <a:rPr lang="en-US" altLang="ja-JP" dirty="0">
+              <a:t>Make note that  the process is a bit different from linking with Ansible Tower3.x.</a:t>
+            </a:r>
+          </a:p>
+          <a:p>
+            <a:pPr marL="180000" lvl="1" indent="0">
+              <a:buNone/>
+            </a:pPr>
+            <a:r>
+              <a:rPr lang="en-US" altLang="ja-JP" dirty="0"/>
+              <a:t>If you want to update ITA to v1.10.0 or later and link with Ansible Tower3.x, make sure to configure the settings found in chapter 5.2 in </a:t>
+            </a:r>
+            <a:r>
+              <a:rPr lang="ja-JP" altLang="en-US" dirty="0"/>
+              <a:t>「</a:t>
+            </a:r>
+            <a:r>
+              <a:rPr lang="en-US" altLang="ja-JP" dirty="0"/>
+              <a:t> </a:t>
+            </a:r>
+            <a:r>
+              <a:rPr lang="fr-FR" altLang="ja-JP" dirty="0">
                 <a:hlinkClick r:id="rId2"/>
               </a:rPr>
-              <a:t>Exastro-ITA_</a:t>
-            </a:r>
-            <a:r>
-              <a:rPr lang="ja-JP" altLang="en-US" dirty="0">
-                <a:hlinkClick r:id="rId2"/>
-              </a:rPr>
-              <a:t>システム構成／環境構築ガイド</a:t>
-            </a:r>
-            <a:r>
-              <a:rPr lang="en-US" altLang="ja-JP" dirty="0">
-                <a:hlinkClick r:id="rId2"/>
-              </a:rPr>
-              <a:t>_Ansible-driver</a:t>
-            </a:r>
-            <a:r>
-              <a:rPr lang="ja-JP" altLang="en-US" dirty="0">
-                <a:hlinkClick r:id="rId2"/>
-              </a:rPr>
-              <a:t>編</a:t>
+              <a:t>System Configuration/Environment Construction Guide - Ansible-driver</a:t>
+            </a:r>
+            <a:r>
+              <a:rPr lang="ja-JP" altLang="en-US" dirty="0"/>
+              <a:t>」</a:t>
             </a:r>
             <a:endParaRPr lang="en-US" altLang="ja-JP" dirty="0"/>
           </a:p>
@@ -18910,7 +19026,282 @@
       </p:grpSpPr>
       <p:sp>
         <p:nvSpPr>
-          <p:cNvPr id="2" name="タイトル 1"/>
+          <p:cNvPr id="3" name="コンテンツ プレースホルダー 2"/>
+          <p:cNvSpPr>
+            <a:spLocks noGrp="1"/>
+          </p:cNvSpPr>
+          <p:nvPr>
+            <p:ph sz="quarter" idx="10"/>
+          </p:nvPr>
+        </p:nvSpPr>
+        <p:spPr>
+          <a:xfrm>
+            <a:off x="179512" y="836712"/>
+            <a:ext cx="8964487" cy="5616476"/>
+          </a:xfrm>
+        </p:spPr>
+        <p:txBody>
+          <a:bodyPr rIns="0">
+            <a:normAutofit/>
+          </a:bodyPr>
+          <a:lstStyle/>
+          <a:p>
+            <a:r>
+              <a:rPr lang="en-US" altLang="ja-JP" sz="2200" dirty="0">
+                <a:latin typeface="+mn-ea"/>
+              </a:rPr>
+              <a:t>Specification change of MariaDB 11.0.2</a:t>
+            </a:r>
+          </a:p>
+          <a:p>
+            <a:pPr marL="0" indent="0">
+              <a:buNone/>
+            </a:pPr>
+            <a:endParaRPr lang="en-US" altLang="ja-JP" dirty="0">
+              <a:latin typeface="+mn-ea"/>
+            </a:endParaRPr>
+          </a:p>
+          <a:p>
+            <a:pPr marL="0" indent="0">
+              <a:buNone/>
+            </a:pPr>
+            <a:r>
+              <a:rPr lang="en-US" altLang="ja-JP" sz="1600" dirty="0">
+                <a:latin typeface="+mn-ea"/>
+              </a:rPr>
+              <a:t>The "</a:t>
+            </a:r>
+            <a:r>
+              <a:rPr lang="en-US" altLang="ja-JP" sz="1600" dirty="0" err="1">
+                <a:latin typeface="+mn-ea"/>
+              </a:rPr>
+              <a:t>mysql</a:t>
+            </a:r>
+            <a:r>
+              <a:rPr lang="en-US" altLang="ja-JP" sz="1600" dirty="0">
+                <a:latin typeface="+mn-ea"/>
+              </a:rPr>
+              <a:t>*" command was deprecated in </a:t>
+            </a:r>
+            <a:r>
+              <a:rPr lang="en-US" altLang="ja-JP" sz="1600" dirty="0" err="1">
+                <a:latin typeface="+mn-ea"/>
+              </a:rPr>
+              <a:t>mariaDB</a:t>
+            </a:r>
+            <a:r>
+              <a:rPr lang="en-US" altLang="ja-JP" sz="1600" dirty="0">
+                <a:latin typeface="+mn-ea"/>
+              </a:rPr>
+              <a:t> 11.0.2 released on June 23, 2023, and the specification was changed so that the following warning is output when the "</a:t>
+            </a:r>
+            <a:r>
+              <a:rPr lang="en-US" altLang="ja-JP" sz="1600" dirty="0" err="1">
+                <a:latin typeface="+mn-ea"/>
+              </a:rPr>
+              <a:t>mysql</a:t>
+            </a:r>
+            <a:r>
+              <a:rPr lang="en-US" altLang="ja-JP" sz="1600" dirty="0">
+                <a:latin typeface="+mn-ea"/>
+              </a:rPr>
+              <a:t>*" command is executed.</a:t>
+            </a:r>
+          </a:p>
+          <a:p>
+            <a:pPr marL="0" indent="0">
+              <a:buNone/>
+            </a:pPr>
+            <a:r>
+              <a:rPr lang="en-US" altLang="ja-JP" sz="1200" i="1" dirty="0" err="1">
+                <a:solidFill>
+                  <a:srgbClr val="FF0000"/>
+                </a:solidFill>
+                <a:latin typeface="+mn-ea"/>
+              </a:rPr>
+              <a:t>mysql</a:t>
+            </a:r>
+            <a:r>
+              <a:rPr lang="en-US" altLang="ja-JP" sz="1200" i="1" dirty="0">
+                <a:solidFill>
+                  <a:srgbClr val="FF0000"/>
+                </a:solidFill>
+                <a:latin typeface="+mn-ea"/>
+              </a:rPr>
+              <a:t>: Deprecated program name. It will be removed in a future release, use '/</a:t>
+            </a:r>
+            <a:r>
+              <a:rPr lang="en-US" altLang="ja-JP" sz="1200" i="1" dirty="0" err="1">
+                <a:solidFill>
+                  <a:srgbClr val="FF0000"/>
+                </a:solidFill>
+                <a:latin typeface="+mn-ea"/>
+              </a:rPr>
+              <a:t>usr</a:t>
+            </a:r>
+            <a:r>
+              <a:rPr lang="en-US" altLang="ja-JP" sz="1200" i="1" dirty="0">
+                <a:solidFill>
+                  <a:srgbClr val="FF0000"/>
+                </a:solidFill>
+                <a:latin typeface="+mn-ea"/>
+              </a:rPr>
+              <a:t>/bin/</a:t>
+            </a:r>
+            <a:r>
+              <a:rPr lang="en-US" altLang="ja-JP" sz="1200" i="1" dirty="0" err="1">
+                <a:solidFill>
+                  <a:srgbClr val="FF0000"/>
+                </a:solidFill>
+                <a:latin typeface="+mn-ea"/>
+              </a:rPr>
+              <a:t>mariadb</a:t>
+            </a:r>
+            <a:r>
+              <a:rPr lang="en-US" altLang="ja-JP" sz="1200" i="1" dirty="0">
+                <a:solidFill>
+                  <a:srgbClr val="FF0000"/>
+                </a:solidFill>
+                <a:latin typeface="+mn-ea"/>
+              </a:rPr>
+              <a:t>' instead</a:t>
+            </a:r>
+          </a:p>
+          <a:p>
+            <a:pPr marL="0" indent="0">
+              <a:buNone/>
+            </a:pPr>
+            <a:endParaRPr lang="en-US" altLang="ja-JP" sz="2000" dirty="0">
+              <a:latin typeface="+mn-ea"/>
+            </a:endParaRPr>
+          </a:p>
+          <a:p>
+            <a:pPr marL="0" indent="0">
+              <a:buNone/>
+            </a:pPr>
+            <a:r>
+              <a:rPr lang="en-US" altLang="ja-JP" sz="1600" dirty="0">
+                <a:latin typeface="+mn-ea"/>
+              </a:rPr>
+              <a:t>Because the installer up to ITA 1.11.0 uses the "</a:t>
+            </a:r>
+            <a:r>
+              <a:rPr lang="en-US" altLang="ja-JP" sz="1600" dirty="0" err="1">
+                <a:latin typeface="+mn-ea"/>
+              </a:rPr>
+              <a:t>mysql</a:t>
+            </a:r>
+            <a:r>
+              <a:rPr lang="en-US" altLang="ja-JP" sz="1600" dirty="0">
+                <a:latin typeface="+mn-ea"/>
+              </a:rPr>
+              <a:t>*" command, The installer up to ITA1.11.0 uses the "</a:t>
+            </a:r>
+            <a:r>
+              <a:rPr lang="en-US" altLang="ja-JP" sz="1600" dirty="0" err="1">
+                <a:latin typeface="+mn-ea"/>
+              </a:rPr>
+              <a:t>mysql</a:t>
+            </a:r>
+            <a:r>
+              <a:rPr lang="en-US" altLang="ja-JP" sz="1600" dirty="0">
+                <a:latin typeface="+mn-ea"/>
+              </a:rPr>
+              <a:t>*" command, so the upgrade will fail under the following conditions, as shown in the error output example on the next page.</a:t>
+            </a:r>
+          </a:p>
+          <a:p>
+            <a:pPr marL="0" indent="0">
+              <a:buNone/>
+            </a:pPr>
+            <a:r>
+              <a:rPr lang="ja-JP" altLang="en-US" sz="1600" dirty="0">
+                <a:latin typeface="+mn-ea"/>
+              </a:rPr>
+              <a:t>・</a:t>
+            </a:r>
+            <a:r>
+              <a:rPr lang="en-US" altLang="ja-JP" sz="1600" dirty="0">
+                <a:latin typeface="+mn-ea"/>
+              </a:rPr>
+              <a:t>MariaDB 11.0.2 or later is used.</a:t>
+            </a:r>
+          </a:p>
+          <a:p>
+            <a:pPr marL="0" indent="0">
+              <a:buNone/>
+            </a:pPr>
+            <a:r>
+              <a:rPr lang="ja-JP" altLang="en-US" sz="1600" dirty="0">
+                <a:latin typeface="+mn-ea"/>
+              </a:rPr>
+              <a:t>・</a:t>
+            </a:r>
+            <a:r>
+              <a:rPr lang="en-US" altLang="ja-JP" sz="1600" dirty="0">
+                <a:latin typeface="+mn-ea"/>
+              </a:rPr>
+              <a:t>Upgrading from a certain ITA version to 1.11.0 or earlier.</a:t>
+            </a:r>
+            <a:endParaRPr kumimoji="1" lang="en-US" altLang="ja-JP" sz="1600" dirty="0"/>
+          </a:p>
+          <a:p>
+            <a:pPr marL="0" indent="0">
+              <a:buNone/>
+            </a:pPr>
+            <a:endParaRPr lang="en-US" altLang="ja-JP" sz="1600" dirty="0">
+              <a:latin typeface="+mn-ea"/>
+            </a:endParaRPr>
+          </a:p>
+          <a:p>
+            <a:pPr marL="0" indent="0">
+              <a:buNone/>
+            </a:pPr>
+            <a:r>
+              <a:rPr lang="en-US" altLang="ja-JP" sz="1600" dirty="0">
+                <a:latin typeface="+mn-ea"/>
+              </a:rPr>
+              <a:t>When upgrading under the above conditions, please make the corrections on the next page before performing the upgrade.</a:t>
+            </a:r>
+          </a:p>
+          <a:p>
+            <a:pPr marL="0" indent="0">
+              <a:buNone/>
+            </a:pPr>
+            <a:endParaRPr lang="en-US" altLang="ja-JP" sz="1600" dirty="0">
+              <a:latin typeface="+mn-ea"/>
+            </a:endParaRPr>
+          </a:p>
+          <a:p>
+            <a:pPr marL="0" indent="0">
+              <a:buNone/>
+            </a:pPr>
+            <a:r>
+              <a:rPr lang="en-US" altLang="ja-JP" sz="1600" dirty="0">
+                <a:latin typeface="+mn-ea"/>
+              </a:rPr>
+              <a:t>There is no problem when upgrading to ITA1.11.1 or later, since the correction has already been made in ITA1.11.1 or later.</a:t>
+            </a:r>
+          </a:p>
+          <a:p>
+            <a:pPr marL="180000" lvl="1" indent="0">
+              <a:buNone/>
+            </a:pPr>
+            <a:endParaRPr lang="en-US" altLang="ja-JP" sz="1700" dirty="0">
+              <a:latin typeface="+mn-ea"/>
+            </a:endParaRPr>
+          </a:p>
+        </p:txBody>
+      </p:sp>
+      <p:sp>
+        <p:nvSpPr>
+          <p:cNvPr id="6" name="タイトル 1">
+            <a:extLst>
+              <a:ext uri="{FF2B5EF4-FFF2-40B4-BE49-F238E27FC236}">
+                <a16:creationId xmlns:a16="http://schemas.microsoft.com/office/drawing/2014/main" id="{ED7A98B5-9CB6-0A44-B103-2426857158E8}"/>
+              </a:ext>
+            </a:extLst>
+          </p:cNvPr>
           <p:cNvSpPr>
             <a:spLocks noGrp="1"/>
           </p:cNvSpPr>
@@ -18920,8 +19311,8 @@
         </p:nvSpPr>
         <p:spPr>
           <a:xfrm>
-            <a:off x="179388" y="3045072"/>
-            <a:ext cx="8784000" cy="467239"/>
+            <a:off x="179513" y="115200"/>
+            <a:ext cx="8784000" cy="468000"/>
           </a:xfrm>
         </p:spPr>
         <p:txBody>
@@ -18930,7 +19321,7 @@
           <a:p>
             <a:r>
               <a:rPr lang="en-US" altLang="ja-JP" dirty="0"/>
-              <a:t>4.</a:t>
+              <a:t>3.3</a:t>
             </a:r>
             <a:r>
               <a:rPr lang="ja-JP" altLang="en-US" dirty="0"/>
@@ -18938,11 +19329,19 @@
             </a:r>
             <a:r>
               <a:rPr lang="en-US" altLang="ja-JP" dirty="0"/>
-              <a:t>ITA </a:t>
-            </a:r>
-            <a:r>
-              <a:rPr lang="en-US" altLang="ja-JP"/>
-              <a:t>Operation check</a:t>
+              <a:t>Update</a:t>
+            </a:r>
+            <a:r>
+              <a:rPr lang="ja-JP" altLang="en-US" dirty="0"/>
+              <a:t>（</a:t>
+            </a:r>
+            <a:r>
+              <a:rPr lang="en-US" altLang="ja-JP" dirty="0"/>
+              <a:t>10/11</a:t>
+            </a:r>
+            <a:r>
+              <a:rPr lang="ja-JP" altLang="en-US" dirty="0"/>
+              <a:t>）</a:t>
             </a:r>
             <a:endParaRPr kumimoji="1" lang="ja-JP" altLang="en-US" dirty="0"/>
           </a:p>
@@ -18951,7 +19350,7 @@
     </p:spTree>
     <p:extLst>
       <p:ext uri="{BB962C8B-B14F-4D97-AF65-F5344CB8AC3E}">
-        <p14:creationId xmlns:p14="http://schemas.microsoft.com/office/powerpoint/2010/main" val="3066568291"/>
+        <p14:creationId xmlns:p14="http://schemas.microsoft.com/office/powerpoint/2010/main" val="2841284417"/>
       </p:ext>
     </p:extLst>
   </p:cSld>
@@ -19166,44 +19565,6 @@
               </a:rPr>
               <a:t>Preparation</a:t>
             </a:r>
-            <a:r>
-              <a:rPr lang="ja-JP" altLang="en-US" sz="1400" dirty="0">
-                <a:latin typeface="+mn-ea"/>
-              </a:rPr>
-              <a:t>（</a:t>
-            </a:r>
-            <a:r>
-              <a:rPr lang="en-US" altLang="ja-JP" sz="1400" dirty="0">
-                <a:latin typeface="+mn-ea"/>
-              </a:rPr>
-              <a:t>1/1</a:t>
-            </a:r>
-            <a:r>
-              <a:rPr lang="ja-JP" altLang="en-US" sz="1400" dirty="0">
-                <a:latin typeface="+mn-ea"/>
-              </a:rPr>
-              <a:t>）</a:t>
-            </a:r>
-          </a:p>
-          <a:p>
-            <a:r>
-              <a:rPr lang="en-US" altLang="ja-JP" sz="1400" dirty="0">
-                <a:latin typeface="+mn-ea"/>
-              </a:rPr>
-              <a:t>    3.2    ITA</a:t>
-            </a:r>
-            <a:r>
-              <a:rPr lang="ja-JP" altLang="en-US" sz="1400" dirty="0">
-                <a:latin typeface="+mn-ea"/>
-              </a:rPr>
-              <a:t> </a:t>
-            </a:r>
-            <a:r>
-              <a:rPr lang="en-US" altLang="ja-JP" sz="1400" dirty="0">
-                <a:latin typeface="+mn-ea"/>
-              </a:rPr>
-              <a:t>update work flow</a:t>
-            </a:r>
             <a:endParaRPr lang="ja-JP" altLang="en-US" sz="1400" dirty="0">
               <a:latin typeface="+mn-ea"/>
             </a:endParaRPr>
@@ -19213,351 +19574,46 @@
               <a:rPr lang="en-US" altLang="ja-JP" sz="1400" dirty="0">
                 <a:latin typeface="+mn-ea"/>
               </a:rPr>
-              <a:t>    3.3</a:t>
+              <a:t>    3.2    ITA</a:t>
             </a:r>
             <a:r>
               <a:rPr lang="ja-JP" altLang="en-US" sz="1400" dirty="0">
                 <a:latin typeface="+mn-ea"/>
               </a:rPr>
-              <a:t>　 </a:t>
+              <a:t> </a:t>
             </a:r>
             <a:r>
               <a:rPr lang="en-US" altLang="ja-JP" sz="1400" dirty="0">
                 <a:latin typeface="+mn-ea"/>
               </a:rPr>
-              <a:t>Update</a:t>
+              <a:t>update workflow</a:t>
+            </a:r>
+            <a:endParaRPr lang="ja-JP" altLang="en-US" sz="1400" dirty="0">
+              <a:latin typeface="+mn-ea"/>
+            </a:endParaRPr>
+          </a:p>
+          <a:p>
+            <a:r>
+              <a:rPr lang="en-US" altLang="ja-JP" sz="1400" dirty="0">
+                <a:latin typeface="+mn-ea"/>
+              </a:rPr>
+              <a:t>    3.3</a:t>
             </a:r>
             <a:r>
               <a:rPr lang="ja-JP" altLang="en-US" sz="1400" dirty="0">
                 <a:latin typeface="+mn-ea"/>
               </a:rPr>
-              <a:t>（</a:t>
+              <a:t>　 </a:t>
             </a:r>
             <a:r>
               <a:rPr lang="en-US" altLang="ja-JP" sz="1400" dirty="0">
                 <a:latin typeface="+mn-ea"/>
               </a:rPr>
-              <a:t>1/9</a:t>
-            </a:r>
-            <a:r>
-              <a:rPr lang="ja-JP" altLang="en-US" sz="1400" dirty="0">
-                <a:latin typeface="+mn-ea"/>
-              </a:rPr>
-              <a:t>）</a:t>
-            </a:r>
-          </a:p>
-          <a:p>
-            <a:r>
-              <a:rPr lang="en-US" altLang="ja-JP" sz="1400" dirty="0">
-                <a:latin typeface="+mn-ea"/>
-              </a:rPr>
-              <a:t>    3.4</a:t>
-            </a:r>
-            <a:r>
-              <a:rPr lang="ja-JP" altLang="en-US" sz="1400" dirty="0">
-                <a:latin typeface="+mn-ea"/>
-              </a:rPr>
-              <a:t>　 </a:t>
-            </a:r>
-            <a:r>
-              <a:rPr lang="en-US" altLang="ja-JP" sz="1400" dirty="0">
-                <a:latin typeface="+mn-ea"/>
-              </a:rPr>
               <a:t>Update</a:t>
             </a:r>
-            <a:r>
-              <a:rPr lang="ja-JP" altLang="en-US" sz="1400" dirty="0">
-                <a:latin typeface="+mn-ea"/>
-              </a:rPr>
-              <a:t>（</a:t>
-            </a:r>
-            <a:r>
-              <a:rPr lang="en-US" altLang="ja-JP" sz="1400" dirty="0">
-                <a:latin typeface="+mn-ea"/>
-              </a:rPr>
-              <a:t>2/9</a:t>
-            </a:r>
-            <a:r>
-              <a:rPr lang="ja-JP" altLang="en-US" sz="1400" dirty="0">
-                <a:latin typeface="+mn-ea"/>
-              </a:rPr>
-              <a:t>）</a:t>
-            </a:r>
-          </a:p>
-          <a:p>
-            <a:r>
-              <a:rPr lang="en-US" altLang="ja-JP" sz="1400" dirty="0">
-                <a:latin typeface="+mn-ea"/>
-              </a:rPr>
-              <a:t>    3.5</a:t>
-            </a:r>
-            <a:r>
-              <a:rPr lang="ja-JP" altLang="en-US" sz="1400" dirty="0">
-                <a:latin typeface="+mn-ea"/>
-              </a:rPr>
-              <a:t>　 </a:t>
-            </a:r>
-            <a:r>
-              <a:rPr lang="en-US" altLang="ja-JP" sz="1400" dirty="0">
-                <a:latin typeface="+mn-ea"/>
-              </a:rPr>
-              <a:t>Update</a:t>
-            </a:r>
-            <a:r>
-              <a:rPr lang="ja-JP" altLang="en-US" sz="1400" dirty="0">
-                <a:latin typeface="+mn-ea"/>
-              </a:rPr>
-              <a:t>（</a:t>
-            </a:r>
-            <a:r>
-              <a:rPr lang="en-US" altLang="ja-JP" sz="1400" dirty="0">
-                <a:latin typeface="+mn-ea"/>
-              </a:rPr>
-              <a:t>3/9</a:t>
-            </a:r>
-            <a:r>
-              <a:rPr lang="ja-JP" altLang="en-US" sz="1400" dirty="0">
-                <a:latin typeface="+mn-ea"/>
-              </a:rPr>
-              <a:t>）</a:t>
-            </a:r>
-          </a:p>
-          <a:p>
-            <a:r>
-              <a:rPr lang="en-US" altLang="ja-JP" sz="1400" dirty="0">
-                <a:latin typeface="+mn-ea"/>
-              </a:rPr>
-              <a:t>    3.6</a:t>
-            </a:r>
-            <a:r>
-              <a:rPr lang="ja-JP" altLang="en-US" sz="1400" dirty="0">
-                <a:latin typeface="+mn-ea"/>
-              </a:rPr>
-              <a:t>　 </a:t>
-            </a:r>
-            <a:r>
-              <a:rPr lang="en-US" altLang="ja-JP" sz="1400" dirty="0">
-                <a:latin typeface="+mn-ea"/>
-              </a:rPr>
-              <a:t>Update</a:t>
-            </a:r>
-            <a:r>
-              <a:rPr lang="ja-JP" altLang="en-US" sz="1400" dirty="0">
-                <a:latin typeface="+mn-ea"/>
-              </a:rPr>
-              <a:t>（</a:t>
-            </a:r>
-            <a:r>
-              <a:rPr lang="en-US" altLang="ja-JP" sz="1400" dirty="0">
-                <a:latin typeface="+mn-ea"/>
-              </a:rPr>
-              <a:t>4/9</a:t>
-            </a:r>
-            <a:r>
-              <a:rPr lang="ja-JP" altLang="en-US" sz="1400" dirty="0">
-                <a:latin typeface="+mn-ea"/>
-              </a:rPr>
-              <a:t>）</a:t>
-            </a:r>
-          </a:p>
-          <a:p>
-            <a:r>
-              <a:rPr lang="en-US" altLang="ja-JP" sz="1400" dirty="0">
-                <a:latin typeface="+mn-ea"/>
-              </a:rPr>
-              <a:t>    3.7</a:t>
-            </a:r>
-            <a:r>
-              <a:rPr lang="ja-JP" altLang="en-US" sz="1400" dirty="0">
-                <a:latin typeface="+mn-ea"/>
-              </a:rPr>
-              <a:t>　 </a:t>
-            </a:r>
-            <a:r>
-              <a:rPr lang="en-US" altLang="ja-JP" sz="1400" dirty="0">
-                <a:latin typeface="+mn-ea"/>
-              </a:rPr>
-              <a:t>Update</a:t>
-            </a:r>
-            <a:r>
-              <a:rPr lang="ja-JP" altLang="en-US" sz="1400" dirty="0">
-                <a:latin typeface="+mn-ea"/>
-              </a:rPr>
-              <a:t>（</a:t>
-            </a:r>
-            <a:r>
-              <a:rPr lang="en-US" altLang="ja-JP" sz="1400" dirty="0">
-                <a:latin typeface="+mn-ea"/>
-              </a:rPr>
-              <a:t>5/9</a:t>
-            </a:r>
-            <a:r>
-              <a:rPr lang="ja-JP" altLang="en-US" sz="1400" dirty="0">
-                <a:latin typeface="+mn-ea"/>
-              </a:rPr>
-              <a:t>）</a:t>
-            </a:r>
-            <a:endParaRPr lang="en-US" altLang="ja-JP" sz="1400" dirty="0">
+            <a:endParaRPr lang="ja-JP" altLang="en-US" sz="1400" dirty="0">
               <a:latin typeface="+mn-ea"/>
             </a:endParaRPr>
-          </a:p>
-          <a:p>
-            <a:r>
-              <a:rPr lang="en-US" altLang="ja-JP" sz="1400" dirty="0">
-                <a:latin typeface="+mn-ea"/>
-              </a:rPr>
-              <a:t>    3.8</a:t>
-            </a:r>
-            <a:r>
-              <a:rPr lang="ja-JP" altLang="en-US" sz="1400" dirty="0">
-                <a:latin typeface="+mn-ea"/>
-              </a:rPr>
-              <a:t>　 </a:t>
-            </a:r>
-            <a:r>
-              <a:rPr lang="en-US" altLang="ja-JP" sz="1400" dirty="0">
-                <a:latin typeface="+mn-ea"/>
-              </a:rPr>
-              <a:t>Update</a:t>
-            </a:r>
-            <a:r>
-              <a:rPr lang="ja-JP" altLang="en-US" sz="1400" dirty="0">
-                <a:latin typeface="+mn-ea"/>
-              </a:rPr>
-              <a:t>（</a:t>
-            </a:r>
-            <a:r>
-              <a:rPr lang="en-US" altLang="ja-JP" sz="1400" dirty="0">
-                <a:latin typeface="+mn-ea"/>
-              </a:rPr>
-              <a:t>6/9</a:t>
-            </a:r>
-            <a:r>
-              <a:rPr lang="ja-JP" altLang="en-US" sz="1400" dirty="0">
-                <a:latin typeface="+mn-ea"/>
-              </a:rPr>
-              <a:t>）</a:t>
-            </a:r>
-            <a:br>
-              <a:rPr lang="en-US" altLang="ja-JP" sz="1400" dirty="0">
-                <a:latin typeface="+mn-ea"/>
-              </a:rPr>
-            </a:br>
-            <a:r>
-              <a:rPr lang="en-US" altLang="ja-JP" sz="1400" dirty="0">
-                <a:latin typeface="+mn-ea"/>
-              </a:rPr>
-              <a:t>    3.6</a:t>
-            </a:r>
-            <a:r>
-              <a:rPr lang="ja-JP" altLang="en-US" sz="1400" dirty="0">
-                <a:latin typeface="+mn-ea"/>
-              </a:rPr>
-              <a:t>　 </a:t>
-            </a:r>
-            <a:r>
-              <a:rPr lang="en-US" altLang="ja-JP" sz="1400" dirty="0">
-                <a:latin typeface="+mn-ea"/>
-              </a:rPr>
-              <a:t>Update</a:t>
-            </a:r>
-            <a:r>
-              <a:rPr lang="ja-JP" altLang="en-US" sz="1400" dirty="0">
-                <a:latin typeface="+mn-ea"/>
-              </a:rPr>
-              <a:t>（</a:t>
-            </a:r>
-            <a:r>
-              <a:rPr lang="en-US" altLang="ja-JP" sz="1400" dirty="0">
-                <a:latin typeface="+mn-ea"/>
-              </a:rPr>
-              <a:t>7/9</a:t>
-            </a:r>
-            <a:r>
-              <a:rPr lang="ja-JP" altLang="en-US" sz="1400" dirty="0">
-                <a:latin typeface="+mn-ea"/>
-              </a:rPr>
-              <a:t>）</a:t>
-            </a:r>
-          </a:p>
-          <a:p>
-            <a:r>
-              <a:rPr lang="en-US" altLang="ja-JP" sz="1400" dirty="0">
-                <a:latin typeface="+mn-ea"/>
-              </a:rPr>
-              <a:t>    3.7</a:t>
-            </a:r>
-            <a:r>
-              <a:rPr lang="ja-JP" altLang="en-US" sz="1400" dirty="0">
-                <a:latin typeface="+mn-ea"/>
-              </a:rPr>
-              <a:t>　 </a:t>
-            </a:r>
-            <a:r>
-              <a:rPr lang="en-US" altLang="ja-JP" sz="1400" dirty="0">
-                <a:latin typeface="+mn-ea"/>
-              </a:rPr>
-              <a:t>Update</a:t>
-            </a:r>
-            <a:r>
-              <a:rPr lang="ja-JP" altLang="en-US" sz="1400" dirty="0">
-                <a:latin typeface="+mn-ea"/>
-              </a:rPr>
-              <a:t>（</a:t>
-            </a:r>
-            <a:r>
-              <a:rPr lang="en-US" altLang="ja-JP" sz="1400" dirty="0">
-                <a:latin typeface="+mn-ea"/>
-              </a:rPr>
-              <a:t>8/9</a:t>
-            </a:r>
-            <a:r>
-              <a:rPr lang="ja-JP" altLang="en-US" sz="1400" dirty="0">
-                <a:latin typeface="+mn-ea"/>
-              </a:rPr>
-              <a:t>）</a:t>
-            </a:r>
-            <a:endParaRPr lang="en-US" altLang="ja-JP" sz="1400" dirty="0">
-              <a:latin typeface="+mn-ea"/>
-            </a:endParaRPr>
-          </a:p>
-          <a:p>
-            <a:r>
-              <a:rPr lang="en-US" altLang="ja-JP" sz="1400" dirty="0">
-                <a:latin typeface="+mn-ea"/>
-              </a:rPr>
-              <a:t>    3.8</a:t>
-            </a:r>
-            <a:r>
-              <a:rPr lang="ja-JP" altLang="en-US" sz="1400" dirty="0">
-                <a:latin typeface="+mn-ea"/>
-              </a:rPr>
-              <a:t>　 </a:t>
-            </a:r>
-            <a:r>
-              <a:rPr lang="en-US" altLang="ja-JP" sz="1400" dirty="0">
-                <a:latin typeface="+mn-ea"/>
-              </a:rPr>
-              <a:t>Update</a:t>
-            </a:r>
-            <a:r>
-              <a:rPr lang="ja-JP" altLang="en-US" sz="1400" dirty="0">
-                <a:latin typeface="+mn-ea"/>
-              </a:rPr>
-              <a:t>（</a:t>
-            </a:r>
-            <a:r>
-              <a:rPr lang="en-US" altLang="ja-JP" sz="1400" dirty="0">
-                <a:latin typeface="+mn-ea"/>
-              </a:rPr>
-              <a:t>9/9</a:t>
-            </a:r>
-            <a:r>
-              <a:rPr lang="ja-JP" altLang="en-US" sz="1400" dirty="0">
-                <a:latin typeface="+mn-ea"/>
-              </a:rPr>
-              <a:t>）</a:t>
-            </a:r>
           </a:p>
           <a:p>
             <a:pPr marL="342900" indent="-342900">
@@ -19611,65 +19667,9 @@
               </a:rPr>
               <a:t>Operation check</a:t>
             </a:r>
-            <a:r>
-              <a:rPr lang="zh-TW" altLang="en-US" sz="1400" dirty="0">
-                <a:latin typeface="+mn-ea"/>
-              </a:rPr>
-              <a:t>（</a:t>
-            </a:r>
-            <a:r>
-              <a:rPr lang="en-US" altLang="zh-TW" sz="1400" dirty="0">
-                <a:latin typeface="+mn-ea"/>
-              </a:rPr>
-              <a:t>1/1</a:t>
-            </a:r>
-            <a:r>
-              <a:rPr lang="zh-TW" altLang="en-US" sz="1400" dirty="0">
-                <a:latin typeface="+mn-ea"/>
-              </a:rPr>
-              <a:t>）</a:t>
-            </a:r>
-            <a:endParaRPr lang="en-US" altLang="zh-TW" sz="1400" dirty="0">
+            <a:endParaRPr lang="zh-TW" altLang="en-US" sz="1400" dirty="0">
               <a:latin typeface="+mn-ea"/>
             </a:endParaRPr>
-          </a:p>
-          <a:p>
-            <a:r>
-              <a:rPr lang="en-US" altLang="zh-TW" sz="1400" dirty="0">
-                <a:latin typeface="+mn-ea"/>
-              </a:rPr>
-              <a:t>    4.2</a:t>
-            </a:r>
-            <a:r>
-              <a:rPr lang="zh-TW" altLang="en-US" sz="1400" dirty="0">
-                <a:latin typeface="+mn-ea"/>
-              </a:rPr>
-              <a:t>　 </a:t>
-            </a:r>
-            <a:r>
-              <a:rPr lang="en-US" altLang="zh-TW" sz="1400" dirty="0">
-                <a:latin typeface="+mn-ea"/>
-              </a:rPr>
-              <a:t>Operation check</a:t>
-            </a:r>
-            <a:r>
-              <a:rPr lang="zh-TW" altLang="en-US" sz="1400" dirty="0">
-                <a:latin typeface="+mn-ea"/>
-              </a:rPr>
-              <a:t>（</a:t>
-            </a:r>
-            <a:r>
-              <a:rPr lang="en-US" altLang="zh-TW" sz="1400" dirty="0">
-                <a:latin typeface="+mn-ea"/>
-              </a:rPr>
-              <a:t>1/2</a:t>
-            </a:r>
-            <a:r>
-              <a:rPr lang="zh-TW" altLang="en-US" sz="1400" dirty="0">
-                <a:latin typeface="+mn-ea"/>
-              </a:rPr>
-              <a:t>）</a:t>
-            </a:r>
           </a:p>
         </p:txBody>
       </p:sp>
@@ -19687,6 +19687,505 @@
 </file>
 
 <file path=ppt/slides/slide20.xml><?xml version="1.0" encoding="utf-8"?>
+<p:sld xmlns:a="http://schemas.openxmlformats.org/drawingml/2006/main" xmlns:r="http://schemas.openxmlformats.org/officeDocument/2006/relationships" xmlns:p="http://schemas.openxmlformats.org/presentationml/2006/main">
+  <p:cSld>
+    <p:spTree>
+      <p:nvGrpSpPr>
+        <p:cNvPr id="1" name=""/>
+        <p:cNvGrpSpPr/>
+        <p:nvPr/>
+      </p:nvGrpSpPr>
+      <p:grpSpPr>
+        <a:xfrm>
+          <a:off x="0" y="0"/>
+          <a:ext cx="0" cy="0"/>
+          <a:chOff x="0" y="0"/>
+          <a:chExt cx="0" cy="0"/>
+        </a:xfrm>
+      </p:grpSpPr>
+      <p:sp>
+        <p:nvSpPr>
+          <p:cNvPr id="3" name="コンテンツ プレースホルダー 2"/>
+          <p:cNvSpPr>
+            <a:spLocks noGrp="1"/>
+          </p:cNvSpPr>
+          <p:nvPr>
+            <p:ph sz="quarter" idx="10"/>
+          </p:nvPr>
+        </p:nvSpPr>
+        <p:spPr>
+          <a:xfrm>
+            <a:off x="72133" y="836712"/>
+            <a:ext cx="8964487" cy="5616476"/>
+          </a:xfrm>
+        </p:spPr>
+        <p:txBody>
+          <a:bodyPr rIns="0">
+            <a:normAutofit/>
+          </a:bodyPr>
+          <a:lstStyle/>
+          <a:p>
+            <a:pPr lvl="1"/>
+            <a:r>
+              <a:rPr lang="en-US" altLang="ja-JP" sz="1400" dirty="0"/>
+              <a:t>(Reference) Example of error output when upgrading</a:t>
+            </a:r>
+            <a:endParaRPr lang="en-US" altLang="ja-JP" sz="1800" dirty="0">
+              <a:latin typeface="+mn-ea"/>
+            </a:endParaRPr>
+          </a:p>
+          <a:p>
+            <a:pPr lvl="1"/>
+            <a:endParaRPr lang="en-US" altLang="ja-JP" sz="1400" dirty="0"/>
+          </a:p>
+          <a:p>
+            <a:pPr lvl="1"/>
+            <a:endParaRPr lang="en-US" altLang="ja-JP" sz="1400" dirty="0"/>
+          </a:p>
+          <a:p>
+            <a:pPr lvl="1"/>
+            <a:endParaRPr lang="en-US" altLang="ja-JP" sz="1400" dirty="0"/>
+          </a:p>
+          <a:p>
+            <a:pPr lvl="1"/>
+            <a:endParaRPr lang="en-US" altLang="ja-JP" sz="1400" dirty="0"/>
+          </a:p>
+          <a:p>
+            <a:pPr lvl="1"/>
+            <a:endParaRPr lang="en-US" altLang="ja-JP" sz="1400" dirty="0"/>
+          </a:p>
+          <a:p>
+            <a:pPr lvl="1"/>
+            <a:endParaRPr lang="en-US" altLang="ja-JP" sz="1400" dirty="0"/>
+          </a:p>
+          <a:p>
+            <a:pPr lvl="1"/>
+            <a:endParaRPr lang="en-US" altLang="ja-JP" sz="1400" dirty="0"/>
+          </a:p>
+          <a:p>
+            <a:pPr lvl="1"/>
+            <a:endParaRPr lang="en-US" altLang="ja-JP" sz="1400" dirty="0"/>
+          </a:p>
+          <a:p>
+            <a:pPr lvl="1"/>
+            <a:r>
+              <a:rPr lang="en-US" altLang="ja-JP" sz="1400" dirty="0"/>
+              <a:t>Fixes for MariaDB 11.0.2 or later and upgrading to version 1.11.0 or earlier</a:t>
+            </a:r>
+          </a:p>
+          <a:p>
+            <a:pPr marL="180000" lvl="1" indent="0">
+              <a:buNone/>
+            </a:pPr>
+            <a:endParaRPr lang="en-US" altLang="ja-JP" sz="1800" dirty="0">
+              <a:latin typeface="+mn-ea"/>
+            </a:endParaRPr>
+          </a:p>
+          <a:p>
+            <a:pPr marL="180000" lvl="1" indent="0">
+              <a:buNone/>
+            </a:pPr>
+            <a:r>
+              <a:rPr lang="en-US" altLang="ja-JP" sz="1400" dirty="0"/>
+              <a:t>/(installation material deployment location)/</a:t>
+            </a:r>
+            <a:r>
+              <a:rPr lang="en-US" altLang="ja-JP" sz="1400" kern="100" dirty="0"/>
+              <a:t>ita</a:t>
+            </a:r>
+            <a:r>
+              <a:rPr lang="en-US" altLang="ja-JP" sz="1400" dirty="0"/>
+              <a:t>_install_package/install_scripts/bin/ita_version_up.sh</a:t>
+            </a:r>
+          </a:p>
+          <a:p>
+            <a:pPr marL="180000" lvl="1" indent="0">
+              <a:buNone/>
+            </a:pPr>
+            <a:r>
+              <a:rPr lang="en-US" altLang="ja-JP" sz="1400" dirty="0"/>
+              <a:t>can be successfully executed by modifying and executing the following</a:t>
+            </a:r>
+          </a:p>
+          <a:p>
+            <a:pPr marL="180000" lvl="1" indent="0">
+              <a:buNone/>
+            </a:pPr>
+            <a:endParaRPr lang="en-US" altLang="ja-JP" sz="1400" dirty="0"/>
+          </a:p>
+          <a:p>
+            <a:pPr marL="180000" lvl="1" indent="0">
+              <a:buNone/>
+            </a:pPr>
+            <a:r>
+              <a:rPr lang="en-US" altLang="ja-JP" sz="1400" dirty="0"/>
+              <a:t>Example of modification for ITA1.11.0</a:t>
+            </a:r>
+          </a:p>
+          <a:p>
+            <a:pPr marL="180000" lvl="1" indent="0">
+              <a:buNone/>
+            </a:pPr>
+            <a:r>
+              <a:rPr lang="en-US" altLang="ja-JP" sz="1400" dirty="0"/>
+              <a:t>Line 618 (the number of lines may differ depending on the version)</a:t>
+            </a:r>
+          </a:p>
+        </p:txBody>
+      </p:sp>
+      <p:sp>
+        <p:nvSpPr>
+          <p:cNvPr id="4" name="テキスト ボックス 3">
+            <a:extLst>
+              <a:ext uri="{FF2B5EF4-FFF2-40B4-BE49-F238E27FC236}">
+                <a16:creationId xmlns:a16="http://schemas.microsoft.com/office/drawing/2014/main" id="{BB2B9B1A-58C6-8E46-17A9-C31C93FA52A9}"/>
+              </a:ext>
+            </a:extLst>
+          </p:cNvPr>
+          <p:cNvSpPr txBox="1"/>
+          <p:nvPr/>
+        </p:nvSpPr>
+        <p:spPr>
+          <a:xfrm>
+            <a:off x="209071" y="1166737"/>
+            <a:ext cx="8683529" cy="1785104"/>
+          </a:xfrm>
+          <a:prstGeom prst="rect">
+            <a:avLst/>
+          </a:prstGeom>
+          <a:noFill/>
+          <a:ln>
+            <a:solidFill>
+              <a:schemeClr val="tx1"/>
+            </a:solidFill>
+          </a:ln>
+        </p:spPr>
+        <p:txBody>
+          <a:bodyPr wrap="square" rtlCol="0">
+            <a:spAutoFit/>
+          </a:bodyPr>
+          <a:lstStyle/>
+          <a:p>
+            <a:r>
+              <a:rPr kumimoji="1" lang="ja-JP" altLang="en-US" sz="1000" dirty="0"/>
+              <a:t>～～～～～～～～（</a:t>
+            </a:r>
+            <a:r>
+              <a:rPr kumimoji="1" lang="en-US" altLang="ja-JP" sz="1000" dirty="0"/>
+              <a:t> abbreviation </a:t>
+            </a:r>
+            <a:r>
+              <a:rPr kumimoji="1" lang="ja-JP" altLang="en-US" sz="1000" dirty="0"/>
+              <a:t>） ～～～～～～～～</a:t>
+            </a:r>
+            <a:endParaRPr kumimoji="1" lang="en-US" altLang="ja-JP" sz="1000" dirty="0"/>
+          </a:p>
+          <a:p>
+            <a:r>
+              <a:rPr kumimoji="1" lang="en-US" altLang="ja-JP" sz="1000" dirty="0"/>
+              <a:t>[2023-07-19 17:47:26] INFO : -----MODE[VERSIONUP] START-----</a:t>
+            </a:r>
+          </a:p>
+          <a:p>
+            <a:r>
+              <a:rPr kumimoji="1" lang="en-US" altLang="ja-JP" sz="1000" dirty="0"/>
+              <a:t>[2023-07-19 17:47:26] INFO : Authorization check.</a:t>
+            </a:r>
+          </a:p>
+          <a:p>
+            <a:r>
+              <a:rPr kumimoji="1" lang="en-US" altLang="ja-JP" sz="1000" dirty="0"/>
+              <a:t>[2023-07-19 17:47:26] INFO : Reading answer-file.</a:t>
+            </a:r>
+          </a:p>
+          <a:p>
+            <a:r>
+              <a:rPr kumimoji="1" lang="en-US" altLang="ja-JP" sz="1000" dirty="0"/>
+              <a:t>[2023-07-19 17:47:36] INFO : Version check.</a:t>
+            </a:r>
+          </a:p>
+          <a:p>
+            <a:r>
+              <a:rPr kumimoji="1" lang="en-US" altLang="ja-JP" sz="1000" dirty="0"/>
+              <a:t>[2023-07-19 17:47:36] INFO : Stopping Apache.</a:t>
+            </a:r>
+          </a:p>
+          <a:p>
+            <a:r>
+              <a:rPr kumimoji="1" lang="en-US" altLang="ja-JP" sz="1000" dirty="0"/>
+              <a:t>[2023-07-19 17:47:38] INFO : Stopping ITA services.</a:t>
+            </a:r>
+          </a:p>
+          <a:p>
+            <a:r>
+              <a:rPr kumimoji="1" lang="en-US" altLang="ja-JP" sz="1000" dirty="0"/>
+              <a:t>[2023-07-19 17:47:39] INFO : Updating tables.</a:t>
+            </a:r>
+          </a:p>
+          <a:p>
+            <a:r>
+              <a:rPr kumimoji="1" lang="en-US" altLang="ja-JP" sz="1000" dirty="0">
+                <a:solidFill>
+                  <a:srgbClr val="FF0000"/>
+                </a:solidFill>
+              </a:rPr>
+              <a:t>[2023-07-19 17:47:39] ERROR : SQL Error. Check logfile[/root/it-automation-1.11.0/</a:t>
+            </a:r>
+            <a:r>
+              <a:rPr kumimoji="1" lang="en-US" altLang="ja-JP" sz="1000" dirty="0" err="1">
+                <a:solidFill>
+                  <a:srgbClr val="FF0000"/>
+                </a:solidFill>
+              </a:rPr>
+              <a:t>ita_install_package</a:t>
+            </a:r>
+            <a:r>
+              <a:rPr kumimoji="1" lang="en-US" altLang="ja-JP" sz="1000" dirty="0">
+                <a:solidFill>
+                  <a:srgbClr val="FF0000"/>
+                </a:solidFill>
+              </a:rPr>
+              <a:t>/</a:t>
+            </a:r>
+            <a:r>
+              <a:rPr kumimoji="1" lang="en-US" altLang="ja-JP" sz="1000" dirty="0" err="1">
+                <a:solidFill>
+                  <a:srgbClr val="FF0000"/>
+                </a:solidFill>
+              </a:rPr>
+              <a:t>install_scripts</a:t>
+            </a:r>
+            <a:r>
+              <a:rPr kumimoji="1" lang="en-US" altLang="ja-JP" sz="1000" dirty="0">
+                <a:solidFill>
+                  <a:srgbClr val="FF0000"/>
+                </a:solidFill>
+              </a:rPr>
+              <a:t>/log/1.10.2_base_sql.log].</a:t>
+            </a:r>
+          </a:p>
+          <a:p>
+            <a:r>
+              <a:rPr kumimoji="1" lang="en-US" altLang="ja-JP" sz="1000" dirty="0"/>
+              <a:t>[2023-07-19 17:47:39] INFO : Abort version up.</a:t>
+            </a:r>
+          </a:p>
+        </p:txBody>
+      </p:sp>
+      <p:sp>
+        <p:nvSpPr>
+          <p:cNvPr id="5" name="テキスト ボックス 4">
+            <a:extLst>
+              <a:ext uri="{FF2B5EF4-FFF2-40B4-BE49-F238E27FC236}">
+                <a16:creationId xmlns:a16="http://schemas.microsoft.com/office/drawing/2014/main" id="{23714EDF-DD6D-A971-D7C4-AD9A1139E23F}"/>
+              </a:ext>
+            </a:extLst>
+          </p:cNvPr>
+          <p:cNvSpPr txBox="1"/>
+          <p:nvPr/>
+        </p:nvSpPr>
+        <p:spPr>
+          <a:xfrm>
+            <a:off x="251400" y="5517290"/>
+            <a:ext cx="8771447" cy="646331"/>
+          </a:xfrm>
+          <a:prstGeom prst="rect">
+            <a:avLst/>
+          </a:prstGeom>
+          <a:noFill/>
+          <a:ln>
+            <a:solidFill>
+              <a:schemeClr val="tx1"/>
+            </a:solidFill>
+          </a:ln>
+        </p:spPr>
+        <p:txBody>
+          <a:bodyPr wrap="square" rtlCol="0">
+            <a:spAutoFit/>
+          </a:bodyPr>
+          <a:lstStyle/>
+          <a:p>
+            <a:endParaRPr kumimoji="1" lang="en-US" altLang="ja-JP" sz="900" dirty="0"/>
+          </a:p>
+          <a:p>
+            <a:r>
+              <a:rPr kumimoji="1" lang="en-US" altLang="ja-JP" sz="900" dirty="0"/>
+              <a:t>env MYSQL_PWD=${DB_PASSWORD} </a:t>
+            </a:r>
+            <a:r>
+              <a:rPr kumimoji="1" lang="en-US" altLang="ja-JP" sz="900" dirty="0" err="1"/>
+              <a:t>mysql</a:t>
+            </a:r>
+            <a:r>
+              <a:rPr kumimoji="1" lang="en-US" altLang="ja-JP" sz="900" dirty="0"/>
+              <a:t> -u${DB_USERNAME} ${DB_NAME} -h ${DB_HOST} &lt; "$SQL_REPLACE" 1&gt;${SQL_LOGFILE} 2&gt;&amp;1</a:t>
+            </a:r>
+          </a:p>
+          <a:p>
+            <a:r>
+              <a:rPr lang="ja-JP" altLang="en-US" sz="900" dirty="0"/>
+              <a:t>↓</a:t>
+            </a:r>
+            <a:endParaRPr lang="en-US" altLang="ja-JP" sz="900" dirty="0"/>
+          </a:p>
+          <a:p>
+            <a:r>
+              <a:rPr kumimoji="1" lang="en-US" altLang="ja-JP" sz="900" dirty="0"/>
+              <a:t>env MYSQL_PWD=${DB_PASSWORD} </a:t>
+            </a:r>
+            <a:r>
+              <a:rPr kumimoji="1" lang="en-US" altLang="ja-JP" sz="900" dirty="0" err="1">
+                <a:solidFill>
+                  <a:srgbClr val="FF0000"/>
+                </a:solidFill>
+              </a:rPr>
+              <a:t>mariadb</a:t>
+            </a:r>
+            <a:r>
+              <a:rPr kumimoji="1" lang="en-US" altLang="ja-JP" sz="900" dirty="0"/>
+              <a:t> -u${DB_USERNAME} ${DB_NAME} -h ${DB_HOST} &lt; "$SQL_REPLACE" 1&gt;${SQL_LOGFILE} 2&gt;&amp;1</a:t>
+            </a:r>
+          </a:p>
+        </p:txBody>
+      </p:sp>
+      <p:sp>
+        <p:nvSpPr>
+          <p:cNvPr id="8" name="タイトル 1">
+            <a:extLst>
+              <a:ext uri="{FF2B5EF4-FFF2-40B4-BE49-F238E27FC236}">
+                <a16:creationId xmlns:a16="http://schemas.microsoft.com/office/drawing/2014/main" id="{EC522FE5-1E46-E26C-B845-0E72E52DB2FA}"/>
+              </a:ext>
+            </a:extLst>
+          </p:cNvPr>
+          <p:cNvSpPr>
+            <a:spLocks noGrp="1"/>
+          </p:cNvSpPr>
+          <p:nvPr>
+            <p:ph type="title"/>
+          </p:nvPr>
+        </p:nvSpPr>
+        <p:spPr>
+          <a:xfrm>
+            <a:off x="179513" y="115200"/>
+            <a:ext cx="8784000" cy="468000"/>
+          </a:xfrm>
+        </p:spPr>
+        <p:txBody>
+          <a:bodyPr/>
+          <a:lstStyle/>
+          <a:p>
+            <a:r>
+              <a:rPr lang="en-US" altLang="ja-JP" dirty="0"/>
+              <a:t>3.3</a:t>
+            </a:r>
+            <a:r>
+              <a:rPr lang="ja-JP" altLang="en-US" dirty="0"/>
+              <a:t>　</a:t>
+            </a:r>
+            <a:r>
+              <a:rPr lang="en-US" altLang="ja-JP" dirty="0"/>
+              <a:t>Update</a:t>
+            </a:r>
+            <a:r>
+              <a:rPr lang="ja-JP" altLang="en-US" dirty="0"/>
+              <a:t>（</a:t>
+            </a:r>
+            <a:r>
+              <a:rPr lang="en-US" altLang="ja-JP" dirty="0"/>
+              <a:t>11/11</a:t>
+            </a:r>
+            <a:r>
+              <a:rPr lang="ja-JP" altLang="en-US" dirty="0"/>
+              <a:t>）</a:t>
+            </a:r>
+            <a:endParaRPr kumimoji="1" lang="ja-JP" altLang="en-US" dirty="0"/>
+          </a:p>
+        </p:txBody>
+      </p:sp>
+    </p:spTree>
+    <p:extLst>
+      <p:ext uri="{BB962C8B-B14F-4D97-AF65-F5344CB8AC3E}">
+        <p14:creationId xmlns:p14="http://schemas.microsoft.com/office/powerpoint/2010/main" val="722182644"/>
+      </p:ext>
+    </p:extLst>
+  </p:cSld>
+  <p:clrMapOvr>
+    <a:masterClrMapping/>
+  </p:clrMapOvr>
+</p:sld>
+</file>
+
+<file path=ppt/slides/slide21.xml><?xml version="1.0" encoding="utf-8"?>
+<p:sld xmlns:a="http://schemas.openxmlformats.org/drawingml/2006/main" xmlns:r="http://schemas.openxmlformats.org/officeDocument/2006/relationships" xmlns:p="http://schemas.openxmlformats.org/presentationml/2006/main">
+  <p:cSld>
+    <p:spTree>
+      <p:nvGrpSpPr>
+        <p:cNvPr id="1" name=""/>
+        <p:cNvGrpSpPr/>
+        <p:nvPr/>
+      </p:nvGrpSpPr>
+      <p:grpSpPr>
+        <a:xfrm>
+          <a:off x="0" y="0"/>
+          <a:ext cx="0" cy="0"/>
+          <a:chOff x="0" y="0"/>
+          <a:chExt cx="0" cy="0"/>
+        </a:xfrm>
+      </p:grpSpPr>
+      <p:sp>
+        <p:nvSpPr>
+          <p:cNvPr id="2" name="タイトル 1"/>
+          <p:cNvSpPr>
+            <a:spLocks noGrp="1"/>
+          </p:cNvSpPr>
+          <p:nvPr>
+            <p:ph type="title"/>
+          </p:nvPr>
+        </p:nvSpPr>
+        <p:spPr>
+          <a:xfrm>
+            <a:off x="179388" y="3045072"/>
+            <a:ext cx="8784000" cy="467239"/>
+          </a:xfrm>
+        </p:spPr>
+        <p:txBody>
+          <a:bodyPr/>
+          <a:lstStyle/>
+          <a:p>
+            <a:r>
+              <a:rPr lang="en-US" altLang="ja-JP" dirty="0"/>
+              <a:t>4.</a:t>
+            </a:r>
+            <a:r>
+              <a:rPr lang="ja-JP" altLang="en-US" dirty="0"/>
+              <a:t>　</a:t>
+            </a:r>
+            <a:r>
+              <a:rPr lang="en-US" altLang="ja-JP" dirty="0"/>
+              <a:t>ITA </a:t>
+            </a:r>
+            <a:r>
+              <a:rPr lang="en-US" altLang="ja-JP"/>
+              <a:t>Operation check</a:t>
+            </a:r>
+            <a:endParaRPr kumimoji="1" lang="ja-JP" altLang="en-US" dirty="0"/>
+          </a:p>
+        </p:txBody>
+      </p:sp>
+    </p:spTree>
+    <p:extLst>
+      <p:ext uri="{BB962C8B-B14F-4D97-AF65-F5344CB8AC3E}">
+        <p14:creationId xmlns:p14="http://schemas.microsoft.com/office/powerpoint/2010/main" val="3066568291"/>
+      </p:ext>
+    </p:extLst>
+  </p:cSld>
+  <p:clrMapOvr>
+    <a:masterClrMapping/>
+  </p:clrMapOvr>
+</p:sld>
+</file>
+
+<file path=ppt/slides/slide22.xml><?xml version="1.0" encoding="utf-8"?>
 <p:sld xmlns:a="http://schemas.openxmlformats.org/drawingml/2006/main" xmlns:r="http://schemas.openxmlformats.org/officeDocument/2006/relationships" xmlns:p="http://schemas.openxmlformats.org/presentationml/2006/main">
   <p:cSld>
     <p:spTree>
@@ -19760,7 +20259,7 @@
             </a:r>
             <a:r>
               <a:rPr lang="en-US" altLang="ja-JP" dirty="0"/>
-              <a:t>1/1</a:t>
+              <a:t>1/2</a:t>
             </a:r>
             <a:r>
               <a:rPr lang="ja-JP" altLang="en-US" dirty="0"/>
@@ -19929,7 +20428,7 @@
 </p:sld>
 </file>
 
-<file path=ppt/slides/slide21.xml><?xml version="1.0" encoding="utf-8"?>
+<file path=ppt/slides/slide23.xml><?xml version="1.0" encoding="utf-8"?>
 <p:sld xmlns:a="http://schemas.openxmlformats.org/drawingml/2006/main" xmlns:r="http://schemas.openxmlformats.org/officeDocument/2006/relationships" xmlns:p="http://schemas.openxmlformats.org/presentationml/2006/main">
   <p:cSld>
     <p:spTree>
@@ -19963,7 +20462,7 @@
           <a:p>
             <a:r>
               <a:rPr lang="en-US" altLang="ja-JP" dirty="0"/>
-              <a:t>4.2</a:t>
+              <a:t>4.1</a:t>
             </a:r>
             <a:r>
               <a:rPr lang="ja-JP" altLang="en-US" dirty="0"/>
@@ -20239,7 +20738,7 @@
 </p:sld>
 </file>
 
-<file path=ppt/slides/slide22.xml><?xml version="1.0" encoding="utf-8"?>
+<file path=ppt/slides/slide24.xml><?xml version="1.0" encoding="utf-8"?>
 <p:sld xmlns:a="http://schemas.openxmlformats.org/drawingml/2006/main" xmlns:r="http://schemas.openxmlformats.org/officeDocument/2006/relationships" xmlns:p="http://schemas.openxmlformats.org/presentationml/2006/main">
   <p:cSld>
     <p:spTree>
@@ -20744,18 +21243,6 @@
             <a:r>
               <a:rPr lang="en-US" altLang="ja-JP" dirty="0"/>
               <a:t>Preparation</a:t>
-            </a:r>
-            <a:r>
-              <a:rPr lang="ja-JP" altLang="en-US" dirty="0"/>
-              <a:t>（</a:t>
-            </a:r>
-            <a:r>
-              <a:rPr lang="en-US" altLang="ja-JP" dirty="0"/>
-              <a:t>1/1</a:t>
-            </a:r>
-            <a:r>
-              <a:rPr lang="ja-JP" altLang="en-US" dirty="0"/>
-              <a:t>）</a:t>
             </a:r>
             <a:endParaRPr kumimoji="1" lang="ja-JP" altLang="en-US" dirty="0"/>
           </a:p>
@@ -21318,7 +21805,7 @@
             </a:r>
             <a:r>
               <a:rPr lang="en-US" altLang="ja-JP" dirty="0"/>
-              <a:t>update work flow</a:t>
+              <a:t>update workflow</a:t>
             </a:r>
             <a:endParaRPr kumimoji="1" lang="ja-JP" altLang="en-US" dirty="0"/>
           </a:p>

--- a/asset/Learn/ITA-version-up.pptx
+++ b/asset/Learn/ITA-version-up.pptx
@@ -328,7 +328,7 @@
               <a:rPr kumimoji="1" lang="ja-JP" altLang="en-US" smtClean="0">
                 <a:ea typeface="メイリオ" panose="020B0604030504040204" pitchFamily="50" charset="-128"/>
               </a:rPr>
-              <a:t>2023/7/21</a:t>
+              <a:t>2025/5/19</a:t>
             </a:fld>
             <a:endParaRPr kumimoji="1" lang="ja-JP" altLang="en-US" dirty="0">
               <a:ea typeface="メイリオ" panose="020B0604030504040204" pitchFamily="50" charset="-128"/>
@@ -474,7 +474,7 @@
             <a:fld id="{4B26993D-C081-44EB-B0F5-A9F467792B62}" type="datetimeFigureOut">
               <a:rPr lang="ja-JP" altLang="en-US" smtClean="0"/>
               <a:pPr/>
-              <a:t>2023/7/21</a:t>
+              <a:t>2025/5/19</a:t>
             </a:fld>
             <a:endParaRPr lang="ja-JP" altLang="en-US" dirty="0"/>
           </a:p>
@@ -1078,7 +1078,7 @@
           <a:p>
             <a:fld id="{56F9016B-CCA6-43BE-8BEE-59565A35F4F7}" type="datetimeFigureOut">
               <a:rPr kumimoji="1" lang="ja-JP" altLang="en-US" smtClean="0"/>
-              <a:t>2023/7/21</a:t>
+              <a:t>2025/5/19</a:t>
             </a:fld>
             <a:endParaRPr kumimoji="1" lang="ja-JP" altLang="en-US"/>
           </a:p>
@@ -1278,7 +1278,7 @@
           <a:p>
             <a:fld id="{56F9016B-CCA6-43BE-8BEE-59565A35F4F7}" type="datetimeFigureOut">
               <a:rPr kumimoji="1" lang="ja-JP" altLang="en-US" smtClean="0"/>
-              <a:t>2023/7/21</a:t>
+              <a:t>2025/5/19</a:t>
             </a:fld>
             <a:endParaRPr kumimoji="1" lang="ja-JP" altLang="en-US"/>
           </a:p>
@@ -1523,7 +1523,7 @@
           <a:p>
             <a:fld id="{56F9016B-CCA6-43BE-8BEE-59565A35F4F7}" type="datetimeFigureOut">
               <a:rPr kumimoji="1" lang="ja-JP" altLang="en-US" smtClean="0"/>
-              <a:t>2023/7/21</a:t>
+              <a:t>2025/5/19</a:t>
             </a:fld>
             <a:endParaRPr kumimoji="1" lang="ja-JP" altLang="en-US"/>
           </a:p>
@@ -1816,7 +1816,7 @@
           <a:p>
             <a:fld id="{56F9016B-CCA6-43BE-8BEE-59565A35F4F7}" type="datetimeFigureOut">
               <a:rPr kumimoji="1" lang="ja-JP" altLang="en-US" smtClean="0"/>
-              <a:t>2023/7/21</a:t>
+              <a:t>2025/5/19</a:t>
             </a:fld>
             <a:endParaRPr kumimoji="1" lang="ja-JP" altLang="en-US"/>
           </a:p>
@@ -2244,7 +2244,7 @@
           <a:p>
             <a:fld id="{56F9016B-CCA6-43BE-8BEE-59565A35F4F7}" type="datetimeFigureOut">
               <a:rPr kumimoji="1" lang="ja-JP" altLang="en-US" smtClean="0"/>
-              <a:t>2023/7/21</a:t>
+              <a:t>2025/5/19</a:t>
             </a:fld>
             <a:endParaRPr kumimoji="1" lang="ja-JP" altLang="en-US"/>
           </a:p>
@@ -2361,7 +2361,7 @@
           <a:p>
             <a:fld id="{56F9016B-CCA6-43BE-8BEE-59565A35F4F7}" type="datetimeFigureOut">
               <a:rPr kumimoji="1" lang="ja-JP" altLang="en-US" smtClean="0"/>
-              <a:t>2023/7/21</a:t>
+              <a:t>2025/5/19</a:t>
             </a:fld>
             <a:endParaRPr kumimoji="1" lang="ja-JP" altLang="en-US"/>
           </a:p>
@@ -2456,7 +2456,7 @@
           <a:p>
             <a:fld id="{56F9016B-CCA6-43BE-8BEE-59565A35F4F7}" type="datetimeFigureOut">
               <a:rPr kumimoji="1" lang="ja-JP" altLang="en-US" smtClean="0"/>
-              <a:t>2023/7/21</a:t>
+              <a:t>2025/5/19</a:t>
             </a:fld>
             <a:endParaRPr kumimoji="1" lang="ja-JP" altLang="en-US"/>
           </a:p>
@@ -2763,7 +2763,7 @@
           <a:p>
             <a:fld id="{56F9016B-CCA6-43BE-8BEE-59565A35F4F7}" type="datetimeFigureOut">
               <a:rPr kumimoji="1" lang="ja-JP" altLang="en-US" smtClean="0"/>
-              <a:t>2023/7/21</a:t>
+              <a:t>2025/5/19</a:t>
             </a:fld>
             <a:endParaRPr kumimoji="1" lang="ja-JP" altLang="en-US"/>
           </a:p>
@@ -3015,7 +3015,7 @@
           <a:p>
             <a:fld id="{56F9016B-CCA6-43BE-8BEE-59565A35F4F7}" type="datetimeFigureOut">
               <a:rPr kumimoji="1" lang="ja-JP" altLang="en-US" smtClean="0"/>
-              <a:t>2023/7/21</a:t>
+              <a:t>2025/5/19</a:t>
             </a:fld>
             <a:endParaRPr kumimoji="1" lang="ja-JP" altLang="en-US"/>
           </a:p>
@@ -3282,7 +3282,7 @@
           <a:p>
             <a:fld id="{56F9016B-CCA6-43BE-8BEE-59565A35F4F7}" type="datetimeFigureOut">
               <a:rPr kumimoji="1" lang="ja-JP" altLang="en-US" smtClean="0"/>
-              <a:t>2023/7/21</a:t>
+              <a:t>2025/5/19</a:t>
             </a:fld>
             <a:endParaRPr kumimoji="1" lang="ja-JP" altLang="en-US"/>
           </a:p>
@@ -3492,7 +3492,7 @@
           <a:p>
             <a:fld id="{56F9016B-CCA6-43BE-8BEE-59565A35F4F7}" type="datetimeFigureOut">
               <a:rPr kumimoji="1" lang="ja-JP" altLang="en-US" smtClean="0"/>
-              <a:t>2023/7/21</a:t>
+              <a:t>2025/5/19</a:t>
             </a:fld>
             <a:endParaRPr kumimoji="1" lang="ja-JP" altLang="en-US"/>
           </a:p>
@@ -6480,7 +6480,7 @@
           <a:p>
             <a:fld id="{56F9016B-CCA6-43BE-8BEE-59565A35F4F7}" type="datetimeFigureOut">
               <a:rPr kumimoji="1" lang="ja-JP" altLang="en-US" smtClean="0"/>
-              <a:t>2023/7/21</a:t>
+              <a:t>2025/5/19</a:t>
             </a:fld>
             <a:endParaRPr kumimoji="1" lang="ja-JP" altLang="en-US"/>
           </a:p>
@@ -6907,7 +6907,7 @@
           <a:p>
             <a:r>
               <a:rPr lang="en-US" altLang="ja-JP" dirty="0"/>
-              <a:t>Exastro IT Automation Version 1.11</a:t>
+              <a:t>Exastro IT Automation Version 1.12</a:t>
             </a:r>
           </a:p>
           <a:p>
@@ -16613,14 +16613,14 @@
           <p:nvPr>
             <p:extLst>
               <p:ext uri="{D42A27DB-BD31-4B8C-83A1-F6EECF244321}">
-                <p14:modId xmlns:p14="http://schemas.microsoft.com/office/powerpoint/2010/main" val="3599554657"/>
+                <p14:modId xmlns:p14="http://schemas.microsoft.com/office/powerpoint/2010/main" val="1990943618"/>
               </p:ext>
             </p:extLst>
           </p:nvPr>
         </p:nvGraphicFramePr>
         <p:xfrm>
           <a:off x="161947" y="764630"/>
-          <a:ext cx="8819131" cy="2871591"/>
+          <a:ext cx="8819131" cy="3073900"/>
         </p:xfrm>
         <a:graphic>
           <a:graphicData uri="http://schemas.openxmlformats.org/drawingml/2006/table">
@@ -18522,6 +18522,139 @@
                           <a:effectLst/>
                         </a:rPr>
                         <a:t>There are no libraries added in Version 1.11.1</a:t>
+                      </a:r>
+                      <a:endParaRPr lang="ja-JP" altLang="ja-JP" sz="1050" kern="100" dirty="0">
+                        <a:effectLst/>
+                        <a:latin typeface="+mn-ea"/>
+                        <a:ea typeface="+mn-ea"/>
+                        <a:cs typeface="Times New Roman" panose="02020603050405020304" pitchFamily="18" charset="0"/>
+                      </a:endParaRPr>
+                    </a:p>
+                  </a:txBody>
+                  <a:tcPr marL="68580" marR="68580" marT="0" marB="0" anchor="ctr"/>
+                </a:tc>
+                <a:tc hMerge="1">
+                  <a:txBody>
+                    <a:bodyPr/>
+                    <a:lstStyle/>
+                    <a:p>
+                      <a:endParaRPr kumimoji="1" lang="ja-JP" altLang="en-US"/>
+                    </a:p>
+                  </a:txBody>
+                  <a:tcPr/>
+                </a:tc>
+                <a:tc hMerge="1">
+                  <a:txBody>
+                    <a:bodyPr/>
+                    <a:lstStyle/>
+                    <a:p>
+                      <a:endParaRPr kumimoji="1" lang="ja-JP" altLang="en-US"/>
+                    </a:p>
+                  </a:txBody>
+                  <a:tcPr/>
+                </a:tc>
+                <a:tc hMerge="1">
+                  <a:txBody>
+                    <a:bodyPr/>
+                    <a:lstStyle/>
+                    <a:p>
+                      <a:endParaRPr kumimoji="1" lang="ja-JP" altLang="en-US"/>
+                    </a:p>
+                  </a:txBody>
+                  <a:tcPr/>
+                </a:tc>
+                <a:tc hMerge="1">
+                  <a:txBody>
+                    <a:bodyPr/>
+                    <a:lstStyle/>
+                    <a:p>
+                      <a:endParaRPr kumimoji="1" lang="ja-JP" altLang="en-US"/>
+                    </a:p>
+                  </a:txBody>
+                  <a:tcPr/>
+                </a:tc>
+                <a:tc hMerge="1">
+                  <a:txBody>
+                    <a:bodyPr/>
+                    <a:lstStyle/>
+                    <a:p>
+                      <a:endParaRPr kumimoji="1" lang="ja-JP" altLang="en-US"/>
+                    </a:p>
+                  </a:txBody>
+                  <a:tcPr/>
+                </a:tc>
+                <a:extLst>
+                  <a:ext uri="{0D108BD9-81ED-4DB2-BD59-A6C34878D82A}">
+                    <a16:rowId xmlns:a16="http://schemas.microsoft.com/office/drawing/2014/main" val="1354406318"/>
+                  </a:ext>
+                </a:extLst>
+              </a:tr>
+              <a:tr h="202309">
+                <a:tc>
+                  <a:txBody>
+                    <a:bodyPr/>
+                    <a:lstStyle/>
+                    <a:p>
+                      <a:pPr marL="0" marR="0" lvl="0" indent="0" algn="just" defTabSz="914400" rtl="0" eaLnBrk="1" fontAlgn="auto" latinLnBrk="0" hangingPunct="1">
+                        <a:lnSpc>
+                          <a:spcPct val="100000"/>
+                        </a:lnSpc>
+                        <a:spcBef>
+                          <a:spcPts val="0"/>
+                        </a:spcBef>
+                        <a:spcAft>
+                          <a:spcPts val="0"/>
+                        </a:spcAft>
+                        <a:buClrTx/>
+                        <a:buSzTx/>
+                        <a:buFontTx/>
+                        <a:buNone/>
+                        <a:tabLst/>
+                        <a:defRPr/>
+                      </a:pPr>
+                      <a:r>
+                        <a:rPr lang="en-US" altLang="ja-JP" sz="1000" kern="0" dirty="0">
+                          <a:effectLst/>
+                        </a:rPr>
+                        <a:t>1.11.2</a:t>
+                      </a:r>
+                      <a:endParaRPr lang="ja-JP" altLang="ja-JP" sz="1000" kern="100" dirty="0">
+                        <a:effectLst/>
+                        <a:latin typeface="Century" panose="02040604050505020304" pitchFamily="18" charset="0"/>
+                        <a:ea typeface="ＭＳ 明朝" panose="02020609040205080304" pitchFamily="17" charset="-128"/>
+                        <a:cs typeface="Times New Roman" panose="02020603050405020304" pitchFamily="18" charset="0"/>
+                      </a:endParaRPr>
+                    </a:p>
+                  </a:txBody>
+                  <a:tcPr marL="68580" marR="68580" marT="0" marB="0" anchor="ctr"/>
+                </a:tc>
+                <a:tc gridSpan="6">
+                  <a:txBody>
+                    <a:bodyPr/>
+                    <a:lstStyle/>
+                    <a:p>
+                      <a:pPr marL="0" marR="0" lvl="0" indent="0" algn="ctr" defTabSz="914400" rtl="0" eaLnBrk="1" fontAlgn="auto" latinLnBrk="0" hangingPunct="1">
+                        <a:lnSpc>
+                          <a:spcPct val="100000"/>
+                        </a:lnSpc>
+                        <a:spcBef>
+                          <a:spcPts val="0"/>
+                        </a:spcBef>
+                        <a:spcAft>
+                          <a:spcPts val="0"/>
+                        </a:spcAft>
+                        <a:buClrTx/>
+                        <a:buSzTx/>
+                        <a:buFontTx/>
+                        <a:buNone/>
+                        <a:tabLst/>
+                        <a:defRPr/>
+                      </a:pPr>
+                      <a:r>
+                        <a:rPr lang="en-US" altLang="ja-JP" sz="1050" kern="100" dirty="0">
+                          <a:effectLst/>
+                        </a:rPr>
+                        <a:t>There are no libraries added in Version 1.11.2</a:t>
                       </a:r>
                       <a:endParaRPr lang="ja-JP" altLang="ja-JP" sz="1050" kern="100" dirty="0">
                         <a:effectLst/>
